--- a/Doc/ERP-система учебного заведения.pptx
+++ b/Doc/ERP-система учебного заведения.pptx
@@ -5,25 +5,26 @@
     <p:sldMasterId id="2147483648" r:id="rId1"/>
   </p:sldMasterIdLst>
   <p:notesMasterIdLst>
-    <p:notesMasterId r:id="rId15"/>
+    <p:notesMasterId r:id="rId16"/>
   </p:notesMasterIdLst>
   <p:handoutMasterIdLst>
-    <p:handoutMasterId r:id="rId16"/>
+    <p:handoutMasterId r:id="rId17"/>
   </p:handoutMasterIdLst>
   <p:sldIdLst>
     <p:sldId id="256" r:id="rId2"/>
     <p:sldId id="257" r:id="rId3"/>
     <p:sldId id="267" r:id="rId4"/>
     <p:sldId id="268" r:id="rId5"/>
-    <p:sldId id="258" r:id="rId6"/>
-    <p:sldId id="259" r:id="rId7"/>
-    <p:sldId id="260" r:id="rId8"/>
-    <p:sldId id="261" r:id="rId9"/>
-    <p:sldId id="262" r:id="rId10"/>
-    <p:sldId id="263" r:id="rId11"/>
-    <p:sldId id="264" r:id="rId12"/>
-    <p:sldId id="265" r:id="rId13"/>
-    <p:sldId id="266" r:id="rId14"/>
+    <p:sldId id="269" r:id="rId6"/>
+    <p:sldId id="258" r:id="rId7"/>
+    <p:sldId id="259" r:id="rId8"/>
+    <p:sldId id="260" r:id="rId9"/>
+    <p:sldId id="261" r:id="rId10"/>
+    <p:sldId id="262" r:id="rId11"/>
+    <p:sldId id="263" r:id="rId12"/>
+    <p:sldId id="264" r:id="rId13"/>
+    <p:sldId id="265" r:id="rId14"/>
+    <p:sldId id="266" r:id="rId15"/>
   </p:sldIdLst>
   <p:sldSz cx="12192000" cy="6858000"/>
   <p:notesSz cx="6858000" cy="9144000"/>
@@ -2312,6 +2313,402 @@
       <dsp:cNvGrpSpPr/>
     </dsp:nvGrpSpPr>
     <dsp:grpSpPr/>
+    <dsp:sp modelId="{325B9957-E809-4285-A870-20AA1AEAA8D7}">
+      <dsp:nvSpPr>
+        <dsp:cNvPr id="0" name=""/>
+        <dsp:cNvSpPr/>
+      </dsp:nvSpPr>
+      <dsp:spPr>
+        <a:xfrm>
+          <a:off x="0" y="3569039"/>
+          <a:ext cx="5029199" cy="780818"/>
+        </a:xfrm>
+        <a:prstGeom prst="rect">
+          <a:avLst/>
+        </a:prstGeom>
+        <a:gradFill rotWithShape="0">
+          <a:gsLst>
+            <a:gs pos="0">
+              <a:schemeClr val="lt1">
+                <a:hueOff val="0"/>
+                <a:satOff val="0"/>
+                <a:lumOff val="0"/>
+                <a:alphaOff val="0"/>
+                <a:satMod val="103000"/>
+                <a:lumMod val="102000"/>
+                <a:tint val="94000"/>
+              </a:schemeClr>
+            </a:gs>
+            <a:gs pos="50000">
+              <a:schemeClr val="lt1">
+                <a:hueOff val="0"/>
+                <a:satOff val="0"/>
+                <a:lumOff val="0"/>
+                <a:alphaOff val="0"/>
+                <a:satMod val="110000"/>
+                <a:lumMod val="100000"/>
+                <a:shade val="100000"/>
+              </a:schemeClr>
+            </a:gs>
+            <a:gs pos="100000">
+              <a:schemeClr val="lt1">
+                <a:hueOff val="0"/>
+                <a:satOff val="0"/>
+                <a:lumOff val="0"/>
+                <a:alphaOff val="0"/>
+                <a:lumMod val="99000"/>
+                <a:satMod val="120000"/>
+                <a:shade val="78000"/>
+              </a:schemeClr>
+            </a:gs>
+          </a:gsLst>
+          <a:lin ang="5400000" scaled="0"/>
+        </a:gradFill>
+        <a:ln>
+          <a:noFill/>
+        </a:ln>
+        <a:effectLst/>
+      </dsp:spPr>
+      <dsp:style>
+        <a:lnRef idx="0">
+          <a:scrgbClr r="0" g="0" b="0"/>
+        </a:lnRef>
+        <a:fillRef idx="3">
+          <a:scrgbClr r="0" g="0" b="0"/>
+        </a:fillRef>
+        <a:effectRef idx="2">
+          <a:scrgbClr r="0" g="0" b="0"/>
+        </a:effectRef>
+        <a:fontRef idx="minor">
+          <a:schemeClr val="lt1"/>
+        </a:fontRef>
+      </dsp:style>
+      <dsp:txBody>
+        <a:bodyPr spcFirstLastPara="0" vert="horz" wrap="square" lIns="192024" tIns="192024" rIns="192024" bIns="192024" numCol="1" spcCol="1270" rtlCol="0" anchor="ctr" anchorCtr="0">
+          <a:noAutofit/>
+        </a:bodyPr>
+        <a:lstStyle/>
+        <a:p>
+          <a:pPr lvl="0" algn="ctr" defTabSz="1200150" rtl="0">
+            <a:lnSpc>
+              <a:spcPct val="90000"/>
+            </a:lnSpc>
+            <a:spcBef>
+              <a:spcPct val="0"/>
+            </a:spcBef>
+            <a:spcAft>
+              <a:spcPct val="35000"/>
+            </a:spcAft>
+          </a:pPr>
+          <a:r>
+            <a:rPr lang="ru-RU" sz="2700" kern="1200" noProof="0" dirty="0" smtClean="0"/>
+            <a:t>Заголовок этапа 4</a:t>
+          </a:r>
+          <a:endParaRPr lang="ru-RU" sz="2700" kern="1200" noProof="0" dirty="0"/>
+        </a:p>
+      </dsp:txBody>
+      <dsp:txXfrm>
+        <a:off x="0" y="3569039"/>
+        <a:ext cx="5029199" cy="780818"/>
+      </dsp:txXfrm>
+    </dsp:sp>
+    <dsp:sp modelId="{C830B7C4-5210-41AC-A88B-BECF7607C1E5}">
+      <dsp:nvSpPr>
+        <dsp:cNvPr id="0" name=""/>
+        <dsp:cNvSpPr/>
+      </dsp:nvSpPr>
+      <dsp:spPr>
+        <a:xfrm rot="10800000">
+          <a:off x="0" y="2379853"/>
+          <a:ext cx="5029199" cy="1200899"/>
+        </a:xfrm>
+        <a:prstGeom prst="upArrowCallout">
+          <a:avLst/>
+        </a:prstGeom>
+        <a:gradFill rotWithShape="0">
+          <a:gsLst>
+            <a:gs pos="0">
+              <a:schemeClr val="lt1">
+                <a:hueOff val="0"/>
+                <a:satOff val="0"/>
+                <a:lumOff val="0"/>
+                <a:alphaOff val="0"/>
+                <a:satMod val="103000"/>
+                <a:lumMod val="102000"/>
+                <a:tint val="94000"/>
+              </a:schemeClr>
+            </a:gs>
+            <a:gs pos="50000">
+              <a:schemeClr val="lt1">
+                <a:hueOff val="0"/>
+                <a:satOff val="0"/>
+                <a:lumOff val="0"/>
+                <a:alphaOff val="0"/>
+                <a:satMod val="110000"/>
+                <a:lumMod val="100000"/>
+                <a:shade val="100000"/>
+              </a:schemeClr>
+            </a:gs>
+            <a:gs pos="100000">
+              <a:schemeClr val="lt1">
+                <a:hueOff val="0"/>
+                <a:satOff val="0"/>
+                <a:lumOff val="0"/>
+                <a:alphaOff val="0"/>
+                <a:lumMod val="99000"/>
+                <a:satMod val="120000"/>
+                <a:shade val="78000"/>
+              </a:schemeClr>
+            </a:gs>
+          </a:gsLst>
+          <a:lin ang="5400000" scaled="0"/>
+        </a:gradFill>
+        <a:ln>
+          <a:noFill/>
+        </a:ln>
+        <a:effectLst/>
+      </dsp:spPr>
+      <dsp:style>
+        <a:lnRef idx="0">
+          <a:scrgbClr r="0" g="0" b="0"/>
+        </a:lnRef>
+        <a:fillRef idx="3">
+          <a:scrgbClr r="0" g="0" b="0"/>
+        </a:fillRef>
+        <a:effectRef idx="2">
+          <a:scrgbClr r="0" g="0" b="0"/>
+        </a:effectRef>
+        <a:fontRef idx="minor">
+          <a:schemeClr val="lt1"/>
+        </a:fontRef>
+      </dsp:style>
+      <dsp:txBody>
+        <a:bodyPr spcFirstLastPara="0" vert="horz" wrap="square" lIns="192024" tIns="192024" rIns="192024" bIns="192024" numCol="1" spcCol="1270" rtlCol="0" anchor="ctr" anchorCtr="0">
+          <a:noAutofit/>
+        </a:bodyPr>
+        <a:lstStyle/>
+        <a:p>
+          <a:pPr lvl="0" algn="ctr" defTabSz="1200150" rtl="0">
+            <a:lnSpc>
+              <a:spcPct val="90000"/>
+            </a:lnSpc>
+            <a:spcBef>
+              <a:spcPct val="0"/>
+            </a:spcBef>
+            <a:spcAft>
+              <a:spcPct val="35000"/>
+            </a:spcAft>
+          </a:pPr>
+          <a:r>
+            <a:rPr lang="ru-RU" sz="2700" kern="1200" noProof="0" dirty="0" smtClean="0"/>
+            <a:t>Заголовок этапа 3</a:t>
+          </a:r>
+          <a:endParaRPr lang="ru-RU" sz="2700" kern="1200" noProof="0" dirty="0"/>
+        </a:p>
+      </dsp:txBody>
+      <dsp:txXfrm rot="10800000">
+        <a:off x="0" y="2379853"/>
+        <a:ext cx="5029199" cy="780308"/>
+      </dsp:txXfrm>
+    </dsp:sp>
+    <dsp:sp modelId="{D5473CBC-EEC3-408A-B4A6-07882F253A8B}">
+      <dsp:nvSpPr>
+        <dsp:cNvPr id="0" name=""/>
+        <dsp:cNvSpPr/>
+      </dsp:nvSpPr>
+      <dsp:spPr>
+        <a:xfrm rot="10800000">
+          <a:off x="0" y="1190666"/>
+          <a:ext cx="5029199" cy="1200899"/>
+        </a:xfrm>
+        <a:prstGeom prst="upArrowCallout">
+          <a:avLst/>
+        </a:prstGeom>
+        <a:gradFill rotWithShape="0">
+          <a:gsLst>
+            <a:gs pos="0">
+              <a:schemeClr val="lt1">
+                <a:hueOff val="0"/>
+                <a:satOff val="0"/>
+                <a:lumOff val="0"/>
+                <a:alphaOff val="0"/>
+                <a:satMod val="103000"/>
+                <a:lumMod val="102000"/>
+                <a:tint val="94000"/>
+              </a:schemeClr>
+            </a:gs>
+            <a:gs pos="50000">
+              <a:schemeClr val="lt1">
+                <a:hueOff val="0"/>
+                <a:satOff val="0"/>
+                <a:lumOff val="0"/>
+                <a:alphaOff val="0"/>
+                <a:satMod val="110000"/>
+                <a:lumMod val="100000"/>
+                <a:shade val="100000"/>
+              </a:schemeClr>
+            </a:gs>
+            <a:gs pos="100000">
+              <a:schemeClr val="lt1">
+                <a:hueOff val="0"/>
+                <a:satOff val="0"/>
+                <a:lumOff val="0"/>
+                <a:alphaOff val="0"/>
+                <a:lumMod val="99000"/>
+                <a:satMod val="120000"/>
+                <a:shade val="78000"/>
+              </a:schemeClr>
+            </a:gs>
+          </a:gsLst>
+          <a:lin ang="5400000" scaled="0"/>
+        </a:gradFill>
+        <a:ln>
+          <a:noFill/>
+        </a:ln>
+        <a:effectLst/>
+      </dsp:spPr>
+      <dsp:style>
+        <a:lnRef idx="0">
+          <a:scrgbClr r="0" g="0" b="0"/>
+        </a:lnRef>
+        <a:fillRef idx="3">
+          <a:scrgbClr r="0" g="0" b="0"/>
+        </a:fillRef>
+        <a:effectRef idx="2">
+          <a:scrgbClr r="0" g="0" b="0"/>
+        </a:effectRef>
+        <a:fontRef idx="minor">
+          <a:schemeClr val="lt1"/>
+        </a:fontRef>
+      </dsp:style>
+      <dsp:txBody>
+        <a:bodyPr spcFirstLastPara="0" vert="horz" wrap="square" lIns="192024" tIns="192024" rIns="192024" bIns="192024" numCol="1" spcCol="1270" rtlCol="0" anchor="ctr" anchorCtr="0">
+          <a:noAutofit/>
+        </a:bodyPr>
+        <a:lstStyle/>
+        <a:p>
+          <a:pPr lvl="0" algn="ctr" defTabSz="1200150" rtl="0">
+            <a:lnSpc>
+              <a:spcPct val="90000"/>
+            </a:lnSpc>
+            <a:spcBef>
+              <a:spcPct val="0"/>
+            </a:spcBef>
+            <a:spcAft>
+              <a:spcPct val="35000"/>
+            </a:spcAft>
+          </a:pPr>
+          <a:r>
+            <a:rPr lang="ru-RU" sz="2700" kern="1200" noProof="0" dirty="0" smtClean="0"/>
+            <a:t>Заголовок этапа 2</a:t>
+          </a:r>
+          <a:endParaRPr lang="ru-RU" sz="2700" kern="1200" noProof="0" dirty="0"/>
+        </a:p>
+      </dsp:txBody>
+      <dsp:txXfrm rot="10800000">
+        <a:off x="0" y="1190666"/>
+        <a:ext cx="5029199" cy="780308"/>
+      </dsp:txXfrm>
+    </dsp:sp>
+    <dsp:sp modelId="{32FA43B7-34B4-4881-9A79-E3EDEC9D4CBF}">
+      <dsp:nvSpPr>
+        <dsp:cNvPr id="0" name=""/>
+        <dsp:cNvSpPr/>
+      </dsp:nvSpPr>
+      <dsp:spPr>
+        <a:xfrm rot="10800000">
+          <a:off x="0" y="1479"/>
+          <a:ext cx="5029199" cy="1200899"/>
+        </a:xfrm>
+        <a:prstGeom prst="upArrowCallout">
+          <a:avLst/>
+        </a:prstGeom>
+        <a:gradFill rotWithShape="0">
+          <a:gsLst>
+            <a:gs pos="0">
+              <a:schemeClr val="lt1">
+                <a:hueOff val="0"/>
+                <a:satOff val="0"/>
+                <a:lumOff val="0"/>
+                <a:alphaOff val="0"/>
+                <a:satMod val="103000"/>
+                <a:lumMod val="102000"/>
+                <a:tint val="94000"/>
+              </a:schemeClr>
+            </a:gs>
+            <a:gs pos="50000">
+              <a:schemeClr val="lt1">
+                <a:hueOff val="0"/>
+                <a:satOff val="0"/>
+                <a:lumOff val="0"/>
+                <a:alphaOff val="0"/>
+                <a:satMod val="110000"/>
+                <a:lumMod val="100000"/>
+                <a:shade val="100000"/>
+              </a:schemeClr>
+            </a:gs>
+            <a:gs pos="100000">
+              <a:schemeClr val="lt1">
+                <a:hueOff val="0"/>
+                <a:satOff val="0"/>
+                <a:lumOff val="0"/>
+                <a:alphaOff val="0"/>
+                <a:lumMod val="99000"/>
+                <a:satMod val="120000"/>
+                <a:shade val="78000"/>
+              </a:schemeClr>
+            </a:gs>
+          </a:gsLst>
+          <a:lin ang="5400000" scaled="0"/>
+        </a:gradFill>
+        <a:ln>
+          <a:noFill/>
+        </a:ln>
+        <a:effectLst/>
+      </dsp:spPr>
+      <dsp:style>
+        <a:lnRef idx="0">
+          <a:scrgbClr r="0" g="0" b="0"/>
+        </a:lnRef>
+        <a:fillRef idx="3">
+          <a:scrgbClr r="0" g="0" b="0"/>
+        </a:fillRef>
+        <a:effectRef idx="2">
+          <a:scrgbClr r="0" g="0" b="0"/>
+        </a:effectRef>
+        <a:fontRef idx="minor">
+          <a:schemeClr val="lt1"/>
+        </a:fontRef>
+      </dsp:style>
+      <dsp:txBody>
+        <a:bodyPr spcFirstLastPara="0" vert="horz" wrap="square" lIns="192024" tIns="192024" rIns="192024" bIns="192024" numCol="1" spcCol="1270" rtlCol="0" anchor="ctr" anchorCtr="0">
+          <a:noAutofit/>
+        </a:bodyPr>
+        <a:lstStyle/>
+        <a:p>
+          <a:pPr lvl="0" algn="ctr" defTabSz="1200150" rtl="0">
+            <a:lnSpc>
+              <a:spcPct val="90000"/>
+            </a:lnSpc>
+            <a:spcBef>
+              <a:spcPct val="0"/>
+            </a:spcBef>
+            <a:spcAft>
+              <a:spcPct val="35000"/>
+            </a:spcAft>
+          </a:pPr>
+          <a:r>
+            <a:rPr lang="ru-RU" sz="2700" kern="1200" noProof="0" dirty="0" smtClean="0"/>
+            <a:t>Заголовок этапа 1</a:t>
+          </a:r>
+          <a:endParaRPr lang="ru-RU" sz="2700" kern="1200" noProof="0" dirty="0"/>
+        </a:p>
+      </dsp:txBody>
+      <dsp:txXfrm rot="10800000">
+        <a:off x="0" y="1479"/>
+        <a:ext cx="5029199" cy="780308"/>
+      </dsp:txXfrm>
+    </dsp:sp>
   </dsp:spTree>
 </dsp:drawing>
 </file>
@@ -4390,7 +4787,7 @@
     </p:spTree>
     <p:extLst>
       <p:ext uri="{BB962C8B-B14F-4D97-AF65-F5344CB8AC3E}">
-        <p14:creationId xmlns:p14="http://schemas.microsoft.com/office/powerpoint/2010/main" val="1181265502"/>
+        <p14:creationId xmlns:p14="http://schemas.microsoft.com/office/powerpoint/2010/main" val="1627212239"/>
       </p:ext>
     </p:extLst>
   </p:cSld>
@@ -4475,7 +4872,7 @@
     </p:spTree>
     <p:extLst>
       <p:ext uri="{BB962C8B-B14F-4D97-AF65-F5344CB8AC3E}">
-        <p14:creationId xmlns:p14="http://schemas.microsoft.com/office/powerpoint/2010/main" val="2331489532"/>
+        <p14:creationId xmlns:p14="http://schemas.microsoft.com/office/powerpoint/2010/main" val="1181265502"/>
       </p:ext>
     </p:extLst>
   </p:cSld>
@@ -4560,7 +4957,7 @@
     </p:spTree>
     <p:extLst>
       <p:ext uri="{BB962C8B-B14F-4D97-AF65-F5344CB8AC3E}">
-        <p14:creationId xmlns:p14="http://schemas.microsoft.com/office/powerpoint/2010/main" val="1117137339"/>
+        <p14:creationId xmlns:p14="http://schemas.microsoft.com/office/powerpoint/2010/main" val="2331489532"/>
       </p:ext>
     </p:extLst>
   </p:cSld>
@@ -4637,6 +5034,91 @@
             <a:fld id="{8DAEC444-603B-4F09-9A06-5917518DD901}" type="slidenum">
               <a:rPr lang="ru-RU" smtClean="0"/>
               <a:t>13</a:t>
+            </a:fld>
+            <a:endParaRPr lang="ru-RU" dirty="0"/>
+          </a:p>
+        </p:txBody>
+      </p:sp>
+    </p:spTree>
+    <p:extLst>
+      <p:ext uri="{BB962C8B-B14F-4D97-AF65-F5344CB8AC3E}">
+        <p14:creationId xmlns:p14="http://schemas.microsoft.com/office/powerpoint/2010/main" val="1117137339"/>
+      </p:ext>
+    </p:extLst>
+  </p:cSld>
+  <p:clrMapOvr>
+    <a:masterClrMapping/>
+  </p:clrMapOvr>
+</p:notes>
+</file>
+
+<file path=ppt/notesSlides/notesSlide14.xml><?xml version="1.0" encoding="utf-8"?>
+<p:notes xmlns:a="http://schemas.openxmlformats.org/drawingml/2006/main" xmlns:r="http://schemas.openxmlformats.org/officeDocument/2006/relationships" xmlns:p="http://schemas.openxmlformats.org/presentationml/2006/main">
+  <p:cSld>
+    <p:spTree>
+      <p:nvGrpSpPr>
+        <p:cNvPr id="1" name=""/>
+        <p:cNvGrpSpPr/>
+        <p:nvPr/>
+      </p:nvGrpSpPr>
+      <p:grpSpPr>
+        <a:xfrm>
+          <a:off x="0" y="0"/>
+          <a:ext cx="0" cy="0"/>
+          <a:chOff x="0" y="0"/>
+          <a:chExt cx="0" cy="0"/>
+        </a:xfrm>
+      </p:grpSpPr>
+      <p:sp>
+        <p:nvSpPr>
+          <p:cNvPr id="2" name="Образ слайда 1"/>
+          <p:cNvSpPr>
+            <a:spLocks noGrp="1" noRot="1" noChangeAspect="1"/>
+          </p:cNvSpPr>
+          <p:nvPr>
+            <p:ph type="sldImg"/>
+          </p:nvPr>
+        </p:nvSpPr>
+        <p:spPr/>
+      </p:sp>
+      <p:sp>
+        <p:nvSpPr>
+          <p:cNvPr id="3" name="Заметки 2"/>
+          <p:cNvSpPr>
+            <a:spLocks noGrp="1"/>
+          </p:cNvSpPr>
+          <p:nvPr>
+            <p:ph type="body" idx="1"/>
+          </p:nvPr>
+        </p:nvSpPr>
+        <p:spPr/>
+        <p:txBody>
+          <a:bodyPr/>
+          <a:lstStyle/>
+          <a:p>
+            <a:endParaRPr lang="ru-RU" dirty="0"/>
+          </a:p>
+        </p:txBody>
+      </p:sp>
+      <p:sp>
+        <p:nvSpPr>
+          <p:cNvPr id="4" name="Номер слайда 3"/>
+          <p:cNvSpPr>
+            <a:spLocks noGrp="1"/>
+          </p:cNvSpPr>
+          <p:nvPr>
+            <p:ph type="sldNum" sz="quarter" idx="10"/>
+          </p:nvPr>
+        </p:nvSpPr>
+        <p:spPr/>
+        <p:txBody>
+          <a:bodyPr/>
+          <a:lstStyle/>
+          <a:p>
+            <a:pPr rtl="0"/>
+            <a:fld id="{8DAEC444-603B-4F09-9A06-5917518DD901}" type="slidenum">
+              <a:rPr lang="ru-RU" smtClean="0"/>
+              <a:t>14</a:t>
             </a:fld>
             <a:endParaRPr lang="ru-RU" dirty="0"/>
           </a:p>
@@ -4989,19 +5471,27 @@
           <a:bodyPr/>
           <a:lstStyle/>
           <a:p>
-            <a:pPr rtl="0"/>
             <a:fld id="{8DAEC444-603B-4F09-9A06-5917518DD901}" type="slidenum">
-              <a:rPr lang="ru-RU" smtClean="0"/>
+              <a:rPr lang="ru-RU" smtClean="0">
+                <a:solidFill>
+                  <a:srgbClr val="3D372E"/>
+                </a:solidFill>
+              </a:rPr>
+              <a:pPr/>
               <a:t>5</a:t>
             </a:fld>
-            <a:endParaRPr lang="ru-RU" dirty="0"/>
+            <a:endParaRPr lang="ru-RU" dirty="0">
+              <a:solidFill>
+                <a:srgbClr val="3D372E"/>
+              </a:solidFill>
+            </a:endParaRPr>
           </a:p>
         </p:txBody>
       </p:sp>
     </p:spTree>
     <p:extLst>
       <p:ext uri="{BB962C8B-B14F-4D97-AF65-F5344CB8AC3E}">
-        <p14:creationId xmlns:p14="http://schemas.microsoft.com/office/powerpoint/2010/main" val="1782910735"/>
+        <p14:creationId xmlns:p14="http://schemas.microsoft.com/office/powerpoint/2010/main" val="1067706141"/>
       </p:ext>
     </p:extLst>
   </p:cSld>
@@ -5086,7 +5576,7 @@
     </p:spTree>
     <p:extLst>
       <p:ext uri="{BB962C8B-B14F-4D97-AF65-F5344CB8AC3E}">
-        <p14:creationId xmlns:p14="http://schemas.microsoft.com/office/powerpoint/2010/main" val="805343078"/>
+        <p14:creationId xmlns:p14="http://schemas.microsoft.com/office/powerpoint/2010/main" val="1782910735"/>
       </p:ext>
     </p:extLst>
   </p:cSld>
@@ -5171,7 +5661,7 @@
     </p:spTree>
     <p:extLst>
       <p:ext uri="{BB962C8B-B14F-4D97-AF65-F5344CB8AC3E}">
-        <p14:creationId xmlns:p14="http://schemas.microsoft.com/office/powerpoint/2010/main" val="1298818650"/>
+        <p14:creationId xmlns:p14="http://schemas.microsoft.com/office/powerpoint/2010/main" val="805343078"/>
       </p:ext>
     </p:extLst>
   </p:cSld>
@@ -5256,7 +5746,7 @@
     </p:spTree>
     <p:extLst>
       <p:ext uri="{BB962C8B-B14F-4D97-AF65-F5344CB8AC3E}">
-        <p14:creationId xmlns:p14="http://schemas.microsoft.com/office/powerpoint/2010/main" val="3211052725"/>
+        <p14:creationId xmlns:p14="http://schemas.microsoft.com/office/powerpoint/2010/main" val="1298818650"/>
       </p:ext>
     </p:extLst>
   </p:cSld>
@@ -5341,7 +5831,7 @@
     </p:spTree>
     <p:extLst>
       <p:ext uri="{BB962C8B-B14F-4D97-AF65-F5344CB8AC3E}">
-        <p14:creationId xmlns:p14="http://schemas.microsoft.com/office/powerpoint/2010/main" val="1627212239"/>
+        <p14:creationId xmlns:p14="http://schemas.microsoft.com/office/powerpoint/2010/main" val="3211052725"/>
       </p:ext>
     </p:extLst>
   </p:cSld>
@@ -8739,6 +9229,152 @@
             <a:pPr rtl="0"/>
             <a:r>
               <a:rPr lang="ru-RU" dirty="0" smtClean="0"/>
+              <a:t>Добавить заголовок слайда - 2</a:t>
+            </a:r>
+            <a:endParaRPr lang="ru-RU" dirty="0"/>
+          </a:p>
+        </p:txBody>
+      </p:sp>
+      <p:sp>
+        <p:nvSpPr>
+          <p:cNvPr id="3" name="Текст 2"/>
+          <p:cNvSpPr>
+            <a:spLocks noGrp="1"/>
+          </p:cNvSpPr>
+          <p:nvPr>
+            <p:ph type="body" idx="1"/>
+          </p:nvPr>
+        </p:nvSpPr>
+        <p:spPr/>
+        <p:txBody>
+          <a:bodyPr rtlCol="0"/>
+          <a:lstStyle/>
+          <a:p>
+            <a:pPr rtl="0"/>
+            <a:endParaRPr lang="ru-RU" dirty="0"/>
+          </a:p>
+        </p:txBody>
+      </p:sp>
+      <p:sp>
+        <p:nvSpPr>
+          <p:cNvPr id="4" name="Объект 3"/>
+          <p:cNvSpPr>
+            <a:spLocks noGrp="1"/>
+          </p:cNvSpPr>
+          <p:nvPr>
+            <p:ph sz="half" idx="2"/>
+          </p:nvPr>
+        </p:nvSpPr>
+        <p:spPr/>
+        <p:txBody>
+          <a:bodyPr rtlCol="0"/>
+          <a:lstStyle/>
+          <a:p>
+            <a:pPr rtl="0"/>
+            <a:endParaRPr lang="ru-RU" dirty="0"/>
+          </a:p>
+        </p:txBody>
+      </p:sp>
+      <p:sp>
+        <p:nvSpPr>
+          <p:cNvPr id="5" name="Текст 4"/>
+          <p:cNvSpPr>
+            <a:spLocks noGrp="1"/>
+          </p:cNvSpPr>
+          <p:nvPr>
+            <p:ph type="body" sz="quarter" idx="3"/>
+          </p:nvPr>
+        </p:nvSpPr>
+        <p:spPr/>
+        <p:txBody>
+          <a:bodyPr rtlCol="0"/>
+          <a:lstStyle/>
+          <a:p>
+            <a:pPr rtl="0"/>
+            <a:endParaRPr lang="ru-RU" dirty="0"/>
+          </a:p>
+        </p:txBody>
+      </p:sp>
+      <p:sp>
+        <p:nvSpPr>
+          <p:cNvPr id="6" name="Объект 5"/>
+          <p:cNvSpPr>
+            <a:spLocks noGrp="1"/>
+          </p:cNvSpPr>
+          <p:nvPr>
+            <p:ph sz="quarter" idx="4"/>
+          </p:nvPr>
+        </p:nvSpPr>
+        <p:spPr/>
+        <p:txBody>
+          <a:bodyPr rtlCol="0"/>
+          <a:lstStyle/>
+          <a:p>
+            <a:pPr rtl="0"/>
+            <a:endParaRPr lang="ru-RU" dirty="0"/>
+          </a:p>
+        </p:txBody>
+      </p:sp>
+    </p:spTree>
+    <p:extLst>
+      <p:ext uri="{BB962C8B-B14F-4D97-AF65-F5344CB8AC3E}">
+        <p14:creationId xmlns:p14="http://schemas.microsoft.com/office/powerpoint/2010/main" val="3387061768"/>
+      </p:ext>
+    </p:extLst>
+  </p:cSld>
+  <p:clrMapOvr>
+    <a:masterClrMapping/>
+  </p:clrMapOvr>
+  <mc:AlternateContent xmlns:mc="http://schemas.openxmlformats.org/markup-compatibility/2006" xmlns:p14="http://schemas.microsoft.com/office/powerpoint/2010/main">
+    <mc:Choice Requires="p14">
+      <p:transition spd="med" p14:dur="700">
+        <p:fade/>
+      </p:transition>
+    </mc:Choice>
+    <mc:Fallback xmlns="">
+      <p:transition spd="med">
+        <p:fade/>
+      </p:transition>
+    </mc:Fallback>
+  </mc:AlternateContent>
+</p:sld>
+</file>
+
+<file path=ppt/slides/slide11.xml><?xml version="1.0" encoding="utf-8"?>
+<p:sld xmlns:a="http://schemas.openxmlformats.org/drawingml/2006/main" xmlns:r="http://schemas.openxmlformats.org/officeDocument/2006/relationships" xmlns:p="http://schemas.openxmlformats.org/presentationml/2006/main">
+  <p:cSld>
+    <p:spTree>
+      <p:nvGrpSpPr>
+        <p:cNvPr id="1" name=""/>
+        <p:cNvGrpSpPr/>
+        <p:nvPr/>
+      </p:nvGrpSpPr>
+      <p:grpSpPr>
+        <a:xfrm>
+          <a:off x="0" y="0"/>
+          <a:ext cx="0" cy="0"/>
+          <a:chOff x="0" y="0"/>
+          <a:chExt cx="0" cy="0"/>
+        </a:xfrm>
+      </p:grpSpPr>
+      <p:sp>
+        <p:nvSpPr>
+          <p:cNvPr id="2" name="Заголовок 1"/>
+          <p:cNvSpPr>
+            <a:spLocks noGrp="1"/>
+          </p:cNvSpPr>
+          <p:nvPr>
+            <p:ph type="title"/>
+          </p:nvPr>
+        </p:nvSpPr>
+        <p:spPr/>
+        <p:txBody>
+          <a:bodyPr rtlCol="0"/>
+          <a:lstStyle/>
+          <a:p>
+            <a:pPr rtl="0"/>
+            <a:r>
+              <a:rPr lang="ru-RU" dirty="0" smtClean="0"/>
               <a:t>Добавить заголовок слайда - 3</a:t>
             </a:r>
             <a:endParaRPr lang="ru-RU" dirty="0"/>
@@ -8770,7 +9406,7 @@
 </p:sld>
 </file>
 
-<file path=ppt/slides/slide11.xml><?xml version="1.0" encoding="utf-8"?>
+<file path=ppt/slides/slide12.xml><?xml version="1.0" encoding="utf-8"?>
 <p:sld xmlns:a="http://schemas.openxmlformats.org/drawingml/2006/main" xmlns:r="http://schemas.openxmlformats.org/officeDocument/2006/relationships" xmlns:p="http://schemas.openxmlformats.org/presentationml/2006/main">
   <p:cSld>
     <p:spTree>
@@ -8812,7 +9448,7 @@
 </p:sld>
 </file>
 
-<file path=ppt/slides/slide12.xml><?xml version="1.0" encoding="utf-8"?>
+<file path=ppt/slides/slide13.xml><?xml version="1.0" encoding="utf-8"?>
 <p:sld xmlns:a="http://schemas.openxmlformats.org/drawingml/2006/main" xmlns:r="http://schemas.openxmlformats.org/officeDocument/2006/relationships" xmlns:p="http://schemas.openxmlformats.org/presentationml/2006/main">
   <p:cSld>
     <p:spTree>
@@ -8918,7 +9554,7 @@
 </p:sld>
 </file>
 
-<file path=ppt/slides/slide13.xml><?xml version="1.0" encoding="utf-8"?>
+<file path=ppt/slides/slide14.xml><?xml version="1.0" encoding="utf-8"?>
 <p:sld xmlns:a="http://schemas.openxmlformats.org/drawingml/2006/main" xmlns:r="http://schemas.openxmlformats.org/officeDocument/2006/relationships" xmlns:p="http://schemas.openxmlformats.org/presentationml/2006/main">
   <p:cSld>
     <p:spTree>
@@ -9402,7 +10038,90 @@
                 <a:latin typeface="Arial" panose="020B0604020202020204" pitchFamily="34" charset="0"/>
                 <a:cs typeface="Arial" panose="020B0604020202020204" pitchFamily="34" charset="0"/>
               </a:rPr>
+              <a:t>Стыковка с СУБД </a:t>
+            </a:r>
+            <a:r>
+              <a:rPr lang="en-US" dirty="0" smtClean="0">
+                <a:latin typeface="Arial" panose="020B0604020202020204" pitchFamily="34" charset="0"/>
+                <a:cs typeface="Arial" panose="020B0604020202020204" pitchFamily="34" charset="0"/>
+              </a:rPr>
+              <a:t>ORACLE</a:t>
+            </a:r>
+            <a:endParaRPr lang="ru-RU" dirty="0" smtClean="0">
+              <a:latin typeface="Arial" panose="020B0604020202020204" pitchFamily="34" charset="0"/>
+              <a:cs typeface="Arial" panose="020B0604020202020204" pitchFamily="34" charset="0"/>
+            </a:endParaRPr>
+          </a:p>
+          <a:p>
+            <a:pPr rtl="0"/>
+            <a:r>
+              <a:rPr lang="ru-RU" dirty="0" smtClean="0">
+                <a:latin typeface="Arial" panose="020B0604020202020204" pitchFamily="34" charset="0"/>
+                <a:cs typeface="Arial" panose="020B0604020202020204" pitchFamily="34" charset="0"/>
+              </a:rPr>
               <a:t>Разработана своя система аутентификации пользователей</a:t>
+            </a:r>
+          </a:p>
+          <a:p>
+            <a:pPr rtl="0"/>
+            <a:r>
+              <a:rPr lang="en-US" dirty="0" smtClean="0">
+                <a:latin typeface="Arial" panose="020B0604020202020204" pitchFamily="34" charset="0"/>
+                <a:cs typeface="Arial" panose="020B0604020202020204" pitchFamily="34" charset="0"/>
+              </a:rPr>
+              <a:t>CRUD </a:t>
+            </a:r>
+            <a:r>
+              <a:rPr lang="ru-RU" dirty="0" smtClean="0">
+                <a:latin typeface="Arial" panose="020B0604020202020204" pitchFamily="34" charset="0"/>
+                <a:cs typeface="Arial" panose="020B0604020202020204" pitchFamily="34" charset="0"/>
+              </a:rPr>
+              <a:t>операции для задач</a:t>
+            </a:r>
+            <a:endParaRPr lang="en-US" dirty="0" smtClean="0">
+              <a:latin typeface="Arial" panose="020B0604020202020204" pitchFamily="34" charset="0"/>
+              <a:cs typeface="Arial" panose="020B0604020202020204" pitchFamily="34" charset="0"/>
+            </a:endParaRPr>
+          </a:p>
+          <a:p>
+            <a:pPr rtl="0"/>
+            <a:r>
+              <a:rPr lang="ru-RU" dirty="0" err="1" smtClean="0">
+                <a:latin typeface="Arial" panose="020B0604020202020204" pitchFamily="34" charset="0"/>
+                <a:cs typeface="Arial" panose="020B0604020202020204" pitchFamily="34" charset="0"/>
+              </a:rPr>
+              <a:t>Сгененированна</a:t>
+            </a:r>
+            <a:r>
+              <a:rPr lang="ru-RU" dirty="0" smtClean="0">
+                <a:latin typeface="Arial" panose="020B0604020202020204" pitchFamily="34" charset="0"/>
+                <a:cs typeface="Arial" panose="020B0604020202020204" pitchFamily="34" charset="0"/>
+              </a:rPr>
+              <a:t> документация</a:t>
+            </a:r>
+          </a:p>
+          <a:p>
+            <a:pPr rtl="0"/>
+            <a:r>
+              <a:rPr lang="ru-RU" dirty="0" smtClean="0">
+                <a:latin typeface="Arial" panose="020B0604020202020204" pitchFamily="34" charset="0"/>
+                <a:cs typeface="Arial" panose="020B0604020202020204" pitchFamily="34" charset="0"/>
+              </a:rPr>
+              <a:t>Проект выложен на </a:t>
+            </a:r>
+            <a:r>
+              <a:rPr lang="en-US" dirty="0" err="1" smtClean="0">
+                <a:latin typeface="Arial" panose="020B0604020202020204" pitchFamily="34" charset="0"/>
+                <a:cs typeface="Arial" panose="020B0604020202020204" pitchFamily="34" charset="0"/>
+              </a:rPr>
+              <a:t>Git</a:t>
+            </a:r>
+            <a:r>
+              <a:rPr lang="en-US" smtClean="0">
+                <a:latin typeface="Arial" panose="020B0604020202020204" pitchFamily="34" charset="0"/>
+                <a:cs typeface="Arial" panose="020B0604020202020204" pitchFamily="34" charset="0"/>
+              </a:rPr>
+              <a:t> Hub</a:t>
             </a:r>
             <a:endParaRPr lang="ru-RU" dirty="0" smtClean="0">
               <a:latin typeface="Arial" panose="020B0604020202020204" pitchFamily="34" charset="0"/>
@@ -9460,6 +10179,78 @@
           <a:chExt cx="0" cy="0"/>
         </a:xfrm>
       </p:grpSpPr>
+      <p:pic>
+        <p:nvPicPr>
+          <p:cNvPr id="4" name="Рисунок 3"/>
+          <p:cNvPicPr>
+            <a:picLocks noChangeAspect="1"/>
+          </p:cNvPicPr>
+          <p:nvPr/>
+        </p:nvPicPr>
+        <p:blipFill>
+          <a:blip r:embed="rId3">
+            <a:extLst>
+              <a:ext uri="{28A0092B-C50C-407E-A947-70E740481C1C}">
+                <a14:useLocalDpi xmlns:a14="http://schemas.microsoft.com/office/drawing/2010/main" val="0"/>
+              </a:ext>
+            </a:extLst>
+          </a:blip>
+          <a:stretch>
+            <a:fillRect/>
+          </a:stretch>
+        </p:blipFill>
+        <p:spPr>
+          <a:xfrm>
+            <a:off x="1199457" y="96427"/>
+            <a:ext cx="9934768" cy="6761573"/>
+          </a:xfrm>
+          <a:prstGeom prst="rect">
+            <a:avLst/>
+          </a:prstGeom>
+        </p:spPr>
+      </p:pic>
+    </p:spTree>
+    <p:extLst>
+      <p:ext uri="{BB962C8B-B14F-4D97-AF65-F5344CB8AC3E}">
+        <p14:creationId xmlns:p14="http://schemas.microsoft.com/office/powerpoint/2010/main" val="1522244760"/>
+      </p:ext>
+    </p:extLst>
+  </p:cSld>
+  <p:clrMapOvr>
+    <a:masterClrMapping/>
+  </p:clrMapOvr>
+  <mc:AlternateContent xmlns:mc="http://schemas.openxmlformats.org/markup-compatibility/2006" xmlns:p14="http://schemas.microsoft.com/office/powerpoint/2010/main">
+    <mc:Choice Requires="p14">
+      <p:transition spd="med" p14:dur="700">
+        <p:fade/>
+      </p:transition>
+    </mc:Choice>
+    <mc:Fallback xmlns="">
+      <p:transition spd="med">
+        <p:fade/>
+      </p:transition>
+    </mc:Fallback>
+  </mc:AlternateContent>
+</p:sld>
+</file>
+
+<file path=ppt/slides/slide6.xml><?xml version="1.0" encoding="utf-8"?>
+<p:sld xmlns:a="http://schemas.openxmlformats.org/drawingml/2006/main" xmlns:r="http://schemas.openxmlformats.org/officeDocument/2006/relationships" xmlns:p="http://schemas.openxmlformats.org/presentationml/2006/main">
+  <p:cSld>
+    <p:spTree>
+      <p:nvGrpSpPr>
+        <p:cNvPr id="1" name=""/>
+        <p:cNvGrpSpPr/>
+        <p:nvPr/>
+      </p:nvGrpSpPr>
+      <p:grpSpPr>
+        <a:xfrm>
+          <a:off x="0" y="0"/>
+          <a:ext cx="0" cy="0"/>
+          <a:chOff x="0" y="0"/>
+          <a:chExt cx="0" cy="0"/>
+        </a:xfrm>
+      </p:grpSpPr>
       <p:sp>
         <p:nvSpPr>
           <p:cNvPr id="2" name="Заголовок 1"/>
@@ -9534,7 +10325,7 @@
 </p:sld>
 </file>
 
-<file path=ppt/slides/slide6.xml><?xml version="1.0" encoding="utf-8"?>
+<file path=ppt/slides/slide7.xml><?xml version="1.0" encoding="utf-8"?>
 <p:sld xmlns:a="http://schemas.openxmlformats.org/drawingml/2006/main" xmlns:r="http://schemas.openxmlformats.org/officeDocument/2006/relationships" xmlns:p="http://schemas.openxmlformats.org/presentationml/2006/main">
   <p:cSld>
     <p:spTree>
@@ -9898,139 +10689,6 @@
 </p:sld>
 </file>
 
-<file path=ppt/slides/slide7.xml><?xml version="1.0" encoding="utf-8"?>
-<p:sld xmlns:a="http://schemas.openxmlformats.org/drawingml/2006/main" xmlns:r="http://schemas.openxmlformats.org/officeDocument/2006/relationships" xmlns:p="http://schemas.openxmlformats.org/presentationml/2006/main">
-  <p:cSld>
-    <p:spTree>
-      <p:nvGrpSpPr>
-        <p:cNvPr id="1" name=""/>
-        <p:cNvGrpSpPr/>
-        <p:nvPr/>
-      </p:nvGrpSpPr>
-      <p:grpSpPr>
-        <a:xfrm>
-          <a:off x="0" y="0"/>
-          <a:ext cx="0" cy="0"/>
-          <a:chOff x="0" y="0"/>
-          <a:chExt cx="0" cy="0"/>
-        </a:xfrm>
-      </p:grpSpPr>
-      <p:sp>
-        <p:nvSpPr>
-          <p:cNvPr id="2" name="Заголовок 1"/>
-          <p:cNvSpPr>
-            <a:spLocks noGrp="1"/>
-          </p:cNvSpPr>
-          <p:nvPr>
-            <p:ph type="title"/>
-          </p:nvPr>
-        </p:nvSpPr>
-        <p:spPr/>
-        <p:txBody>
-          <a:bodyPr rtlCol="0"/>
-          <a:lstStyle/>
-          <a:p>
-            <a:pPr rtl="0"/>
-            <a:r>
-              <a:rPr lang="ru-RU" dirty="0" smtClean="0"/>
-              <a:t>Макет двух объектов со </a:t>
-            </a:r>
-            <a:r>
-              <a:rPr lang="ru-RU" dirty="0" err="1" smtClean="0"/>
-              <a:t>SmartArt</a:t>
-            </a:r>
-            <a:endParaRPr lang="ru-RU" dirty="0"/>
-          </a:p>
-        </p:txBody>
-      </p:sp>
-      <p:sp>
-        <p:nvSpPr>
-          <p:cNvPr id="5" name="Объект 3"/>
-          <p:cNvSpPr>
-            <a:spLocks noGrp="1"/>
-          </p:cNvSpPr>
-          <p:nvPr>
-            <p:ph sz="half" idx="1"/>
-          </p:nvPr>
-        </p:nvSpPr>
-        <p:spPr/>
-        <p:txBody>
-          <a:bodyPr rtlCol="0"/>
-          <a:lstStyle/>
-          <a:p>
-            <a:pPr rtl="0"/>
-            <a:r>
-              <a:rPr lang="ru-RU" dirty="0" smtClean="0"/>
-              <a:t>Первый пункт списка</a:t>
-            </a:r>
-          </a:p>
-          <a:p>
-            <a:pPr rtl="0"/>
-            <a:r>
-              <a:rPr lang="ru-RU" dirty="0" smtClean="0"/>
-              <a:t>Второй пункт списка</a:t>
-            </a:r>
-          </a:p>
-          <a:p>
-            <a:pPr rtl="0"/>
-            <a:r>
-              <a:rPr lang="ru-RU" dirty="0" smtClean="0"/>
-              <a:t>Третий пункт списка</a:t>
-            </a:r>
-            <a:endParaRPr lang="ru-RU" dirty="0"/>
-          </a:p>
-        </p:txBody>
-      </p:sp>
-      <p:graphicFrame>
-        <p:nvGraphicFramePr>
-          <p:cNvPr id="6" name="Объект 2" descr="Сегментированный процесс с четырьмя задачами, расположенными одна под другой. Три направленные вниз стрелки указывают на переход от первой задачи ко второй, от второй к третьей и от третьей к четвертой"/>
-          <p:cNvGraphicFramePr>
-            <a:graphicFrameLocks noGrp="1"/>
-          </p:cNvGraphicFramePr>
-          <p:nvPr>
-            <p:ph sz="half" idx="2"/>
-            <p:extLst>
-              <p:ext uri="{D42A27DB-BD31-4B8C-83A1-F6EECF244321}">
-                <p14:modId xmlns:p14="http://schemas.microsoft.com/office/powerpoint/2010/main" val="3141045467"/>
-              </p:ext>
-            </p:extLst>
-          </p:nvPr>
-        </p:nvGraphicFramePr>
-        <p:xfrm>
-          <a:off x="6324600" y="1825625"/>
-          <a:ext cx="5029200" cy="4351338"/>
-        </p:xfrm>
-        <a:graphic>
-          <a:graphicData uri="http://schemas.openxmlformats.org/drawingml/2006/diagram">
-            <dgm:relIds xmlns:dgm="http://schemas.openxmlformats.org/drawingml/2006/diagram" xmlns:r="http://schemas.openxmlformats.org/officeDocument/2006/relationships" r:dm="rId3" r:lo="rId4" r:qs="rId5" r:cs="rId6"/>
-          </a:graphicData>
-        </a:graphic>
-      </p:graphicFrame>
-    </p:spTree>
-    <p:extLst>
-      <p:ext uri="{BB962C8B-B14F-4D97-AF65-F5344CB8AC3E}">
-        <p14:creationId xmlns:p14="http://schemas.microsoft.com/office/powerpoint/2010/main" val="2426022026"/>
-      </p:ext>
-    </p:extLst>
-  </p:cSld>
-  <p:clrMapOvr>
-    <a:masterClrMapping/>
-  </p:clrMapOvr>
-  <mc:AlternateContent xmlns:mc="http://schemas.openxmlformats.org/markup-compatibility/2006" xmlns:p14="http://schemas.microsoft.com/office/powerpoint/2010/main">
-    <mc:Choice Requires="p14">
-      <p:transition spd="med" p14:dur="700">
-        <p:fade/>
-      </p:transition>
-    </mc:Choice>
-    <mc:Fallback xmlns="">
-      <p:transition spd="med">
-        <p:fade/>
-      </p:transition>
-    </mc:Fallback>
-  </mc:AlternateContent>
-</p:sld>
-</file>
-
 <file path=ppt/slides/slide8.xml><?xml version="1.0" encoding="utf-8"?>
 <p:sld xmlns:a="http://schemas.openxmlformats.org/drawingml/2006/main" xmlns:r="http://schemas.openxmlformats.org/officeDocument/2006/relationships" xmlns:p="http://schemas.openxmlformats.org/presentationml/2006/main">
   <p:cSld>
@@ -10066,7 +10724,11 @@
             <a:pPr rtl="0"/>
             <a:r>
               <a:rPr lang="ru-RU" dirty="0" smtClean="0"/>
-              <a:t>Добавить заголовок слайда - 1</a:t>
+              <a:t>Макет двух объектов со </a:t>
+            </a:r>
+            <a:r>
+              <a:rPr lang="ru-RU" dirty="0" err="1" smtClean="0"/>
+              <a:t>SmartArt</a:t>
             </a:r>
             <a:endParaRPr lang="ru-RU" dirty="0"/>
           </a:p>
@@ -10074,12 +10736,12 @@
       </p:sp>
       <p:sp>
         <p:nvSpPr>
-          <p:cNvPr id="3" name="Текст 2"/>
-          <p:cNvSpPr>
-            <a:spLocks noGrp="1"/>
-          </p:cNvSpPr>
-          <p:nvPr>
-            <p:ph type="body" idx="1"/>
+          <p:cNvPr id="5" name="Объект 3"/>
+          <p:cNvSpPr>
+            <a:spLocks noGrp="1"/>
+          </p:cNvSpPr>
+          <p:nvPr>
+            <p:ph sz="half" idx="1"/>
           </p:nvPr>
         </p:nvSpPr>
         <p:spPr/>
@@ -10088,14 +10750,57 @@
           <a:lstStyle/>
           <a:p>
             <a:pPr rtl="0"/>
+            <a:r>
+              <a:rPr lang="ru-RU" dirty="0" smtClean="0"/>
+              <a:t>Первый пункт списка</a:t>
+            </a:r>
+          </a:p>
+          <a:p>
+            <a:pPr rtl="0"/>
+            <a:r>
+              <a:rPr lang="ru-RU" dirty="0" smtClean="0"/>
+              <a:t>Второй пункт списка</a:t>
+            </a:r>
+          </a:p>
+          <a:p>
+            <a:pPr rtl="0"/>
+            <a:r>
+              <a:rPr lang="ru-RU" dirty="0" smtClean="0"/>
+              <a:t>Третий пункт списка</a:t>
+            </a:r>
             <a:endParaRPr lang="ru-RU" dirty="0"/>
           </a:p>
         </p:txBody>
       </p:sp>
+      <p:graphicFrame>
+        <p:nvGraphicFramePr>
+          <p:cNvPr id="6" name="Объект 2" descr="Сегментированный процесс с четырьмя задачами, расположенными одна под другой. Три направленные вниз стрелки указывают на переход от первой задачи ко второй, от второй к третьей и от третьей к четвертой"/>
+          <p:cNvGraphicFramePr>
+            <a:graphicFrameLocks noGrp="1"/>
+          </p:cNvGraphicFramePr>
+          <p:nvPr>
+            <p:ph sz="half" idx="2"/>
+            <p:extLst>
+              <p:ext uri="{D42A27DB-BD31-4B8C-83A1-F6EECF244321}">
+                <p14:modId xmlns:p14="http://schemas.microsoft.com/office/powerpoint/2010/main" val="3141045467"/>
+              </p:ext>
+            </p:extLst>
+          </p:nvPr>
+        </p:nvGraphicFramePr>
+        <p:xfrm>
+          <a:off x="6324600" y="1825625"/>
+          <a:ext cx="5029200" cy="4351338"/>
+        </p:xfrm>
+        <a:graphic>
+          <a:graphicData uri="http://schemas.openxmlformats.org/drawingml/2006/diagram">
+            <dgm:relIds xmlns:dgm="http://schemas.openxmlformats.org/drawingml/2006/diagram" xmlns:r="http://schemas.openxmlformats.org/officeDocument/2006/relationships" r:dm="rId3" r:lo="rId4" r:qs="rId5" r:cs="rId6"/>
+          </a:graphicData>
+        </a:graphic>
+      </p:graphicFrame>
     </p:spTree>
     <p:extLst>
       <p:ext uri="{BB962C8B-B14F-4D97-AF65-F5344CB8AC3E}">
-        <p14:creationId xmlns:p14="http://schemas.microsoft.com/office/powerpoint/2010/main" val="1783796071"/>
+        <p14:creationId xmlns:p14="http://schemas.microsoft.com/office/powerpoint/2010/main" val="2426022026"/>
       </p:ext>
     </p:extLst>
   </p:cSld>
@@ -10152,7 +10857,7 @@
             <a:pPr rtl="0"/>
             <a:r>
               <a:rPr lang="ru-RU" dirty="0" smtClean="0"/>
-              <a:t>Добавить заголовок слайда - 2</a:t>
+              <a:t>Добавить заголовок слайда - 1</a:t>
             </a:r>
             <a:endParaRPr lang="ru-RU" dirty="0"/>
           </a:p>
@@ -10166,66 +10871,6 @@
           </p:cNvSpPr>
           <p:nvPr>
             <p:ph type="body" idx="1"/>
-          </p:nvPr>
-        </p:nvSpPr>
-        <p:spPr/>
-        <p:txBody>
-          <a:bodyPr rtlCol="0"/>
-          <a:lstStyle/>
-          <a:p>
-            <a:pPr rtl="0"/>
-            <a:endParaRPr lang="ru-RU" dirty="0"/>
-          </a:p>
-        </p:txBody>
-      </p:sp>
-      <p:sp>
-        <p:nvSpPr>
-          <p:cNvPr id="4" name="Объект 3"/>
-          <p:cNvSpPr>
-            <a:spLocks noGrp="1"/>
-          </p:cNvSpPr>
-          <p:nvPr>
-            <p:ph sz="half" idx="2"/>
-          </p:nvPr>
-        </p:nvSpPr>
-        <p:spPr/>
-        <p:txBody>
-          <a:bodyPr rtlCol="0"/>
-          <a:lstStyle/>
-          <a:p>
-            <a:pPr rtl="0"/>
-            <a:endParaRPr lang="ru-RU" dirty="0"/>
-          </a:p>
-        </p:txBody>
-      </p:sp>
-      <p:sp>
-        <p:nvSpPr>
-          <p:cNvPr id="5" name="Текст 4"/>
-          <p:cNvSpPr>
-            <a:spLocks noGrp="1"/>
-          </p:cNvSpPr>
-          <p:nvPr>
-            <p:ph type="body" sz="quarter" idx="3"/>
-          </p:nvPr>
-        </p:nvSpPr>
-        <p:spPr/>
-        <p:txBody>
-          <a:bodyPr rtlCol="0"/>
-          <a:lstStyle/>
-          <a:p>
-            <a:pPr rtl="0"/>
-            <a:endParaRPr lang="ru-RU" dirty="0"/>
-          </a:p>
-        </p:txBody>
-      </p:sp>
-      <p:sp>
-        <p:nvSpPr>
-          <p:cNvPr id="6" name="Объект 5"/>
-          <p:cNvSpPr>
-            <a:spLocks noGrp="1"/>
-          </p:cNvSpPr>
-          <p:nvPr>
-            <p:ph sz="quarter" idx="4"/>
           </p:nvPr>
         </p:nvSpPr>
         <p:spPr/>
@@ -10241,7 +10886,7 @@
     </p:spTree>
     <p:extLst>
       <p:ext uri="{BB962C8B-B14F-4D97-AF65-F5344CB8AC3E}">
-        <p14:creationId xmlns:p14="http://schemas.microsoft.com/office/powerpoint/2010/main" val="3387061768"/>
+        <p14:creationId xmlns:p14="http://schemas.microsoft.com/office/powerpoint/2010/main" val="1783796071"/>
       </p:ext>
     </p:extLst>
   </p:cSld>

--- a/Doc/ERP-система учебного заведения.pptx
+++ b/Doc/ERP-система учебного заведения.pptx
@@ -9938,6 +9938,37 @@
               </a:rPr>
               <a:t>Репозиторий</a:t>
             </a:r>
+            <a:endParaRPr lang="en-US" dirty="0" smtClean="0">
+              <a:latin typeface="Arial" panose="020B0604020202020204" pitchFamily="34" charset="0"/>
+              <a:cs typeface="Arial" panose="020B0604020202020204" pitchFamily="34" charset="0"/>
+            </a:endParaRPr>
+          </a:p>
+          <a:p>
+            <a:r>
+              <a:rPr lang="de-DE" dirty="0"/>
+              <a:t> </a:t>
+            </a:r>
+            <a:r>
+              <a:rPr lang="de-DE" dirty="0" err="1">
+                <a:latin typeface="Arial" panose="020B0604020202020204" pitchFamily="34" charset="0"/>
+                <a:cs typeface="Arial" panose="020B0604020202020204" pitchFamily="34" charset="0"/>
+              </a:rPr>
+              <a:t>Dependency</a:t>
+            </a:r>
+            <a:r>
+              <a:rPr lang="de-DE" dirty="0">
+                <a:latin typeface="Arial" panose="020B0604020202020204" pitchFamily="34" charset="0"/>
+                <a:cs typeface="Arial" panose="020B0604020202020204" pitchFamily="34" charset="0"/>
+              </a:rPr>
+              <a:t> </a:t>
+            </a:r>
+            <a:r>
+              <a:rPr lang="de-DE" dirty="0" err="1">
+                <a:latin typeface="Arial" panose="020B0604020202020204" pitchFamily="34" charset="0"/>
+                <a:cs typeface="Arial" panose="020B0604020202020204" pitchFamily="34" charset="0"/>
+              </a:rPr>
+              <a:t>injection</a:t>
+            </a:r>
             <a:endParaRPr lang="ru-RU" dirty="0" smtClean="0">
               <a:latin typeface="Arial" panose="020B0604020202020204" pitchFamily="34" charset="0"/>
               <a:cs typeface="Arial" panose="020B0604020202020204" pitchFamily="34" charset="0"/>
@@ -10117,7 +10148,7 @@
               <a:t>Git</a:t>
             </a:r>
             <a:r>
-              <a:rPr lang="en-US" smtClean="0">
+              <a:rPr lang="en-US" dirty="0" smtClean="0">
                 <a:latin typeface="Arial" panose="020B0604020202020204" pitchFamily="34" charset="0"/>
                 <a:cs typeface="Arial" panose="020B0604020202020204" pitchFamily="34" charset="0"/>
               </a:rPr>

--- a/Doc/ERP-система учебного заведения.pptx
+++ b/Doc/ERP-система учебного заведения.pptx
@@ -5,26 +5,28 @@
     <p:sldMasterId id="2147483648" r:id="rId1"/>
   </p:sldMasterIdLst>
   <p:notesMasterIdLst>
-    <p:notesMasterId r:id="rId16"/>
+    <p:notesMasterId r:id="rId18"/>
   </p:notesMasterIdLst>
   <p:handoutMasterIdLst>
-    <p:handoutMasterId r:id="rId17"/>
+    <p:handoutMasterId r:id="rId19"/>
   </p:handoutMasterIdLst>
   <p:sldIdLst>
     <p:sldId id="256" r:id="rId2"/>
     <p:sldId id="257" r:id="rId3"/>
-    <p:sldId id="267" r:id="rId4"/>
-    <p:sldId id="268" r:id="rId5"/>
-    <p:sldId id="269" r:id="rId6"/>
-    <p:sldId id="258" r:id="rId7"/>
-    <p:sldId id="259" r:id="rId8"/>
-    <p:sldId id="260" r:id="rId9"/>
-    <p:sldId id="261" r:id="rId10"/>
-    <p:sldId id="262" r:id="rId11"/>
-    <p:sldId id="263" r:id="rId12"/>
-    <p:sldId id="264" r:id="rId13"/>
-    <p:sldId id="265" r:id="rId14"/>
-    <p:sldId id="266" r:id="rId15"/>
+    <p:sldId id="270" r:id="rId4"/>
+    <p:sldId id="272" r:id="rId5"/>
+    <p:sldId id="273" r:id="rId6"/>
+    <p:sldId id="271" r:id="rId7"/>
+    <p:sldId id="267" r:id="rId8"/>
+    <p:sldId id="274" r:id="rId9"/>
+    <p:sldId id="276" r:id="rId10"/>
+    <p:sldId id="277" r:id="rId11"/>
+    <p:sldId id="275" r:id="rId12"/>
+    <p:sldId id="268" r:id="rId13"/>
+    <p:sldId id="269" r:id="rId14"/>
+    <p:sldId id="259" r:id="rId15"/>
+    <p:sldId id="262" r:id="rId16"/>
+    <p:sldId id="263" r:id="rId17"/>
   </p:sldIdLst>
   <p:sldSz cx="12192000" cy="6858000"/>
   <p:notesSz cx="6858000" cy="9144000"/>
@@ -134,3972 +136,6 @@
 </p:presentation>
 </file>
 
-<file path=ppt/charts/chart1.xml><?xml version="1.0" encoding="utf-8"?>
-<c:chartSpace xmlns:c="http://schemas.openxmlformats.org/drawingml/2006/chart" xmlns:a="http://schemas.openxmlformats.org/drawingml/2006/main" xmlns:r="http://schemas.openxmlformats.org/officeDocument/2006/relationships">
-  <c:date1904 val="0"/>
-  <c:lang val="ru-RU"/>
-  <c:roundedCorners val="0"/>
-  <mc:AlternateContent xmlns:mc="http://schemas.openxmlformats.org/markup-compatibility/2006">
-    <mc:Choice xmlns:c14="http://schemas.microsoft.com/office/drawing/2007/8/2/chart" Requires="c14">
-      <c14:style val="103"/>
-    </mc:Choice>
-    <mc:Fallback>
-      <c:style val="3"/>
-    </mc:Fallback>
-  </mc:AlternateContent>
-  <c:chart>
-    <c:autoTitleDeleted val="1"/>
-    <c:plotArea>
-      <c:layout/>
-      <c:barChart>
-        <c:barDir val="col"/>
-        <c:grouping val="clustered"/>
-        <c:varyColors val="0"/>
-        <c:ser>
-          <c:idx val="0"/>
-          <c:order val="0"/>
-          <c:tx>
-            <c:strRef>
-              <c:f>Sheet1!$B$1</c:f>
-              <c:strCache>
-                <c:ptCount val="1"/>
-                <c:pt idx="0">
-                  <c:v>Ряд 1</c:v>
-                </c:pt>
-              </c:strCache>
-            </c:strRef>
-          </c:tx>
-          <c:spPr>
-            <a:solidFill>
-              <a:schemeClr val="accent1">
-                <a:shade val="65000"/>
-              </a:schemeClr>
-            </a:solidFill>
-            <a:ln>
-              <a:noFill/>
-            </a:ln>
-            <a:effectLst/>
-          </c:spPr>
-          <c:invertIfNegative val="0"/>
-          <c:dLbls>
-            <c:spPr>
-              <a:noFill/>
-              <a:ln>
-                <a:noFill/>
-              </a:ln>
-              <a:effectLst/>
-            </c:spPr>
-            <c:txPr>
-              <a:bodyPr rot="0" spcFirstLastPara="1" vertOverflow="ellipsis" vert="horz" wrap="square" lIns="38100" tIns="19050" rIns="38100" bIns="19050" anchor="ctr" anchorCtr="1">
-                <a:spAutoFit/>
-              </a:bodyPr>
-              <a:lstStyle/>
-              <a:p>
-                <a:pPr>
-                  <a:defRPr sz="1197" b="0" i="0" u="none" strike="noStrike" kern="1200" baseline="0">
-                    <a:solidFill>
-                      <a:schemeClr val="tx1">
-                        <a:lumMod val="75000"/>
-                        <a:lumOff val="25000"/>
-                      </a:schemeClr>
-                    </a:solidFill>
-                    <a:latin typeface="+mn-lt"/>
-                    <a:ea typeface="+mn-ea"/>
-                    <a:cs typeface="+mn-cs"/>
-                  </a:defRPr>
-                </a:pPr>
-                <a:endParaRPr lang="ru-RU"/>
-              </a:p>
-            </c:txPr>
-            <c:showLegendKey val="0"/>
-            <c:showVal val="1"/>
-            <c:showCatName val="0"/>
-            <c:showSerName val="0"/>
-            <c:showPercent val="0"/>
-            <c:showBubbleSize val="0"/>
-            <c:showLeaderLines val="0"/>
-            <c:extLst xmlns:c16r2="http://schemas.microsoft.com/office/drawing/2015/06/chart">
-              <c:ext xmlns:c15="http://schemas.microsoft.com/office/drawing/2012/chart" uri="{CE6537A1-D6FC-4f65-9D91-7224C49458BB}">
-                <c15:layout/>
-                <c15:showLeaderLines val="1"/>
-                <c15:leaderLines>
-                  <c:spPr>
-                    <a:ln w="9525" cap="flat" cmpd="sng" algn="ctr">
-                      <a:solidFill>
-                        <a:schemeClr val="tx1">
-                          <a:lumMod val="35000"/>
-                          <a:lumOff val="65000"/>
-                        </a:schemeClr>
-                      </a:solidFill>
-                      <a:round/>
-                    </a:ln>
-                    <a:effectLst/>
-                  </c:spPr>
-                </c15:leaderLines>
-              </c:ext>
-            </c:extLst>
-          </c:dLbls>
-          <c:cat>
-            <c:strRef>
-              <c:f>Sheet1!$A$2:$A$5</c:f>
-              <c:strCache>
-                <c:ptCount val="4"/>
-                <c:pt idx="0">
-                  <c:v>Категория 1</c:v>
-                </c:pt>
-                <c:pt idx="1">
-                  <c:v>Категория 2</c:v>
-                </c:pt>
-                <c:pt idx="2">
-                  <c:v>Категория 3</c:v>
-                </c:pt>
-                <c:pt idx="3">
-                  <c:v>Категория 4</c:v>
-                </c:pt>
-              </c:strCache>
-            </c:strRef>
-          </c:cat>
-          <c:val>
-            <c:numRef>
-              <c:f>Sheet1!$B$2:$B$5</c:f>
-              <c:numCache>
-                <c:formatCode>General</c:formatCode>
-                <c:ptCount val="4"/>
-                <c:pt idx="0">
-                  <c:v>4.3</c:v>
-                </c:pt>
-                <c:pt idx="1">
-                  <c:v>2.5</c:v>
-                </c:pt>
-                <c:pt idx="2">
-                  <c:v>3.5</c:v>
-                </c:pt>
-                <c:pt idx="3">
-                  <c:v>4.5</c:v>
-                </c:pt>
-              </c:numCache>
-            </c:numRef>
-          </c:val>
-          <c:extLst xmlns:c16r2="http://schemas.microsoft.com/office/drawing/2015/06/chart">
-            <c:ext xmlns:c16="http://schemas.microsoft.com/office/drawing/2014/chart" uri="{C3380CC4-5D6E-409C-BE32-E72D297353CC}">
-              <c16:uniqueId val="{00000000-9B8B-4F8D-B9E5-577AD71E0C6A}"/>
-            </c:ext>
-          </c:extLst>
-        </c:ser>
-        <c:ser>
-          <c:idx val="1"/>
-          <c:order val="1"/>
-          <c:tx>
-            <c:strRef>
-              <c:f>Sheet1!$C$1</c:f>
-              <c:strCache>
-                <c:ptCount val="1"/>
-                <c:pt idx="0">
-                  <c:v>Ряд 2</c:v>
-                </c:pt>
-              </c:strCache>
-            </c:strRef>
-          </c:tx>
-          <c:spPr>
-            <a:solidFill>
-              <a:schemeClr val="accent1"/>
-            </a:solidFill>
-            <a:ln>
-              <a:noFill/>
-            </a:ln>
-            <a:effectLst/>
-          </c:spPr>
-          <c:invertIfNegative val="0"/>
-          <c:dLbls>
-            <c:spPr>
-              <a:noFill/>
-              <a:ln>
-                <a:noFill/>
-              </a:ln>
-              <a:effectLst/>
-            </c:spPr>
-            <c:txPr>
-              <a:bodyPr rot="0" spcFirstLastPara="1" vertOverflow="ellipsis" vert="horz" wrap="square" lIns="38100" tIns="19050" rIns="38100" bIns="19050" anchor="ctr" anchorCtr="1">
-                <a:spAutoFit/>
-              </a:bodyPr>
-              <a:lstStyle/>
-              <a:p>
-                <a:pPr>
-                  <a:defRPr sz="1197" b="0" i="0" u="none" strike="noStrike" kern="1200" baseline="0">
-                    <a:solidFill>
-                      <a:schemeClr val="tx1">
-                        <a:lumMod val="75000"/>
-                        <a:lumOff val="25000"/>
-                      </a:schemeClr>
-                    </a:solidFill>
-                    <a:latin typeface="+mn-lt"/>
-                    <a:ea typeface="+mn-ea"/>
-                    <a:cs typeface="+mn-cs"/>
-                  </a:defRPr>
-                </a:pPr>
-                <a:endParaRPr lang="ru-RU"/>
-              </a:p>
-            </c:txPr>
-            <c:showLegendKey val="0"/>
-            <c:showVal val="1"/>
-            <c:showCatName val="0"/>
-            <c:showSerName val="0"/>
-            <c:showPercent val="0"/>
-            <c:showBubbleSize val="0"/>
-            <c:showLeaderLines val="0"/>
-            <c:extLst xmlns:c16r2="http://schemas.microsoft.com/office/drawing/2015/06/chart">
-              <c:ext xmlns:c15="http://schemas.microsoft.com/office/drawing/2012/chart" uri="{CE6537A1-D6FC-4f65-9D91-7224C49458BB}">
-                <c15:layout/>
-                <c15:showLeaderLines val="1"/>
-                <c15:leaderLines>
-                  <c:spPr>
-                    <a:ln w="9525" cap="flat" cmpd="sng" algn="ctr">
-                      <a:solidFill>
-                        <a:schemeClr val="tx1">
-                          <a:lumMod val="35000"/>
-                          <a:lumOff val="65000"/>
-                        </a:schemeClr>
-                      </a:solidFill>
-                      <a:round/>
-                    </a:ln>
-                    <a:effectLst/>
-                  </c:spPr>
-                </c15:leaderLines>
-              </c:ext>
-            </c:extLst>
-          </c:dLbls>
-          <c:cat>
-            <c:strRef>
-              <c:f>Sheet1!$A$2:$A$5</c:f>
-              <c:strCache>
-                <c:ptCount val="4"/>
-                <c:pt idx="0">
-                  <c:v>Категория 1</c:v>
-                </c:pt>
-                <c:pt idx="1">
-                  <c:v>Категория 2</c:v>
-                </c:pt>
-                <c:pt idx="2">
-                  <c:v>Категория 3</c:v>
-                </c:pt>
-                <c:pt idx="3">
-                  <c:v>Категория 4</c:v>
-                </c:pt>
-              </c:strCache>
-            </c:strRef>
-          </c:cat>
-          <c:val>
-            <c:numRef>
-              <c:f>Sheet1!$C$2:$C$5</c:f>
-              <c:numCache>
-                <c:formatCode>General</c:formatCode>
-                <c:ptCount val="4"/>
-                <c:pt idx="0">
-                  <c:v>2.4</c:v>
-                </c:pt>
-                <c:pt idx="1">
-                  <c:v>4.4000000000000004</c:v>
-                </c:pt>
-                <c:pt idx="2">
-                  <c:v>1.8</c:v>
-                </c:pt>
-                <c:pt idx="3">
-                  <c:v>2.8</c:v>
-                </c:pt>
-              </c:numCache>
-            </c:numRef>
-          </c:val>
-          <c:extLst xmlns:c16r2="http://schemas.microsoft.com/office/drawing/2015/06/chart">
-            <c:ext xmlns:c16="http://schemas.microsoft.com/office/drawing/2014/chart" uri="{C3380CC4-5D6E-409C-BE32-E72D297353CC}">
-              <c16:uniqueId val="{00000001-9B8B-4F8D-B9E5-577AD71E0C6A}"/>
-            </c:ext>
-          </c:extLst>
-        </c:ser>
-        <c:ser>
-          <c:idx val="2"/>
-          <c:order val="2"/>
-          <c:tx>
-            <c:strRef>
-              <c:f>Sheet1!$D$1</c:f>
-              <c:strCache>
-                <c:ptCount val="1"/>
-                <c:pt idx="0">
-                  <c:v>Ряд 3</c:v>
-                </c:pt>
-              </c:strCache>
-            </c:strRef>
-          </c:tx>
-          <c:spPr>
-            <a:solidFill>
-              <a:schemeClr val="accent1">
-                <a:tint val="65000"/>
-              </a:schemeClr>
-            </a:solidFill>
-            <a:ln>
-              <a:noFill/>
-            </a:ln>
-            <a:effectLst/>
-          </c:spPr>
-          <c:invertIfNegative val="0"/>
-          <c:dLbls>
-            <c:spPr>
-              <a:noFill/>
-              <a:ln>
-                <a:noFill/>
-              </a:ln>
-              <a:effectLst/>
-            </c:spPr>
-            <c:txPr>
-              <a:bodyPr rot="0" spcFirstLastPara="1" vertOverflow="ellipsis" vert="horz" wrap="square" lIns="38100" tIns="19050" rIns="38100" bIns="19050" anchor="ctr" anchorCtr="1">
-                <a:spAutoFit/>
-              </a:bodyPr>
-              <a:lstStyle/>
-              <a:p>
-                <a:pPr>
-                  <a:defRPr sz="1197" b="0" i="0" u="none" strike="noStrike" kern="1200" baseline="0">
-                    <a:solidFill>
-                      <a:schemeClr val="tx1">
-                        <a:lumMod val="75000"/>
-                        <a:lumOff val="25000"/>
-                      </a:schemeClr>
-                    </a:solidFill>
-                    <a:latin typeface="+mn-lt"/>
-                    <a:ea typeface="+mn-ea"/>
-                    <a:cs typeface="+mn-cs"/>
-                  </a:defRPr>
-                </a:pPr>
-                <a:endParaRPr lang="ru-RU"/>
-              </a:p>
-            </c:txPr>
-            <c:showLegendKey val="0"/>
-            <c:showVal val="1"/>
-            <c:showCatName val="0"/>
-            <c:showSerName val="0"/>
-            <c:showPercent val="0"/>
-            <c:showBubbleSize val="0"/>
-            <c:showLeaderLines val="0"/>
-            <c:extLst xmlns:c16r2="http://schemas.microsoft.com/office/drawing/2015/06/chart">
-              <c:ext xmlns:c15="http://schemas.microsoft.com/office/drawing/2012/chart" uri="{CE6537A1-D6FC-4f65-9D91-7224C49458BB}">
-                <c15:layout/>
-                <c15:showLeaderLines val="1"/>
-                <c15:leaderLines>
-                  <c:spPr>
-                    <a:ln w="9525" cap="flat" cmpd="sng" algn="ctr">
-                      <a:solidFill>
-                        <a:schemeClr val="tx1">
-                          <a:lumMod val="35000"/>
-                          <a:lumOff val="65000"/>
-                        </a:schemeClr>
-                      </a:solidFill>
-                      <a:round/>
-                    </a:ln>
-                    <a:effectLst/>
-                  </c:spPr>
-                </c15:leaderLines>
-              </c:ext>
-            </c:extLst>
-          </c:dLbls>
-          <c:cat>
-            <c:strRef>
-              <c:f>Sheet1!$A$2:$A$5</c:f>
-              <c:strCache>
-                <c:ptCount val="4"/>
-                <c:pt idx="0">
-                  <c:v>Категория 1</c:v>
-                </c:pt>
-                <c:pt idx="1">
-                  <c:v>Категория 2</c:v>
-                </c:pt>
-                <c:pt idx="2">
-                  <c:v>Категория 3</c:v>
-                </c:pt>
-                <c:pt idx="3">
-                  <c:v>Категория 4</c:v>
-                </c:pt>
-              </c:strCache>
-            </c:strRef>
-          </c:cat>
-          <c:val>
-            <c:numRef>
-              <c:f>Sheet1!$D$2:$D$5</c:f>
-              <c:numCache>
-                <c:formatCode>General</c:formatCode>
-                <c:ptCount val="4"/>
-                <c:pt idx="0">
-                  <c:v>2</c:v>
-                </c:pt>
-                <c:pt idx="1">
-                  <c:v>2</c:v>
-                </c:pt>
-                <c:pt idx="2">
-                  <c:v>3</c:v>
-                </c:pt>
-                <c:pt idx="3">
-                  <c:v>5</c:v>
-                </c:pt>
-              </c:numCache>
-            </c:numRef>
-          </c:val>
-          <c:extLst xmlns:c16r2="http://schemas.microsoft.com/office/drawing/2015/06/chart">
-            <c:ext xmlns:c16="http://schemas.microsoft.com/office/drawing/2014/chart" uri="{C3380CC4-5D6E-409C-BE32-E72D297353CC}">
-              <c16:uniqueId val="{00000002-9B8B-4F8D-B9E5-577AD71E0C6A}"/>
-            </c:ext>
-          </c:extLst>
-        </c:ser>
-        <c:dLbls>
-          <c:showLegendKey val="0"/>
-          <c:showVal val="1"/>
-          <c:showCatName val="0"/>
-          <c:showSerName val="0"/>
-          <c:showPercent val="0"/>
-          <c:showBubbleSize val="0"/>
-        </c:dLbls>
-        <c:gapWidth val="150"/>
-        <c:overlap val="-25"/>
-        <c:axId val="139246528"/>
-        <c:axId val="139247088"/>
-      </c:barChart>
-      <c:catAx>
-        <c:axId val="139246528"/>
-        <c:scaling>
-          <c:orientation val="minMax"/>
-        </c:scaling>
-        <c:delete val="0"/>
-        <c:axPos val="b"/>
-        <c:numFmt formatCode="General" sourceLinked="1"/>
-        <c:majorTickMark val="none"/>
-        <c:minorTickMark val="none"/>
-        <c:tickLblPos val="nextTo"/>
-        <c:spPr>
-          <a:noFill/>
-          <a:ln w="9525" cap="flat" cmpd="sng" algn="ctr">
-            <a:solidFill>
-              <a:schemeClr val="tx1">
-                <a:lumMod val="15000"/>
-                <a:lumOff val="85000"/>
-              </a:schemeClr>
-            </a:solidFill>
-            <a:round/>
-          </a:ln>
-          <a:effectLst/>
-        </c:spPr>
-        <c:txPr>
-          <a:bodyPr rot="-60000000" spcFirstLastPara="1" vertOverflow="ellipsis" vert="horz" wrap="square" anchor="ctr" anchorCtr="1"/>
-          <a:lstStyle/>
-          <a:p>
-            <a:pPr>
-              <a:defRPr sz="1197" b="0" i="0" u="none" strike="noStrike" kern="1200" baseline="0">
-                <a:solidFill>
-                  <a:schemeClr val="tx1">
-                    <a:lumMod val="65000"/>
-                    <a:lumOff val="35000"/>
-                  </a:schemeClr>
-                </a:solidFill>
-                <a:latin typeface="+mn-lt"/>
-                <a:ea typeface="+mn-ea"/>
-                <a:cs typeface="+mn-cs"/>
-              </a:defRPr>
-            </a:pPr>
-            <a:endParaRPr lang="ru-RU"/>
-          </a:p>
-        </c:txPr>
-        <c:crossAx val="139247088"/>
-        <c:crosses val="autoZero"/>
-        <c:auto val="1"/>
-        <c:lblAlgn val="ctr"/>
-        <c:lblOffset val="100"/>
-        <c:noMultiLvlLbl val="0"/>
-      </c:catAx>
-      <c:valAx>
-        <c:axId val="139247088"/>
-        <c:scaling>
-          <c:orientation val="minMax"/>
-        </c:scaling>
-        <c:delete val="1"/>
-        <c:axPos val="l"/>
-        <c:numFmt formatCode="General" sourceLinked="1"/>
-        <c:majorTickMark val="none"/>
-        <c:minorTickMark val="none"/>
-        <c:tickLblPos val="nextTo"/>
-        <c:crossAx val="139246528"/>
-        <c:crosses val="autoZero"/>
-        <c:crossBetween val="between"/>
-      </c:valAx>
-      <c:spPr>
-        <a:noFill/>
-        <a:ln>
-          <a:noFill/>
-        </a:ln>
-        <a:effectLst/>
-      </c:spPr>
-    </c:plotArea>
-    <c:legend>
-      <c:legendPos val="t"/>
-      <c:layout/>
-      <c:overlay val="0"/>
-      <c:spPr>
-        <a:noFill/>
-        <a:ln>
-          <a:noFill/>
-        </a:ln>
-        <a:effectLst/>
-      </c:spPr>
-      <c:txPr>
-        <a:bodyPr rot="0" spcFirstLastPara="1" vertOverflow="ellipsis" vert="horz" wrap="square" anchor="ctr" anchorCtr="1"/>
-        <a:lstStyle/>
-        <a:p>
-          <a:pPr>
-            <a:defRPr sz="1197" b="0" i="0" u="none" strike="noStrike" kern="1200" baseline="0">
-              <a:solidFill>
-                <a:schemeClr val="tx1">
-                  <a:lumMod val="65000"/>
-                  <a:lumOff val="35000"/>
-                </a:schemeClr>
-              </a:solidFill>
-              <a:latin typeface="+mn-lt"/>
-              <a:ea typeface="+mn-ea"/>
-              <a:cs typeface="+mn-cs"/>
-            </a:defRPr>
-          </a:pPr>
-          <a:endParaRPr lang="ru-RU"/>
-        </a:p>
-      </c:txPr>
-    </c:legend>
-    <c:plotVisOnly val="1"/>
-    <c:dispBlanksAs val="gap"/>
-    <c:showDLblsOverMax val="0"/>
-  </c:chart>
-  <c:spPr>
-    <a:noFill/>
-    <a:ln>
-      <a:noFill/>
-    </a:ln>
-    <a:effectLst/>
-  </c:spPr>
-  <c:txPr>
-    <a:bodyPr/>
-    <a:lstStyle/>
-    <a:p>
-      <a:pPr>
-        <a:defRPr/>
-      </a:pPr>
-      <a:endParaRPr lang="ru-RU"/>
-    </a:p>
-  </c:txPr>
-  <c:externalData r:id="rId3">
-    <c:autoUpdate val="0"/>
-  </c:externalData>
-</c:chartSpace>
-</file>
-
-<file path=ppt/charts/colors1.xml><?xml version="1.0" encoding="utf-8"?>
-<cs:colorStyle xmlns:cs="http://schemas.microsoft.com/office/drawing/2012/chartStyle" xmlns:a="http://schemas.openxmlformats.org/drawingml/2006/main" meth="withinLinear" id="14">
-  <a:schemeClr val="accent1"/>
-</cs:colorStyle>
-</file>
-
-<file path=ppt/charts/style1.xml><?xml version="1.0" encoding="utf-8"?>
-<cs:chartStyle xmlns:cs="http://schemas.microsoft.com/office/drawing/2012/chartStyle" xmlns:a="http://schemas.openxmlformats.org/drawingml/2006/main" id="201">
-  <cs:axisTitle>
-    <cs:lnRef idx="0"/>
-    <cs:fillRef idx="0"/>
-    <cs:effectRef idx="0"/>
-    <cs:fontRef idx="minor">
-      <a:schemeClr val="tx1">
-        <a:lumMod val="65000"/>
-        <a:lumOff val="35000"/>
-      </a:schemeClr>
-    </cs:fontRef>
-    <cs:defRPr sz="1330" kern="1200"/>
-  </cs:axisTitle>
-  <cs:categoryAxis>
-    <cs:lnRef idx="0"/>
-    <cs:fillRef idx="0"/>
-    <cs:effectRef idx="0"/>
-    <cs:fontRef idx="minor">
-      <a:schemeClr val="tx1">
-        <a:lumMod val="65000"/>
-        <a:lumOff val="35000"/>
-      </a:schemeClr>
-    </cs:fontRef>
-    <cs:spPr>
-      <a:ln w="9525" cap="flat" cmpd="sng" algn="ctr">
-        <a:solidFill>
-          <a:schemeClr val="tx1">
-            <a:lumMod val="15000"/>
-            <a:lumOff val="85000"/>
-          </a:schemeClr>
-        </a:solidFill>
-        <a:round/>
-      </a:ln>
-    </cs:spPr>
-    <cs:defRPr sz="1197" kern="1200"/>
-  </cs:categoryAxis>
-  <cs:chartArea mods="allowNoFillOverride allowNoLineOverride">
-    <cs:lnRef idx="0"/>
-    <cs:fillRef idx="0"/>
-    <cs:effectRef idx="0"/>
-    <cs:fontRef idx="minor">
-      <a:schemeClr val="tx1"/>
-    </cs:fontRef>
-    <cs:spPr>
-      <a:solidFill>
-        <a:schemeClr val="bg1"/>
-      </a:solidFill>
-      <a:ln w="9525" cap="flat" cmpd="sng" algn="ctr">
-        <a:solidFill>
-          <a:schemeClr val="tx1">
-            <a:lumMod val="15000"/>
-            <a:lumOff val="85000"/>
-          </a:schemeClr>
-        </a:solidFill>
-        <a:round/>
-      </a:ln>
-    </cs:spPr>
-    <cs:defRPr sz="1330" kern="1200"/>
-  </cs:chartArea>
-  <cs:dataLabel>
-    <cs:lnRef idx="0"/>
-    <cs:fillRef idx="0"/>
-    <cs:effectRef idx="0"/>
-    <cs:fontRef idx="minor">
-      <a:schemeClr val="tx1">
-        <a:lumMod val="75000"/>
-        <a:lumOff val="25000"/>
-      </a:schemeClr>
-    </cs:fontRef>
-    <cs:defRPr sz="1197" kern="1200"/>
-  </cs:dataLabel>
-  <cs:dataLabelCallout>
-    <cs:lnRef idx="0"/>
-    <cs:fillRef idx="0"/>
-    <cs:effectRef idx="0"/>
-    <cs:fontRef idx="minor">
-      <a:schemeClr val="dk1">
-        <a:lumMod val="65000"/>
-        <a:lumOff val="35000"/>
-      </a:schemeClr>
-    </cs:fontRef>
-    <cs:spPr>
-      <a:solidFill>
-        <a:schemeClr val="lt1"/>
-      </a:solidFill>
-      <a:ln>
-        <a:solidFill>
-          <a:schemeClr val="dk1">
-            <a:lumMod val="25000"/>
-            <a:lumOff val="75000"/>
-          </a:schemeClr>
-        </a:solidFill>
-      </a:ln>
-    </cs:spPr>
-    <cs:defRPr sz="1197" kern="1200"/>
-    <cs:bodyPr rot="0" spcFirstLastPara="1" vertOverflow="clip" horzOverflow="clip" vert="horz" wrap="square" lIns="36576" tIns="18288" rIns="36576" bIns="18288" anchor="ctr" anchorCtr="1">
-      <a:spAutoFit/>
-    </cs:bodyPr>
-  </cs:dataLabelCallout>
-  <cs:dataPoint>
-    <cs:lnRef idx="0"/>
-    <cs:fillRef idx="1">
-      <cs:styleClr val="auto"/>
-    </cs:fillRef>
-    <cs:effectRef idx="0"/>
-    <cs:fontRef idx="minor">
-      <a:schemeClr val="tx1"/>
-    </cs:fontRef>
-  </cs:dataPoint>
-  <cs:dataPoint3D>
-    <cs:lnRef idx="0"/>
-    <cs:fillRef idx="1">
-      <cs:styleClr val="auto"/>
-    </cs:fillRef>
-    <cs:effectRef idx="0"/>
-    <cs:fontRef idx="minor">
-      <a:schemeClr val="tx1"/>
-    </cs:fontRef>
-  </cs:dataPoint3D>
-  <cs:dataPointLine>
-    <cs:lnRef idx="0">
-      <cs:styleClr val="auto"/>
-    </cs:lnRef>
-    <cs:fillRef idx="1"/>
-    <cs:effectRef idx="0"/>
-    <cs:fontRef idx="minor">
-      <a:schemeClr val="tx1"/>
-    </cs:fontRef>
-    <cs:spPr>
-      <a:ln w="28575" cap="rnd">
-        <a:solidFill>
-          <a:schemeClr val="phClr"/>
-        </a:solidFill>
-        <a:round/>
-      </a:ln>
-    </cs:spPr>
-  </cs:dataPointLine>
-  <cs:dataPointMarker>
-    <cs:lnRef idx="0">
-      <cs:styleClr val="auto"/>
-    </cs:lnRef>
-    <cs:fillRef idx="1">
-      <cs:styleClr val="auto"/>
-    </cs:fillRef>
-    <cs:effectRef idx="0"/>
-    <cs:fontRef idx="minor">
-      <a:schemeClr val="tx1"/>
-    </cs:fontRef>
-    <cs:spPr>
-      <a:ln w="9525">
-        <a:solidFill>
-          <a:schemeClr val="phClr"/>
-        </a:solidFill>
-      </a:ln>
-    </cs:spPr>
-  </cs:dataPointMarker>
-  <cs:dataPointMarkerLayout symbol="circle" size="5"/>
-  <cs:dataPointWireframe>
-    <cs:lnRef idx="0">
-      <cs:styleClr val="auto"/>
-    </cs:lnRef>
-    <cs:fillRef idx="1"/>
-    <cs:effectRef idx="0"/>
-    <cs:fontRef idx="minor">
-      <a:schemeClr val="tx1"/>
-    </cs:fontRef>
-    <cs:spPr>
-      <a:ln w="9525" cap="rnd">
-        <a:solidFill>
-          <a:schemeClr val="phClr"/>
-        </a:solidFill>
-        <a:round/>
-      </a:ln>
-    </cs:spPr>
-  </cs:dataPointWireframe>
-  <cs:dataTable>
-    <cs:lnRef idx="0"/>
-    <cs:fillRef idx="0"/>
-    <cs:effectRef idx="0"/>
-    <cs:fontRef idx="minor">
-      <a:schemeClr val="tx1">
-        <a:lumMod val="65000"/>
-        <a:lumOff val="35000"/>
-      </a:schemeClr>
-    </cs:fontRef>
-    <cs:spPr>
-      <a:noFill/>
-      <a:ln w="9525" cap="flat" cmpd="sng" algn="ctr">
-        <a:solidFill>
-          <a:schemeClr val="tx1">
-            <a:lumMod val="15000"/>
-            <a:lumOff val="85000"/>
-          </a:schemeClr>
-        </a:solidFill>
-        <a:round/>
-      </a:ln>
-    </cs:spPr>
-    <cs:defRPr sz="1197" kern="1200"/>
-  </cs:dataTable>
-  <cs:downBar>
-    <cs:lnRef idx="0"/>
-    <cs:fillRef idx="0"/>
-    <cs:effectRef idx="0"/>
-    <cs:fontRef idx="minor">
-      <a:schemeClr val="dk1"/>
-    </cs:fontRef>
-    <cs:spPr>
-      <a:solidFill>
-        <a:schemeClr val="dk1">
-          <a:lumMod val="65000"/>
-          <a:lumOff val="35000"/>
-        </a:schemeClr>
-      </a:solidFill>
-      <a:ln w="9525">
-        <a:solidFill>
-          <a:schemeClr val="tx1">
-            <a:lumMod val="65000"/>
-            <a:lumOff val="35000"/>
-          </a:schemeClr>
-        </a:solidFill>
-      </a:ln>
-    </cs:spPr>
-  </cs:downBar>
-  <cs:dropLine>
-    <cs:lnRef idx="0"/>
-    <cs:fillRef idx="0"/>
-    <cs:effectRef idx="0"/>
-    <cs:fontRef idx="minor">
-      <a:schemeClr val="tx1"/>
-    </cs:fontRef>
-    <cs:spPr>
-      <a:ln w="9525" cap="flat" cmpd="sng" algn="ctr">
-        <a:solidFill>
-          <a:schemeClr val="tx1">
-            <a:lumMod val="35000"/>
-            <a:lumOff val="65000"/>
-          </a:schemeClr>
-        </a:solidFill>
-        <a:round/>
-      </a:ln>
-    </cs:spPr>
-  </cs:dropLine>
-  <cs:errorBar>
-    <cs:lnRef idx="0"/>
-    <cs:fillRef idx="0"/>
-    <cs:effectRef idx="0"/>
-    <cs:fontRef idx="minor">
-      <a:schemeClr val="tx1"/>
-    </cs:fontRef>
-    <cs:spPr>
-      <a:ln w="9525" cap="flat" cmpd="sng" algn="ctr">
-        <a:solidFill>
-          <a:schemeClr val="tx1">
-            <a:lumMod val="65000"/>
-            <a:lumOff val="35000"/>
-          </a:schemeClr>
-        </a:solidFill>
-        <a:round/>
-      </a:ln>
-    </cs:spPr>
-  </cs:errorBar>
-  <cs:floor>
-    <cs:lnRef idx="0"/>
-    <cs:fillRef idx="0"/>
-    <cs:effectRef idx="0"/>
-    <cs:fontRef idx="minor">
-      <a:schemeClr val="tx1"/>
-    </cs:fontRef>
-    <cs:spPr>
-      <a:noFill/>
-      <a:ln>
-        <a:noFill/>
-      </a:ln>
-    </cs:spPr>
-  </cs:floor>
-  <cs:gridlineMajor>
-    <cs:lnRef idx="0"/>
-    <cs:fillRef idx="0"/>
-    <cs:effectRef idx="0"/>
-    <cs:fontRef idx="minor">
-      <a:schemeClr val="tx1"/>
-    </cs:fontRef>
-    <cs:spPr>
-      <a:ln w="9525" cap="flat" cmpd="sng" algn="ctr">
-        <a:solidFill>
-          <a:schemeClr val="tx1">
-            <a:lumMod val="15000"/>
-            <a:lumOff val="85000"/>
-          </a:schemeClr>
-        </a:solidFill>
-        <a:round/>
-      </a:ln>
-    </cs:spPr>
-  </cs:gridlineMajor>
-  <cs:gridlineMinor>
-    <cs:lnRef idx="0"/>
-    <cs:fillRef idx="0"/>
-    <cs:effectRef idx="0"/>
-    <cs:fontRef idx="minor">
-      <a:schemeClr val="tx1"/>
-    </cs:fontRef>
-    <cs:spPr>
-      <a:ln w="9525" cap="flat" cmpd="sng" algn="ctr">
-        <a:solidFill>
-          <a:schemeClr val="tx1">
-            <a:lumMod val="5000"/>
-            <a:lumOff val="95000"/>
-          </a:schemeClr>
-        </a:solidFill>
-        <a:round/>
-      </a:ln>
-    </cs:spPr>
-  </cs:gridlineMinor>
-  <cs:hiLoLine>
-    <cs:lnRef idx="0"/>
-    <cs:fillRef idx="0"/>
-    <cs:effectRef idx="0"/>
-    <cs:fontRef idx="minor">
-      <a:schemeClr val="tx1"/>
-    </cs:fontRef>
-    <cs:spPr>
-      <a:ln w="9525" cap="flat" cmpd="sng" algn="ctr">
-        <a:solidFill>
-          <a:schemeClr val="tx1">
-            <a:lumMod val="75000"/>
-            <a:lumOff val="25000"/>
-          </a:schemeClr>
-        </a:solidFill>
-        <a:round/>
-      </a:ln>
-    </cs:spPr>
-  </cs:hiLoLine>
-  <cs:leaderLine>
-    <cs:lnRef idx="0"/>
-    <cs:fillRef idx="0"/>
-    <cs:effectRef idx="0"/>
-    <cs:fontRef idx="minor">
-      <a:schemeClr val="tx1"/>
-    </cs:fontRef>
-    <cs:spPr>
-      <a:ln w="9525" cap="flat" cmpd="sng" algn="ctr">
-        <a:solidFill>
-          <a:schemeClr val="tx1">
-            <a:lumMod val="35000"/>
-            <a:lumOff val="65000"/>
-          </a:schemeClr>
-        </a:solidFill>
-        <a:round/>
-      </a:ln>
-    </cs:spPr>
-  </cs:leaderLine>
-  <cs:legend>
-    <cs:lnRef idx="0"/>
-    <cs:fillRef idx="0"/>
-    <cs:effectRef idx="0"/>
-    <cs:fontRef idx="minor">
-      <a:schemeClr val="tx1">
-        <a:lumMod val="65000"/>
-        <a:lumOff val="35000"/>
-      </a:schemeClr>
-    </cs:fontRef>
-    <cs:defRPr sz="1197" kern="1200"/>
-  </cs:legend>
-  <cs:plotArea mods="allowNoFillOverride allowNoLineOverride">
-    <cs:lnRef idx="0"/>
-    <cs:fillRef idx="0"/>
-    <cs:effectRef idx="0"/>
-    <cs:fontRef idx="minor">
-      <a:schemeClr val="tx1"/>
-    </cs:fontRef>
-  </cs:plotArea>
-  <cs:plotArea3D mods="allowNoFillOverride allowNoLineOverride">
-    <cs:lnRef idx="0"/>
-    <cs:fillRef idx="0"/>
-    <cs:effectRef idx="0"/>
-    <cs:fontRef idx="minor">
-      <a:schemeClr val="tx1"/>
-    </cs:fontRef>
-  </cs:plotArea3D>
-  <cs:seriesAxis>
-    <cs:lnRef idx="0"/>
-    <cs:fillRef idx="0"/>
-    <cs:effectRef idx="0"/>
-    <cs:fontRef idx="minor">
-      <a:schemeClr val="tx1">
-        <a:lumMod val="65000"/>
-        <a:lumOff val="35000"/>
-      </a:schemeClr>
-    </cs:fontRef>
-    <cs:defRPr sz="1197" kern="1200"/>
-  </cs:seriesAxis>
-  <cs:seriesLine>
-    <cs:lnRef idx="0"/>
-    <cs:fillRef idx="0"/>
-    <cs:effectRef idx="0"/>
-    <cs:fontRef idx="minor">
-      <a:schemeClr val="tx1"/>
-    </cs:fontRef>
-    <cs:spPr>
-      <a:ln w="9525" cap="flat" cmpd="sng" algn="ctr">
-        <a:solidFill>
-          <a:schemeClr val="tx1">
-            <a:lumMod val="35000"/>
-            <a:lumOff val="65000"/>
-          </a:schemeClr>
-        </a:solidFill>
-        <a:round/>
-      </a:ln>
-    </cs:spPr>
-  </cs:seriesLine>
-  <cs:title>
-    <cs:lnRef idx="0"/>
-    <cs:fillRef idx="0"/>
-    <cs:effectRef idx="0"/>
-    <cs:fontRef idx="minor">
-      <a:schemeClr val="tx1">
-        <a:lumMod val="65000"/>
-        <a:lumOff val="35000"/>
-      </a:schemeClr>
-    </cs:fontRef>
-    <cs:defRPr sz="1862" b="0" kern="1200" spc="0" baseline="0"/>
-  </cs:title>
-  <cs:trendline>
-    <cs:lnRef idx="0">
-      <cs:styleClr val="auto"/>
-    </cs:lnRef>
-    <cs:fillRef idx="0"/>
-    <cs:effectRef idx="0"/>
-    <cs:fontRef idx="minor">
-      <a:schemeClr val="tx1"/>
-    </cs:fontRef>
-    <cs:spPr>
-      <a:ln w="19050" cap="rnd">
-        <a:solidFill>
-          <a:schemeClr val="phClr"/>
-        </a:solidFill>
-        <a:prstDash val="sysDot"/>
-      </a:ln>
-    </cs:spPr>
-  </cs:trendline>
-  <cs:trendlineLabel>
-    <cs:lnRef idx="0"/>
-    <cs:fillRef idx="0"/>
-    <cs:effectRef idx="0"/>
-    <cs:fontRef idx="minor">
-      <a:schemeClr val="tx1">
-        <a:lumMod val="65000"/>
-        <a:lumOff val="35000"/>
-      </a:schemeClr>
-    </cs:fontRef>
-    <cs:defRPr sz="1197" kern="1200"/>
-  </cs:trendlineLabel>
-  <cs:upBar>
-    <cs:lnRef idx="0"/>
-    <cs:fillRef idx="0"/>
-    <cs:effectRef idx="0"/>
-    <cs:fontRef idx="minor">
-      <a:schemeClr val="dk1"/>
-    </cs:fontRef>
-    <cs:spPr>
-      <a:solidFill>
-        <a:schemeClr val="lt1"/>
-      </a:solidFill>
-      <a:ln w="9525">
-        <a:solidFill>
-          <a:schemeClr val="tx1">
-            <a:lumMod val="15000"/>
-            <a:lumOff val="85000"/>
-          </a:schemeClr>
-        </a:solidFill>
-      </a:ln>
-    </cs:spPr>
-  </cs:upBar>
-  <cs:valueAxis>
-    <cs:lnRef idx="0"/>
-    <cs:fillRef idx="0"/>
-    <cs:effectRef idx="0"/>
-    <cs:fontRef idx="minor">
-      <a:schemeClr val="tx1">
-        <a:lumMod val="65000"/>
-        <a:lumOff val="35000"/>
-      </a:schemeClr>
-    </cs:fontRef>
-    <cs:defRPr sz="1197" kern="1200"/>
-  </cs:valueAxis>
-  <cs:wall>
-    <cs:lnRef idx="0"/>
-    <cs:fillRef idx="0"/>
-    <cs:effectRef idx="0"/>
-    <cs:fontRef idx="minor">
-      <a:schemeClr val="tx1"/>
-    </cs:fontRef>
-    <cs:spPr>
-      <a:noFill/>
-      <a:ln>
-        <a:noFill/>
-      </a:ln>
-    </cs:spPr>
-  </cs:wall>
-</cs:chartStyle>
-</file>
-
-<file path=ppt/diagrams/colors1.xml><?xml version="1.0" encoding="utf-8"?>
-<dgm:colorsDef xmlns:dgm="http://schemas.openxmlformats.org/drawingml/2006/diagram" xmlns:a="http://schemas.openxmlformats.org/drawingml/2006/main" uniqueId="urn:microsoft.com/office/officeart/2005/8/colors/accent1_1">
-  <dgm:title val=""/>
-  <dgm:desc val=""/>
-  <dgm:catLst>
-    <dgm:cat type="accent1" pri="11100"/>
-  </dgm:catLst>
-  <dgm:styleLbl name="node0">
-    <dgm:fillClrLst meth="repeat">
-      <a:schemeClr val="lt1"/>
-    </dgm:fillClrLst>
-    <dgm:linClrLst meth="repeat">
-      <a:schemeClr val="accent1">
-        <a:shade val="80000"/>
-      </a:schemeClr>
-    </dgm:linClrLst>
-    <dgm:effectClrLst/>
-    <dgm:txLinClrLst/>
-    <dgm:txFillClrLst meth="repeat">
-      <a:schemeClr val="dk1"/>
-    </dgm:txFillClrLst>
-    <dgm:txEffectClrLst/>
-  </dgm:styleLbl>
-  <dgm:styleLbl name="alignNode1">
-    <dgm:fillClrLst meth="repeat">
-      <a:schemeClr val="lt1"/>
-    </dgm:fillClrLst>
-    <dgm:linClrLst meth="repeat">
-      <a:schemeClr val="accent1">
-        <a:shade val="80000"/>
-      </a:schemeClr>
-    </dgm:linClrLst>
-    <dgm:effectClrLst/>
-    <dgm:txLinClrLst/>
-    <dgm:txFillClrLst meth="repeat">
-      <a:schemeClr val="dk1"/>
-    </dgm:txFillClrLst>
-    <dgm:txEffectClrLst/>
-  </dgm:styleLbl>
-  <dgm:styleLbl name="node1">
-    <dgm:fillClrLst meth="repeat">
-      <a:schemeClr val="lt1"/>
-    </dgm:fillClrLst>
-    <dgm:linClrLst meth="repeat">
-      <a:schemeClr val="accent1">
-        <a:shade val="80000"/>
-      </a:schemeClr>
-    </dgm:linClrLst>
-    <dgm:effectClrLst/>
-    <dgm:txLinClrLst/>
-    <dgm:txFillClrLst meth="repeat">
-      <a:schemeClr val="dk1"/>
-    </dgm:txFillClrLst>
-    <dgm:txEffectClrLst/>
-  </dgm:styleLbl>
-  <dgm:styleLbl name="lnNode1">
-    <dgm:fillClrLst meth="repeat">
-      <a:schemeClr val="lt1"/>
-    </dgm:fillClrLst>
-    <dgm:linClrLst meth="repeat">
-      <a:schemeClr val="accent1">
-        <a:shade val="80000"/>
-      </a:schemeClr>
-    </dgm:linClrLst>
-    <dgm:effectClrLst/>
-    <dgm:txLinClrLst/>
-    <dgm:txFillClrLst meth="repeat">
-      <a:schemeClr val="dk1"/>
-    </dgm:txFillClrLst>
-    <dgm:txEffectClrLst/>
-  </dgm:styleLbl>
-  <dgm:styleLbl name="vennNode1">
-    <dgm:fillClrLst meth="repeat">
-      <a:schemeClr val="lt1">
-        <a:alpha val="50000"/>
-      </a:schemeClr>
-    </dgm:fillClrLst>
-    <dgm:linClrLst meth="repeat">
-      <a:schemeClr val="accent1">
-        <a:shade val="80000"/>
-      </a:schemeClr>
-    </dgm:linClrLst>
-    <dgm:effectClrLst/>
-    <dgm:txLinClrLst/>
-    <dgm:txFillClrLst/>
-    <dgm:txEffectClrLst/>
-  </dgm:styleLbl>
-  <dgm:styleLbl name="node2">
-    <dgm:fillClrLst meth="repeat">
-      <a:schemeClr val="lt1"/>
-    </dgm:fillClrLst>
-    <dgm:linClrLst meth="repeat">
-      <a:schemeClr val="accent1">
-        <a:shade val="80000"/>
-      </a:schemeClr>
-    </dgm:linClrLst>
-    <dgm:effectClrLst/>
-    <dgm:txLinClrLst/>
-    <dgm:txFillClrLst meth="repeat">
-      <a:schemeClr val="dk1"/>
-    </dgm:txFillClrLst>
-    <dgm:txEffectClrLst/>
-  </dgm:styleLbl>
-  <dgm:styleLbl name="node3">
-    <dgm:fillClrLst meth="repeat">
-      <a:schemeClr val="lt1"/>
-    </dgm:fillClrLst>
-    <dgm:linClrLst meth="repeat">
-      <a:schemeClr val="accent1">
-        <a:shade val="80000"/>
-      </a:schemeClr>
-    </dgm:linClrLst>
-    <dgm:effectClrLst/>
-    <dgm:txLinClrLst/>
-    <dgm:txFillClrLst meth="repeat">
-      <a:schemeClr val="dk1"/>
-    </dgm:txFillClrLst>
-    <dgm:txEffectClrLst/>
-  </dgm:styleLbl>
-  <dgm:styleLbl name="node4">
-    <dgm:fillClrLst meth="repeat">
-      <a:schemeClr val="lt1"/>
-    </dgm:fillClrLst>
-    <dgm:linClrLst meth="repeat">
-      <a:schemeClr val="accent1">
-        <a:shade val="80000"/>
-      </a:schemeClr>
-    </dgm:linClrLst>
-    <dgm:effectClrLst/>
-    <dgm:txLinClrLst/>
-    <dgm:txFillClrLst meth="repeat">
-      <a:schemeClr val="dk1"/>
-    </dgm:txFillClrLst>
-    <dgm:txEffectClrLst/>
-  </dgm:styleLbl>
-  <dgm:styleLbl name="fgImgPlace1">
-    <dgm:fillClrLst meth="repeat">
-      <a:schemeClr val="accent1">
-        <a:tint val="40000"/>
-      </a:schemeClr>
-    </dgm:fillClrLst>
-    <dgm:linClrLst meth="repeat">
-      <a:schemeClr val="accent1">
-        <a:shade val="80000"/>
-      </a:schemeClr>
-    </dgm:linClrLst>
-    <dgm:effectClrLst/>
-    <dgm:txLinClrLst/>
-    <dgm:txFillClrLst meth="repeat">
-      <a:schemeClr val="lt1"/>
-    </dgm:txFillClrLst>
-    <dgm:txEffectClrLst/>
-  </dgm:styleLbl>
-  <dgm:styleLbl name="alignImgPlace1">
-    <dgm:fillClrLst meth="repeat">
-      <a:schemeClr val="accent1">
-        <a:tint val="40000"/>
-      </a:schemeClr>
-    </dgm:fillClrLst>
-    <dgm:linClrLst meth="repeat">
-      <a:schemeClr val="accent1">
-        <a:shade val="80000"/>
-      </a:schemeClr>
-    </dgm:linClrLst>
-    <dgm:effectClrLst/>
-    <dgm:txLinClrLst/>
-    <dgm:txFillClrLst meth="repeat">
-      <a:schemeClr val="lt1"/>
-    </dgm:txFillClrLst>
-    <dgm:txEffectClrLst/>
-  </dgm:styleLbl>
-  <dgm:styleLbl name="bgImgPlace1">
-    <dgm:fillClrLst meth="repeat">
-      <a:schemeClr val="accent1">
-        <a:tint val="40000"/>
-      </a:schemeClr>
-    </dgm:fillClrLst>
-    <dgm:linClrLst meth="repeat">
-      <a:schemeClr val="accent1">
-        <a:shade val="80000"/>
-      </a:schemeClr>
-    </dgm:linClrLst>
-    <dgm:effectClrLst/>
-    <dgm:txLinClrLst/>
-    <dgm:txFillClrLst meth="repeat">
-      <a:schemeClr val="lt1"/>
-    </dgm:txFillClrLst>
-    <dgm:txEffectClrLst/>
-  </dgm:styleLbl>
-  <dgm:styleLbl name="sibTrans2D1">
-    <dgm:fillClrLst meth="repeat">
-      <a:schemeClr val="accent1">
-        <a:tint val="60000"/>
-      </a:schemeClr>
-    </dgm:fillClrLst>
-    <dgm:linClrLst meth="repeat">
-      <a:schemeClr val="accent1">
-        <a:tint val="60000"/>
-      </a:schemeClr>
-    </dgm:linClrLst>
-    <dgm:effectClrLst/>
-    <dgm:txLinClrLst/>
-    <dgm:txFillClrLst meth="repeat">
-      <a:schemeClr val="dk1"/>
-    </dgm:txFillClrLst>
-    <dgm:txEffectClrLst/>
-  </dgm:styleLbl>
-  <dgm:styleLbl name="fgSibTrans2D1">
-    <dgm:fillClrLst meth="repeat">
-      <a:schemeClr val="accent1">
-        <a:tint val="60000"/>
-      </a:schemeClr>
-    </dgm:fillClrLst>
-    <dgm:linClrLst meth="repeat">
-      <a:schemeClr val="accent1">
-        <a:tint val="60000"/>
-      </a:schemeClr>
-    </dgm:linClrLst>
-    <dgm:effectClrLst/>
-    <dgm:txLinClrLst/>
-    <dgm:txFillClrLst meth="repeat">
-      <a:schemeClr val="dk1"/>
-    </dgm:txFillClrLst>
-    <dgm:txEffectClrLst/>
-  </dgm:styleLbl>
-  <dgm:styleLbl name="bgSibTrans2D1">
-    <dgm:fillClrLst meth="repeat">
-      <a:schemeClr val="accent1">
-        <a:tint val="60000"/>
-      </a:schemeClr>
-    </dgm:fillClrLst>
-    <dgm:linClrLst meth="repeat">
-      <a:schemeClr val="accent1">
-        <a:tint val="60000"/>
-      </a:schemeClr>
-    </dgm:linClrLst>
-    <dgm:effectClrLst/>
-    <dgm:txLinClrLst/>
-    <dgm:txFillClrLst meth="repeat">
-      <a:schemeClr val="dk1"/>
-    </dgm:txFillClrLst>
-    <dgm:txEffectClrLst/>
-  </dgm:styleLbl>
-  <dgm:styleLbl name="sibTrans1D1">
-    <dgm:fillClrLst meth="repeat">
-      <a:schemeClr val="accent1"/>
-    </dgm:fillClrLst>
-    <dgm:linClrLst meth="repeat">
-      <a:schemeClr val="accent1"/>
-    </dgm:linClrLst>
-    <dgm:effectClrLst/>
-    <dgm:txLinClrLst/>
-    <dgm:txFillClrLst meth="repeat">
-      <a:schemeClr val="tx1"/>
-    </dgm:txFillClrLst>
-    <dgm:txEffectClrLst/>
-  </dgm:styleLbl>
-  <dgm:styleLbl name="callout">
-    <dgm:fillClrLst meth="repeat">
-      <a:schemeClr val="accent1"/>
-    </dgm:fillClrLst>
-    <dgm:linClrLst meth="repeat">
-      <a:schemeClr val="accent1"/>
-    </dgm:linClrLst>
-    <dgm:effectClrLst/>
-    <dgm:txLinClrLst/>
-    <dgm:txFillClrLst meth="repeat">
-      <a:schemeClr val="tx1"/>
-    </dgm:txFillClrLst>
-    <dgm:txEffectClrLst/>
-  </dgm:styleLbl>
-  <dgm:styleLbl name="asst0">
-    <dgm:fillClrLst meth="repeat">
-      <a:schemeClr val="lt1"/>
-    </dgm:fillClrLst>
-    <dgm:linClrLst meth="repeat">
-      <a:schemeClr val="accent1">
-        <a:shade val="80000"/>
-      </a:schemeClr>
-    </dgm:linClrLst>
-    <dgm:effectClrLst/>
-    <dgm:txLinClrLst/>
-    <dgm:txFillClrLst meth="repeat">
-      <a:schemeClr val="dk1"/>
-    </dgm:txFillClrLst>
-    <dgm:txEffectClrLst/>
-  </dgm:styleLbl>
-  <dgm:styleLbl name="asst1">
-    <dgm:fillClrLst meth="repeat">
-      <a:schemeClr val="lt1"/>
-    </dgm:fillClrLst>
-    <dgm:linClrLst meth="repeat">
-      <a:schemeClr val="accent1">
-        <a:shade val="80000"/>
-      </a:schemeClr>
-    </dgm:linClrLst>
-    <dgm:effectClrLst/>
-    <dgm:txLinClrLst/>
-    <dgm:txFillClrLst meth="repeat">
-      <a:schemeClr val="dk1"/>
-    </dgm:txFillClrLst>
-    <dgm:txEffectClrLst/>
-  </dgm:styleLbl>
-  <dgm:styleLbl name="asst2">
-    <dgm:fillClrLst meth="repeat">
-      <a:schemeClr val="lt1"/>
-    </dgm:fillClrLst>
-    <dgm:linClrLst meth="repeat">
-      <a:schemeClr val="accent1">
-        <a:shade val="80000"/>
-      </a:schemeClr>
-    </dgm:linClrLst>
-    <dgm:effectClrLst/>
-    <dgm:txLinClrLst/>
-    <dgm:txFillClrLst meth="repeat">
-      <a:schemeClr val="dk1"/>
-    </dgm:txFillClrLst>
-    <dgm:txEffectClrLst/>
-  </dgm:styleLbl>
-  <dgm:styleLbl name="asst3">
-    <dgm:fillClrLst meth="repeat">
-      <a:schemeClr val="lt1"/>
-    </dgm:fillClrLst>
-    <dgm:linClrLst meth="repeat">
-      <a:schemeClr val="accent1">
-        <a:shade val="80000"/>
-      </a:schemeClr>
-    </dgm:linClrLst>
-    <dgm:effectClrLst/>
-    <dgm:txLinClrLst/>
-    <dgm:txFillClrLst meth="repeat">
-      <a:schemeClr val="dk1"/>
-    </dgm:txFillClrLst>
-    <dgm:txEffectClrLst/>
-  </dgm:styleLbl>
-  <dgm:styleLbl name="asst4">
-    <dgm:fillClrLst meth="repeat">
-      <a:schemeClr val="lt1"/>
-    </dgm:fillClrLst>
-    <dgm:linClrLst meth="repeat">
-      <a:schemeClr val="accent1">
-        <a:shade val="80000"/>
-      </a:schemeClr>
-    </dgm:linClrLst>
-    <dgm:effectClrLst/>
-    <dgm:txLinClrLst/>
-    <dgm:txFillClrLst meth="repeat">
-      <a:schemeClr val="dk1"/>
-    </dgm:txFillClrLst>
-    <dgm:txEffectClrLst/>
-  </dgm:styleLbl>
-  <dgm:styleLbl name="parChTrans2D1">
-    <dgm:fillClrLst meth="repeat">
-      <a:schemeClr val="accent1">
-        <a:tint val="60000"/>
-      </a:schemeClr>
-    </dgm:fillClrLst>
-    <dgm:linClrLst meth="repeat">
-      <a:schemeClr val="accent1">
-        <a:tint val="60000"/>
-      </a:schemeClr>
-    </dgm:linClrLst>
-    <dgm:effectClrLst/>
-    <dgm:txLinClrLst/>
-    <dgm:txFillClrLst/>
-    <dgm:txEffectClrLst/>
-  </dgm:styleLbl>
-  <dgm:styleLbl name="parChTrans2D2">
-    <dgm:fillClrLst meth="repeat">
-      <a:schemeClr val="accent1"/>
-    </dgm:fillClrLst>
-    <dgm:linClrLst meth="repeat">
-      <a:schemeClr val="accent1"/>
-    </dgm:linClrLst>
-    <dgm:effectClrLst/>
-    <dgm:txLinClrLst/>
-    <dgm:txFillClrLst/>
-    <dgm:txEffectClrLst/>
-  </dgm:styleLbl>
-  <dgm:styleLbl name="parChTrans2D3">
-    <dgm:fillClrLst meth="repeat">
-      <a:schemeClr val="accent1"/>
-    </dgm:fillClrLst>
-    <dgm:linClrLst meth="repeat">
-      <a:schemeClr val="accent1"/>
-    </dgm:linClrLst>
-    <dgm:effectClrLst/>
-    <dgm:txLinClrLst/>
-    <dgm:txFillClrLst/>
-    <dgm:txEffectClrLst/>
-  </dgm:styleLbl>
-  <dgm:styleLbl name="parChTrans2D4">
-    <dgm:fillClrLst meth="repeat">
-      <a:schemeClr val="accent1"/>
-    </dgm:fillClrLst>
-    <dgm:linClrLst meth="repeat">
-      <a:schemeClr val="accent1"/>
-    </dgm:linClrLst>
-    <dgm:effectClrLst/>
-    <dgm:txLinClrLst/>
-    <dgm:txFillClrLst meth="repeat">
-      <a:schemeClr val="lt1"/>
-    </dgm:txFillClrLst>
-    <dgm:txEffectClrLst/>
-  </dgm:styleLbl>
-  <dgm:styleLbl name="parChTrans1D1">
-    <dgm:fillClrLst meth="repeat">
-      <a:schemeClr val="accent1"/>
-    </dgm:fillClrLst>
-    <dgm:linClrLst meth="repeat">
-      <a:schemeClr val="accent1">
-        <a:shade val="60000"/>
-      </a:schemeClr>
-    </dgm:linClrLst>
-    <dgm:effectClrLst/>
-    <dgm:txLinClrLst/>
-    <dgm:txFillClrLst meth="repeat">
-      <a:schemeClr val="tx1"/>
-    </dgm:txFillClrLst>
-    <dgm:txEffectClrLst/>
-  </dgm:styleLbl>
-  <dgm:styleLbl name="parChTrans1D2">
-    <dgm:fillClrLst meth="repeat">
-      <a:schemeClr val="accent1"/>
-    </dgm:fillClrLst>
-    <dgm:linClrLst meth="repeat">
-      <a:schemeClr val="accent1">
-        <a:shade val="60000"/>
-      </a:schemeClr>
-    </dgm:linClrLst>
-    <dgm:effectClrLst/>
-    <dgm:txLinClrLst/>
-    <dgm:txFillClrLst meth="repeat">
-      <a:schemeClr val="tx1"/>
-    </dgm:txFillClrLst>
-    <dgm:txEffectClrLst/>
-  </dgm:styleLbl>
-  <dgm:styleLbl name="parChTrans1D3">
-    <dgm:fillClrLst meth="repeat">
-      <a:schemeClr val="accent1"/>
-    </dgm:fillClrLst>
-    <dgm:linClrLst meth="repeat">
-      <a:schemeClr val="accent1">
-        <a:shade val="80000"/>
-      </a:schemeClr>
-    </dgm:linClrLst>
-    <dgm:effectClrLst/>
-    <dgm:txLinClrLst/>
-    <dgm:txFillClrLst meth="repeat">
-      <a:schemeClr val="tx1"/>
-    </dgm:txFillClrLst>
-    <dgm:txEffectClrLst/>
-  </dgm:styleLbl>
-  <dgm:styleLbl name="parChTrans1D4">
-    <dgm:fillClrLst meth="repeat">
-      <a:schemeClr val="accent1"/>
-    </dgm:fillClrLst>
-    <dgm:linClrLst meth="repeat">
-      <a:schemeClr val="accent1">
-        <a:shade val="80000"/>
-      </a:schemeClr>
-    </dgm:linClrLst>
-    <dgm:effectClrLst/>
-    <dgm:txLinClrLst/>
-    <dgm:txFillClrLst meth="repeat">
-      <a:schemeClr val="tx1"/>
-    </dgm:txFillClrLst>
-    <dgm:txEffectClrLst/>
-  </dgm:styleLbl>
-  <dgm:styleLbl name="fgAcc1">
-    <dgm:fillClrLst meth="repeat">
-      <a:schemeClr val="accent1">
-        <a:alpha val="90000"/>
-        <a:tint val="40000"/>
-      </a:schemeClr>
-    </dgm:fillClrLst>
-    <dgm:linClrLst meth="repeat">
-      <a:schemeClr val="accent1"/>
-    </dgm:linClrLst>
-    <dgm:effectClrLst/>
-    <dgm:txLinClrLst/>
-    <dgm:txFillClrLst meth="repeat">
-      <a:schemeClr val="dk1"/>
-    </dgm:txFillClrLst>
-    <dgm:txEffectClrLst/>
-  </dgm:styleLbl>
-  <dgm:styleLbl name="conFgAcc1">
-    <dgm:fillClrLst meth="repeat">
-      <a:schemeClr val="accent1">
-        <a:alpha val="90000"/>
-        <a:tint val="40000"/>
-      </a:schemeClr>
-    </dgm:fillClrLst>
-    <dgm:linClrLst meth="repeat">
-      <a:schemeClr val="accent1"/>
-    </dgm:linClrLst>
-    <dgm:effectClrLst/>
-    <dgm:txLinClrLst/>
-    <dgm:txFillClrLst meth="repeat">
-      <a:schemeClr val="dk1"/>
-    </dgm:txFillClrLst>
-    <dgm:txEffectClrLst/>
-  </dgm:styleLbl>
-  <dgm:styleLbl name="alignAcc1">
-    <dgm:fillClrLst meth="repeat">
-      <a:schemeClr val="accent1">
-        <a:alpha val="90000"/>
-        <a:tint val="40000"/>
-      </a:schemeClr>
-    </dgm:fillClrLst>
-    <dgm:linClrLst meth="repeat">
-      <a:schemeClr val="accent1"/>
-    </dgm:linClrLst>
-    <dgm:effectClrLst/>
-    <dgm:txLinClrLst/>
-    <dgm:txFillClrLst meth="repeat">
-      <a:schemeClr val="dk1"/>
-    </dgm:txFillClrLst>
-    <dgm:txEffectClrLst/>
-  </dgm:styleLbl>
-  <dgm:styleLbl name="trAlignAcc1">
-    <dgm:fillClrLst meth="repeat">
-      <a:schemeClr val="accent1">
-        <a:alpha val="40000"/>
-        <a:tint val="40000"/>
-      </a:schemeClr>
-    </dgm:fillClrLst>
-    <dgm:linClrLst meth="repeat">
-      <a:schemeClr val="accent1"/>
-    </dgm:linClrLst>
-    <dgm:effectClrLst/>
-    <dgm:txLinClrLst/>
-    <dgm:txFillClrLst meth="repeat">
-      <a:schemeClr val="dk1"/>
-    </dgm:txFillClrLst>
-    <dgm:txEffectClrLst/>
-  </dgm:styleLbl>
-  <dgm:styleLbl name="bgAcc1">
-    <dgm:fillClrLst meth="repeat">
-      <a:schemeClr val="accent1">
-        <a:alpha val="90000"/>
-        <a:tint val="40000"/>
-      </a:schemeClr>
-    </dgm:fillClrLst>
-    <dgm:linClrLst meth="repeat">
-      <a:schemeClr val="accent1"/>
-    </dgm:linClrLst>
-    <dgm:effectClrLst/>
-    <dgm:txLinClrLst/>
-    <dgm:txFillClrLst meth="repeat">
-      <a:schemeClr val="dk1"/>
-    </dgm:txFillClrLst>
-    <dgm:txEffectClrLst/>
-  </dgm:styleLbl>
-  <dgm:styleLbl name="solidFgAcc1">
-    <dgm:fillClrLst meth="repeat">
-      <a:schemeClr val="lt1"/>
-    </dgm:fillClrLst>
-    <dgm:linClrLst meth="repeat">
-      <a:schemeClr val="accent1"/>
-    </dgm:linClrLst>
-    <dgm:effectClrLst/>
-    <dgm:txLinClrLst/>
-    <dgm:txFillClrLst meth="repeat">
-      <a:schemeClr val="dk1"/>
-    </dgm:txFillClrLst>
-    <dgm:txEffectClrLst/>
-  </dgm:styleLbl>
-  <dgm:styleLbl name="solidAlignAcc1">
-    <dgm:fillClrLst meth="repeat">
-      <a:schemeClr val="lt1"/>
-    </dgm:fillClrLst>
-    <dgm:linClrLst meth="repeat">
-      <a:schemeClr val="accent1"/>
-    </dgm:linClrLst>
-    <dgm:effectClrLst/>
-    <dgm:txLinClrLst/>
-    <dgm:txFillClrLst meth="repeat">
-      <a:schemeClr val="dk1"/>
-    </dgm:txFillClrLst>
-    <dgm:txEffectClrLst/>
-  </dgm:styleLbl>
-  <dgm:styleLbl name="solidBgAcc1">
-    <dgm:fillClrLst meth="repeat">
-      <a:schemeClr val="lt1"/>
-    </dgm:fillClrLst>
-    <dgm:linClrLst meth="repeat">
-      <a:schemeClr val="accent1"/>
-    </dgm:linClrLst>
-    <dgm:effectClrLst/>
-    <dgm:txLinClrLst/>
-    <dgm:txFillClrLst meth="repeat">
-      <a:schemeClr val="dk1"/>
-    </dgm:txFillClrLst>
-    <dgm:txEffectClrLst/>
-  </dgm:styleLbl>
-  <dgm:styleLbl name="fgAccFollowNode1">
-    <dgm:fillClrLst meth="repeat">
-      <a:schemeClr val="lt1">
-        <a:alpha val="90000"/>
-        <a:tint val="40000"/>
-      </a:schemeClr>
-    </dgm:fillClrLst>
-    <dgm:linClrLst meth="repeat">
-      <a:schemeClr val="accent1">
-        <a:alpha val="90000"/>
-      </a:schemeClr>
-    </dgm:linClrLst>
-    <dgm:effectClrLst/>
-    <dgm:txLinClrLst/>
-    <dgm:txFillClrLst meth="repeat">
-      <a:schemeClr val="dk1"/>
-    </dgm:txFillClrLst>
-    <dgm:txEffectClrLst/>
-  </dgm:styleLbl>
-  <dgm:styleLbl name="alignAccFollowNode1">
-    <dgm:fillClrLst meth="repeat">
-      <a:schemeClr val="lt1">
-        <a:alpha val="90000"/>
-        <a:tint val="40000"/>
-      </a:schemeClr>
-    </dgm:fillClrLst>
-    <dgm:linClrLst meth="repeat">
-      <a:schemeClr val="accent1">
-        <a:alpha val="90000"/>
-      </a:schemeClr>
-    </dgm:linClrLst>
-    <dgm:effectClrLst/>
-    <dgm:txLinClrLst/>
-    <dgm:txFillClrLst meth="repeat">
-      <a:schemeClr val="dk1"/>
-    </dgm:txFillClrLst>
-    <dgm:txEffectClrLst/>
-  </dgm:styleLbl>
-  <dgm:styleLbl name="bgAccFollowNode1">
-    <dgm:fillClrLst meth="repeat">
-      <a:schemeClr val="lt1">
-        <a:alpha val="90000"/>
-        <a:tint val="40000"/>
-      </a:schemeClr>
-    </dgm:fillClrLst>
-    <dgm:linClrLst meth="repeat">
-      <a:schemeClr val="accent1">
-        <a:alpha val="90000"/>
-      </a:schemeClr>
-    </dgm:linClrLst>
-    <dgm:effectClrLst/>
-    <dgm:txLinClrLst/>
-    <dgm:txFillClrLst meth="repeat">
-      <a:schemeClr val="dk1"/>
-    </dgm:txFillClrLst>
-    <dgm:txEffectClrLst/>
-  </dgm:styleLbl>
-  <dgm:styleLbl name="fgAcc0">
-    <dgm:fillClrLst meth="repeat">
-      <a:schemeClr val="accent1">
-        <a:alpha val="90000"/>
-        <a:tint val="40000"/>
-      </a:schemeClr>
-    </dgm:fillClrLst>
-    <dgm:linClrLst meth="repeat">
-      <a:schemeClr val="accent1"/>
-    </dgm:linClrLst>
-    <dgm:effectClrLst/>
-    <dgm:txLinClrLst/>
-    <dgm:txFillClrLst meth="repeat">
-      <a:schemeClr val="dk1"/>
-    </dgm:txFillClrLst>
-    <dgm:txEffectClrLst/>
-  </dgm:styleLbl>
-  <dgm:styleLbl name="fgAcc2">
-    <dgm:fillClrLst meth="repeat">
-      <a:schemeClr val="accent1">
-        <a:alpha val="90000"/>
-        <a:tint val="40000"/>
-      </a:schemeClr>
-    </dgm:fillClrLst>
-    <dgm:linClrLst meth="repeat">
-      <a:schemeClr val="accent1"/>
-    </dgm:linClrLst>
-    <dgm:effectClrLst/>
-    <dgm:txLinClrLst/>
-    <dgm:txFillClrLst meth="repeat">
-      <a:schemeClr val="dk1"/>
-    </dgm:txFillClrLst>
-    <dgm:txEffectClrLst/>
-  </dgm:styleLbl>
-  <dgm:styleLbl name="fgAcc3">
-    <dgm:fillClrLst meth="repeat">
-      <a:schemeClr val="accent1">
-        <a:alpha val="90000"/>
-        <a:tint val="40000"/>
-      </a:schemeClr>
-    </dgm:fillClrLst>
-    <dgm:linClrLst meth="repeat">
-      <a:schemeClr val="accent1"/>
-    </dgm:linClrLst>
-    <dgm:effectClrLst/>
-    <dgm:txLinClrLst/>
-    <dgm:txFillClrLst meth="repeat">
-      <a:schemeClr val="dk1"/>
-    </dgm:txFillClrLst>
-    <dgm:txEffectClrLst/>
-  </dgm:styleLbl>
-  <dgm:styleLbl name="fgAcc4">
-    <dgm:fillClrLst meth="repeat">
-      <a:schemeClr val="accent1">
-        <a:alpha val="90000"/>
-        <a:tint val="40000"/>
-      </a:schemeClr>
-    </dgm:fillClrLst>
-    <dgm:linClrLst meth="repeat">
-      <a:schemeClr val="accent1"/>
-    </dgm:linClrLst>
-    <dgm:effectClrLst/>
-    <dgm:txLinClrLst/>
-    <dgm:txFillClrLst meth="repeat">
-      <a:schemeClr val="dk1"/>
-    </dgm:txFillClrLst>
-    <dgm:txEffectClrLst/>
-  </dgm:styleLbl>
-  <dgm:styleLbl name="bgShp">
-    <dgm:fillClrLst meth="repeat">
-      <a:schemeClr val="accent1">
-        <a:tint val="40000"/>
-      </a:schemeClr>
-    </dgm:fillClrLst>
-    <dgm:linClrLst meth="repeat">
-      <a:schemeClr val="accent1"/>
-    </dgm:linClrLst>
-    <dgm:effectClrLst/>
-    <dgm:txLinClrLst/>
-    <dgm:txFillClrLst meth="repeat">
-      <a:schemeClr val="dk1"/>
-    </dgm:txFillClrLst>
-    <dgm:txEffectClrLst/>
-  </dgm:styleLbl>
-  <dgm:styleLbl name="dkBgShp">
-    <dgm:fillClrLst meth="repeat">
-      <a:schemeClr val="accent1">
-        <a:shade val="80000"/>
-      </a:schemeClr>
-    </dgm:fillClrLst>
-    <dgm:linClrLst meth="repeat">
-      <a:schemeClr val="accent1"/>
-    </dgm:linClrLst>
-    <dgm:effectClrLst/>
-    <dgm:txLinClrLst/>
-    <dgm:txFillClrLst meth="repeat">
-      <a:schemeClr val="lt1"/>
-    </dgm:txFillClrLst>
-    <dgm:txEffectClrLst/>
-  </dgm:styleLbl>
-  <dgm:styleLbl name="trBgShp">
-    <dgm:fillClrLst meth="repeat">
-      <a:schemeClr val="accent1">
-        <a:tint val="50000"/>
-        <a:alpha val="40000"/>
-      </a:schemeClr>
-    </dgm:fillClrLst>
-    <dgm:linClrLst meth="repeat">
-      <a:schemeClr val="accent1"/>
-    </dgm:linClrLst>
-    <dgm:effectClrLst/>
-    <dgm:txLinClrLst/>
-    <dgm:txFillClrLst meth="repeat">
-      <a:schemeClr val="lt1"/>
-    </dgm:txFillClrLst>
-    <dgm:txEffectClrLst/>
-  </dgm:styleLbl>
-  <dgm:styleLbl name="fgShp">
-    <dgm:fillClrLst meth="repeat">
-      <a:schemeClr val="accent1">
-        <a:tint val="60000"/>
-      </a:schemeClr>
-    </dgm:fillClrLst>
-    <dgm:linClrLst meth="repeat">
-      <a:schemeClr val="lt1"/>
-    </dgm:linClrLst>
-    <dgm:effectClrLst/>
-    <dgm:txLinClrLst/>
-    <dgm:txFillClrLst meth="repeat">
-      <a:schemeClr val="dk1"/>
-    </dgm:txFillClrLst>
-    <dgm:txEffectClrLst/>
-  </dgm:styleLbl>
-  <dgm:styleLbl name="revTx">
-    <dgm:fillClrLst meth="repeat">
-      <a:schemeClr val="lt1">
-        <a:alpha val="0"/>
-      </a:schemeClr>
-    </dgm:fillClrLst>
-    <dgm:linClrLst meth="repeat">
-      <a:schemeClr val="dk1">
-        <a:alpha val="0"/>
-      </a:schemeClr>
-    </dgm:linClrLst>
-    <dgm:effectClrLst/>
-    <dgm:txLinClrLst/>
-    <dgm:txFillClrLst meth="repeat">
-      <a:schemeClr val="tx1"/>
-    </dgm:txFillClrLst>
-    <dgm:txEffectClrLst/>
-  </dgm:styleLbl>
-</dgm:colorsDef>
-</file>
-
-<file path=ppt/diagrams/data1.xml><?xml version="1.0" encoding="utf-8"?>
-<dgm:dataModel xmlns:dgm="http://schemas.openxmlformats.org/drawingml/2006/diagram" xmlns:a="http://schemas.openxmlformats.org/drawingml/2006/main">
-  <dgm:ptLst>
-    <dgm:pt modelId="{2EFB202A-8611-4DDC-831D-D12EB67B6CF7}" type="doc">
-      <dgm:prSet loTypeId="urn:microsoft.com/office/officeart/2005/8/layout/process4" loCatId="process" qsTypeId="urn:microsoft.com/office/officeart/2005/8/quickstyle/simple4" qsCatId="simple" csTypeId="urn:microsoft.com/office/officeart/2005/8/colors/accent1_1" csCatId="accent1" phldr="1"/>
-      <dgm:spPr/>
-      <dgm:t>
-        <a:bodyPr rtlCol="0"/>
-        <a:lstStyle/>
-        <a:p>
-          <a:pPr rtl="0"/>
-          <a:endParaRPr lang="en-US"/>
-        </a:p>
-      </dgm:t>
-    </dgm:pt>
-    <dgm:pt modelId="{11888A7B-1E89-45E6-84F4-EF92B26189CD}">
-      <dgm:prSet phldrT="[Text]"/>
-      <dgm:spPr/>
-      <dgm:t>
-        <a:bodyPr rtlCol="0"/>
-        <a:lstStyle/>
-        <a:p>
-          <a:pPr rtl="0"/>
-          <a:r>
-            <a:rPr lang="ru-RU" noProof="0" dirty="0" smtClean="0"/>
-            <a:t>Заголовок этапа 1</a:t>
-          </a:r>
-          <a:endParaRPr lang="ru-RU" noProof="0" dirty="0"/>
-        </a:p>
-      </dgm:t>
-    </dgm:pt>
-    <dgm:pt modelId="{6043087E-917B-44BC-97F8-41385FD50DC3}" type="parTrans" cxnId="{5376348D-4465-4E2E-9DB8-EA1F5276717B}">
-      <dgm:prSet/>
-      <dgm:spPr/>
-      <dgm:t>
-        <a:bodyPr rtlCol="0"/>
-        <a:lstStyle/>
-        <a:p>
-          <a:pPr rtl="0"/>
-          <a:endParaRPr lang="en-US"/>
-        </a:p>
-      </dgm:t>
-    </dgm:pt>
-    <dgm:pt modelId="{438F37F5-E676-4BB5-A241-95D895E1B43F}" type="sibTrans" cxnId="{5376348D-4465-4E2E-9DB8-EA1F5276717B}">
-      <dgm:prSet/>
-      <dgm:spPr/>
-      <dgm:t>
-        <a:bodyPr rtlCol="0"/>
-        <a:lstStyle/>
-        <a:p>
-          <a:pPr rtl="0"/>
-          <a:endParaRPr lang="en-US"/>
-        </a:p>
-      </dgm:t>
-    </dgm:pt>
-    <dgm:pt modelId="{712EDDD5-F1C9-457B-A81D-F94868058B44}">
-      <dgm:prSet phldrT="[Text]"/>
-      <dgm:spPr/>
-      <dgm:t>
-        <a:bodyPr rtlCol="0"/>
-        <a:lstStyle/>
-        <a:p>
-          <a:pPr rtl="0"/>
-          <a:r>
-            <a:rPr lang="ru-RU" noProof="0" dirty="0" smtClean="0"/>
-            <a:t>Заголовок этапа 2</a:t>
-          </a:r>
-          <a:endParaRPr lang="ru-RU" noProof="0" dirty="0"/>
-        </a:p>
-      </dgm:t>
-    </dgm:pt>
-    <dgm:pt modelId="{5E2CC1CB-7E12-4298-9BE5-B8F6683E4161}" type="parTrans" cxnId="{392AE56A-6939-469F-BFEC-2DEEC6ABC100}">
-      <dgm:prSet/>
-      <dgm:spPr/>
-      <dgm:t>
-        <a:bodyPr rtlCol="0"/>
-        <a:lstStyle/>
-        <a:p>
-          <a:pPr rtl="0"/>
-          <a:endParaRPr lang="en-US"/>
-        </a:p>
-      </dgm:t>
-    </dgm:pt>
-    <dgm:pt modelId="{630DB5C2-135D-425B-B7D5-1F5FFE12BF3B}" type="sibTrans" cxnId="{392AE56A-6939-469F-BFEC-2DEEC6ABC100}">
-      <dgm:prSet/>
-      <dgm:spPr/>
-      <dgm:t>
-        <a:bodyPr rtlCol="0"/>
-        <a:lstStyle/>
-        <a:p>
-          <a:pPr rtl="0"/>
-          <a:endParaRPr lang="en-US"/>
-        </a:p>
-      </dgm:t>
-    </dgm:pt>
-    <dgm:pt modelId="{356F6FEF-38C8-437A-8562-86A5ED3F5885}">
-      <dgm:prSet phldrT="[Text]"/>
-      <dgm:spPr/>
-      <dgm:t>
-        <a:bodyPr rtlCol="0"/>
-        <a:lstStyle/>
-        <a:p>
-          <a:pPr rtl="0"/>
-          <a:r>
-            <a:rPr lang="ru-RU" noProof="0" dirty="0" smtClean="0"/>
-            <a:t>Заголовок этапа 3</a:t>
-          </a:r>
-          <a:endParaRPr lang="ru-RU" noProof="0" dirty="0"/>
-        </a:p>
-      </dgm:t>
-    </dgm:pt>
-    <dgm:pt modelId="{BD9B34C9-939F-47F5-A040-1B30C9EEA310}" type="parTrans" cxnId="{8247D1A2-555D-4B39-B44D-5F2B5AE64242}">
-      <dgm:prSet/>
-      <dgm:spPr/>
-      <dgm:t>
-        <a:bodyPr rtlCol="0"/>
-        <a:lstStyle/>
-        <a:p>
-          <a:pPr rtl="0"/>
-          <a:endParaRPr lang="en-US"/>
-        </a:p>
-      </dgm:t>
-    </dgm:pt>
-    <dgm:pt modelId="{665399A3-A410-4656-8F7E-3FAB641DE891}" type="sibTrans" cxnId="{8247D1A2-555D-4B39-B44D-5F2B5AE64242}">
-      <dgm:prSet/>
-      <dgm:spPr/>
-      <dgm:t>
-        <a:bodyPr rtlCol="0"/>
-        <a:lstStyle/>
-        <a:p>
-          <a:pPr rtl="0"/>
-          <a:endParaRPr lang="en-US"/>
-        </a:p>
-      </dgm:t>
-    </dgm:pt>
-    <dgm:pt modelId="{640CA9BD-09C1-4472-8DAC-0F150EC5E678}">
-      <dgm:prSet phldrT="[Text]"/>
-      <dgm:spPr/>
-      <dgm:t>
-        <a:bodyPr rtlCol="0"/>
-        <a:lstStyle/>
-        <a:p>
-          <a:pPr rtl="0"/>
-          <a:r>
-            <a:rPr lang="ru-RU" noProof="0" dirty="0" smtClean="0"/>
-            <a:t>Заголовок этапа 4</a:t>
-          </a:r>
-          <a:endParaRPr lang="ru-RU" noProof="0" dirty="0"/>
-        </a:p>
-      </dgm:t>
-    </dgm:pt>
-    <dgm:pt modelId="{90609DF7-843B-4BEF-A3B5-89270E6B0951}" type="parTrans" cxnId="{957C551D-31A8-4286-A3AE-C5928DB663CE}">
-      <dgm:prSet/>
-      <dgm:spPr/>
-      <dgm:t>
-        <a:bodyPr rtlCol="0"/>
-        <a:lstStyle/>
-        <a:p>
-          <a:pPr rtl="0"/>
-          <a:endParaRPr lang="en-US"/>
-        </a:p>
-      </dgm:t>
-    </dgm:pt>
-    <dgm:pt modelId="{67B503AA-82FD-4AA4-8357-3D8B59D6160B}" type="sibTrans" cxnId="{957C551D-31A8-4286-A3AE-C5928DB663CE}">
-      <dgm:prSet/>
-      <dgm:spPr/>
-      <dgm:t>
-        <a:bodyPr rtlCol="0"/>
-        <a:lstStyle/>
-        <a:p>
-          <a:pPr rtl="0"/>
-          <a:endParaRPr lang="en-US"/>
-        </a:p>
-      </dgm:t>
-    </dgm:pt>
-    <dgm:pt modelId="{812F39FC-2D1E-4DD1-A1A6-C7F9287A4AAB}" type="pres">
-      <dgm:prSet presAssocID="{2EFB202A-8611-4DDC-831D-D12EB67B6CF7}" presName="Name0" presStyleCnt="0">
-        <dgm:presLayoutVars>
-          <dgm:dir/>
-          <dgm:animLvl val="lvl"/>
-          <dgm:resizeHandles val="exact"/>
-        </dgm:presLayoutVars>
-      </dgm:prSet>
-      <dgm:spPr/>
-      <dgm:t>
-        <a:bodyPr/>
-        <a:lstStyle/>
-        <a:p>
-          <a:endParaRPr lang="ru-RU"/>
-        </a:p>
-      </dgm:t>
-    </dgm:pt>
-    <dgm:pt modelId="{C1682CE3-81F4-4BEA-B13D-10C7017D8387}" type="pres">
-      <dgm:prSet presAssocID="{640CA9BD-09C1-4472-8DAC-0F150EC5E678}" presName="boxAndChildren" presStyleCnt="0"/>
-      <dgm:spPr/>
-    </dgm:pt>
-    <dgm:pt modelId="{325B9957-E809-4285-A870-20AA1AEAA8D7}" type="pres">
-      <dgm:prSet presAssocID="{640CA9BD-09C1-4472-8DAC-0F150EC5E678}" presName="parentTextBox" presStyleLbl="node1" presStyleIdx="0" presStyleCnt="4"/>
-      <dgm:spPr/>
-      <dgm:t>
-        <a:bodyPr/>
-        <a:lstStyle/>
-        <a:p>
-          <a:endParaRPr lang="ru-RU"/>
-        </a:p>
-      </dgm:t>
-    </dgm:pt>
-    <dgm:pt modelId="{2AB5853F-AA77-4431-82DF-105CEB2E1424}" type="pres">
-      <dgm:prSet presAssocID="{665399A3-A410-4656-8F7E-3FAB641DE891}" presName="sp" presStyleCnt="0"/>
-      <dgm:spPr/>
-    </dgm:pt>
-    <dgm:pt modelId="{EC667030-4855-4843-9717-7DF08446AEB5}" type="pres">
-      <dgm:prSet presAssocID="{356F6FEF-38C8-437A-8562-86A5ED3F5885}" presName="arrowAndChildren" presStyleCnt="0"/>
-      <dgm:spPr/>
-    </dgm:pt>
-    <dgm:pt modelId="{C830B7C4-5210-41AC-A88B-BECF7607C1E5}" type="pres">
-      <dgm:prSet presAssocID="{356F6FEF-38C8-437A-8562-86A5ED3F5885}" presName="parentTextArrow" presStyleLbl="node1" presStyleIdx="1" presStyleCnt="4"/>
-      <dgm:spPr/>
-      <dgm:t>
-        <a:bodyPr/>
-        <a:lstStyle/>
-        <a:p>
-          <a:endParaRPr lang="ru-RU"/>
-        </a:p>
-      </dgm:t>
-    </dgm:pt>
-    <dgm:pt modelId="{7FB80134-CA62-4591-A6BE-C119FEAC14B6}" type="pres">
-      <dgm:prSet presAssocID="{630DB5C2-135D-425B-B7D5-1F5FFE12BF3B}" presName="sp" presStyleCnt="0"/>
-      <dgm:spPr/>
-    </dgm:pt>
-    <dgm:pt modelId="{C4866045-B43B-429F-851C-E58098BA6DB8}" type="pres">
-      <dgm:prSet presAssocID="{712EDDD5-F1C9-457B-A81D-F94868058B44}" presName="arrowAndChildren" presStyleCnt="0"/>
-      <dgm:spPr/>
-    </dgm:pt>
-    <dgm:pt modelId="{D5473CBC-EEC3-408A-B4A6-07882F253A8B}" type="pres">
-      <dgm:prSet presAssocID="{712EDDD5-F1C9-457B-A81D-F94868058B44}" presName="parentTextArrow" presStyleLbl="node1" presStyleIdx="2" presStyleCnt="4"/>
-      <dgm:spPr/>
-      <dgm:t>
-        <a:bodyPr/>
-        <a:lstStyle/>
-        <a:p>
-          <a:endParaRPr lang="ru-RU"/>
-        </a:p>
-      </dgm:t>
-    </dgm:pt>
-    <dgm:pt modelId="{FE4F3FD3-FEDA-44E5-9944-1FF6BBD0F9E2}" type="pres">
-      <dgm:prSet presAssocID="{438F37F5-E676-4BB5-A241-95D895E1B43F}" presName="sp" presStyleCnt="0"/>
-      <dgm:spPr/>
-    </dgm:pt>
-    <dgm:pt modelId="{1C274FFF-1754-4900-887F-DFF5156E0B8D}" type="pres">
-      <dgm:prSet presAssocID="{11888A7B-1E89-45E6-84F4-EF92B26189CD}" presName="arrowAndChildren" presStyleCnt="0"/>
-      <dgm:spPr/>
-    </dgm:pt>
-    <dgm:pt modelId="{32FA43B7-34B4-4881-9A79-E3EDEC9D4CBF}" type="pres">
-      <dgm:prSet presAssocID="{11888A7B-1E89-45E6-84F4-EF92B26189CD}" presName="parentTextArrow" presStyleLbl="node1" presStyleIdx="3" presStyleCnt="4"/>
-      <dgm:spPr/>
-      <dgm:t>
-        <a:bodyPr/>
-        <a:lstStyle/>
-        <a:p>
-          <a:endParaRPr lang="ru-RU"/>
-        </a:p>
-      </dgm:t>
-    </dgm:pt>
-  </dgm:ptLst>
-  <dgm:cxnLst>
-    <dgm:cxn modelId="{957C551D-31A8-4286-A3AE-C5928DB663CE}" srcId="{2EFB202A-8611-4DDC-831D-D12EB67B6CF7}" destId="{640CA9BD-09C1-4472-8DAC-0F150EC5E678}" srcOrd="3" destOrd="0" parTransId="{90609DF7-843B-4BEF-A3B5-89270E6B0951}" sibTransId="{67B503AA-82FD-4AA4-8357-3D8B59D6160B}"/>
-    <dgm:cxn modelId="{4D111F6B-0B5C-40A7-BA86-973E36B2D8F2}" type="presOf" srcId="{712EDDD5-F1C9-457B-A81D-F94868058B44}" destId="{D5473CBC-EEC3-408A-B4A6-07882F253A8B}" srcOrd="0" destOrd="0" presId="urn:microsoft.com/office/officeart/2005/8/layout/process4"/>
-    <dgm:cxn modelId="{AAE8F060-3E29-4C68-9A74-089916E04D67}" type="presOf" srcId="{356F6FEF-38C8-437A-8562-86A5ED3F5885}" destId="{C830B7C4-5210-41AC-A88B-BECF7607C1E5}" srcOrd="0" destOrd="0" presId="urn:microsoft.com/office/officeart/2005/8/layout/process4"/>
-    <dgm:cxn modelId="{B2E3875C-D3F8-41A4-A6EA-DD49F61576A0}" type="presOf" srcId="{11888A7B-1E89-45E6-84F4-EF92B26189CD}" destId="{32FA43B7-34B4-4881-9A79-E3EDEC9D4CBF}" srcOrd="0" destOrd="0" presId="urn:microsoft.com/office/officeart/2005/8/layout/process4"/>
-    <dgm:cxn modelId="{8247D1A2-555D-4B39-B44D-5F2B5AE64242}" srcId="{2EFB202A-8611-4DDC-831D-D12EB67B6CF7}" destId="{356F6FEF-38C8-437A-8562-86A5ED3F5885}" srcOrd="2" destOrd="0" parTransId="{BD9B34C9-939F-47F5-A040-1B30C9EEA310}" sibTransId="{665399A3-A410-4656-8F7E-3FAB641DE891}"/>
-    <dgm:cxn modelId="{79EE9E02-BFF5-41D3-86F8-33470970BFCE}" type="presOf" srcId="{2EFB202A-8611-4DDC-831D-D12EB67B6CF7}" destId="{812F39FC-2D1E-4DD1-A1A6-C7F9287A4AAB}" srcOrd="0" destOrd="0" presId="urn:microsoft.com/office/officeart/2005/8/layout/process4"/>
-    <dgm:cxn modelId="{392AE56A-6939-469F-BFEC-2DEEC6ABC100}" srcId="{2EFB202A-8611-4DDC-831D-D12EB67B6CF7}" destId="{712EDDD5-F1C9-457B-A81D-F94868058B44}" srcOrd="1" destOrd="0" parTransId="{5E2CC1CB-7E12-4298-9BE5-B8F6683E4161}" sibTransId="{630DB5C2-135D-425B-B7D5-1F5FFE12BF3B}"/>
-    <dgm:cxn modelId="{5376348D-4465-4E2E-9DB8-EA1F5276717B}" srcId="{2EFB202A-8611-4DDC-831D-D12EB67B6CF7}" destId="{11888A7B-1E89-45E6-84F4-EF92B26189CD}" srcOrd="0" destOrd="0" parTransId="{6043087E-917B-44BC-97F8-41385FD50DC3}" sibTransId="{438F37F5-E676-4BB5-A241-95D895E1B43F}"/>
-    <dgm:cxn modelId="{67067571-6170-41AF-87A3-FB3B609D9CEA}" type="presOf" srcId="{640CA9BD-09C1-4472-8DAC-0F150EC5E678}" destId="{325B9957-E809-4285-A870-20AA1AEAA8D7}" srcOrd="0" destOrd="0" presId="urn:microsoft.com/office/officeart/2005/8/layout/process4"/>
-    <dgm:cxn modelId="{5678914C-8F14-4F79-9116-C33CBC8B70E7}" type="presParOf" srcId="{812F39FC-2D1E-4DD1-A1A6-C7F9287A4AAB}" destId="{C1682CE3-81F4-4BEA-B13D-10C7017D8387}" srcOrd="0" destOrd="0" presId="urn:microsoft.com/office/officeart/2005/8/layout/process4"/>
-    <dgm:cxn modelId="{B75DEEE2-790E-400B-832F-7C2526EFEEFC}" type="presParOf" srcId="{C1682CE3-81F4-4BEA-B13D-10C7017D8387}" destId="{325B9957-E809-4285-A870-20AA1AEAA8D7}" srcOrd="0" destOrd="0" presId="urn:microsoft.com/office/officeart/2005/8/layout/process4"/>
-    <dgm:cxn modelId="{6FA0FB88-FED5-4DA9-8FB7-49F6DEA20B1D}" type="presParOf" srcId="{812F39FC-2D1E-4DD1-A1A6-C7F9287A4AAB}" destId="{2AB5853F-AA77-4431-82DF-105CEB2E1424}" srcOrd="1" destOrd="0" presId="urn:microsoft.com/office/officeart/2005/8/layout/process4"/>
-    <dgm:cxn modelId="{52F7A226-0BC5-4418-B1BB-E2FD5547F031}" type="presParOf" srcId="{812F39FC-2D1E-4DD1-A1A6-C7F9287A4AAB}" destId="{EC667030-4855-4843-9717-7DF08446AEB5}" srcOrd="2" destOrd="0" presId="urn:microsoft.com/office/officeart/2005/8/layout/process4"/>
-    <dgm:cxn modelId="{B3DA9F18-ADDC-4C31-BFC3-7AFA3D398C18}" type="presParOf" srcId="{EC667030-4855-4843-9717-7DF08446AEB5}" destId="{C830B7C4-5210-41AC-A88B-BECF7607C1E5}" srcOrd="0" destOrd="0" presId="urn:microsoft.com/office/officeart/2005/8/layout/process4"/>
-    <dgm:cxn modelId="{6D5A561E-9AED-4BD0-B61C-B210C294197C}" type="presParOf" srcId="{812F39FC-2D1E-4DD1-A1A6-C7F9287A4AAB}" destId="{7FB80134-CA62-4591-A6BE-C119FEAC14B6}" srcOrd="3" destOrd="0" presId="urn:microsoft.com/office/officeart/2005/8/layout/process4"/>
-    <dgm:cxn modelId="{8AA3D574-35B2-4F26-9753-43647056D5BB}" type="presParOf" srcId="{812F39FC-2D1E-4DD1-A1A6-C7F9287A4AAB}" destId="{C4866045-B43B-429F-851C-E58098BA6DB8}" srcOrd="4" destOrd="0" presId="urn:microsoft.com/office/officeart/2005/8/layout/process4"/>
-    <dgm:cxn modelId="{8142E2F1-4232-4A86-BD16-A2EE21EFADF1}" type="presParOf" srcId="{C4866045-B43B-429F-851C-E58098BA6DB8}" destId="{D5473CBC-EEC3-408A-B4A6-07882F253A8B}" srcOrd="0" destOrd="0" presId="urn:microsoft.com/office/officeart/2005/8/layout/process4"/>
-    <dgm:cxn modelId="{F78D174D-E461-4213-AEEB-72932703ABFC}" type="presParOf" srcId="{812F39FC-2D1E-4DD1-A1A6-C7F9287A4AAB}" destId="{FE4F3FD3-FEDA-44E5-9944-1FF6BBD0F9E2}" srcOrd="5" destOrd="0" presId="urn:microsoft.com/office/officeart/2005/8/layout/process4"/>
-    <dgm:cxn modelId="{D11F7181-D05C-4ACC-A34B-6E9511FBE167}" type="presParOf" srcId="{812F39FC-2D1E-4DD1-A1A6-C7F9287A4AAB}" destId="{1C274FFF-1754-4900-887F-DFF5156E0B8D}" srcOrd="6" destOrd="0" presId="urn:microsoft.com/office/officeart/2005/8/layout/process4"/>
-    <dgm:cxn modelId="{36469A82-1901-415F-8126-6D77E61422EC}" type="presParOf" srcId="{1C274FFF-1754-4900-887F-DFF5156E0B8D}" destId="{32FA43B7-34B4-4881-9A79-E3EDEC9D4CBF}" srcOrd="0" destOrd="0" presId="urn:microsoft.com/office/officeart/2005/8/layout/process4"/>
-  </dgm:cxnLst>
-  <dgm:bg/>
-  <dgm:whole/>
-  <dgm:extLst>
-    <a:ext uri="http://schemas.microsoft.com/office/drawing/2008/diagram">
-      <dsp:dataModelExt xmlns:dsp="http://schemas.microsoft.com/office/drawing/2008/diagram" relId="rId7" minVer="http://schemas.openxmlformats.org/drawingml/2006/diagram"/>
-    </a:ext>
-  </dgm:extLst>
-</dgm:dataModel>
-</file>
-
-<file path=ppt/diagrams/drawing1.xml><?xml version="1.0" encoding="utf-8"?>
-<dsp:drawing xmlns:dgm="http://schemas.openxmlformats.org/drawingml/2006/diagram" xmlns:dsp="http://schemas.microsoft.com/office/drawing/2008/diagram" xmlns:a="http://schemas.openxmlformats.org/drawingml/2006/main">
-  <dsp:spTree>
-    <dsp:nvGrpSpPr>
-      <dsp:cNvPr id="0" name=""/>
-      <dsp:cNvGrpSpPr/>
-    </dsp:nvGrpSpPr>
-    <dsp:grpSpPr/>
-    <dsp:sp modelId="{325B9957-E809-4285-A870-20AA1AEAA8D7}">
-      <dsp:nvSpPr>
-        <dsp:cNvPr id="0" name=""/>
-        <dsp:cNvSpPr/>
-      </dsp:nvSpPr>
-      <dsp:spPr>
-        <a:xfrm>
-          <a:off x="0" y="3569039"/>
-          <a:ext cx="5029199" cy="780818"/>
-        </a:xfrm>
-        <a:prstGeom prst="rect">
-          <a:avLst/>
-        </a:prstGeom>
-        <a:gradFill rotWithShape="0">
-          <a:gsLst>
-            <a:gs pos="0">
-              <a:schemeClr val="lt1">
-                <a:hueOff val="0"/>
-                <a:satOff val="0"/>
-                <a:lumOff val="0"/>
-                <a:alphaOff val="0"/>
-                <a:satMod val="103000"/>
-                <a:lumMod val="102000"/>
-                <a:tint val="94000"/>
-              </a:schemeClr>
-            </a:gs>
-            <a:gs pos="50000">
-              <a:schemeClr val="lt1">
-                <a:hueOff val="0"/>
-                <a:satOff val="0"/>
-                <a:lumOff val="0"/>
-                <a:alphaOff val="0"/>
-                <a:satMod val="110000"/>
-                <a:lumMod val="100000"/>
-                <a:shade val="100000"/>
-              </a:schemeClr>
-            </a:gs>
-            <a:gs pos="100000">
-              <a:schemeClr val="lt1">
-                <a:hueOff val="0"/>
-                <a:satOff val="0"/>
-                <a:lumOff val="0"/>
-                <a:alphaOff val="0"/>
-                <a:lumMod val="99000"/>
-                <a:satMod val="120000"/>
-                <a:shade val="78000"/>
-              </a:schemeClr>
-            </a:gs>
-          </a:gsLst>
-          <a:lin ang="5400000" scaled="0"/>
-        </a:gradFill>
-        <a:ln>
-          <a:noFill/>
-        </a:ln>
-        <a:effectLst/>
-      </dsp:spPr>
-      <dsp:style>
-        <a:lnRef idx="0">
-          <a:scrgbClr r="0" g="0" b="0"/>
-        </a:lnRef>
-        <a:fillRef idx="3">
-          <a:scrgbClr r="0" g="0" b="0"/>
-        </a:fillRef>
-        <a:effectRef idx="2">
-          <a:scrgbClr r="0" g="0" b="0"/>
-        </a:effectRef>
-        <a:fontRef idx="minor">
-          <a:schemeClr val="lt1"/>
-        </a:fontRef>
-      </dsp:style>
-      <dsp:txBody>
-        <a:bodyPr spcFirstLastPara="0" vert="horz" wrap="square" lIns="192024" tIns="192024" rIns="192024" bIns="192024" numCol="1" spcCol="1270" rtlCol="0" anchor="ctr" anchorCtr="0">
-          <a:noAutofit/>
-        </a:bodyPr>
-        <a:lstStyle/>
-        <a:p>
-          <a:pPr lvl="0" algn="ctr" defTabSz="1200150" rtl="0">
-            <a:lnSpc>
-              <a:spcPct val="90000"/>
-            </a:lnSpc>
-            <a:spcBef>
-              <a:spcPct val="0"/>
-            </a:spcBef>
-            <a:spcAft>
-              <a:spcPct val="35000"/>
-            </a:spcAft>
-          </a:pPr>
-          <a:r>
-            <a:rPr lang="ru-RU" sz="2700" kern="1200" noProof="0" dirty="0" smtClean="0"/>
-            <a:t>Заголовок этапа 4</a:t>
-          </a:r>
-          <a:endParaRPr lang="ru-RU" sz="2700" kern="1200" noProof="0" dirty="0"/>
-        </a:p>
-      </dsp:txBody>
-      <dsp:txXfrm>
-        <a:off x="0" y="3569039"/>
-        <a:ext cx="5029199" cy="780818"/>
-      </dsp:txXfrm>
-    </dsp:sp>
-    <dsp:sp modelId="{C830B7C4-5210-41AC-A88B-BECF7607C1E5}">
-      <dsp:nvSpPr>
-        <dsp:cNvPr id="0" name=""/>
-        <dsp:cNvSpPr/>
-      </dsp:nvSpPr>
-      <dsp:spPr>
-        <a:xfrm rot="10800000">
-          <a:off x="0" y="2379853"/>
-          <a:ext cx="5029199" cy="1200899"/>
-        </a:xfrm>
-        <a:prstGeom prst="upArrowCallout">
-          <a:avLst/>
-        </a:prstGeom>
-        <a:gradFill rotWithShape="0">
-          <a:gsLst>
-            <a:gs pos="0">
-              <a:schemeClr val="lt1">
-                <a:hueOff val="0"/>
-                <a:satOff val="0"/>
-                <a:lumOff val="0"/>
-                <a:alphaOff val="0"/>
-                <a:satMod val="103000"/>
-                <a:lumMod val="102000"/>
-                <a:tint val="94000"/>
-              </a:schemeClr>
-            </a:gs>
-            <a:gs pos="50000">
-              <a:schemeClr val="lt1">
-                <a:hueOff val="0"/>
-                <a:satOff val="0"/>
-                <a:lumOff val="0"/>
-                <a:alphaOff val="0"/>
-                <a:satMod val="110000"/>
-                <a:lumMod val="100000"/>
-                <a:shade val="100000"/>
-              </a:schemeClr>
-            </a:gs>
-            <a:gs pos="100000">
-              <a:schemeClr val="lt1">
-                <a:hueOff val="0"/>
-                <a:satOff val="0"/>
-                <a:lumOff val="0"/>
-                <a:alphaOff val="0"/>
-                <a:lumMod val="99000"/>
-                <a:satMod val="120000"/>
-                <a:shade val="78000"/>
-              </a:schemeClr>
-            </a:gs>
-          </a:gsLst>
-          <a:lin ang="5400000" scaled="0"/>
-        </a:gradFill>
-        <a:ln>
-          <a:noFill/>
-        </a:ln>
-        <a:effectLst/>
-      </dsp:spPr>
-      <dsp:style>
-        <a:lnRef idx="0">
-          <a:scrgbClr r="0" g="0" b="0"/>
-        </a:lnRef>
-        <a:fillRef idx="3">
-          <a:scrgbClr r="0" g="0" b="0"/>
-        </a:fillRef>
-        <a:effectRef idx="2">
-          <a:scrgbClr r="0" g="0" b="0"/>
-        </a:effectRef>
-        <a:fontRef idx="minor">
-          <a:schemeClr val="lt1"/>
-        </a:fontRef>
-      </dsp:style>
-      <dsp:txBody>
-        <a:bodyPr spcFirstLastPara="0" vert="horz" wrap="square" lIns="192024" tIns="192024" rIns="192024" bIns="192024" numCol="1" spcCol="1270" rtlCol="0" anchor="ctr" anchorCtr="0">
-          <a:noAutofit/>
-        </a:bodyPr>
-        <a:lstStyle/>
-        <a:p>
-          <a:pPr lvl="0" algn="ctr" defTabSz="1200150" rtl="0">
-            <a:lnSpc>
-              <a:spcPct val="90000"/>
-            </a:lnSpc>
-            <a:spcBef>
-              <a:spcPct val="0"/>
-            </a:spcBef>
-            <a:spcAft>
-              <a:spcPct val="35000"/>
-            </a:spcAft>
-          </a:pPr>
-          <a:r>
-            <a:rPr lang="ru-RU" sz="2700" kern="1200" noProof="0" dirty="0" smtClean="0"/>
-            <a:t>Заголовок этапа 3</a:t>
-          </a:r>
-          <a:endParaRPr lang="ru-RU" sz="2700" kern="1200" noProof="0" dirty="0"/>
-        </a:p>
-      </dsp:txBody>
-      <dsp:txXfrm rot="10800000">
-        <a:off x="0" y="2379853"/>
-        <a:ext cx="5029199" cy="780308"/>
-      </dsp:txXfrm>
-    </dsp:sp>
-    <dsp:sp modelId="{D5473CBC-EEC3-408A-B4A6-07882F253A8B}">
-      <dsp:nvSpPr>
-        <dsp:cNvPr id="0" name=""/>
-        <dsp:cNvSpPr/>
-      </dsp:nvSpPr>
-      <dsp:spPr>
-        <a:xfrm rot="10800000">
-          <a:off x="0" y="1190666"/>
-          <a:ext cx="5029199" cy="1200899"/>
-        </a:xfrm>
-        <a:prstGeom prst="upArrowCallout">
-          <a:avLst/>
-        </a:prstGeom>
-        <a:gradFill rotWithShape="0">
-          <a:gsLst>
-            <a:gs pos="0">
-              <a:schemeClr val="lt1">
-                <a:hueOff val="0"/>
-                <a:satOff val="0"/>
-                <a:lumOff val="0"/>
-                <a:alphaOff val="0"/>
-                <a:satMod val="103000"/>
-                <a:lumMod val="102000"/>
-                <a:tint val="94000"/>
-              </a:schemeClr>
-            </a:gs>
-            <a:gs pos="50000">
-              <a:schemeClr val="lt1">
-                <a:hueOff val="0"/>
-                <a:satOff val="0"/>
-                <a:lumOff val="0"/>
-                <a:alphaOff val="0"/>
-                <a:satMod val="110000"/>
-                <a:lumMod val="100000"/>
-                <a:shade val="100000"/>
-              </a:schemeClr>
-            </a:gs>
-            <a:gs pos="100000">
-              <a:schemeClr val="lt1">
-                <a:hueOff val="0"/>
-                <a:satOff val="0"/>
-                <a:lumOff val="0"/>
-                <a:alphaOff val="0"/>
-                <a:lumMod val="99000"/>
-                <a:satMod val="120000"/>
-                <a:shade val="78000"/>
-              </a:schemeClr>
-            </a:gs>
-          </a:gsLst>
-          <a:lin ang="5400000" scaled="0"/>
-        </a:gradFill>
-        <a:ln>
-          <a:noFill/>
-        </a:ln>
-        <a:effectLst/>
-      </dsp:spPr>
-      <dsp:style>
-        <a:lnRef idx="0">
-          <a:scrgbClr r="0" g="0" b="0"/>
-        </a:lnRef>
-        <a:fillRef idx="3">
-          <a:scrgbClr r="0" g="0" b="0"/>
-        </a:fillRef>
-        <a:effectRef idx="2">
-          <a:scrgbClr r="0" g="0" b="0"/>
-        </a:effectRef>
-        <a:fontRef idx="minor">
-          <a:schemeClr val="lt1"/>
-        </a:fontRef>
-      </dsp:style>
-      <dsp:txBody>
-        <a:bodyPr spcFirstLastPara="0" vert="horz" wrap="square" lIns="192024" tIns="192024" rIns="192024" bIns="192024" numCol="1" spcCol="1270" rtlCol="0" anchor="ctr" anchorCtr="0">
-          <a:noAutofit/>
-        </a:bodyPr>
-        <a:lstStyle/>
-        <a:p>
-          <a:pPr lvl="0" algn="ctr" defTabSz="1200150" rtl="0">
-            <a:lnSpc>
-              <a:spcPct val="90000"/>
-            </a:lnSpc>
-            <a:spcBef>
-              <a:spcPct val="0"/>
-            </a:spcBef>
-            <a:spcAft>
-              <a:spcPct val="35000"/>
-            </a:spcAft>
-          </a:pPr>
-          <a:r>
-            <a:rPr lang="ru-RU" sz="2700" kern="1200" noProof="0" dirty="0" smtClean="0"/>
-            <a:t>Заголовок этапа 2</a:t>
-          </a:r>
-          <a:endParaRPr lang="ru-RU" sz="2700" kern="1200" noProof="0" dirty="0"/>
-        </a:p>
-      </dsp:txBody>
-      <dsp:txXfrm rot="10800000">
-        <a:off x="0" y="1190666"/>
-        <a:ext cx="5029199" cy="780308"/>
-      </dsp:txXfrm>
-    </dsp:sp>
-    <dsp:sp modelId="{32FA43B7-34B4-4881-9A79-E3EDEC9D4CBF}">
-      <dsp:nvSpPr>
-        <dsp:cNvPr id="0" name=""/>
-        <dsp:cNvSpPr/>
-      </dsp:nvSpPr>
-      <dsp:spPr>
-        <a:xfrm rot="10800000">
-          <a:off x="0" y="1479"/>
-          <a:ext cx="5029199" cy="1200899"/>
-        </a:xfrm>
-        <a:prstGeom prst="upArrowCallout">
-          <a:avLst/>
-        </a:prstGeom>
-        <a:gradFill rotWithShape="0">
-          <a:gsLst>
-            <a:gs pos="0">
-              <a:schemeClr val="lt1">
-                <a:hueOff val="0"/>
-                <a:satOff val="0"/>
-                <a:lumOff val="0"/>
-                <a:alphaOff val="0"/>
-                <a:satMod val="103000"/>
-                <a:lumMod val="102000"/>
-                <a:tint val="94000"/>
-              </a:schemeClr>
-            </a:gs>
-            <a:gs pos="50000">
-              <a:schemeClr val="lt1">
-                <a:hueOff val="0"/>
-                <a:satOff val="0"/>
-                <a:lumOff val="0"/>
-                <a:alphaOff val="0"/>
-                <a:satMod val="110000"/>
-                <a:lumMod val="100000"/>
-                <a:shade val="100000"/>
-              </a:schemeClr>
-            </a:gs>
-            <a:gs pos="100000">
-              <a:schemeClr val="lt1">
-                <a:hueOff val="0"/>
-                <a:satOff val="0"/>
-                <a:lumOff val="0"/>
-                <a:alphaOff val="0"/>
-                <a:lumMod val="99000"/>
-                <a:satMod val="120000"/>
-                <a:shade val="78000"/>
-              </a:schemeClr>
-            </a:gs>
-          </a:gsLst>
-          <a:lin ang="5400000" scaled="0"/>
-        </a:gradFill>
-        <a:ln>
-          <a:noFill/>
-        </a:ln>
-        <a:effectLst/>
-      </dsp:spPr>
-      <dsp:style>
-        <a:lnRef idx="0">
-          <a:scrgbClr r="0" g="0" b="0"/>
-        </a:lnRef>
-        <a:fillRef idx="3">
-          <a:scrgbClr r="0" g="0" b="0"/>
-        </a:fillRef>
-        <a:effectRef idx="2">
-          <a:scrgbClr r="0" g="0" b="0"/>
-        </a:effectRef>
-        <a:fontRef idx="minor">
-          <a:schemeClr val="lt1"/>
-        </a:fontRef>
-      </dsp:style>
-      <dsp:txBody>
-        <a:bodyPr spcFirstLastPara="0" vert="horz" wrap="square" lIns="192024" tIns="192024" rIns="192024" bIns="192024" numCol="1" spcCol="1270" rtlCol="0" anchor="ctr" anchorCtr="0">
-          <a:noAutofit/>
-        </a:bodyPr>
-        <a:lstStyle/>
-        <a:p>
-          <a:pPr lvl="0" algn="ctr" defTabSz="1200150" rtl="0">
-            <a:lnSpc>
-              <a:spcPct val="90000"/>
-            </a:lnSpc>
-            <a:spcBef>
-              <a:spcPct val="0"/>
-            </a:spcBef>
-            <a:spcAft>
-              <a:spcPct val="35000"/>
-            </a:spcAft>
-          </a:pPr>
-          <a:r>
-            <a:rPr lang="ru-RU" sz="2700" kern="1200" noProof="0" dirty="0" smtClean="0"/>
-            <a:t>Заголовок этапа 1</a:t>
-          </a:r>
-          <a:endParaRPr lang="ru-RU" sz="2700" kern="1200" noProof="0" dirty="0"/>
-        </a:p>
-      </dsp:txBody>
-      <dsp:txXfrm rot="10800000">
-        <a:off x="0" y="1479"/>
-        <a:ext cx="5029199" cy="780308"/>
-      </dsp:txXfrm>
-    </dsp:sp>
-  </dsp:spTree>
-</dsp:drawing>
-</file>
-
-<file path=ppt/diagrams/layout1.xml><?xml version="1.0" encoding="utf-8"?>
-<dgm:layoutDef xmlns:dgm="http://schemas.openxmlformats.org/drawingml/2006/diagram" xmlns:a="http://schemas.openxmlformats.org/drawingml/2006/main" uniqueId="urn:microsoft.com/office/officeart/2005/8/layout/process4">
-  <dgm:title val=""/>
-  <dgm:desc val=""/>
-  <dgm:catLst>
-    <dgm:cat type="process" pri="16000"/>
-    <dgm:cat type="list" pri="20000"/>
-  </dgm:catLst>
-  <dgm:sampData>
-    <dgm:dataModel>
-      <dgm:ptLst>
-        <dgm:pt modelId="0" type="doc"/>
-        <dgm:pt modelId="1">
-          <dgm:prSet phldr="1"/>
-        </dgm:pt>
-        <dgm:pt modelId="11">
-          <dgm:prSet phldr="1"/>
-        </dgm:pt>
-        <dgm:pt modelId="12">
-          <dgm:prSet phldr="1"/>
-        </dgm:pt>
-        <dgm:pt modelId="2">
-          <dgm:prSet phldr="1"/>
-        </dgm:pt>
-        <dgm:pt modelId="21">
-          <dgm:prSet phldr="1"/>
-        </dgm:pt>
-        <dgm:pt modelId="22">
-          <dgm:prSet phldr="1"/>
-        </dgm:pt>
-        <dgm:pt modelId="3">
-          <dgm:prSet phldr="1"/>
-        </dgm:pt>
-        <dgm:pt modelId="31">
-          <dgm:prSet phldr="1"/>
-        </dgm:pt>
-        <dgm:pt modelId="32">
-          <dgm:prSet phldr="1"/>
-        </dgm:pt>
-      </dgm:ptLst>
-      <dgm:cxnLst>
-        <dgm:cxn modelId="4" srcId="0" destId="1" srcOrd="0" destOrd="0"/>
-        <dgm:cxn modelId="5" srcId="0" destId="2" srcOrd="1" destOrd="0"/>
-        <dgm:cxn modelId="6" srcId="0" destId="3" srcOrd="2" destOrd="0"/>
-        <dgm:cxn modelId="13" srcId="1" destId="11" srcOrd="0" destOrd="0"/>
-        <dgm:cxn modelId="14" srcId="1" destId="12" srcOrd="1" destOrd="0"/>
-        <dgm:cxn modelId="23" srcId="2" destId="21" srcOrd="0" destOrd="0"/>
-        <dgm:cxn modelId="24" srcId="2" destId="22" srcOrd="1" destOrd="0"/>
-        <dgm:cxn modelId="33" srcId="3" destId="31" srcOrd="0" destOrd="0"/>
-        <dgm:cxn modelId="34" srcId="3" destId="32" srcOrd="1" destOrd="0"/>
-      </dgm:cxnLst>
-      <dgm:bg/>
-      <dgm:whole/>
-    </dgm:dataModel>
-  </dgm:sampData>
-  <dgm:styleData>
-    <dgm:dataModel>
-      <dgm:ptLst>
-        <dgm:pt modelId="0" type="doc"/>
-        <dgm:pt modelId="1"/>
-        <dgm:pt modelId="11"/>
-        <dgm:pt modelId="2"/>
-        <dgm:pt modelId="21"/>
-      </dgm:ptLst>
-      <dgm:cxnLst>
-        <dgm:cxn modelId="4" srcId="0" destId="1" srcOrd="0" destOrd="0"/>
-        <dgm:cxn modelId="5" srcId="0" destId="2" srcOrd="1" destOrd="0"/>
-        <dgm:cxn modelId="13" srcId="1" destId="11" srcOrd="0" destOrd="0"/>
-        <dgm:cxn modelId="23" srcId="2" destId="21" srcOrd="0" destOrd="0"/>
-      </dgm:cxnLst>
-      <dgm:bg/>
-      <dgm:whole/>
-    </dgm:dataModel>
-  </dgm:styleData>
-  <dgm:clrData>
-    <dgm:dataModel>
-      <dgm:ptLst>
-        <dgm:pt modelId="0" type="doc"/>
-        <dgm:pt modelId="1"/>
-        <dgm:pt modelId="11"/>
-        <dgm:pt modelId="2"/>
-        <dgm:pt modelId="21"/>
-        <dgm:pt modelId="3"/>
-        <dgm:pt modelId="31"/>
-        <dgm:pt modelId="4"/>
-        <dgm:pt modelId="41"/>
-      </dgm:ptLst>
-      <dgm:cxnLst>
-        <dgm:cxn modelId="5" srcId="0" destId="1" srcOrd="0" destOrd="0"/>
-        <dgm:cxn modelId="6" srcId="0" destId="2" srcOrd="1" destOrd="0"/>
-        <dgm:cxn modelId="7" srcId="0" destId="3" srcOrd="2" destOrd="0"/>
-        <dgm:cxn modelId="8" srcId="0" destId="4" srcOrd="3" destOrd="0"/>
-        <dgm:cxn modelId="13" srcId="1" destId="11" srcOrd="0" destOrd="0"/>
-        <dgm:cxn modelId="23" srcId="2" destId="21" srcOrd="0" destOrd="0"/>
-        <dgm:cxn modelId="33" srcId="3" destId="31" srcOrd="0" destOrd="0"/>
-        <dgm:cxn modelId="43" srcId="4" destId="41" srcOrd="0" destOrd="0"/>
-      </dgm:cxnLst>
-      <dgm:bg/>
-      <dgm:whole/>
-    </dgm:dataModel>
-  </dgm:clrData>
-  <dgm:layoutNode name="Name0">
-    <dgm:varLst>
-      <dgm:dir/>
-      <dgm:animLvl val="lvl"/>
-      <dgm:resizeHandles val="exact"/>
-    </dgm:varLst>
-    <dgm:alg type="lin">
-      <dgm:param type="linDir" val="fromB"/>
-    </dgm:alg>
-    <dgm:shape xmlns:r="http://schemas.openxmlformats.org/officeDocument/2006/relationships" r:blip="">
-      <dgm:adjLst/>
-    </dgm:shape>
-    <dgm:presOf/>
-    <dgm:constrLst>
-      <dgm:constr type="h" for="ch" forName="boxAndChildren" refType="h"/>
-      <dgm:constr type="h" for="ch" forName="arrowAndChildren" refType="h" refFor="ch" refForName="boxAndChildren" op="equ" fact="1.538"/>
-      <dgm:constr type="w" for="ch" forName="arrowAndChildren" refType="w"/>
-      <dgm:constr type="w" for="ch" forName="boxAndChildren" refType="w"/>
-      <dgm:constr type="h" for="ch" forName="sp" refType="h" fact="-0.015"/>
-      <dgm:constr type="primFontSz" for="des" forName="parentTextBox" val="65"/>
-      <dgm:constr type="primFontSz" for="des" forName="parentTextArrow" refType="primFontSz" refFor="des" refForName="parentTextBox" op="equ"/>
-      <dgm:constr type="primFontSz" for="des" forName="childTextArrow" val="65"/>
-      <dgm:constr type="primFontSz" for="des" forName="childTextBox" refType="primFontSz" refFor="des" refForName="childTextArrow" op="equ"/>
-    </dgm:constrLst>
-    <dgm:ruleLst/>
-    <dgm:forEach name="Name1" axis="ch" ptType="node" st="-1" step="-1">
-      <dgm:choose name="Name2">
-        <dgm:if name="Name3" axis="self" ptType="node" func="revPos" op="equ" val="1">
-          <dgm:layoutNode name="boxAndChildren">
-            <dgm:alg type="composite"/>
-            <dgm:shape xmlns:r="http://schemas.openxmlformats.org/officeDocument/2006/relationships" r:blip="">
-              <dgm:adjLst/>
-            </dgm:shape>
-            <dgm:presOf/>
-            <dgm:choose name="Name4">
-              <dgm:if name="Name5" axis="ch" ptType="node" func="cnt" op="gte" val="1">
-                <dgm:constrLst>
-                  <dgm:constr type="w" for="ch" forName="parentTextBox" refType="w"/>
-                  <dgm:constr type="h" for="ch" forName="parentTextBox" refType="h" fact="0.54"/>
-                  <dgm:constr type="t" for="ch" forName="parentTextBox"/>
-                  <dgm:constr type="w" for="ch" forName="entireBox" refType="w"/>
-                  <dgm:constr type="h" for="ch" forName="entireBox" refType="h"/>
-                  <dgm:constr type="w" for="ch" forName="descendantBox" refType="w"/>
-                  <dgm:constr type="b" for="ch" forName="descendantBox" refType="h" fact="0.98"/>
-                  <dgm:constr type="h" for="ch" forName="descendantBox" refType="h" fact="0.46"/>
-                </dgm:constrLst>
-              </dgm:if>
-              <dgm:else name="Name6">
-                <dgm:constrLst>
-                  <dgm:constr type="w" for="ch" forName="parentTextBox" refType="w"/>
-                  <dgm:constr type="h" for="ch" forName="parentTextBox" refType="h"/>
-                </dgm:constrLst>
-              </dgm:else>
-            </dgm:choose>
-            <dgm:ruleLst/>
-            <dgm:layoutNode name="parentTextBox">
-              <dgm:alg type="tx"/>
-              <dgm:choose name="Name7">
-                <dgm:if name="Name8" axis="ch" ptType="node" func="cnt" op="gte" val="1">
-                  <dgm:shape xmlns:r="http://schemas.openxmlformats.org/officeDocument/2006/relationships" type="rect" r:blip="" zOrderOff="1" hideGeom="1">
-                    <dgm:adjLst/>
-                  </dgm:shape>
-                </dgm:if>
-                <dgm:else name="Name9">
-                  <dgm:shape xmlns:r="http://schemas.openxmlformats.org/officeDocument/2006/relationships" type="rect" r:blip="">
-                    <dgm:adjLst/>
-                  </dgm:shape>
-                </dgm:else>
-              </dgm:choose>
-              <dgm:presOf axis="self"/>
-              <dgm:constrLst/>
-              <dgm:ruleLst>
-                <dgm:rule type="primFontSz" val="5" fact="NaN" max="NaN"/>
-              </dgm:ruleLst>
-            </dgm:layoutNode>
-            <dgm:choose name="Name10">
-              <dgm:if name="Name11" axis="ch" ptType="node" func="cnt" op="gte" val="1">
-                <dgm:layoutNode name="entireBox">
-                  <dgm:alg type="sp"/>
-                  <dgm:shape xmlns:r="http://schemas.openxmlformats.org/officeDocument/2006/relationships" type="rect" r:blip="">
-                    <dgm:adjLst/>
-                  </dgm:shape>
-                  <dgm:presOf axis="self"/>
-                  <dgm:constrLst/>
-                  <dgm:ruleLst/>
-                </dgm:layoutNode>
-                <dgm:layoutNode name="descendantBox" styleLbl="fgAccFollowNode1">
-                  <dgm:choose name="Name12">
-                    <dgm:if name="Name13" func="var" arg="dir" op="equ" val="norm">
-                      <dgm:alg type="lin"/>
-                    </dgm:if>
-                    <dgm:else name="Name14">
-                      <dgm:alg type="lin">
-                        <dgm:param type="linDir" val="fromR"/>
-                      </dgm:alg>
-                    </dgm:else>
-                  </dgm:choose>
-                  <dgm:shape xmlns:r="http://schemas.openxmlformats.org/officeDocument/2006/relationships" r:blip="">
-                    <dgm:adjLst/>
-                  </dgm:shape>
-                  <dgm:presOf/>
-                  <dgm:constrLst>
-                    <dgm:constr type="w" for="ch" forName="childTextBox" refType="w"/>
-                    <dgm:constr type="h" for="ch" forName="childTextBox" refType="h"/>
-                  </dgm:constrLst>
-                  <dgm:ruleLst/>
-                  <dgm:forEach name="Name15" axis="ch" ptType="node">
-                    <dgm:layoutNode name="childTextBox" styleLbl="fgAccFollowNode1">
-                      <dgm:varLst>
-                        <dgm:bulletEnabled val="1"/>
-                      </dgm:varLst>
-                      <dgm:alg type="tx"/>
-                      <dgm:shape xmlns:r="http://schemas.openxmlformats.org/officeDocument/2006/relationships" type="rect" r:blip="">
-                        <dgm:adjLst/>
-                      </dgm:shape>
-                      <dgm:presOf axis="desOrSelf" ptType="node"/>
-                      <dgm:constrLst>
-                        <dgm:constr type="tMarg" refType="primFontSz" fact="0.1"/>
-                        <dgm:constr type="bMarg" refType="primFontSz" fact="0.1"/>
-                      </dgm:constrLst>
-                      <dgm:ruleLst>
-                        <dgm:rule type="primFontSz" val="5" fact="NaN" max="NaN"/>
-                      </dgm:ruleLst>
-                    </dgm:layoutNode>
-                  </dgm:forEach>
-                </dgm:layoutNode>
-              </dgm:if>
-              <dgm:else name="Name16"/>
-            </dgm:choose>
-          </dgm:layoutNode>
-        </dgm:if>
-        <dgm:else name="Name17">
-          <dgm:layoutNode name="arrowAndChildren">
-            <dgm:alg type="composite"/>
-            <dgm:shape xmlns:r="http://schemas.openxmlformats.org/officeDocument/2006/relationships" r:blip="">
-              <dgm:adjLst/>
-            </dgm:shape>
-            <dgm:presOf/>
-            <dgm:choose name="Name18">
-              <dgm:if name="Name19" axis="ch" ptType="node" func="cnt" op="gte" val="1">
-                <dgm:constrLst>
-                  <dgm:constr type="w" for="ch" forName="parentTextArrow" refType="w"/>
-                  <dgm:constr type="t" for="ch" forName="parentTextArrow"/>
-                  <dgm:constr type="h" for="ch" forName="parentTextArrow" refType="h" fact="0.351"/>
-                  <dgm:constr type="w" for="ch" forName="arrow" refType="w"/>
-                  <dgm:constr type="h" for="ch" forName="arrow" refType="h"/>
-                  <dgm:constr type="w" for="ch" forName="descendantArrow" refType="w"/>
-                  <dgm:constr type="b" for="ch" forName="descendantArrow" refType="h" fact="0.65"/>
-                  <dgm:constr type="h" for="ch" forName="descendantArrow" refType="h" fact="0.299"/>
-                </dgm:constrLst>
-              </dgm:if>
-              <dgm:else name="Name20">
-                <dgm:constrLst>
-                  <dgm:constr type="w" for="ch" forName="parentTextArrow" refType="w"/>
-                  <dgm:constr type="h" for="ch" forName="parentTextArrow" refType="h"/>
-                </dgm:constrLst>
-              </dgm:else>
-            </dgm:choose>
-            <dgm:ruleLst/>
-            <dgm:layoutNode name="parentTextArrow">
-              <dgm:alg type="tx"/>
-              <dgm:choose name="Name21">
-                <dgm:if name="Name22" axis="ch" ptType="node" func="cnt" op="gte" val="1">
-                  <dgm:shape xmlns:r="http://schemas.openxmlformats.org/officeDocument/2006/relationships" type="rect" r:blip="" zOrderOff="1" hideGeom="1">
-                    <dgm:adjLst/>
-                  </dgm:shape>
-                </dgm:if>
-                <dgm:else name="Name23">
-                  <dgm:shape xmlns:r="http://schemas.openxmlformats.org/officeDocument/2006/relationships" rot="180" type="upArrowCallout" r:blip="">
-                    <dgm:adjLst/>
-                  </dgm:shape>
-                </dgm:else>
-              </dgm:choose>
-              <dgm:presOf axis="self"/>
-              <dgm:constrLst/>
-              <dgm:ruleLst>
-                <dgm:rule type="primFontSz" val="5" fact="NaN" max="NaN"/>
-              </dgm:ruleLst>
-            </dgm:layoutNode>
-            <dgm:choose name="Name24">
-              <dgm:if name="Name25" axis="ch" ptType="node" func="cnt" op="gte" val="1">
-                <dgm:layoutNode name="arrow">
-                  <dgm:alg type="sp"/>
-                  <dgm:shape xmlns:r="http://schemas.openxmlformats.org/officeDocument/2006/relationships" rot="180" type="upArrowCallout" r:blip="">
-                    <dgm:adjLst/>
-                  </dgm:shape>
-                  <dgm:presOf axis="self"/>
-                  <dgm:constrLst/>
-                  <dgm:ruleLst/>
-                </dgm:layoutNode>
-                <dgm:layoutNode name="descendantArrow">
-                  <dgm:choose name="Name26">
-                    <dgm:if name="Name27" func="var" arg="dir" op="equ" val="norm">
-                      <dgm:alg type="lin"/>
-                    </dgm:if>
-                    <dgm:else name="Name28">
-                      <dgm:alg type="lin">
-                        <dgm:param type="linDir" val="fromR"/>
-                      </dgm:alg>
-                    </dgm:else>
-                  </dgm:choose>
-                  <dgm:shape xmlns:r="http://schemas.openxmlformats.org/officeDocument/2006/relationships" r:blip="">
-                    <dgm:adjLst/>
-                  </dgm:shape>
-                  <dgm:presOf/>
-                  <dgm:constrLst>
-                    <dgm:constr type="w" for="ch" forName="childTextArrow" refType="w"/>
-                    <dgm:constr type="h" for="ch" forName="childTextArrow" refType="h"/>
-                  </dgm:constrLst>
-                  <dgm:ruleLst/>
-                  <dgm:forEach name="Name29" axis="ch" ptType="node">
-                    <dgm:layoutNode name="childTextArrow" styleLbl="fgAccFollowNode1">
-                      <dgm:varLst>
-                        <dgm:bulletEnabled val="1"/>
-                      </dgm:varLst>
-                      <dgm:alg type="tx"/>
-                      <dgm:shape xmlns:r="http://schemas.openxmlformats.org/officeDocument/2006/relationships" type="rect" r:blip="">
-                        <dgm:adjLst/>
-                      </dgm:shape>
-                      <dgm:presOf axis="desOrSelf" ptType="node"/>
-                      <dgm:constrLst>
-                        <dgm:constr type="tMarg" refType="primFontSz" fact="0.1"/>
-                        <dgm:constr type="bMarg" refType="primFontSz" fact="0.1"/>
-                      </dgm:constrLst>
-                      <dgm:ruleLst>
-                        <dgm:rule type="primFontSz" val="5" fact="NaN" max="NaN"/>
-                      </dgm:ruleLst>
-                    </dgm:layoutNode>
-                  </dgm:forEach>
-                </dgm:layoutNode>
-              </dgm:if>
-              <dgm:else name="Name30"/>
-            </dgm:choose>
-          </dgm:layoutNode>
-        </dgm:else>
-      </dgm:choose>
-      <dgm:forEach name="Name31" axis="precedSib" ptType="sibTrans" st="-1" cnt="1">
-        <dgm:layoutNode name="sp">
-          <dgm:alg type="sp"/>
-          <dgm:shape xmlns:r="http://schemas.openxmlformats.org/officeDocument/2006/relationships" r:blip="">
-            <dgm:adjLst/>
-          </dgm:shape>
-          <dgm:presOf axis="self"/>
-          <dgm:constrLst/>
-          <dgm:ruleLst/>
-        </dgm:layoutNode>
-      </dgm:forEach>
-    </dgm:forEach>
-  </dgm:layoutNode>
-</dgm:layoutDef>
-</file>
-
-<file path=ppt/diagrams/quickStyle1.xml><?xml version="1.0" encoding="utf-8"?>
-<dgm:styleDef xmlns:dgm="http://schemas.openxmlformats.org/drawingml/2006/diagram" xmlns:a="http://schemas.openxmlformats.org/drawingml/2006/main" uniqueId="urn:microsoft.com/office/officeart/2005/8/quickstyle/simple4">
-  <dgm:title val=""/>
-  <dgm:desc val=""/>
-  <dgm:catLst>
-    <dgm:cat type="simple" pri="10400"/>
-  </dgm:catLst>
-  <dgm:scene3d>
-    <a:camera prst="orthographicFront"/>
-    <a:lightRig rig="threePt" dir="t"/>
-  </dgm:scene3d>
-  <dgm:styleLbl name="node0">
-    <dgm:scene3d>
-      <a:camera prst="orthographicFront"/>
-      <a:lightRig rig="threePt" dir="t"/>
-    </dgm:scene3d>
-    <dgm:sp3d/>
-    <dgm:txPr/>
-    <dgm:style>
-      <a:lnRef idx="0">
-        <a:scrgbClr r="0" g="0" b="0"/>
-      </a:lnRef>
-      <a:fillRef idx="3">
-        <a:scrgbClr r="0" g="0" b="0"/>
-      </a:fillRef>
-      <a:effectRef idx="2">
-        <a:scrgbClr r="0" g="0" b="0"/>
-      </a:effectRef>
-      <a:fontRef idx="minor">
-        <a:schemeClr val="lt1"/>
-      </a:fontRef>
-    </dgm:style>
-  </dgm:styleLbl>
-  <dgm:styleLbl name="lnNode1">
-    <dgm:scene3d>
-      <a:camera prst="orthographicFront"/>
-      <a:lightRig rig="threePt" dir="t"/>
-    </dgm:scene3d>
-    <dgm:sp3d/>
-    <dgm:txPr/>
-    <dgm:style>
-      <a:lnRef idx="1">
-        <a:scrgbClr r="0" g="0" b="0"/>
-      </a:lnRef>
-      <a:fillRef idx="3">
-        <a:scrgbClr r="0" g="0" b="0"/>
-      </a:fillRef>
-      <a:effectRef idx="2">
-        <a:scrgbClr r="0" g="0" b="0"/>
-      </a:effectRef>
-      <a:fontRef idx="minor">
-        <a:schemeClr val="lt1"/>
-      </a:fontRef>
-    </dgm:style>
-  </dgm:styleLbl>
-  <dgm:styleLbl name="vennNode1">
-    <dgm:scene3d>
-      <a:camera prst="orthographicFront"/>
-      <a:lightRig rig="threePt" dir="t"/>
-    </dgm:scene3d>
-    <dgm:sp3d/>
-    <dgm:txPr/>
-    <dgm:style>
-      <a:lnRef idx="0">
-        <a:scrgbClr r="0" g="0" b="0"/>
-      </a:lnRef>
-      <a:fillRef idx="3">
-        <a:scrgbClr r="0" g="0" b="0"/>
-      </a:fillRef>
-      <a:effectRef idx="0">
-        <a:scrgbClr r="0" g="0" b="0"/>
-      </a:effectRef>
-      <a:fontRef idx="minor">
-        <a:schemeClr val="tx1"/>
-      </a:fontRef>
-    </dgm:style>
-  </dgm:styleLbl>
-  <dgm:styleLbl name="alignNode1">
-    <dgm:scene3d>
-      <a:camera prst="orthographicFront"/>
-      <a:lightRig rig="threePt" dir="t"/>
-    </dgm:scene3d>
-    <dgm:sp3d/>
-    <dgm:txPr/>
-    <dgm:style>
-      <a:lnRef idx="1">
-        <a:scrgbClr r="0" g="0" b="0"/>
-      </a:lnRef>
-      <a:fillRef idx="3">
-        <a:scrgbClr r="0" g="0" b="0"/>
-      </a:fillRef>
-      <a:effectRef idx="2">
-        <a:scrgbClr r="0" g="0" b="0"/>
-      </a:effectRef>
-      <a:fontRef idx="minor">
-        <a:schemeClr val="lt1"/>
-      </a:fontRef>
-    </dgm:style>
-  </dgm:styleLbl>
-  <dgm:styleLbl name="node1">
-    <dgm:scene3d>
-      <a:camera prst="orthographicFront"/>
-      <a:lightRig rig="threePt" dir="t"/>
-    </dgm:scene3d>
-    <dgm:sp3d/>
-    <dgm:txPr/>
-    <dgm:style>
-      <a:lnRef idx="0">
-        <a:scrgbClr r="0" g="0" b="0"/>
-      </a:lnRef>
-      <a:fillRef idx="3">
-        <a:scrgbClr r="0" g="0" b="0"/>
-      </a:fillRef>
-      <a:effectRef idx="2">
-        <a:scrgbClr r="0" g="0" b="0"/>
-      </a:effectRef>
-      <a:fontRef idx="minor">
-        <a:schemeClr val="lt1"/>
-      </a:fontRef>
-    </dgm:style>
-  </dgm:styleLbl>
-  <dgm:styleLbl name="node2">
-    <dgm:scene3d>
-      <a:camera prst="orthographicFront"/>
-      <a:lightRig rig="threePt" dir="t"/>
-    </dgm:scene3d>
-    <dgm:sp3d/>
-    <dgm:txPr/>
-    <dgm:style>
-      <a:lnRef idx="0">
-        <a:scrgbClr r="0" g="0" b="0"/>
-      </a:lnRef>
-      <a:fillRef idx="3">
-        <a:scrgbClr r="0" g="0" b="0"/>
-      </a:fillRef>
-      <a:effectRef idx="2">
-        <a:scrgbClr r="0" g="0" b="0"/>
-      </a:effectRef>
-      <a:fontRef idx="minor">
-        <a:schemeClr val="lt1"/>
-      </a:fontRef>
-    </dgm:style>
-  </dgm:styleLbl>
-  <dgm:styleLbl name="node3">
-    <dgm:scene3d>
-      <a:camera prst="orthographicFront"/>
-      <a:lightRig rig="threePt" dir="t"/>
-    </dgm:scene3d>
-    <dgm:sp3d/>
-    <dgm:txPr/>
-    <dgm:style>
-      <a:lnRef idx="0">
-        <a:scrgbClr r="0" g="0" b="0"/>
-      </a:lnRef>
-      <a:fillRef idx="3">
-        <a:scrgbClr r="0" g="0" b="0"/>
-      </a:fillRef>
-      <a:effectRef idx="2">
-        <a:scrgbClr r="0" g="0" b="0"/>
-      </a:effectRef>
-      <a:fontRef idx="minor">
-        <a:schemeClr val="lt1"/>
-      </a:fontRef>
-    </dgm:style>
-  </dgm:styleLbl>
-  <dgm:styleLbl name="node4">
-    <dgm:scene3d>
-      <a:camera prst="orthographicFront"/>
-      <a:lightRig rig="threePt" dir="t"/>
-    </dgm:scene3d>
-    <dgm:sp3d/>
-    <dgm:txPr/>
-    <dgm:style>
-      <a:lnRef idx="0">
-        <a:scrgbClr r="0" g="0" b="0"/>
-      </a:lnRef>
-      <a:fillRef idx="3">
-        <a:scrgbClr r="0" g="0" b="0"/>
-      </a:fillRef>
-      <a:effectRef idx="2">
-        <a:scrgbClr r="0" g="0" b="0"/>
-      </a:effectRef>
-      <a:fontRef idx="minor">
-        <a:schemeClr val="lt1"/>
-      </a:fontRef>
-    </dgm:style>
-  </dgm:styleLbl>
-  <dgm:styleLbl name="fgImgPlace1">
-    <dgm:scene3d>
-      <a:camera prst="orthographicFront"/>
-      <a:lightRig rig="threePt" dir="t"/>
-    </dgm:scene3d>
-    <dgm:sp3d/>
-    <dgm:txPr/>
-    <dgm:style>
-      <a:lnRef idx="0">
-        <a:scrgbClr r="0" g="0" b="0"/>
-      </a:lnRef>
-      <a:fillRef idx="1">
-        <a:scrgbClr r="0" g="0" b="0"/>
-      </a:fillRef>
-      <a:effectRef idx="2">
-        <a:scrgbClr r="0" g="0" b="0"/>
-      </a:effectRef>
-      <a:fontRef idx="minor"/>
-    </dgm:style>
-  </dgm:styleLbl>
-  <dgm:styleLbl name="alignImgPlace1">
-    <dgm:scene3d>
-      <a:camera prst="orthographicFront"/>
-      <a:lightRig rig="threePt" dir="t"/>
-    </dgm:scene3d>
-    <dgm:sp3d/>
-    <dgm:txPr/>
-    <dgm:style>
-      <a:lnRef idx="0">
-        <a:scrgbClr r="0" g="0" b="0"/>
-      </a:lnRef>
-      <a:fillRef idx="1">
-        <a:scrgbClr r="0" g="0" b="0"/>
-      </a:fillRef>
-      <a:effectRef idx="2">
-        <a:scrgbClr r="0" g="0" b="0"/>
-      </a:effectRef>
-      <a:fontRef idx="minor"/>
-    </dgm:style>
-  </dgm:styleLbl>
-  <dgm:styleLbl name="bgImgPlace1">
-    <dgm:scene3d>
-      <a:camera prst="orthographicFront"/>
-      <a:lightRig rig="threePt" dir="t"/>
-    </dgm:scene3d>
-    <dgm:sp3d/>
-    <dgm:txPr/>
-    <dgm:style>
-      <a:lnRef idx="0">
-        <a:scrgbClr r="0" g="0" b="0"/>
-      </a:lnRef>
-      <a:fillRef idx="1">
-        <a:scrgbClr r="0" g="0" b="0"/>
-      </a:fillRef>
-      <a:effectRef idx="2">
-        <a:scrgbClr r="0" g="0" b="0"/>
-      </a:effectRef>
-      <a:fontRef idx="minor"/>
-    </dgm:style>
-  </dgm:styleLbl>
-  <dgm:styleLbl name="sibTrans2D1">
-    <dgm:scene3d>
-      <a:camera prst="orthographicFront"/>
-      <a:lightRig rig="threePt" dir="t"/>
-    </dgm:scene3d>
-    <dgm:sp3d/>
-    <dgm:txPr/>
-    <dgm:style>
-      <a:lnRef idx="0">
-        <a:scrgbClr r="0" g="0" b="0"/>
-      </a:lnRef>
-      <a:fillRef idx="3">
-        <a:scrgbClr r="0" g="0" b="0"/>
-      </a:fillRef>
-      <a:effectRef idx="2">
-        <a:scrgbClr r="0" g="0" b="0"/>
-      </a:effectRef>
-      <a:fontRef idx="minor">
-        <a:schemeClr val="lt1"/>
-      </a:fontRef>
-    </dgm:style>
-  </dgm:styleLbl>
-  <dgm:styleLbl name="fgSibTrans2D1">
-    <dgm:scene3d>
-      <a:camera prst="orthographicFront"/>
-      <a:lightRig rig="threePt" dir="t"/>
-    </dgm:scene3d>
-    <dgm:sp3d/>
-    <dgm:txPr/>
-    <dgm:style>
-      <a:lnRef idx="0">
-        <a:scrgbClr r="0" g="0" b="0"/>
-      </a:lnRef>
-      <a:fillRef idx="3">
-        <a:scrgbClr r="0" g="0" b="0"/>
-      </a:fillRef>
-      <a:effectRef idx="2">
-        <a:scrgbClr r="0" g="0" b="0"/>
-      </a:effectRef>
-      <a:fontRef idx="minor">
-        <a:schemeClr val="lt1"/>
-      </a:fontRef>
-    </dgm:style>
-  </dgm:styleLbl>
-  <dgm:styleLbl name="bgSibTrans2D1">
-    <dgm:scene3d>
-      <a:camera prst="orthographicFront"/>
-      <a:lightRig rig="threePt" dir="t"/>
-    </dgm:scene3d>
-    <dgm:sp3d/>
-    <dgm:txPr/>
-    <dgm:style>
-      <a:lnRef idx="0">
-        <a:scrgbClr r="0" g="0" b="0"/>
-      </a:lnRef>
-      <a:fillRef idx="3">
-        <a:scrgbClr r="0" g="0" b="0"/>
-      </a:fillRef>
-      <a:effectRef idx="2">
-        <a:scrgbClr r="0" g="0" b="0"/>
-      </a:effectRef>
-      <a:fontRef idx="minor">
-        <a:schemeClr val="lt1"/>
-      </a:fontRef>
-    </dgm:style>
-  </dgm:styleLbl>
-  <dgm:styleLbl name="sibTrans1D1">
-    <dgm:scene3d>
-      <a:camera prst="orthographicFront"/>
-      <a:lightRig rig="threePt" dir="t"/>
-    </dgm:scene3d>
-    <dgm:sp3d/>
-    <dgm:txPr/>
-    <dgm:style>
-      <a:lnRef idx="1">
-        <a:scrgbClr r="0" g="0" b="0"/>
-      </a:lnRef>
-      <a:fillRef idx="0">
-        <a:scrgbClr r="0" g="0" b="0"/>
-      </a:fillRef>
-      <a:effectRef idx="0">
-        <a:scrgbClr r="0" g="0" b="0"/>
-      </a:effectRef>
-      <a:fontRef idx="minor"/>
-    </dgm:style>
-  </dgm:styleLbl>
-  <dgm:styleLbl name="callout">
-    <dgm:scene3d>
-      <a:camera prst="orthographicFront"/>
-      <a:lightRig rig="threePt" dir="t"/>
-    </dgm:scene3d>
-    <dgm:sp3d/>
-    <dgm:txPr/>
-    <dgm:style>
-      <a:lnRef idx="2">
-        <a:scrgbClr r="0" g="0" b="0"/>
-      </a:lnRef>
-      <a:fillRef idx="1">
-        <a:scrgbClr r="0" g="0" b="0"/>
-      </a:fillRef>
-      <a:effectRef idx="1">
-        <a:scrgbClr r="0" g="0" b="0"/>
-      </a:effectRef>
-      <a:fontRef idx="minor"/>
-    </dgm:style>
-  </dgm:styleLbl>
-  <dgm:styleLbl name="asst0">
-    <dgm:scene3d>
-      <a:camera prst="orthographicFront"/>
-      <a:lightRig rig="threePt" dir="t"/>
-    </dgm:scene3d>
-    <dgm:sp3d/>
-    <dgm:txPr/>
-    <dgm:style>
-      <a:lnRef idx="0">
-        <a:scrgbClr r="0" g="0" b="0"/>
-      </a:lnRef>
-      <a:fillRef idx="3">
-        <a:scrgbClr r="0" g="0" b="0"/>
-      </a:fillRef>
-      <a:effectRef idx="2">
-        <a:scrgbClr r="0" g="0" b="0"/>
-      </a:effectRef>
-      <a:fontRef idx="minor">
-        <a:schemeClr val="lt1"/>
-      </a:fontRef>
-    </dgm:style>
-  </dgm:styleLbl>
-  <dgm:styleLbl name="asst1">
-    <dgm:scene3d>
-      <a:camera prst="orthographicFront"/>
-      <a:lightRig rig="threePt" dir="t"/>
-    </dgm:scene3d>
-    <dgm:sp3d/>
-    <dgm:txPr/>
-    <dgm:style>
-      <a:lnRef idx="0">
-        <a:scrgbClr r="0" g="0" b="0"/>
-      </a:lnRef>
-      <a:fillRef idx="3">
-        <a:scrgbClr r="0" g="0" b="0"/>
-      </a:fillRef>
-      <a:effectRef idx="2">
-        <a:scrgbClr r="0" g="0" b="0"/>
-      </a:effectRef>
-      <a:fontRef idx="minor">
-        <a:schemeClr val="lt1"/>
-      </a:fontRef>
-    </dgm:style>
-  </dgm:styleLbl>
-  <dgm:styleLbl name="asst2">
-    <dgm:scene3d>
-      <a:camera prst="orthographicFront"/>
-      <a:lightRig rig="threePt" dir="t"/>
-    </dgm:scene3d>
-    <dgm:sp3d/>
-    <dgm:txPr/>
-    <dgm:style>
-      <a:lnRef idx="0">
-        <a:scrgbClr r="0" g="0" b="0"/>
-      </a:lnRef>
-      <a:fillRef idx="3">
-        <a:scrgbClr r="0" g="0" b="0"/>
-      </a:fillRef>
-      <a:effectRef idx="2">
-        <a:scrgbClr r="0" g="0" b="0"/>
-      </a:effectRef>
-      <a:fontRef idx="minor">
-        <a:schemeClr val="lt1"/>
-      </a:fontRef>
-    </dgm:style>
-  </dgm:styleLbl>
-  <dgm:styleLbl name="asst3">
-    <dgm:scene3d>
-      <a:camera prst="orthographicFront"/>
-      <a:lightRig rig="threePt" dir="t"/>
-    </dgm:scene3d>
-    <dgm:sp3d/>
-    <dgm:txPr/>
-    <dgm:style>
-      <a:lnRef idx="0">
-        <a:scrgbClr r="0" g="0" b="0"/>
-      </a:lnRef>
-      <a:fillRef idx="3">
-        <a:scrgbClr r="0" g="0" b="0"/>
-      </a:fillRef>
-      <a:effectRef idx="2">
-        <a:scrgbClr r="0" g="0" b="0"/>
-      </a:effectRef>
-      <a:fontRef idx="minor">
-        <a:schemeClr val="lt1"/>
-      </a:fontRef>
-    </dgm:style>
-  </dgm:styleLbl>
-  <dgm:styleLbl name="asst4">
-    <dgm:scene3d>
-      <a:camera prst="orthographicFront"/>
-      <a:lightRig rig="threePt" dir="t"/>
-    </dgm:scene3d>
-    <dgm:sp3d/>
-    <dgm:txPr/>
-    <dgm:style>
-      <a:lnRef idx="0">
-        <a:scrgbClr r="0" g="0" b="0"/>
-      </a:lnRef>
-      <a:fillRef idx="3">
-        <a:scrgbClr r="0" g="0" b="0"/>
-      </a:fillRef>
-      <a:effectRef idx="2">
-        <a:scrgbClr r="0" g="0" b="0"/>
-      </a:effectRef>
-      <a:fontRef idx="minor">
-        <a:schemeClr val="lt1"/>
-      </a:fontRef>
-    </dgm:style>
-  </dgm:styleLbl>
-  <dgm:styleLbl name="parChTrans2D1">
-    <dgm:scene3d>
-      <a:camera prst="orthographicFront"/>
-      <a:lightRig rig="threePt" dir="t"/>
-    </dgm:scene3d>
-    <dgm:sp3d/>
-    <dgm:txPr/>
-    <dgm:style>
-      <a:lnRef idx="0">
-        <a:scrgbClr r="0" g="0" b="0"/>
-      </a:lnRef>
-      <a:fillRef idx="3">
-        <a:scrgbClr r="0" g="0" b="0"/>
-      </a:fillRef>
-      <a:effectRef idx="2">
-        <a:scrgbClr r="0" g="0" b="0"/>
-      </a:effectRef>
-      <a:fontRef idx="minor">
-        <a:schemeClr val="lt1"/>
-      </a:fontRef>
-    </dgm:style>
-  </dgm:styleLbl>
-  <dgm:styleLbl name="parChTrans2D2">
-    <dgm:scene3d>
-      <a:camera prst="orthographicFront"/>
-      <a:lightRig rig="threePt" dir="t"/>
-    </dgm:scene3d>
-    <dgm:sp3d/>
-    <dgm:txPr/>
-    <dgm:style>
-      <a:lnRef idx="0">
-        <a:scrgbClr r="0" g="0" b="0"/>
-      </a:lnRef>
-      <a:fillRef idx="3">
-        <a:scrgbClr r="0" g="0" b="0"/>
-      </a:fillRef>
-      <a:effectRef idx="2">
-        <a:scrgbClr r="0" g="0" b="0"/>
-      </a:effectRef>
-      <a:fontRef idx="minor">
-        <a:schemeClr val="lt1"/>
-      </a:fontRef>
-    </dgm:style>
-  </dgm:styleLbl>
-  <dgm:styleLbl name="parChTrans2D3">
-    <dgm:scene3d>
-      <a:camera prst="orthographicFront"/>
-      <a:lightRig rig="threePt" dir="t"/>
-    </dgm:scene3d>
-    <dgm:sp3d/>
-    <dgm:txPr/>
-    <dgm:style>
-      <a:lnRef idx="1">
-        <a:scrgbClr r="0" g="0" b="0"/>
-      </a:lnRef>
-      <a:fillRef idx="3">
-        <a:scrgbClr r="0" g="0" b="0"/>
-      </a:fillRef>
-      <a:effectRef idx="2">
-        <a:scrgbClr r="0" g="0" b="0"/>
-      </a:effectRef>
-      <a:fontRef idx="minor">
-        <a:schemeClr val="lt1"/>
-      </a:fontRef>
-    </dgm:style>
-  </dgm:styleLbl>
-  <dgm:styleLbl name="parChTrans2D4">
-    <dgm:scene3d>
-      <a:camera prst="orthographicFront"/>
-      <a:lightRig rig="threePt" dir="t"/>
-    </dgm:scene3d>
-    <dgm:sp3d/>
-    <dgm:txPr/>
-    <dgm:style>
-      <a:lnRef idx="1">
-        <a:scrgbClr r="0" g="0" b="0"/>
-      </a:lnRef>
-      <a:fillRef idx="3">
-        <a:scrgbClr r="0" g="0" b="0"/>
-      </a:fillRef>
-      <a:effectRef idx="2">
-        <a:scrgbClr r="0" g="0" b="0"/>
-      </a:effectRef>
-      <a:fontRef idx="minor">
-        <a:schemeClr val="lt1"/>
-      </a:fontRef>
-    </dgm:style>
-  </dgm:styleLbl>
-  <dgm:styleLbl name="parChTrans1D1">
-    <dgm:scene3d>
-      <a:camera prst="orthographicFront"/>
-      <a:lightRig rig="threePt" dir="t"/>
-    </dgm:scene3d>
-    <dgm:sp3d/>
-    <dgm:txPr/>
-    <dgm:style>
-      <a:lnRef idx="1">
-        <a:scrgbClr r="0" g="0" b="0"/>
-      </a:lnRef>
-      <a:fillRef idx="0">
-        <a:scrgbClr r="0" g="0" b="0"/>
-      </a:fillRef>
-      <a:effectRef idx="0">
-        <a:scrgbClr r="0" g="0" b="0"/>
-      </a:effectRef>
-      <a:fontRef idx="minor"/>
-    </dgm:style>
-  </dgm:styleLbl>
-  <dgm:styleLbl name="parChTrans1D2">
-    <dgm:scene3d>
-      <a:camera prst="orthographicFront"/>
-      <a:lightRig rig="threePt" dir="t"/>
-    </dgm:scene3d>
-    <dgm:sp3d/>
-    <dgm:txPr/>
-    <dgm:style>
-      <a:lnRef idx="1">
-        <a:scrgbClr r="0" g="0" b="0"/>
-      </a:lnRef>
-      <a:fillRef idx="0">
-        <a:scrgbClr r="0" g="0" b="0"/>
-      </a:fillRef>
-      <a:effectRef idx="0">
-        <a:scrgbClr r="0" g="0" b="0"/>
-      </a:effectRef>
-      <a:fontRef idx="minor"/>
-    </dgm:style>
-  </dgm:styleLbl>
-  <dgm:styleLbl name="parChTrans1D3">
-    <dgm:scene3d>
-      <a:camera prst="orthographicFront"/>
-      <a:lightRig rig="threePt" dir="t"/>
-    </dgm:scene3d>
-    <dgm:sp3d/>
-    <dgm:txPr/>
-    <dgm:style>
-      <a:lnRef idx="1">
-        <a:scrgbClr r="0" g="0" b="0"/>
-      </a:lnRef>
-      <a:fillRef idx="0">
-        <a:scrgbClr r="0" g="0" b="0"/>
-      </a:fillRef>
-      <a:effectRef idx="0">
-        <a:scrgbClr r="0" g="0" b="0"/>
-      </a:effectRef>
-      <a:fontRef idx="minor"/>
-    </dgm:style>
-  </dgm:styleLbl>
-  <dgm:styleLbl name="parChTrans1D4">
-    <dgm:scene3d>
-      <a:camera prst="orthographicFront"/>
-      <a:lightRig rig="threePt" dir="t"/>
-    </dgm:scene3d>
-    <dgm:sp3d/>
-    <dgm:txPr/>
-    <dgm:style>
-      <a:lnRef idx="1">
-        <a:scrgbClr r="0" g="0" b="0"/>
-      </a:lnRef>
-      <a:fillRef idx="0">
-        <a:scrgbClr r="0" g="0" b="0"/>
-      </a:fillRef>
-      <a:effectRef idx="0">
-        <a:scrgbClr r="0" g="0" b="0"/>
-      </a:effectRef>
-      <a:fontRef idx="minor"/>
-    </dgm:style>
-  </dgm:styleLbl>
-  <dgm:styleLbl name="fgAcc1">
-    <dgm:scene3d>
-      <a:camera prst="orthographicFront"/>
-      <a:lightRig rig="threePt" dir="t"/>
-    </dgm:scene3d>
-    <dgm:sp3d/>
-    <dgm:txPr/>
-    <dgm:style>
-      <a:lnRef idx="1">
-        <a:scrgbClr r="0" g="0" b="0"/>
-      </a:lnRef>
-      <a:fillRef idx="1">
-        <a:scrgbClr r="0" g="0" b="0"/>
-      </a:fillRef>
-      <a:effectRef idx="0">
-        <a:scrgbClr r="0" g="0" b="0"/>
-      </a:effectRef>
-      <a:fontRef idx="minor"/>
-    </dgm:style>
-  </dgm:styleLbl>
-  <dgm:styleLbl name="conFgAcc1">
-    <dgm:scene3d>
-      <a:camera prst="orthographicFront"/>
-      <a:lightRig rig="threePt" dir="t"/>
-    </dgm:scene3d>
-    <dgm:sp3d/>
-    <dgm:txPr/>
-    <dgm:style>
-      <a:lnRef idx="1">
-        <a:scrgbClr r="0" g="0" b="0"/>
-      </a:lnRef>
-      <a:fillRef idx="1">
-        <a:scrgbClr r="0" g="0" b="0"/>
-      </a:fillRef>
-      <a:effectRef idx="0">
-        <a:scrgbClr r="0" g="0" b="0"/>
-      </a:effectRef>
-      <a:fontRef idx="minor"/>
-    </dgm:style>
-  </dgm:styleLbl>
-  <dgm:styleLbl name="alignAcc1">
-    <dgm:scene3d>
-      <a:camera prst="orthographicFront"/>
-      <a:lightRig rig="threePt" dir="t"/>
-    </dgm:scene3d>
-    <dgm:sp3d/>
-    <dgm:txPr/>
-    <dgm:style>
-      <a:lnRef idx="1">
-        <a:scrgbClr r="0" g="0" b="0"/>
-      </a:lnRef>
-      <a:fillRef idx="1">
-        <a:scrgbClr r="0" g="0" b="0"/>
-      </a:fillRef>
-      <a:effectRef idx="0">
-        <a:scrgbClr r="0" g="0" b="0"/>
-      </a:effectRef>
-      <a:fontRef idx="minor"/>
-    </dgm:style>
-  </dgm:styleLbl>
-  <dgm:styleLbl name="trAlignAcc1">
-    <dgm:scene3d>
-      <a:camera prst="orthographicFront"/>
-      <a:lightRig rig="threePt" dir="t"/>
-    </dgm:scene3d>
-    <dgm:sp3d/>
-    <dgm:txPr/>
-    <dgm:style>
-      <a:lnRef idx="1">
-        <a:scrgbClr r="0" g="0" b="0"/>
-      </a:lnRef>
-      <a:fillRef idx="1">
-        <a:scrgbClr r="0" g="0" b="0"/>
-      </a:fillRef>
-      <a:effectRef idx="0">
-        <a:scrgbClr r="0" g="0" b="0"/>
-      </a:effectRef>
-      <a:fontRef idx="minor"/>
-    </dgm:style>
-  </dgm:styleLbl>
-  <dgm:styleLbl name="bgAcc1">
-    <dgm:scene3d>
-      <a:camera prst="orthographicFront"/>
-      <a:lightRig rig="threePt" dir="t"/>
-    </dgm:scene3d>
-    <dgm:sp3d/>
-    <dgm:txPr/>
-    <dgm:style>
-      <a:lnRef idx="1">
-        <a:scrgbClr r="0" g="0" b="0"/>
-      </a:lnRef>
-      <a:fillRef idx="1">
-        <a:scrgbClr r="0" g="0" b="0"/>
-      </a:fillRef>
-      <a:effectRef idx="0">
-        <a:scrgbClr r="0" g="0" b="0"/>
-      </a:effectRef>
-      <a:fontRef idx="minor"/>
-    </dgm:style>
-  </dgm:styleLbl>
-  <dgm:styleLbl name="solidFgAcc1">
-    <dgm:scene3d>
-      <a:camera prst="orthographicFront"/>
-      <a:lightRig rig="threePt" dir="t"/>
-    </dgm:scene3d>
-    <dgm:sp3d/>
-    <dgm:txPr/>
-    <dgm:style>
-      <a:lnRef idx="1">
-        <a:scrgbClr r="0" g="0" b="0"/>
-      </a:lnRef>
-      <a:fillRef idx="1">
-        <a:scrgbClr r="0" g="0" b="0"/>
-      </a:fillRef>
-      <a:effectRef idx="0">
-        <a:scrgbClr r="0" g="0" b="0"/>
-      </a:effectRef>
-      <a:fontRef idx="minor"/>
-    </dgm:style>
-  </dgm:styleLbl>
-  <dgm:styleLbl name="solidAlignAcc1">
-    <dgm:scene3d>
-      <a:camera prst="orthographicFront"/>
-      <a:lightRig rig="threePt" dir="t"/>
-    </dgm:scene3d>
-    <dgm:sp3d/>
-    <dgm:txPr/>
-    <dgm:style>
-      <a:lnRef idx="1">
-        <a:scrgbClr r="0" g="0" b="0"/>
-      </a:lnRef>
-      <a:fillRef idx="1">
-        <a:scrgbClr r="0" g="0" b="0"/>
-      </a:fillRef>
-      <a:effectRef idx="0">
-        <a:scrgbClr r="0" g="0" b="0"/>
-      </a:effectRef>
-      <a:fontRef idx="minor"/>
-    </dgm:style>
-  </dgm:styleLbl>
-  <dgm:styleLbl name="solidBgAcc1">
-    <dgm:scene3d>
-      <a:camera prst="orthographicFront"/>
-      <a:lightRig rig="threePt" dir="t"/>
-    </dgm:scene3d>
-    <dgm:sp3d/>
-    <dgm:txPr/>
-    <dgm:style>
-      <a:lnRef idx="1">
-        <a:scrgbClr r="0" g="0" b="0"/>
-      </a:lnRef>
-      <a:fillRef idx="1">
-        <a:scrgbClr r="0" g="0" b="0"/>
-      </a:fillRef>
-      <a:effectRef idx="0">
-        <a:scrgbClr r="0" g="0" b="0"/>
-      </a:effectRef>
-      <a:fontRef idx="minor"/>
-    </dgm:style>
-  </dgm:styleLbl>
-  <dgm:styleLbl name="fgAccFollowNode1">
-    <dgm:scene3d>
-      <a:camera prst="orthographicFront"/>
-      <a:lightRig rig="threePt" dir="t"/>
-    </dgm:scene3d>
-    <dgm:sp3d/>
-    <dgm:txPr/>
-    <dgm:style>
-      <a:lnRef idx="1">
-        <a:scrgbClr r="0" g="0" b="0"/>
-      </a:lnRef>
-      <a:fillRef idx="1">
-        <a:scrgbClr r="0" g="0" b="0"/>
-      </a:fillRef>
-      <a:effectRef idx="0">
-        <a:scrgbClr r="0" g="0" b="0"/>
-      </a:effectRef>
-      <a:fontRef idx="minor"/>
-    </dgm:style>
-  </dgm:styleLbl>
-  <dgm:styleLbl name="alignAccFollowNode1">
-    <dgm:scene3d>
-      <a:camera prst="orthographicFront"/>
-      <a:lightRig rig="threePt" dir="t"/>
-    </dgm:scene3d>
-    <dgm:sp3d/>
-    <dgm:txPr/>
-    <dgm:style>
-      <a:lnRef idx="1">
-        <a:scrgbClr r="0" g="0" b="0"/>
-      </a:lnRef>
-      <a:fillRef idx="1">
-        <a:scrgbClr r="0" g="0" b="0"/>
-      </a:fillRef>
-      <a:effectRef idx="0">
-        <a:scrgbClr r="0" g="0" b="0"/>
-      </a:effectRef>
-      <a:fontRef idx="minor"/>
-    </dgm:style>
-  </dgm:styleLbl>
-  <dgm:styleLbl name="bgAccFollowNode1">
-    <dgm:scene3d>
-      <a:camera prst="orthographicFront"/>
-      <a:lightRig rig="threePt" dir="t"/>
-    </dgm:scene3d>
-    <dgm:sp3d/>
-    <dgm:txPr/>
-    <dgm:style>
-      <a:lnRef idx="1">
-        <a:scrgbClr r="0" g="0" b="0"/>
-      </a:lnRef>
-      <a:fillRef idx="1">
-        <a:scrgbClr r="0" g="0" b="0"/>
-      </a:fillRef>
-      <a:effectRef idx="0">
-        <a:scrgbClr r="0" g="0" b="0"/>
-      </a:effectRef>
-      <a:fontRef idx="minor"/>
-    </dgm:style>
-  </dgm:styleLbl>
-  <dgm:styleLbl name="fgAcc0">
-    <dgm:scene3d>
-      <a:camera prst="orthographicFront"/>
-      <a:lightRig rig="threePt" dir="t"/>
-    </dgm:scene3d>
-    <dgm:sp3d/>
-    <dgm:txPr/>
-    <dgm:style>
-      <a:lnRef idx="1">
-        <a:scrgbClr r="0" g="0" b="0"/>
-      </a:lnRef>
-      <a:fillRef idx="1">
-        <a:scrgbClr r="0" g="0" b="0"/>
-      </a:fillRef>
-      <a:effectRef idx="0">
-        <a:scrgbClr r="0" g="0" b="0"/>
-      </a:effectRef>
-      <a:fontRef idx="minor"/>
-    </dgm:style>
-  </dgm:styleLbl>
-  <dgm:styleLbl name="fgAcc2">
-    <dgm:scene3d>
-      <a:camera prst="orthographicFront"/>
-      <a:lightRig rig="threePt" dir="t"/>
-    </dgm:scene3d>
-    <dgm:sp3d/>
-    <dgm:txPr/>
-    <dgm:style>
-      <a:lnRef idx="1">
-        <a:scrgbClr r="0" g="0" b="0"/>
-      </a:lnRef>
-      <a:fillRef idx="1">
-        <a:scrgbClr r="0" g="0" b="0"/>
-      </a:fillRef>
-      <a:effectRef idx="0">
-        <a:scrgbClr r="0" g="0" b="0"/>
-      </a:effectRef>
-      <a:fontRef idx="minor"/>
-    </dgm:style>
-  </dgm:styleLbl>
-  <dgm:styleLbl name="fgAcc3">
-    <dgm:scene3d>
-      <a:camera prst="orthographicFront"/>
-      <a:lightRig rig="threePt" dir="t"/>
-    </dgm:scene3d>
-    <dgm:sp3d/>
-    <dgm:txPr/>
-    <dgm:style>
-      <a:lnRef idx="1">
-        <a:scrgbClr r="0" g="0" b="0"/>
-      </a:lnRef>
-      <a:fillRef idx="1">
-        <a:scrgbClr r="0" g="0" b="0"/>
-      </a:fillRef>
-      <a:effectRef idx="0">
-        <a:scrgbClr r="0" g="0" b="0"/>
-      </a:effectRef>
-      <a:fontRef idx="minor"/>
-    </dgm:style>
-  </dgm:styleLbl>
-  <dgm:styleLbl name="fgAcc4">
-    <dgm:scene3d>
-      <a:camera prst="orthographicFront"/>
-      <a:lightRig rig="threePt" dir="t"/>
-    </dgm:scene3d>
-    <dgm:sp3d/>
-    <dgm:txPr/>
-    <dgm:style>
-      <a:lnRef idx="1">
-        <a:scrgbClr r="0" g="0" b="0"/>
-      </a:lnRef>
-      <a:fillRef idx="1">
-        <a:scrgbClr r="0" g="0" b="0"/>
-      </a:fillRef>
-      <a:effectRef idx="0">
-        <a:scrgbClr r="0" g="0" b="0"/>
-      </a:effectRef>
-      <a:fontRef idx="minor"/>
-    </dgm:style>
-  </dgm:styleLbl>
-  <dgm:styleLbl name="bgShp">
-    <dgm:scene3d>
-      <a:camera prst="orthographicFront"/>
-      <a:lightRig rig="threePt" dir="t"/>
-    </dgm:scene3d>
-    <dgm:sp3d/>
-    <dgm:txPr/>
-    <dgm:style>
-      <a:lnRef idx="0">
-        <a:scrgbClr r="0" g="0" b="0"/>
-      </a:lnRef>
-      <a:fillRef idx="1">
-        <a:scrgbClr r="0" g="0" b="0"/>
-      </a:fillRef>
-      <a:effectRef idx="2">
-        <a:scrgbClr r="0" g="0" b="0"/>
-      </a:effectRef>
-      <a:fontRef idx="minor"/>
-    </dgm:style>
-  </dgm:styleLbl>
-  <dgm:styleLbl name="dkBgShp">
-    <dgm:scene3d>
-      <a:camera prst="orthographicFront"/>
-      <a:lightRig rig="threePt" dir="t"/>
-    </dgm:scene3d>
-    <dgm:sp3d/>
-    <dgm:txPr/>
-    <dgm:style>
-      <a:lnRef idx="0">
-        <a:scrgbClr r="0" g="0" b="0"/>
-      </a:lnRef>
-      <a:fillRef idx="1">
-        <a:scrgbClr r="0" g="0" b="0"/>
-      </a:fillRef>
-      <a:effectRef idx="2">
-        <a:scrgbClr r="0" g="0" b="0"/>
-      </a:effectRef>
-      <a:fontRef idx="minor"/>
-    </dgm:style>
-  </dgm:styleLbl>
-  <dgm:styleLbl name="trBgShp">
-    <dgm:scene3d>
-      <a:camera prst="orthographicFront"/>
-      <a:lightRig rig="threePt" dir="t"/>
-    </dgm:scene3d>
-    <dgm:sp3d/>
-    <dgm:txPr/>
-    <dgm:style>
-      <a:lnRef idx="0">
-        <a:scrgbClr r="0" g="0" b="0"/>
-      </a:lnRef>
-      <a:fillRef idx="1">
-        <a:scrgbClr r="0" g="0" b="0"/>
-      </a:fillRef>
-      <a:effectRef idx="0">
-        <a:scrgbClr r="0" g="0" b="0"/>
-      </a:effectRef>
-      <a:fontRef idx="minor"/>
-    </dgm:style>
-  </dgm:styleLbl>
-  <dgm:styleLbl name="fgShp">
-    <dgm:scene3d>
-      <a:camera prst="orthographicFront"/>
-      <a:lightRig rig="threePt" dir="t"/>
-    </dgm:scene3d>
-    <dgm:sp3d/>
-    <dgm:txPr/>
-    <dgm:style>
-      <a:lnRef idx="0">
-        <a:scrgbClr r="0" g="0" b="0"/>
-      </a:lnRef>
-      <a:fillRef idx="3">
-        <a:scrgbClr r="0" g="0" b="0"/>
-      </a:fillRef>
-      <a:effectRef idx="2">
-        <a:scrgbClr r="0" g="0" b="0"/>
-      </a:effectRef>
-      <a:fontRef idx="minor"/>
-    </dgm:style>
-  </dgm:styleLbl>
-  <dgm:styleLbl name="revTx">
-    <dgm:scene3d>
-      <a:camera prst="orthographicFront"/>
-      <a:lightRig rig="threePt" dir="t"/>
-    </dgm:scene3d>
-    <dgm:sp3d/>
-    <dgm:txPr/>
-    <dgm:style>
-      <a:lnRef idx="0">
-        <a:scrgbClr r="0" g="0" b="0"/>
-      </a:lnRef>
-      <a:fillRef idx="0">
-        <a:scrgbClr r="0" g="0" b="0"/>
-      </a:fillRef>
-      <a:effectRef idx="0">
-        <a:scrgbClr r="0" g="0" b="0"/>
-      </a:effectRef>
-      <a:fontRef idx="minor"/>
-    </dgm:style>
-  </dgm:styleLbl>
-</dgm:styleDef>
-</file>
-
 <file path=ppt/handoutMasters/handoutMaster1.xml><?xml version="1.0" encoding="utf-8"?>
 <p:handoutMaster xmlns:a="http://schemas.openxmlformats.org/drawingml/2006/main" xmlns:r="http://schemas.openxmlformats.org/officeDocument/2006/relationships" xmlns:p="http://schemas.openxmlformats.org/presentationml/2006/main">
   <p:cSld>
@@ -4184,7 +220,7 @@
             <a:pPr rtl="0"/>
             <a:fld id="{C0F6AAFE-62B5-4E65-9F62-440349BB92BC}" type="datetime1">
               <a:rPr lang="ru-RU" smtClean="0"/>
-              <a:t>21.09.2017</a:t>
+              <a:t>23.09.2017</a:t>
             </a:fld>
             <a:endParaRPr lang="ru-RU" dirty="0"/>
           </a:p>
@@ -4354,7 +390,7 @@
             <a:fld id="{44952A71-D3E7-4C5E-B1D3-A32040FDC87E}" type="datetime1">
               <a:rPr lang="ru-RU" smtClean="0"/>
               <a:pPr/>
-              <a:t>21.09.2017</a:t>
+              <a:t>23.09.2017</a:t>
             </a:fld>
             <a:endParaRPr lang="ru-RU" dirty="0"/>
           </a:p>
@@ -4775,19 +811,27 @@
           <a:bodyPr/>
           <a:lstStyle/>
           <a:p>
-            <a:pPr rtl="0"/>
             <a:fld id="{8DAEC444-603B-4F09-9A06-5917518DD901}" type="slidenum">
-              <a:rPr lang="ru-RU" smtClean="0"/>
+              <a:rPr lang="ru-RU" smtClean="0">
+                <a:solidFill>
+                  <a:srgbClr val="3D372E"/>
+                </a:solidFill>
+              </a:rPr>
+              <a:pPr/>
               <a:t>10</a:t>
             </a:fld>
-            <a:endParaRPr lang="ru-RU" dirty="0"/>
+            <a:endParaRPr lang="ru-RU" dirty="0">
+              <a:solidFill>
+                <a:srgbClr val="3D372E"/>
+              </a:solidFill>
+            </a:endParaRPr>
           </a:p>
         </p:txBody>
       </p:sp>
     </p:spTree>
     <p:extLst>
       <p:ext uri="{BB962C8B-B14F-4D97-AF65-F5344CB8AC3E}">
-        <p14:creationId xmlns:p14="http://schemas.microsoft.com/office/powerpoint/2010/main" val="1627212239"/>
+        <p14:creationId xmlns:p14="http://schemas.microsoft.com/office/powerpoint/2010/main" val="3784636195"/>
       </p:ext>
     </p:extLst>
   </p:cSld>
@@ -4860,19 +904,27 @@
           <a:bodyPr/>
           <a:lstStyle/>
           <a:p>
-            <a:pPr rtl="0"/>
             <a:fld id="{8DAEC444-603B-4F09-9A06-5917518DD901}" type="slidenum">
-              <a:rPr lang="ru-RU" smtClean="0"/>
+              <a:rPr lang="ru-RU" smtClean="0">
+                <a:solidFill>
+                  <a:srgbClr val="3D372E"/>
+                </a:solidFill>
+              </a:rPr>
+              <a:pPr/>
               <a:t>11</a:t>
             </a:fld>
-            <a:endParaRPr lang="ru-RU" dirty="0"/>
+            <a:endParaRPr lang="ru-RU" dirty="0">
+              <a:solidFill>
+                <a:srgbClr val="3D372E"/>
+              </a:solidFill>
+            </a:endParaRPr>
           </a:p>
         </p:txBody>
       </p:sp>
     </p:spTree>
     <p:extLst>
       <p:ext uri="{BB962C8B-B14F-4D97-AF65-F5344CB8AC3E}">
-        <p14:creationId xmlns:p14="http://schemas.microsoft.com/office/powerpoint/2010/main" val="1181265502"/>
+        <p14:creationId xmlns:p14="http://schemas.microsoft.com/office/powerpoint/2010/main" val="155795717"/>
       </p:ext>
     </p:extLst>
   </p:cSld>
@@ -4945,19 +997,27 @@
           <a:bodyPr/>
           <a:lstStyle/>
           <a:p>
-            <a:pPr rtl="0"/>
             <a:fld id="{8DAEC444-603B-4F09-9A06-5917518DD901}" type="slidenum">
-              <a:rPr lang="ru-RU" smtClean="0"/>
+              <a:rPr lang="ru-RU" smtClean="0">
+                <a:solidFill>
+                  <a:srgbClr val="3D372E"/>
+                </a:solidFill>
+              </a:rPr>
+              <a:pPr/>
               <a:t>12</a:t>
             </a:fld>
-            <a:endParaRPr lang="ru-RU" dirty="0"/>
+            <a:endParaRPr lang="ru-RU" dirty="0">
+              <a:solidFill>
+                <a:srgbClr val="3D372E"/>
+              </a:solidFill>
+            </a:endParaRPr>
           </a:p>
         </p:txBody>
       </p:sp>
     </p:spTree>
     <p:extLst>
       <p:ext uri="{BB962C8B-B14F-4D97-AF65-F5344CB8AC3E}">
-        <p14:creationId xmlns:p14="http://schemas.microsoft.com/office/powerpoint/2010/main" val="2331489532"/>
+        <p14:creationId xmlns:p14="http://schemas.microsoft.com/office/powerpoint/2010/main" val="202512496"/>
       </p:ext>
     </p:extLst>
   </p:cSld>
@@ -5030,19 +1090,27 @@
           <a:bodyPr/>
           <a:lstStyle/>
           <a:p>
-            <a:pPr rtl="0"/>
             <a:fld id="{8DAEC444-603B-4F09-9A06-5917518DD901}" type="slidenum">
-              <a:rPr lang="ru-RU" smtClean="0"/>
+              <a:rPr lang="ru-RU" smtClean="0">
+                <a:solidFill>
+                  <a:srgbClr val="3D372E"/>
+                </a:solidFill>
+              </a:rPr>
+              <a:pPr/>
               <a:t>13</a:t>
             </a:fld>
-            <a:endParaRPr lang="ru-RU" dirty="0"/>
+            <a:endParaRPr lang="ru-RU" dirty="0">
+              <a:solidFill>
+                <a:srgbClr val="3D372E"/>
+              </a:solidFill>
+            </a:endParaRPr>
           </a:p>
         </p:txBody>
       </p:sp>
     </p:spTree>
     <p:extLst>
       <p:ext uri="{BB962C8B-B14F-4D97-AF65-F5344CB8AC3E}">
-        <p14:creationId xmlns:p14="http://schemas.microsoft.com/office/powerpoint/2010/main" val="1117137339"/>
+        <p14:creationId xmlns:p14="http://schemas.microsoft.com/office/powerpoint/2010/main" val="1067706141"/>
       </p:ext>
     </p:extLst>
   </p:cSld>
@@ -5127,7 +1195,177 @@
     </p:spTree>
     <p:extLst>
       <p:ext uri="{BB962C8B-B14F-4D97-AF65-F5344CB8AC3E}">
-        <p14:creationId xmlns:p14="http://schemas.microsoft.com/office/powerpoint/2010/main" val="2060815863"/>
+        <p14:creationId xmlns:p14="http://schemas.microsoft.com/office/powerpoint/2010/main" val="805343078"/>
+      </p:ext>
+    </p:extLst>
+  </p:cSld>
+  <p:clrMapOvr>
+    <a:masterClrMapping/>
+  </p:clrMapOvr>
+</p:notes>
+</file>
+
+<file path=ppt/notesSlides/notesSlide15.xml><?xml version="1.0" encoding="utf-8"?>
+<p:notes xmlns:a="http://schemas.openxmlformats.org/drawingml/2006/main" xmlns:r="http://schemas.openxmlformats.org/officeDocument/2006/relationships" xmlns:p="http://schemas.openxmlformats.org/presentationml/2006/main">
+  <p:cSld>
+    <p:spTree>
+      <p:nvGrpSpPr>
+        <p:cNvPr id="1" name=""/>
+        <p:cNvGrpSpPr/>
+        <p:nvPr/>
+      </p:nvGrpSpPr>
+      <p:grpSpPr>
+        <a:xfrm>
+          <a:off x="0" y="0"/>
+          <a:ext cx="0" cy="0"/>
+          <a:chOff x="0" y="0"/>
+          <a:chExt cx="0" cy="0"/>
+        </a:xfrm>
+      </p:grpSpPr>
+      <p:sp>
+        <p:nvSpPr>
+          <p:cNvPr id="2" name="Образ слайда 1"/>
+          <p:cNvSpPr>
+            <a:spLocks noGrp="1" noRot="1" noChangeAspect="1"/>
+          </p:cNvSpPr>
+          <p:nvPr>
+            <p:ph type="sldImg"/>
+          </p:nvPr>
+        </p:nvSpPr>
+        <p:spPr/>
+      </p:sp>
+      <p:sp>
+        <p:nvSpPr>
+          <p:cNvPr id="3" name="Заметки 2"/>
+          <p:cNvSpPr>
+            <a:spLocks noGrp="1"/>
+          </p:cNvSpPr>
+          <p:nvPr>
+            <p:ph type="body" idx="1"/>
+          </p:nvPr>
+        </p:nvSpPr>
+        <p:spPr/>
+        <p:txBody>
+          <a:bodyPr/>
+          <a:lstStyle/>
+          <a:p>
+            <a:endParaRPr lang="ru-RU" dirty="0"/>
+          </a:p>
+        </p:txBody>
+      </p:sp>
+      <p:sp>
+        <p:nvSpPr>
+          <p:cNvPr id="4" name="Номер слайда 3"/>
+          <p:cNvSpPr>
+            <a:spLocks noGrp="1"/>
+          </p:cNvSpPr>
+          <p:nvPr>
+            <p:ph type="sldNum" sz="quarter" idx="10"/>
+          </p:nvPr>
+        </p:nvSpPr>
+        <p:spPr/>
+        <p:txBody>
+          <a:bodyPr/>
+          <a:lstStyle/>
+          <a:p>
+            <a:pPr rtl="0"/>
+            <a:fld id="{8DAEC444-603B-4F09-9A06-5917518DD901}" type="slidenum">
+              <a:rPr lang="ru-RU" smtClean="0"/>
+              <a:t>15</a:t>
+            </a:fld>
+            <a:endParaRPr lang="ru-RU" dirty="0"/>
+          </a:p>
+        </p:txBody>
+      </p:sp>
+    </p:spTree>
+    <p:extLst>
+      <p:ext uri="{BB962C8B-B14F-4D97-AF65-F5344CB8AC3E}">
+        <p14:creationId xmlns:p14="http://schemas.microsoft.com/office/powerpoint/2010/main" val="1627212239"/>
+      </p:ext>
+    </p:extLst>
+  </p:cSld>
+  <p:clrMapOvr>
+    <a:masterClrMapping/>
+  </p:clrMapOvr>
+</p:notes>
+</file>
+
+<file path=ppt/notesSlides/notesSlide16.xml><?xml version="1.0" encoding="utf-8"?>
+<p:notes xmlns:a="http://schemas.openxmlformats.org/drawingml/2006/main" xmlns:r="http://schemas.openxmlformats.org/officeDocument/2006/relationships" xmlns:p="http://schemas.openxmlformats.org/presentationml/2006/main">
+  <p:cSld>
+    <p:spTree>
+      <p:nvGrpSpPr>
+        <p:cNvPr id="1" name=""/>
+        <p:cNvGrpSpPr/>
+        <p:nvPr/>
+      </p:nvGrpSpPr>
+      <p:grpSpPr>
+        <a:xfrm>
+          <a:off x="0" y="0"/>
+          <a:ext cx="0" cy="0"/>
+          <a:chOff x="0" y="0"/>
+          <a:chExt cx="0" cy="0"/>
+        </a:xfrm>
+      </p:grpSpPr>
+      <p:sp>
+        <p:nvSpPr>
+          <p:cNvPr id="2" name="Образ слайда 1"/>
+          <p:cNvSpPr>
+            <a:spLocks noGrp="1" noRot="1" noChangeAspect="1"/>
+          </p:cNvSpPr>
+          <p:nvPr>
+            <p:ph type="sldImg"/>
+          </p:nvPr>
+        </p:nvSpPr>
+        <p:spPr/>
+      </p:sp>
+      <p:sp>
+        <p:nvSpPr>
+          <p:cNvPr id="3" name="Заметки 2"/>
+          <p:cNvSpPr>
+            <a:spLocks noGrp="1"/>
+          </p:cNvSpPr>
+          <p:nvPr>
+            <p:ph type="body" idx="1"/>
+          </p:nvPr>
+        </p:nvSpPr>
+        <p:spPr/>
+        <p:txBody>
+          <a:bodyPr/>
+          <a:lstStyle/>
+          <a:p>
+            <a:endParaRPr lang="ru-RU" dirty="0"/>
+          </a:p>
+        </p:txBody>
+      </p:sp>
+      <p:sp>
+        <p:nvSpPr>
+          <p:cNvPr id="4" name="Номер слайда 3"/>
+          <p:cNvSpPr>
+            <a:spLocks noGrp="1"/>
+          </p:cNvSpPr>
+          <p:nvPr>
+            <p:ph type="sldNum" sz="quarter" idx="10"/>
+          </p:nvPr>
+        </p:nvSpPr>
+        <p:spPr/>
+        <p:txBody>
+          <a:bodyPr/>
+          <a:lstStyle/>
+          <a:p>
+            <a:pPr rtl="0"/>
+            <a:fld id="{8DAEC444-603B-4F09-9A06-5917518DD901}" type="slidenum">
+              <a:rPr lang="ru-RU" smtClean="0"/>
+              <a:t>16</a:t>
+            </a:fld>
+            <a:endParaRPr lang="ru-RU" dirty="0"/>
+          </a:p>
+        </p:txBody>
+      </p:sp>
+    </p:spTree>
+    <p:extLst>
+      <p:ext uri="{BB962C8B-B14F-4D97-AF65-F5344CB8AC3E}">
+        <p14:creationId xmlns:p14="http://schemas.microsoft.com/office/powerpoint/2010/main" val="1181265502"/>
       </p:ext>
     </p:extLst>
   </p:cSld>
@@ -5285,27 +1523,19 @@
           <a:bodyPr/>
           <a:lstStyle/>
           <a:p>
+            <a:pPr rtl="0"/>
             <a:fld id="{8DAEC444-603B-4F09-9A06-5917518DD901}" type="slidenum">
-              <a:rPr lang="ru-RU" smtClean="0">
-                <a:solidFill>
-                  <a:srgbClr val="3D372E"/>
-                </a:solidFill>
-              </a:rPr>
-              <a:pPr/>
+              <a:rPr lang="ru-RU" smtClean="0"/>
               <a:t>3</a:t>
             </a:fld>
-            <a:endParaRPr lang="ru-RU" dirty="0">
-              <a:solidFill>
-                <a:srgbClr val="3D372E"/>
-              </a:solidFill>
-            </a:endParaRPr>
+            <a:endParaRPr lang="ru-RU" dirty="0"/>
           </a:p>
         </p:txBody>
       </p:sp>
     </p:spTree>
     <p:extLst>
       <p:ext uri="{BB962C8B-B14F-4D97-AF65-F5344CB8AC3E}">
-        <p14:creationId xmlns:p14="http://schemas.microsoft.com/office/powerpoint/2010/main" val="4121146456"/>
+        <p14:creationId xmlns:p14="http://schemas.microsoft.com/office/powerpoint/2010/main" val="868315611"/>
       </p:ext>
     </p:extLst>
   </p:cSld>
@@ -5378,27 +1608,19 @@
           <a:bodyPr/>
           <a:lstStyle/>
           <a:p>
+            <a:pPr rtl="0"/>
             <a:fld id="{8DAEC444-603B-4F09-9A06-5917518DD901}" type="slidenum">
-              <a:rPr lang="ru-RU" smtClean="0">
-                <a:solidFill>
-                  <a:srgbClr val="3D372E"/>
-                </a:solidFill>
-              </a:rPr>
-              <a:pPr/>
+              <a:rPr lang="ru-RU" smtClean="0"/>
               <a:t>4</a:t>
             </a:fld>
-            <a:endParaRPr lang="ru-RU" dirty="0">
-              <a:solidFill>
-                <a:srgbClr val="3D372E"/>
-              </a:solidFill>
-            </a:endParaRPr>
+            <a:endParaRPr lang="ru-RU" dirty="0"/>
           </a:p>
         </p:txBody>
       </p:sp>
     </p:spTree>
     <p:extLst>
       <p:ext uri="{BB962C8B-B14F-4D97-AF65-F5344CB8AC3E}">
-        <p14:creationId xmlns:p14="http://schemas.microsoft.com/office/powerpoint/2010/main" val="202512496"/>
+        <p14:creationId xmlns:p14="http://schemas.microsoft.com/office/powerpoint/2010/main" val="962456571"/>
       </p:ext>
     </p:extLst>
   </p:cSld>
@@ -5471,27 +1693,19 @@
           <a:bodyPr/>
           <a:lstStyle/>
           <a:p>
+            <a:pPr rtl="0"/>
             <a:fld id="{8DAEC444-603B-4F09-9A06-5917518DD901}" type="slidenum">
-              <a:rPr lang="ru-RU" smtClean="0">
-                <a:solidFill>
-                  <a:srgbClr val="3D372E"/>
-                </a:solidFill>
-              </a:rPr>
-              <a:pPr/>
+              <a:rPr lang="ru-RU" smtClean="0"/>
               <a:t>5</a:t>
             </a:fld>
-            <a:endParaRPr lang="ru-RU" dirty="0">
-              <a:solidFill>
-                <a:srgbClr val="3D372E"/>
-              </a:solidFill>
-            </a:endParaRPr>
+            <a:endParaRPr lang="ru-RU" dirty="0"/>
           </a:p>
         </p:txBody>
       </p:sp>
     </p:spTree>
     <p:extLst>
       <p:ext uri="{BB962C8B-B14F-4D97-AF65-F5344CB8AC3E}">
-        <p14:creationId xmlns:p14="http://schemas.microsoft.com/office/powerpoint/2010/main" val="1067706141"/>
+        <p14:creationId xmlns:p14="http://schemas.microsoft.com/office/powerpoint/2010/main" val="3950250041"/>
       </p:ext>
     </p:extLst>
   </p:cSld>
@@ -5576,7 +1790,7 @@
     </p:spTree>
     <p:extLst>
       <p:ext uri="{BB962C8B-B14F-4D97-AF65-F5344CB8AC3E}">
-        <p14:creationId xmlns:p14="http://schemas.microsoft.com/office/powerpoint/2010/main" val="1782910735"/>
+        <p14:creationId xmlns:p14="http://schemas.microsoft.com/office/powerpoint/2010/main" val="1372977848"/>
       </p:ext>
     </p:extLst>
   </p:cSld>
@@ -5649,19 +1863,27 @@
           <a:bodyPr/>
           <a:lstStyle/>
           <a:p>
-            <a:pPr rtl="0"/>
             <a:fld id="{8DAEC444-603B-4F09-9A06-5917518DD901}" type="slidenum">
-              <a:rPr lang="ru-RU" smtClean="0"/>
+              <a:rPr lang="ru-RU" smtClean="0">
+                <a:solidFill>
+                  <a:srgbClr val="3D372E"/>
+                </a:solidFill>
+              </a:rPr>
+              <a:pPr/>
               <a:t>7</a:t>
             </a:fld>
-            <a:endParaRPr lang="ru-RU" dirty="0"/>
+            <a:endParaRPr lang="ru-RU" dirty="0">
+              <a:solidFill>
+                <a:srgbClr val="3D372E"/>
+              </a:solidFill>
+            </a:endParaRPr>
           </a:p>
         </p:txBody>
       </p:sp>
     </p:spTree>
     <p:extLst>
       <p:ext uri="{BB962C8B-B14F-4D97-AF65-F5344CB8AC3E}">
-        <p14:creationId xmlns:p14="http://schemas.microsoft.com/office/powerpoint/2010/main" val="805343078"/>
+        <p14:creationId xmlns:p14="http://schemas.microsoft.com/office/powerpoint/2010/main" val="4121146456"/>
       </p:ext>
     </p:extLst>
   </p:cSld>
@@ -5734,19 +1956,27 @@
           <a:bodyPr/>
           <a:lstStyle/>
           <a:p>
-            <a:pPr rtl="0"/>
             <a:fld id="{8DAEC444-603B-4F09-9A06-5917518DD901}" type="slidenum">
-              <a:rPr lang="ru-RU" smtClean="0"/>
+              <a:rPr lang="ru-RU" smtClean="0">
+                <a:solidFill>
+                  <a:srgbClr val="3D372E"/>
+                </a:solidFill>
+              </a:rPr>
+              <a:pPr/>
               <a:t>8</a:t>
             </a:fld>
-            <a:endParaRPr lang="ru-RU" dirty="0"/>
+            <a:endParaRPr lang="ru-RU" dirty="0">
+              <a:solidFill>
+                <a:srgbClr val="3D372E"/>
+              </a:solidFill>
+            </a:endParaRPr>
           </a:p>
         </p:txBody>
       </p:sp>
     </p:spTree>
     <p:extLst>
       <p:ext uri="{BB962C8B-B14F-4D97-AF65-F5344CB8AC3E}">
-        <p14:creationId xmlns:p14="http://schemas.microsoft.com/office/powerpoint/2010/main" val="1298818650"/>
+        <p14:creationId xmlns:p14="http://schemas.microsoft.com/office/powerpoint/2010/main" val="1844229429"/>
       </p:ext>
     </p:extLst>
   </p:cSld>
@@ -5819,19 +2049,27 @@
           <a:bodyPr/>
           <a:lstStyle/>
           <a:p>
-            <a:pPr rtl="0"/>
             <a:fld id="{8DAEC444-603B-4F09-9A06-5917518DD901}" type="slidenum">
-              <a:rPr lang="ru-RU" smtClean="0"/>
+              <a:rPr lang="ru-RU" smtClean="0">
+                <a:solidFill>
+                  <a:srgbClr val="3D372E"/>
+                </a:solidFill>
+              </a:rPr>
+              <a:pPr/>
               <a:t>9</a:t>
             </a:fld>
-            <a:endParaRPr lang="ru-RU" dirty="0"/>
+            <a:endParaRPr lang="ru-RU" dirty="0">
+              <a:solidFill>
+                <a:srgbClr val="3D372E"/>
+              </a:solidFill>
+            </a:endParaRPr>
           </a:p>
         </p:txBody>
       </p:sp>
     </p:spTree>
     <p:extLst>
       <p:ext uri="{BB962C8B-B14F-4D97-AF65-F5344CB8AC3E}">
-        <p14:creationId xmlns:p14="http://schemas.microsoft.com/office/powerpoint/2010/main" val="3211052725"/>
+        <p14:creationId xmlns:p14="http://schemas.microsoft.com/office/powerpoint/2010/main" val="539373533"/>
       </p:ext>
     </p:extLst>
   </p:cSld>
@@ -6190,7 +2428,7 @@
             <a:pPr rtl="0"/>
             <a:fld id="{79FD342A-9A56-4DC5-9ED2-6DB5C69CCF49}" type="datetime1">
               <a:rPr lang="ru-RU" smtClean="0"/>
-              <a:t>21.09.2017</a:t>
+              <a:t>23.09.2017</a:t>
             </a:fld>
             <a:endParaRPr lang="ru-RU" dirty="0"/>
           </a:p>
@@ -6390,7 +2628,7 @@
             <a:pPr rtl="0"/>
             <a:fld id="{33EF7CBA-1B27-45F2-A123-D50C3CC21D43}" type="datetime1">
               <a:rPr lang="ru-RU" smtClean="0"/>
-              <a:t>21.09.2017</a:t>
+              <a:t>23.09.2017</a:t>
             </a:fld>
             <a:endParaRPr lang="ru-RU" dirty="0"/>
           </a:p>
@@ -6580,7 +2818,7 @@
             <a:pPr rtl="0"/>
             <a:fld id="{7FE59AEF-C7FD-464E-8CC6-F1EF8E587979}" type="datetime1">
               <a:rPr lang="ru-RU" smtClean="0"/>
-              <a:t>21.09.2017</a:t>
+              <a:t>23.09.2017</a:t>
             </a:fld>
             <a:endParaRPr lang="ru-RU" dirty="0"/>
           </a:p>
@@ -7110,7 +3348,7 @@
             <a:pPr rtl="0"/>
             <a:fld id="{C18E12DD-A528-4330-84E8-E7B2BD5DD1C3}" type="datetime1">
               <a:rPr lang="ru-RU" smtClean="0"/>
-              <a:t>21.09.2017</a:t>
+              <a:t>23.09.2017</a:t>
             </a:fld>
             <a:endParaRPr lang="ru-RU" dirty="0"/>
           </a:p>
@@ -7562,7 +3800,7 @@
             <a:pPr rtl="0"/>
             <a:fld id="{CF1A65D7-A8A6-4725-B378-0CE09B5E24C3}" type="datetime1">
               <a:rPr lang="ru-RU" smtClean="0"/>
-              <a:t>21.09.2017</a:t>
+              <a:t>23.09.2017</a:t>
             </a:fld>
             <a:endParaRPr lang="ru-RU" dirty="0"/>
           </a:p>
@@ -7700,7 +3938,7 @@
             <a:pPr rtl="0"/>
             <a:fld id="{3CE994D8-BEA0-4871-8E97-379B66612A44}" type="datetime1">
               <a:rPr lang="ru-RU" smtClean="0"/>
-              <a:t>21.09.2017</a:t>
+              <a:t>23.09.2017</a:t>
             </a:fld>
             <a:endParaRPr lang="ru-RU" dirty="0"/>
           </a:p>
@@ -7810,7 +4048,7 @@
             <a:pPr rtl="0"/>
             <a:fld id="{62F6E2DC-BB7C-48A5-BF49-B9E86BE87A41}" type="datetime1">
               <a:rPr lang="ru-RU" smtClean="0"/>
-              <a:t>21.09.2017</a:t>
+              <a:t>23.09.2017</a:t>
             </a:fld>
             <a:endParaRPr lang="ru-RU" dirty="0"/>
           </a:p>
@@ -8110,7 +4348,7 @@
             <a:pPr rtl="0"/>
             <a:fld id="{9A4DE458-201E-4D14-98B6-EA3533EF44E8}" type="datetime1">
               <a:rPr lang="ru-RU" smtClean="0"/>
-              <a:t>21.09.2017</a:t>
+              <a:t>23.09.2017</a:t>
             </a:fld>
             <a:endParaRPr lang="ru-RU" dirty="0"/>
           </a:p>
@@ -8389,7 +4627,7 @@
             <a:pPr rtl="0"/>
             <a:fld id="{A926AE8F-FC82-4835-B9AE-8B0F365E4471}" type="datetime1">
               <a:rPr lang="ru-RU" smtClean="0"/>
-              <a:t>21.09.2017</a:t>
+              <a:t>23.09.2017</a:t>
             </a:fld>
             <a:endParaRPr lang="ru-RU" dirty="0"/>
           </a:p>
@@ -8687,7 +4925,7 @@
             <a:fld id="{6E2F0041-0EA7-4F9F-85FF-BBEEC34ED113}" type="datetime1">
               <a:rPr lang="ru-RU" smtClean="0"/>
               <a:pPr/>
-              <a:t>21.09.2017</a:t>
+              <a:t>23.09.2017</a:t>
             </a:fld>
             <a:endParaRPr lang="ru-RU" dirty="0"/>
           </a:p>
@@ -9228,110 +5466,117 @@
           <a:p>
             <a:pPr rtl="0"/>
             <a:r>
-              <a:rPr lang="ru-RU" dirty="0" smtClean="0"/>
-              <a:t>Добавить заголовок слайда - 2</a:t>
-            </a:r>
-            <a:endParaRPr lang="ru-RU" dirty="0"/>
-          </a:p>
-        </p:txBody>
-      </p:sp>
-      <p:sp>
-        <p:nvSpPr>
-          <p:cNvPr id="3" name="Текст 2"/>
-          <p:cNvSpPr>
-            <a:spLocks noGrp="1"/>
-          </p:cNvSpPr>
-          <p:nvPr>
-            <p:ph type="body" idx="1"/>
-          </p:nvPr>
-        </p:nvSpPr>
-        <p:spPr/>
-        <p:txBody>
-          <a:bodyPr rtlCol="0"/>
-          <a:lstStyle/>
-          <a:p>
-            <a:pPr rtl="0"/>
-            <a:endParaRPr lang="ru-RU" dirty="0"/>
-          </a:p>
-        </p:txBody>
-      </p:sp>
-      <p:sp>
-        <p:nvSpPr>
-          <p:cNvPr id="4" name="Объект 3"/>
-          <p:cNvSpPr>
-            <a:spLocks noGrp="1"/>
-          </p:cNvSpPr>
-          <p:nvPr>
-            <p:ph sz="half" idx="2"/>
-          </p:nvPr>
-        </p:nvSpPr>
-        <p:spPr/>
-        <p:txBody>
-          <a:bodyPr rtlCol="0"/>
-          <a:lstStyle/>
-          <a:p>
-            <a:pPr rtl="0"/>
-            <a:endParaRPr lang="ru-RU" dirty="0"/>
-          </a:p>
-        </p:txBody>
-      </p:sp>
-      <p:sp>
-        <p:nvSpPr>
-          <p:cNvPr id="5" name="Текст 4"/>
-          <p:cNvSpPr>
-            <a:spLocks noGrp="1"/>
-          </p:cNvSpPr>
-          <p:nvPr>
-            <p:ph type="body" sz="quarter" idx="3"/>
-          </p:nvPr>
-        </p:nvSpPr>
-        <p:spPr/>
-        <p:txBody>
-          <a:bodyPr rtlCol="0"/>
-          <a:lstStyle/>
-          <a:p>
-            <a:pPr rtl="0"/>
-            <a:endParaRPr lang="ru-RU" dirty="0"/>
-          </a:p>
-        </p:txBody>
-      </p:sp>
-      <p:sp>
-        <p:nvSpPr>
-          <p:cNvPr id="6" name="Объект 5"/>
-          <p:cNvSpPr>
-            <a:spLocks noGrp="1"/>
-          </p:cNvSpPr>
-          <p:nvPr>
-            <p:ph sz="quarter" idx="4"/>
-          </p:nvPr>
-        </p:nvSpPr>
-        <p:spPr/>
-        <p:txBody>
-          <a:bodyPr rtlCol="0"/>
-          <a:lstStyle/>
-          <a:p>
-            <a:pPr rtl="0"/>
-            <a:endParaRPr lang="ru-RU" dirty="0"/>
+              <a:rPr lang="ru-RU" dirty="0" smtClean="0">
+                <a:latin typeface="Arial" panose="020B0604020202020204" pitchFamily="34" charset="0"/>
+                <a:cs typeface="Arial" panose="020B0604020202020204" pitchFamily="34" charset="0"/>
+              </a:rPr>
+              <a:t>Выбранные технологии</a:t>
+            </a:r>
+            <a:endParaRPr lang="ru-RU" dirty="0">
+              <a:latin typeface="Arial" panose="020B0604020202020204" pitchFamily="34" charset="0"/>
+              <a:cs typeface="Arial" panose="020B0604020202020204" pitchFamily="34" charset="0"/>
+            </a:endParaRPr>
+          </a:p>
+        </p:txBody>
+      </p:sp>
+      <p:sp>
+        <p:nvSpPr>
+          <p:cNvPr id="3" name="Объект 2"/>
+          <p:cNvSpPr>
+            <a:spLocks noGrp="1"/>
+          </p:cNvSpPr>
+          <p:nvPr>
+            <p:ph idx="1"/>
+          </p:nvPr>
+        </p:nvSpPr>
+        <p:spPr/>
+        <p:txBody>
+          <a:bodyPr rtlCol="0">
+            <a:normAutofit/>
+          </a:bodyPr>
+          <a:lstStyle/>
+          <a:p>
+            <a:pPr marL="0" indent="0" rtl="0">
+              <a:buNone/>
+            </a:pPr>
+            <a:r>
+              <a:rPr lang="en-US" dirty="0" smtClean="0">
+                <a:latin typeface="Arial" panose="020B0604020202020204" pitchFamily="34" charset="0"/>
+                <a:cs typeface="Arial" panose="020B0604020202020204" pitchFamily="34" charset="0"/>
+              </a:rPr>
+              <a:t>Oracle</a:t>
+            </a:r>
+            <a:endParaRPr lang="ru-RU" dirty="0" smtClean="0">
+              <a:latin typeface="Arial" panose="020B0604020202020204" pitchFamily="34" charset="0"/>
+              <a:cs typeface="Arial" panose="020B0604020202020204" pitchFamily="34" charset="0"/>
+            </a:endParaRPr>
+          </a:p>
+          <a:p>
+            <a:r>
+              <a:rPr lang="ru-RU" dirty="0" smtClean="0">
+                <a:latin typeface="Arial" panose="020B0604020202020204" pitchFamily="34" charset="0"/>
+                <a:cs typeface="Arial" panose="020B0604020202020204" pitchFamily="34" charset="0"/>
+              </a:rPr>
+              <a:t>Легко состыковать с </a:t>
+            </a:r>
+            <a:r>
+              <a:rPr lang="en-US" dirty="0" smtClean="0">
+                <a:latin typeface="Arial" panose="020B0604020202020204" pitchFamily="34" charset="0"/>
+                <a:cs typeface="Arial" panose="020B0604020202020204" pitchFamily="34" charset="0"/>
+              </a:rPr>
+              <a:t>Java</a:t>
+            </a:r>
+            <a:endParaRPr lang="ru-RU" dirty="0" smtClean="0">
+              <a:latin typeface="Arial" panose="020B0604020202020204" pitchFamily="34" charset="0"/>
+              <a:cs typeface="Arial" panose="020B0604020202020204" pitchFamily="34" charset="0"/>
+            </a:endParaRPr>
+          </a:p>
+          <a:p>
+            <a:r>
+              <a:rPr lang="ru-RU" dirty="0" smtClean="0">
+                <a:latin typeface="Arial" panose="020B0604020202020204" pitchFamily="34" charset="0"/>
+                <a:cs typeface="Arial" panose="020B0604020202020204" pitchFamily="34" charset="0"/>
+              </a:rPr>
+              <a:t>В </a:t>
+            </a:r>
+            <a:r>
+              <a:rPr lang="en-US" dirty="0" smtClean="0">
+                <a:latin typeface="Arial" panose="020B0604020202020204" pitchFamily="34" charset="0"/>
+                <a:cs typeface="Arial" panose="020B0604020202020204" pitchFamily="34" charset="0"/>
+              </a:rPr>
+              <a:t>ASP.NET</a:t>
+            </a:r>
+            <a:r>
+              <a:rPr lang="ru-RU" dirty="0" smtClean="0">
+                <a:latin typeface="Arial" panose="020B0604020202020204" pitchFamily="34" charset="0"/>
+                <a:cs typeface="Arial" panose="020B0604020202020204" pitchFamily="34" charset="0"/>
+              </a:rPr>
+              <a:t> не будет жесткой привязки к СУБД</a:t>
+            </a:r>
+            <a:endParaRPr lang="ru-RU" dirty="0">
+              <a:latin typeface="Arial" panose="020B0604020202020204" pitchFamily="34" charset="0"/>
+              <a:cs typeface="Arial" panose="020B0604020202020204" pitchFamily="34" charset="0"/>
+            </a:endParaRPr>
           </a:p>
         </p:txBody>
       </p:sp>
     </p:spTree>
     <p:extLst>
       <p:ext uri="{BB962C8B-B14F-4D97-AF65-F5344CB8AC3E}">
-        <p14:creationId xmlns:p14="http://schemas.microsoft.com/office/powerpoint/2010/main" val="3387061768"/>
+        <p14:creationId xmlns:p14="http://schemas.microsoft.com/office/powerpoint/2010/main" val="2243271150"/>
       </p:ext>
     </p:extLst>
   </p:cSld>
   <p:clrMapOvr>
     <a:masterClrMapping/>
   </p:clrMapOvr>
-  <mc:AlternateContent xmlns:mc="http://schemas.openxmlformats.org/markup-compatibility/2006" xmlns:p14="http://schemas.microsoft.com/office/powerpoint/2010/main">
-    <mc:Choice Requires="p14">
+  <mc:AlternateContent xmlns:mc="http://schemas.openxmlformats.org/markup-compatibility/2006">
+    <mc:Choice xmlns:p14="http://schemas.microsoft.com/office/powerpoint/2010/main" Requires="p14">
       <p:transition spd="med" p14:dur="700">
         <p:fade/>
       </p:transition>
     </mc:Choice>
-    <mc:Fallback xmlns="">
+    <mc:Fallback>
       <p:transition spd="med">
         <p:fade/>
       </p:transition>
@@ -9374,30 +5619,111 @@
           <a:p>
             <a:pPr rtl="0"/>
             <a:r>
-              <a:rPr lang="ru-RU" dirty="0" smtClean="0"/>
-              <a:t>Добавить заголовок слайда - 3</a:t>
-            </a:r>
-            <a:endParaRPr lang="ru-RU" dirty="0"/>
+              <a:rPr lang="ru-RU" dirty="0" smtClean="0">
+                <a:latin typeface="Arial" panose="020B0604020202020204" pitchFamily="34" charset="0"/>
+                <a:cs typeface="Arial" panose="020B0604020202020204" pitchFamily="34" charset="0"/>
+              </a:rPr>
+              <a:t>Используемые паттерны</a:t>
+            </a:r>
+            <a:endParaRPr lang="ru-RU" dirty="0">
+              <a:latin typeface="Arial" panose="020B0604020202020204" pitchFamily="34" charset="0"/>
+              <a:cs typeface="Arial" panose="020B0604020202020204" pitchFamily="34" charset="0"/>
+            </a:endParaRPr>
+          </a:p>
+        </p:txBody>
+      </p:sp>
+      <p:sp>
+        <p:nvSpPr>
+          <p:cNvPr id="3" name="Объект 2"/>
+          <p:cNvSpPr>
+            <a:spLocks noGrp="1"/>
+          </p:cNvSpPr>
+          <p:nvPr>
+            <p:ph idx="1"/>
+          </p:nvPr>
+        </p:nvSpPr>
+        <p:spPr/>
+        <p:txBody>
+          <a:bodyPr rtlCol="0"/>
+          <a:lstStyle/>
+          <a:p>
+            <a:pPr rtl="0"/>
+            <a:r>
+              <a:rPr lang="en-US" dirty="0" smtClean="0">
+                <a:latin typeface="Arial" panose="020B0604020202020204" pitchFamily="34" charset="0"/>
+                <a:cs typeface="Arial" panose="020B0604020202020204" pitchFamily="34" charset="0"/>
+              </a:rPr>
+              <a:t>MVC</a:t>
+            </a:r>
+            <a:endParaRPr lang="ru-RU" dirty="0" smtClean="0">
+              <a:latin typeface="Arial" panose="020B0604020202020204" pitchFamily="34" charset="0"/>
+              <a:cs typeface="Arial" panose="020B0604020202020204" pitchFamily="34" charset="0"/>
+            </a:endParaRPr>
+          </a:p>
+          <a:p>
+            <a:pPr rtl="0"/>
+            <a:r>
+              <a:rPr lang="ru-RU" dirty="0" err="1" smtClean="0">
+                <a:latin typeface="Arial" panose="020B0604020202020204" pitchFamily="34" charset="0"/>
+                <a:cs typeface="Arial" panose="020B0604020202020204" pitchFamily="34" charset="0"/>
+              </a:rPr>
+              <a:t>Репозиторий</a:t>
+            </a:r>
+            <a:endParaRPr lang="en-US" dirty="0" smtClean="0">
+              <a:latin typeface="Arial" panose="020B0604020202020204" pitchFamily="34" charset="0"/>
+              <a:cs typeface="Arial" panose="020B0604020202020204" pitchFamily="34" charset="0"/>
+            </a:endParaRPr>
+          </a:p>
+          <a:p>
+            <a:r>
+              <a:rPr lang="de-DE" dirty="0"/>
+              <a:t> </a:t>
+            </a:r>
+            <a:r>
+              <a:rPr lang="de-DE" dirty="0" err="1">
+                <a:latin typeface="Arial" panose="020B0604020202020204" pitchFamily="34" charset="0"/>
+                <a:cs typeface="Arial" panose="020B0604020202020204" pitchFamily="34" charset="0"/>
+              </a:rPr>
+              <a:t>Dependency</a:t>
+            </a:r>
+            <a:r>
+              <a:rPr lang="de-DE" dirty="0">
+                <a:latin typeface="Arial" panose="020B0604020202020204" pitchFamily="34" charset="0"/>
+                <a:cs typeface="Arial" panose="020B0604020202020204" pitchFamily="34" charset="0"/>
+              </a:rPr>
+              <a:t> </a:t>
+            </a:r>
+            <a:r>
+              <a:rPr lang="de-DE" dirty="0" err="1">
+                <a:latin typeface="Arial" panose="020B0604020202020204" pitchFamily="34" charset="0"/>
+                <a:cs typeface="Arial" panose="020B0604020202020204" pitchFamily="34" charset="0"/>
+              </a:rPr>
+              <a:t>injection</a:t>
+            </a:r>
+            <a:endParaRPr lang="ru-RU" dirty="0" smtClean="0">
+              <a:latin typeface="Arial" panose="020B0604020202020204" pitchFamily="34" charset="0"/>
+              <a:cs typeface="Arial" panose="020B0604020202020204" pitchFamily="34" charset="0"/>
+            </a:endParaRPr>
           </a:p>
         </p:txBody>
       </p:sp>
     </p:spTree>
     <p:extLst>
       <p:ext uri="{BB962C8B-B14F-4D97-AF65-F5344CB8AC3E}">
-        <p14:creationId xmlns:p14="http://schemas.microsoft.com/office/powerpoint/2010/main" val="3440500440"/>
+        <p14:creationId xmlns:p14="http://schemas.microsoft.com/office/powerpoint/2010/main" val="3531244037"/>
       </p:ext>
     </p:extLst>
   </p:cSld>
   <p:clrMapOvr>
     <a:masterClrMapping/>
   </p:clrMapOvr>
-  <mc:AlternateContent xmlns:mc="http://schemas.openxmlformats.org/markup-compatibility/2006" xmlns:p14="http://schemas.microsoft.com/office/powerpoint/2010/main">
-    <mc:Choice Requires="p14">
+  <mc:AlternateContent xmlns:mc="http://schemas.openxmlformats.org/markup-compatibility/2006">
+    <mc:Choice xmlns:p14="http://schemas.microsoft.com/office/powerpoint/2010/main" Requires="p14">
       <p:transition spd="med" p14:dur="700">
         <p:fade/>
       </p:transition>
     </mc:Choice>
-    <mc:Fallback xmlns="">
+    <mc:Fallback>
       <p:transition spd="med">
         <p:fade/>
       </p:transition>
@@ -9423,48 +5749,6 @@
           <a:chExt cx="0" cy="0"/>
         </a:xfrm>
       </p:grpSpPr>
-    </p:spTree>
-    <p:extLst>
-      <p:ext uri="{BB962C8B-B14F-4D97-AF65-F5344CB8AC3E}">
-        <p14:creationId xmlns:p14="http://schemas.microsoft.com/office/powerpoint/2010/main" val="4129439513"/>
-      </p:ext>
-    </p:extLst>
-  </p:cSld>
-  <p:clrMapOvr>
-    <a:masterClrMapping/>
-  </p:clrMapOvr>
-  <mc:AlternateContent xmlns:mc="http://schemas.openxmlformats.org/markup-compatibility/2006" xmlns:p14="http://schemas.microsoft.com/office/powerpoint/2010/main">
-    <mc:Choice Requires="p14">
-      <p:transition spd="med" p14:dur="700">
-        <p:fade/>
-      </p:transition>
-    </mc:Choice>
-    <mc:Fallback xmlns="">
-      <p:transition spd="med">
-        <p:fade/>
-      </p:transition>
-    </mc:Fallback>
-  </mc:AlternateContent>
-</p:sld>
-</file>
-
-<file path=ppt/slides/slide13.xml><?xml version="1.0" encoding="utf-8"?>
-<p:sld xmlns:a="http://schemas.openxmlformats.org/drawingml/2006/main" xmlns:r="http://schemas.openxmlformats.org/officeDocument/2006/relationships" xmlns:p="http://schemas.openxmlformats.org/presentationml/2006/main">
-  <p:cSld>
-    <p:spTree>
-      <p:nvGrpSpPr>
-        <p:cNvPr id="1" name=""/>
-        <p:cNvGrpSpPr/>
-        <p:nvPr/>
-      </p:nvGrpSpPr>
-      <p:grpSpPr>
-        <a:xfrm>
-          <a:off x="0" y="0"/>
-          <a:ext cx="0" cy="0"/>
-          <a:chOff x="0" y="0"/>
-          <a:chExt cx="0" cy="0"/>
-        </a:xfrm>
-      </p:grpSpPr>
       <p:sp>
         <p:nvSpPr>
           <p:cNvPr id="2" name="Заголовок 1"/>
@@ -9482,215 +5766,11 @@
           <a:p>
             <a:pPr rtl="0"/>
             <a:r>
-              <a:rPr lang="ru-RU" dirty="0" smtClean="0"/>
-              <a:t>Добавить заголовок слайда - 4</a:t>
-            </a:r>
-            <a:endParaRPr lang="ru-RU" dirty="0"/>
-          </a:p>
-        </p:txBody>
-      </p:sp>
-      <p:sp>
-        <p:nvSpPr>
-          <p:cNvPr id="3" name="Объект 2"/>
-          <p:cNvSpPr>
-            <a:spLocks noGrp="1"/>
-          </p:cNvSpPr>
-          <p:nvPr>
-            <p:ph idx="1"/>
-          </p:nvPr>
-        </p:nvSpPr>
-        <p:spPr/>
-        <p:txBody>
-          <a:bodyPr rtlCol="0"/>
-          <a:lstStyle/>
-          <a:p>
-            <a:pPr rtl="0"/>
-            <a:endParaRPr lang="ru-RU" dirty="0"/>
-          </a:p>
-        </p:txBody>
-      </p:sp>
-      <p:sp>
-        <p:nvSpPr>
-          <p:cNvPr id="4" name="Текст 3"/>
-          <p:cNvSpPr>
-            <a:spLocks noGrp="1"/>
-          </p:cNvSpPr>
-          <p:nvPr>
-            <p:ph type="body" sz="half" idx="2"/>
-          </p:nvPr>
-        </p:nvSpPr>
-        <p:spPr/>
-        <p:txBody>
-          <a:bodyPr rtlCol="0"/>
-          <a:lstStyle/>
-          <a:p>
-            <a:pPr rtl="0"/>
-            <a:endParaRPr lang="ru-RU" dirty="0"/>
-          </a:p>
-        </p:txBody>
-      </p:sp>
-    </p:spTree>
-    <p:extLst>
-      <p:ext uri="{BB962C8B-B14F-4D97-AF65-F5344CB8AC3E}">
-        <p14:creationId xmlns:p14="http://schemas.microsoft.com/office/powerpoint/2010/main" val="1827431122"/>
-      </p:ext>
-    </p:extLst>
-  </p:cSld>
-  <p:clrMapOvr>
-    <a:masterClrMapping/>
-  </p:clrMapOvr>
-  <mc:AlternateContent xmlns:mc="http://schemas.openxmlformats.org/markup-compatibility/2006" xmlns:p14="http://schemas.microsoft.com/office/powerpoint/2010/main">
-    <mc:Choice Requires="p14">
-      <p:transition spd="med" p14:dur="700">
-        <p:fade/>
-      </p:transition>
-    </mc:Choice>
-    <mc:Fallback xmlns="">
-      <p:transition spd="med">
-        <p:fade/>
-      </p:transition>
-    </mc:Fallback>
-  </mc:AlternateContent>
-</p:sld>
-</file>
-
-<file path=ppt/slides/slide14.xml><?xml version="1.0" encoding="utf-8"?>
-<p:sld xmlns:a="http://schemas.openxmlformats.org/drawingml/2006/main" xmlns:r="http://schemas.openxmlformats.org/officeDocument/2006/relationships" xmlns:p="http://schemas.openxmlformats.org/presentationml/2006/main">
-  <p:cSld>
-    <p:spTree>
-      <p:nvGrpSpPr>
-        <p:cNvPr id="1" name=""/>
-        <p:cNvGrpSpPr/>
-        <p:nvPr/>
-      </p:nvGrpSpPr>
-      <p:grpSpPr>
-        <a:xfrm>
-          <a:off x="0" y="0"/>
-          <a:ext cx="0" cy="0"/>
-          <a:chOff x="0" y="0"/>
-          <a:chExt cx="0" cy="0"/>
-        </a:xfrm>
-      </p:grpSpPr>
-      <p:sp>
-        <p:nvSpPr>
-          <p:cNvPr id="2" name="Заголовок 1"/>
-          <p:cNvSpPr>
-            <a:spLocks noGrp="1"/>
-          </p:cNvSpPr>
-          <p:nvPr>
-            <p:ph type="title"/>
-          </p:nvPr>
-        </p:nvSpPr>
-        <p:spPr/>
-        <p:txBody>
-          <a:bodyPr rtlCol="0"/>
-          <a:lstStyle/>
-          <a:p>
-            <a:pPr rtl="0"/>
-            <a:r>
-              <a:rPr lang="ru-RU" dirty="0" smtClean="0"/>
-              <a:t>Добавить заголовок слайда - 5</a:t>
-            </a:r>
-            <a:endParaRPr lang="ru-RU" dirty="0"/>
-          </a:p>
-        </p:txBody>
-      </p:sp>
-      <p:sp>
-        <p:nvSpPr>
-          <p:cNvPr id="3" name="Рисунок 2" descr="Пустой заполнитель, вместо которого можно добавить изображение. Щелкните заполнитель и выберите изображение, которое необходимо добавить"/>
-          <p:cNvSpPr>
-            <a:spLocks noGrp="1"/>
-          </p:cNvSpPr>
-          <p:nvPr>
-            <p:ph type="pic" idx="1"/>
-          </p:nvPr>
-        </p:nvSpPr>
-        <p:spPr/>
-      </p:sp>
-      <p:sp>
-        <p:nvSpPr>
-          <p:cNvPr id="4" name="Текст 3"/>
-          <p:cNvSpPr>
-            <a:spLocks noGrp="1"/>
-          </p:cNvSpPr>
-          <p:nvPr>
-            <p:ph type="body" sz="half" idx="2"/>
-          </p:nvPr>
-        </p:nvSpPr>
-        <p:spPr/>
-        <p:txBody>
-          <a:bodyPr rtlCol="0"/>
-          <a:lstStyle/>
-          <a:p>
-            <a:pPr rtl="0"/>
-            <a:endParaRPr lang="ru-RU" dirty="0"/>
-          </a:p>
-        </p:txBody>
-      </p:sp>
-    </p:spTree>
-    <p:extLst>
-      <p:ext uri="{BB962C8B-B14F-4D97-AF65-F5344CB8AC3E}">
-        <p14:creationId xmlns:p14="http://schemas.microsoft.com/office/powerpoint/2010/main" val="2521986180"/>
-      </p:ext>
-    </p:extLst>
-  </p:cSld>
-  <p:clrMapOvr>
-    <a:masterClrMapping/>
-  </p:clrMapOvr>
-  <mc:AlternateContent xmlns:mc="http://schemas.openxmlformats.org/markup-compatibility/2006" xmlns:p14="http://schemas.microsoft.com/office/powerpoint/2010/main">
-    <mc:Choice Requires="p14">
-      <p:transition spd="med" p14:dur="700">
-        <p:fade/>
-      </p:transition>
-    </mc:Choice>
-    <mc:Fallback xmlns="">
-      <p:transition spd="med">
-        <p:fade/>
-      </p:transition>
-    </mc:Fallback>
-  </mc:AlternateContent>
-</p:sld>
-</file>
-
-<file path=ppt/slides/slide2.xml><?xml version="1.0" encoding="utf-8"?>
-<p:sld xmlns:a="http://schemas.openxmlformats.org/drawingml/2006/main" xmlns:r="http://schemas.openxmlformats.org/officeDocument/2006/relationships" xmlns:p="http://schemas.openxmlformats.org/presentationml/2006/main">
-  <p:cSld>
-    <p:spTree>
-      <p:nvGrpSpPr>
-        <p:cNvPr id="1" name=""/>
-        <p:cNvGrpSpPr/>
-        <p:nvPr/>
-      </p:nvGrpSpPr>
-      <p:grpSpPr>
-        <a:xfrm>
-          <a:off x="0" y="0"/>
-          <a:ext cx="0" cy="0"/>
-          <a:chOff x="0" y="0"/>
-          <a:chExt cx="0" cy="0"/>
-        </a:xfrm>
-      </p:grpSpPr>
-      <p:sp>
-        <p:nvSpPr>
-          <p:cNvPr id="2" name="Заголовок 1"/>
-          <p:cNvSpPr>
-            <a:spLocks noGrp="1"/>
-          </p:cNvSpPr>
-          <p:nvPr>
-            <p:ph type="title"/>
-          </p:nvPr>
-        </p:nvSpPr>
-        <p:spPr/>
-        <p:txBody>
-          <a:bodyPr rtlCol="0"/>
-          <a:lstStyle/>
-          <a:p>
-            <a:pPr rtl="0"/>
-            <a:r>
               <a:rPr lang="ru-RU" dirty="0" smtClean="0">
                 <a:latin typeface="Arial" panose="020B0604020202020204" pitchFamily="34" charset="0"/>
                 <a:cs typeface="Arial" panose="020B0604020202020204" pitchFamily="34" charset="0"/>
               </a:rPr>
-              <a:t>Используемые технологии</a:t>
+              <a:t>Решенные задачи</a:t>
             </a:r>
             <a:endParaRPr lang="ru-RU" dirty="0">
               <a:latin typeface="Arial" panose="020B0604020202020204" pitchFamily="34" charset="0"/>
@@ -9716,11 +5796,18 @@
           <a:p>
             <a:pPr rtl="0"/>
             <a:r>
+              <a:rPr lang="ru-RU" dirty="0" smtClean="0">
+                <a:latin typeface="Arial" panose="020B0604020202020204" pitchFamily="34" charset="0"/>
+                <a:cs typeface="Arial" panose="020B0604020202020204" pitchFamily="34" charset="0"/>
+              </a:rPr>
+              <a:t>Стыковка с СУБД </a:t>
+            </a:r>
+            <a:r>
               <a:rPr lang="en-US" dirty="0" smtClean="0">
                 <a:latin typeface="Arial" panose="020B0604020202020204" pitchFamily="34" charset="0"/>
                 <a:cs typeface="Arial" panose="020B0604020202020204" pitchFamily="34" charset="0"/>
               </a:rPr>
-              <a:t>ASP.NET, Entity Framework, JQuery, JavaScript</a:t>
+              <a:t>ORACLE</a:t>
             </a:r>
             <a:endParaRPr lang="ru-RU" dirty="0" smtClean="0">
               <a:latin typeface="Arial" panose="020B0604020202020204" pitchFamily="34" charset="0"/>
@@ -9734,14 +5821,72 @@
                 <a:latin typeface="Arial" panose="020B0604020202020204" pitchFamily="34" charset="0"/>
                 <a:cs typeface="Arial" panose="020B0604020202020204" pitchFamily="34" charset="0"/>
               </a:rPr>
-              <a:t>Подстановка зависимостей </a:t>
-            </a:r>
-            <a:r>
-              <a:rPr lang="en-US" dirty="0" err="1" smtClean="0">
-                <a:latin typeface="Arial" panose="020B0604020202020204" pitchFamily="34" charset="0"/>
-                <a:cs typeface="Arial" panose="020B0604020202020204" pitchFamily="34" charset="0"/>
-              </a:rPr>
-              <a:t>Ninject</a:t>
+              <a:t>Разработана своя система аутентификации </a:t>
+            </a:r>
+            <a:r>
+              <a:rPr lang="ru-RU" dirty="0" smtClean="0">
+                <a:latin typeface="Arial" panose="020B0604020202020204" pitchFamily="34" charset="0"/>
+                <a:cs typeface="Arial" panose="020B0604020202020204" pitchFamily="34" charset="0"/>
+              </a:rPr>
+              <a:t>пользователей</a:t>
+            </a:r>
+          </a:p>
+          <a:p>
+            <a:pPr rtl="0"/>
+            <a:r>
+              <a:rPr lang="en-US" dirty="0" smtClean="0">
+                <a:latin typeface="Arial" panose="020B0604020202020204" pitchFamily="34" charset="0"/>
+                <a:cs typeface="Arial" panose="020B0604020202020204" pitchFamily="34" charset="0"/>
+              </a:rPr>
+              <a:t>CRUD </a:t>
+            </a:r>
+            <a:r>
+              <a:rPr lang="ru-RU" dirty="0" smtClean="0">
+                <a:latin typeface="Arial" panose="020B0604020202020204" pitchFamily="34" charset="0"/>
+                <a:cs typeface="Arial" panose="020B0604020202020204" pitchFamily="34" charset="0"/>
+              </a:rPr>
+              <a:t>операции для </a:t>
+            </a:r>
+            <a:r>
+              <a:rPr lang="ru-RU" dirty="0" smtClean="0">
+                <a:latin typeface="Arial" panose="020B0604020202020204" pitchFamily="34" charset="0"/>
+                <a:cs typeface="Arial" panose="020B0604020202020204" pitchFamily="34" charset="0"/>
+              </a:rPr>
+              <a:t>расписания</a:t>
+            </a:r>
+            <a:endParaRPr lang="en-US" dirty="0" smtClean="0">
+              <a:latin typeface="Arial" panose="020B0604020202020204" pitchFamily="34" charset="0"/>
+              <a:cs typeface="Arial" panose="020B0604020202020204" pitchFamily="34" charset="0"/>
+            </a:endParaRPr>
+          </a:p>
+          <a:p>
+            <a:r>
+              <a:rPr lang="ru-RU" dirty="0" err="1" smtClean="0">
+                <a:latin typeface="Arial" panose="020B0604020202020204" pitchFamily="34" charset="0"/>
+                <a:cs typeface="Arial" panose="020B0604020202020204" pitchFamily="34" charset="0"/>
+              </a:rPr>
+              <a:t>Сгененированна</a:t>
+            </a:r>
+            <a:r>
+              <a:rPr lang="ru-RU" dirty="0" smtClean="0">
+                <a:latin typeface="Arial" panose="020B0604020202020204" pitchFamily="34" charset="0"/>
+                <a:cs typeface="Arial" panose="020B0604020202020204" pitchFamily="34" charset="0"/>
+              </a:rPr>
+              <a:t> </a:t>
+            </a:r>
+            <a:r>
+              <a:rPr lang="ru-RU" dirty="0" smtClean="0">
+                <a:latin typeface="Arial" panose="020B0604020202020204" pitchFamily="34" charset="0"/>
+                <a:cs typeface="Arial" panose="020B0604020202020204" pitchFamily="34" charset="0"/>
+              </a:rPr>
+              <a:t>документация </a:t>
+            </a:r>
+            <a:r>
+              <a:rPr lang="de-DE" dirty="0" err="1">
+                <a:latin typeface="Arial" panose="020B0604020202020204" pitchFamily="34" charset="0"/>
+                <a:cs typeface="Arial" panose="020B0604020202020204" pitchFamily="34" charset="0"/>
+              </a:rPr>
+              <a:t>Doxygen</a:t>
             </a:r>
             <a:endParaRPr lang="ru-RU" dirty="0" smtClean="0">
               <a:latin typeface="Arial" panose="020B0604020202020204" pitchFamily="34" charset="0"/>
@@ -9749,12 +5894,34 @@
             </a:endParaRPr>
           </a:p>
           <a:p>
-            <a:r>
-              <a:rPr lang="de-DE" dirty="0" err="1">
-                <a:latin typeface="Arial" panose="020B0604020202020204" pitchFamily="34" charset="0"/>
-                <a:cs typeface="Arial" panose="020B0604020202020204" pitchFamily="34" charset="0"/>
-              </a:rPr>
-              <a:t>FluentValidation</a:t>
+            <a:pPr rtl="0"/>
+            <a:r>
+              <a:rPr lang="ru-RU" dirty="0" smtClean="0">
+                <a:latin typeface="Arial" panose="020B0604020202020204" pitchFamily="34" charset="0"/>
+                <a:cs typeface="Arial" panose="020B0604020202020204" pitchFamily="34" charset="0"/>
+              </a:rPr>
+              <a:t>Проект выложен на </a:t>
+            </a:r>
+            <a:r>
+              <a:rPr lang="en-US" dirty="0" err="1" smtClean="0">
+                <a:latin typeface="Arial" panose="020B0604020202020204" pitchFamily="34" charset="0"/>
+                <a:cs typeface="Arial" panose="020B0604020202020204" pitchFamily="34" charset="0"/>
+              </a:rPr>
+              <a:t>Git</a:t>
+            </a:r>
+            <a:r>
+              <a:rPr lang="en-US" dirty="0" smtClean="0">
+                <a:latin typeface="Arial" panose="020B0604020202020204" pitchFamily="34" charset="0"/>
+                <a:cs typeface="Arial" panose="020B0604020202020204" pitchFamily="34" charset="0"/>
+              </a:rPr>
+              <a:t> </a:t>
+            </a:r>
+            <a:r>
+              <a:rPr lang="en-US" dirty="0" smtClean="0">
+                <a:latin typeface="Arial" panose="020B0604020202020204" pitchFamily="34" charset="0"/>
+                <a:cs typeface="Arial" panose="020B0604020202020204" pitchFamily="34" charset="0"/>
+              </a:rPr>
+              <a:t>Hub</a:t>
             </a:r>
             <a:endParaRPr lang="ru-RU" dirty="0" smtClean="0">
               <a:latin typeface="Arial" panose="020B0604020202020204" pitchFamily="34" charset="0"/>
@@ -9768,391 +5935,49 @@
                 <a:latin typeface="Arial" panose="020B0604020202020204" pitchFamily="34" charset="0"/>
                 <a:cs typeface="Arial" panose="020B0604020202020204" pitchFamily="34" charset="0"/>
               </a:rPr>
-              <a:t>СУБД </a:t>
+              <a:t>Все </a:t>
             </a:r>
             <a:r>
               <a:rPr lang="en-US" dirty="0" smtClean="0">
                 <a:latin typeface="Arial" panose="020B0604020202020204" pitchFamily="34" charset="0"/>
                 <a:cs typeface="Arial" panose="020B0604020202020204" pitchFamily="34" charset="0"/>
               </a:rPr>
-              <a:t>Oracle</a:t>
-            </a:r>
-          </a:p>
-          <a:p>
-            <a:pPr rtl="0"/>
+              <a:t>View </a:t>
+            </a:r>
             <a:r>
               <a:rPr lang="ru-RU" dirty="0" smtClean="0">
                 <a:latin typeface="Arial" panose="020B0604020202020204" pitchFamily="34" charset="0"/>
                 <a:cs typeface="Arial" panose="020B0604020202020204" pitchFamily="34" charset="0"/>
               </a:rPr>
-              <a:t>Система документации </a:t>
-            </a:r>
-            <a:r>
-              <a:rPr lang="en-US" dirty="0" err="1" smtClean="0">
-                <a:latin typeface="Arial" panose="020B0604020202020204" pitchFamily="34" charset="0"/>
-                <a:cs typeface="Arial" panose="020B0604020202020204" pitchFamily="34" charset="0"/>
-              </a:rPr>
-              <a:t>Doxygen</a:t>
-            </a:r>
-            <a:endParaRPr lang="en-US" dirty="0" smtClean="0">
-              <a:latin typeface="Arial" panose="020B0604020202020204" pitchFamily="34" charset="0"/>
-              <a:cs typeface="Arial" panose="020B0604020202020204" pitchFamily="34" charset="0"/>
-            </a:endParaRPr>
-          </a:p>
-          <a:p>
-            <a:pPr rtl="0"/>
+              <a:t>выполнены в</a:t>
+            </a:r>
+            <a:r>
+              <a:rPr lang="en-US" dirty="0" smtClean="0">
+                <a:latin typeface="Arial" panose="020B0604020202020204" pitchFamily="34" charset="0"/>
+                <a:cs typeface="Arial" panose="020B0604020202020204" pitchFamily="34" charset="0"/>
+              </a:rPr>
+              <a:t> </a:t>
+            </a:r>
             <a:r>
               <a:rPr lang="ru-RU" dirty="0" smtClean="0">
                 <a:latin typeface="Arial" panose="020B0604020202020204" pitchFamily="34" charset="0"/>
                 <a:cs typeface="Arial" panose="020B0604020202020204" pitchFamily="34" charset="0"/>
               </a:rPr>
-              <a:t>Система контроля версий </a:t>
-            </a:r>
-            <a:r>
-              <a:rPr lang="en-US" dirty="0" err="1" smtClean="0">
-                <a:latin typeface="Arial" panose="020B0604020202020204" pitchFamily="34" charset="0"/>
-                <a:cs typeface="Arial" panose="020B0604020202020204" pitchFamily="34" charset="0"/>
-              </a:rPr>
-              <a:t>Git</a:t>
+              <a:t>виде </a:t>
             </a:r>
             <a:r>
               <a:rPr lang="en-US" dirty="0" smtClean="0">
                 <a:latin typeface="Arial" panose="020B0604020202020204" pitchFamily="34" charset="0"/>
                 <a:cs typeface="Arial" panose="020B0604020202020204" pitchFamily="34" charset="0"/>
               </a:rPr>
-              <a:t> Hub</a:t>
-            </a:r>
-            <a:endParaRPr lang="ru-RU" dirty="0">
-              <a:latin typeface="Arial" panose="020B0604020202020204" pitchFamily="34" charset="0"/>
-              <a:cs typeface="Arial" panose="020B0604020202020204" pitchFamily="34" charset="0"/>
-            </a:endParaRPr>
-          </a:p>
-        </p:txBody>
-      </p:sp>
-    </p:spTree>
-    <p:extLst>
-      <p:ext uri="{BB962C8B-B14F-4D97-AF65-F5344CB8AC3E}">
-        <p14:creationId xmlns:p14="http://schemas.microsoft.com/office/powerpoint/2010/main" val="682195269"/>
-      </p:ext>
-    </p:extLst>
-  </p:cSld>
-  <p:clrMapOvr>
-    <a:masterClrMapping/>
-  </p:clrMapOvr>
-  <mc:AlternateContent xmlns:mc="http://schemas.openxmlformats.org/markup-compatibility/2006" xmlns:p14="http://schemas.microsoft.com/office/powerpoint/2010/main">
-    <mc:Choice Requires="p14">
-      <p:transition spd="med" p14:dur="700">
-        <p:fade/>
-      </p:transition>
-    </mc:Choice>
-    <mc:Fallback xmlns="">
-      <p:transition spd="med">
-        <p:fade/>
-      </p:transition>
-    </mc:Fallback>
-  </mc:AlternateContent>
-</p:sld>
-</file>
-
-<file path=ppt/slides/slide3.xml><?xml version="1.0" encoding="utf-8"?>
-<p:sld xmlns:a="http://schemas.openxmlformats.org/drawingml/2006/main" xmlns:r="http://schemas.openxmlformats.org/officeDocument/2006/relationships" xmlns:p="http://schemas.openxmlformats.org/presentationml/2006/main">
-  <p:cSld>
-    <p:spTree>
-      <p:nvGrpSpPr>
-        <p:cNvPr id="1" name=""/>
-        <p:cNvGrpSpPr/>
-        <p:nvPr/>
-      </p:nvGrpSpPr>
-      <p:grpSpPr>
-        <a:xfrm>
-          <a:off x="0" y="0"/>
-          <a:ext cx="0" cy="0"/>
-          <a:chOff x="0" y="0"/>
-          <a:chExt cx="0" cy="0"/>
-        </a:xfrm>
-      </p:grpSpPr>
-      <p:sp>
-        <p:nvSpPr>
-          <p:cNvPr id="2" name="Заголовок 1"/>
-          <p:cNvSpPr>
-            <a:spLocks noGrp="1"/>
-          </p:cNvSpPr>
-          <p:nvPr>
-            <p:ph type="title"/>
-          </p:nvPr>
-        </p:nvSpPr>
-        <p:spPr/>
-        <p:txBody>
-          <a:bodyPr rtlCol="0"/>
-          <a:lstStyle/>
-          <a:p>
-            <a:pPr rtl="0"/>
+              <a:t>Partial View </a:t>
+            </a:r>
             <a:r>
               <a:rPr lang="ru-RU" dirty="0" smtClean="0">
                 <a:latin typeface="Arial" panose="020B0604020202020204" pitchFamily="34" charset="0"/>
                 <a:cs typeface="Arial" panose="020B0604020202020204" pitchFamily="34" charset="0"/>
               </a:rPr>
-              <a:t>Используемые паттерны</a:t>
-            </a:r>
-            <a:endParaRPr lang="ru-RU" dirty="0">
-              <a:latin typeface="Arial" panose="020B0604020202020204" pitchFamily="34" charset="0"/>
-              <a:cs typeface="Arial" panose="020B0604020202020204" pitchFamily="34" charset="0"/>
-            </a:endParaRPr>
-          </a:p>
-        </p:txBody>
-      </p:sp>
-      <p:sp>
-        <p:nvSpPr>
-          <p:cNvPr id="3" name="Объект 2"/>
-          <p:cNvSpPr>
-            <a:spLocks noGrp="1"/>
-          </p:cNvSpPr>
-          <p:nvPr>
-            <p:ph idx="1"/>
-          </p:nvPr>
-        </p:nvSpPr>
-        <p:spPr/>
-        <p:txBody>
-          <a:bodyPr rtlCol="0"/>
-          <a:lstStyle/>
-          <a:p>
-            <a:pPr rtl="0"/>
-            <a:r>
-              <a:rPr lang="en-US" dirty="0" smtClean="0">
-                <a:latin typeface="Arial" panose="020B0604020202020204" pitchFamily="34" charset="0"/>
-                <a:cs typeface="Arial" panose="020B0604020202020204" pitchFamily="34" charset="0"/>
-              </a:rPr>
-              <a:t>MVC</a:t>
-            </a:r>
-            <a:endParaRPr lang="ru-RU" dirty="0" smtClean="0">
-              <a:latin typeface="Arial" panose="020B0604020202020204" pitchFamily="34" charset="0"/>
-              <a:cs typeface="Arial" panose="020B0604020202020204" pitchFamily="34" charset="0"/>
-            </a:endParaRPr>
-          </a:p>
-          <a:p>
-            <a:pPr rtl="0"/>
-            <a:r>
-              <a:rPr lang="ru-RU" dirty="0" err="1" smtClean="0">
-                <a:latin typeface="Arial" panose="020B0604020202020204" pitchFamily="34" charset="0"/>
-                <a:cs typeface="Arial" panose="020B0604020202020204" pitchFamily="34" charset="0"/>
-              </a:rPr>
-              <a:t>Репозиторий</a:t>
-            </a:r>
-            <a:endParaRPr lang="en-US" dirty="0" smtClean="0">
-              <a:latin typeface="Arial" panose="020B0604020202020204" pitchFamily="34" charset="0"/>
-              <a:cs typeface="Arial" panose="020B0604020202020204" pitchFamily="34" charset="0"/>
-            </a:endParaRPr>
-          </a:p>
-          <a:p>
-            <a:r>
-              <a:rPr lang="de-DE" dirty="0"/>
-              <a:t> </a:t>
-            </a:r>
-            <a:r>
-              <a:rPr lang="de-DE" dirty="0" err="1">
-                <a:latin typeface="Arial" panose="020B0604020202020204" pitchFamily="34" charset="0"/>
-                <a:cs typeface="Arial" panose="020B0604020202020204" pitchFamily="34" charset="0"/>
-              </a:rPr>
-              <a:t>Dependency</a:t>
-            </a:r>
-            <a:r>
-              <a:rPr lang="de-DE" dirty="0">
-                <a:latin typeface="Arial" panose="020B0604020202020204" pitchFamily="34" charset="0"/>
-                <a:cs typeface="Arial" panose="020B0604020202020204" pitchFamily="34" charset="0"/>
-              </a:rPr>
-              <a:t> </a:t>
-            </a:r>
-            <a:r>
-              <a:rPr lang="de-DE" dirty="0" err="1">
-                <a:latin typeface="Arial" panose="020B0604020202020204" pitchFamily="34" charset="0"/>
-                <a:cs typeface="Arial" panose="020B0604020202020204" pitchFamily="34" charset="0"/>
-              </a:rPr>
-              <a:t>injection</a:t>
-            </a:r>
-            <a:endParaRPr lang="ru-RU" dirty="0" smtClean="0">
-              <a:latin typeface="Arial" panose="020B0604020202020204" pitchFamily="34" charset="0"/>
-              <a:cs typeface="Arial" panose="020B0604020202020204" pitchFamily="34" charset="0"/>
-            </a:endParaRPr>
-          </a:p>
-        </p:txBody>
-      </p:sp>
-    </p:spTree>
-    <p:extLst>
-      <p:ext uri="{BB962C8B-B14F-4D97-AF65-F5344CB8AC3E}">
-        <p14:creationId xmlns:p14="http://schemas.microsoft.com/office/powerpoint/2010/main" val="1315313732"/>
-      </p:ext>
-    </p:extLst>
-  </p:cSld>
-  <p:clrMapOvr>
-    <a:masterClrMapping/>
-  </p:clrMapOvr>
-  <mc:AlternateContent xmlns:mc="http://schemas.openxmlformats.org/markup-compatibility/2006" xmlns:p14="http://schemas.microsoft.com/office/powerpoint/2010/main">
-    <mc:Choice Requires="p14">
-      <p:transition spd="med" p14:dur="700">
-        <p:fade/>
-      </p:transition>
-    </mc:Choice>
-    <mc:Fallback xmlns="">
-      <p:transition spd="med">
-        <p:fade/>
-      </p:transition>
-    </mc:Fallback>
-  </mc:AlternateContent>
-</p:sld>
-</file>
-
-<file path=ppt/slides/slide4.xml><?xml version="1.0" encoding="utf-8"?>
-<p:sld xmlns:a="http://schemas.openxmlformats.org/drawingml/2006/main" xmlns:r="http://schemas.openxmlformats.org/officeDocument/2006/relationships" xmlns:p="http://schemas.openxmlformats.org/presentationml/2006/main">
-  <p:cSld>
-    <p:spTree>
-      <p:nvGrpSpPr>
-        <p:cNvPr id="1" name=""/>
-        <p:cNvGrpSpPr/>
-        <p:nvPr/>
-      </p:nvGrpSpPr>
-      <p:grpSpPr>
-        <a:xfrm>
-          <a:off x="0" y="0"/>
-          <a:ext cx="0" cy="0"/>
-          <a:chOff x="0" y="0"/>
-          <a:chExt cx="0" cy="0"/>
-        </a:xfrm>
-      </p:grpSpPr>
-      <p:sp>
-        <p:nvSpPr>
-          <p:cNvPr id="2" name="Заголовок 1"/>
-          <p:cNvSpPr>
-            <a:spLocks noGrp="1"/>
-          </p:cNvSpPr>
-          <p:nvPr>
-            <p:ph type="title"/>
-          </p:nvPr>
-        </p:nvSpPr>
-        <p:spPr/>
-        <p:txBody>
-          <a:bodyPr rtlCol="0"/>
-          <a:lstStyle/>
-          <a:p>
-            <a:pPr rtl="0"/>
-            <a:r>
-              <a:rPr lang="ru-RU" dirty="0" smtClean="0">
-                <a:latin typeface="Arial" panose="020B0604020202020204" pitchFamily="34" charset="0"/>
-                <a:cs typeface="Arial" panose="020B0604020202020204" pitchFamily="34" charset="0"/>
-              </a:rPr>
-              <a:t>Решенные задачи</a:t>
-            </a:r>
-            <a:endParaRPr lang="ru-RU" dirty="0">
-              <a:latin typeface="Arial" panose="020B0604020202020204" pitchFamily="34" charset="0"/>
-              <a:cs typeface="Arial" panose="020B0604020202020204" pitchFamily="34" charset="0"/>
-            </a:endParaRPr>
-          </a:p>
-        </p:txBody>
-      </p:sp>
-      <p:sp>
-        <p:nvSpPr>
-          <p:cNvPr id="3" name="Объект 2"/>
-          <p:cNvSpPr>
-            <a:spLocks noGrp="1"/>
-          </p:cNvSpPr>
-          <p:nvPr>
-            <p:ph idx="1"/>
-          </p:nvPr>
-        </p:nvSpPr>
-        <p:spPr/>
-        <p:txBody>
-          <a:bodyPr rtlCol="0"/>
-          <a:lstStyle/>
-          <a:p>
-            <a:pPr rtl="0"/>
-            <a:r>
-              <a:rPr lang="ru-RU" dirty="0" smtClean="0">
-                <a:latin typeface="Arial" panose="020B0604020202020204" pitchFamily="34" charset="0"/>
-                <a:cs typeface="Arial" panose="020B0604020202020204" pitchFamily="34" charset="0"/>
-              </a:rPr>
-              <a:t>Стыковка с СУБД </a:t>
-            </a:r>
-            <a:r>
-              <a:rPr lang="en-US" dirty="0" smtClean="0">
-                <a:latin typeface="Arial" panose="020B0604020202020204" pitchFamily="34" charset="0"/>
-                <a:cs typeface="Arial" panose="020B0604020202020204" pitchFamily="34" charset="0"/>
-              </a:rPr>
-              <a:t>ORACLE</a:t>
-            </a:r>
-            <a:endParaRPr lang="ru-RU" dirty="0" smtClean="0">
-              <a:latin typeface="Arial" panose="020B0604020202020204" pitchFamily="34" charset="0"/>
-              <a:cs typeface="Arial" panose="020B0604020202020204" pitchFamily="34" charset="0"/>
-            </a:endParaRPr>
-          </a:p>
-          <a:p>
-            <a:pPr rtl="0"/>
-            <a:r>
-              <a:rPr lang="ru-RU" dirty="0" smtClean="0">
-                <a:latin typeface="Arial" panose="020B0604020202020204" pitchFamily="34" charset="0"/>
-                <a:cs typeface="Arial" panose="020B0604020202020204" pitchFamily="34" charset="0"/>
-              </a:rPr>
-              <a:t>Разработана своя система аутентификации пользователей</a:t>
-            </a:r>
-          </a:p>
-          <a:p>
-            <a:pPr rtl="0"/>
-            <a:r>
-              <a:rPr lang="en-US" dirty="0" smtClean="0">
-                <a:latin typeface="Arial" panose="020B0604020202020204" pitchFamily="34" charset="0"/>
-                <a:cs typeface="Arial" panose="020B0604020202020204" pitchFamily="34" charset="0"/>
-              </a:rPr>
-              <a:t>CRUD </a:t>
-            </a:r>
-            <a:r>
-              <a:rPr lang="ru-RU" dirty="0" smtClean="0">
-                <a:latin typeface="Arial" panose="020B0604020202020204" pitchFamily="34" charset="0"/>
-                <a:cs typeface="Arial" panose="020B0604020202020204" pitchFamily="34" charset="0"/>
-              </a:rPr>
-              <a:t>операции для задач</a:t>
-            </a:r>
-            <a:endParaRPr lang="en-US" dirty="0" smtClean="0">
-              <a:latin typeface="Arial" panose="020B0604020202020204" pitchFamily="34" charset="0"/>
-              <a:cs typeface="Arial" panose="020B0604020202020204" pitchFamily="34" charset="0"/>
-            </a:endParaRPr>
-          </a:p>
-          <a:p>
-            <a:pPr rtl="0"/>
-            <a:r>
-              <a:rPr lang="ru-RU" dirty="0" err="1" smtClean="0">
-                <a:latin typeface="Arial" panose="020B0604020202020204" pitchFamily="34" charset="0"/>
-                <a:cs typeface="Arial" panose="020B0604020202020204" pitchFamily="34" charset="0"/>
-              </a:rPr>
-              <a:t>Сгененированна</a:t>
-            </a:r>
-            <a:r>
-              <a:rPr lang="ru-RU" dirty="0" smtClean="0">
-                <a:latin typeface="Arial" panose="020B0604020202020204" pitchFamily="34" charset="0"/>
-                <a:cs typeface="Arial" panose="020B0604020202020204" pitchFamily="34" charset="0"/>
-              </a:rPr>
-              <a:t> документация</a:t>
-            </a:r>
-          </a:p>
-          <a:p>
-            <a:pPr rtl="0"/>
-            <a:r>
-              <a:rPr lang="ru-RU" dirty="0" smtClean="0">
-                <a:latin typeface="Arial" panose="020B0604020202020204" pitchFamily="34" charset="0"/>
-                <a:cs typeface="Arial" panose="020B0604020202020204" pitchFamily="34" charset="0"/>
-              </a:rPr>
-              <a:t>Проект выложен на </a:t>
-            </a:r>
-            <a:r>
-              <a:rPr lang="en-US" dirty="0" err="1" smtClean="0">
-                <a:latin typeface="Arial" panose="020B0604020202020204" pitchFamily="34" charset="0"/>
-                <a:cs typeface="Arial" panose="020B0604020202020204" pitchFamily="34" charset="0"/>
-              </a:rPr>
-              <a:t>Git</a:t>
-            </a:r>
-            <a:r>
-              <a:rPr lang="en-US" dirty="0" smtClean="0">
-                <a:latin typeface="Arial" panose="020B0604020202020204" pitchFamily="34" charset="0"/>
-                <a:cs typeface="Arial" panose="020B0604020202020204" pitchFamily="34" charset="0"/>
-              </a:rPr>
-              <a:t> Hub</a:t>
+              <a:t>для дальнейшего встраивания в систему</a:t>
             </a:r>
             <a:endParaRPr lang="ru-RU" dirty="0" smtClean="0">
               <a:latin typeface="Arial" panose="020B0604020202020204" pitchFamily="34" charset="0"/>
@@ -10193,7 +6018,7 @@
 </p:sld>
 </file>
 
-<file path=ppt/slides/slide5.xml><?xml version="1.0" encoding="utf-8"?>
+<file path=ppt/slides/slide13.xml><?xml version="1.0" encoding="utf-8"?>
 <p:sld xmlns:a="http://schemas.openxmlformats.org/drawingml/2006/main" xmlns:r="http://schemas.openxmlformats.org/officeDocument/2006/relationships" xmlns:p="http://schemas.openxmlformats.org/presentationml/2006/main">
   <p:cSld>
     <p:spTree>
@@ -10265,6 +6090,1086 @@
 </p:sld>
 </file>
 
+<file path=ppt/slides/slide14.xml><?xml version="1.0" encoding="utf-8"?>
+<p:sld xmlns:a="http://schemas.openxmlformats.org/drawingml/2006/main" xmlns:r="http://schemas.openxmlformats.org/officeDocument/2006/relationships" xmlns:p="http://schemas.openxmlformats.org/presentationml/2006/main">
+  <p:cSld>
+    <p:spTree>
+      <p:nvGrpSpPr>
+        <p:cNvPr id="1" name=""/>
+        <p:cNvGrpSpPr/>
+        <p:nvPr/>
+      </p:nvGrpSpPr>
+      <p:grpSpPr>
+        <a:xfrm>
+          <a:off x="0" y="0"/>
+          <a:ext cx="0" cy="0"/>
+          <a:chOff x="0" y="0"/>
+          <a:chExt cx="0" cy="0"/>
+        </a:xfrm>
+      </p:grpSpPr>
+      <p:sp>
+        <p:nvSpPr>
+          <p:cNvPr id="2" name="Заголовок 1"/>
+          <p:cNvSpPr>
+            <a:spLocks noGrp="1"/>
+          </p:cNvSpPr>
+          <p:nvPr>
+            <p:ph type="title"/>
+          </p:nvPr>
+        </p:nvSpPr>
+        <p:spPr/>
+        <p:txBody>
+          <a:bodyPr rtlCol="0"/>
+          <a:lstStyle/>
+          <a:p>
+            <a:pPr rtl="0"/>
+            <a:r>
+              <a:rPr lang="ru-RU" dirty="0" smtClean="0"/>
+              <a:t>Регистрация внешний вид</a:t>
+            </a:r>
+            <a:endParaRPr lang="ru-RU" dirty="0"/>
+          </a:p>
+        </p:txBody>
+      </p:sp>
+      <p:pic>
+        <p:nvPicPr>
+          <p:cNvPr id="1026" name="Рисунок 1"/>
+          <p:cNvPicPr>
+            <a:picLocks noChangeAspect="1" noChangeArrowheads="1"/>
+          </p:cNvPicPr>
+          <p:nvPr/>
+        </p:nvPicPr>
+        <p:blipFill rotWithShape="1">
+          <a:blip r:embed="rId3">
+            <a:extLst>
+              <a:ext uri="{28A0092B-C50C-407E-A947-70E740481C1C}">
+                <a14:useLocalDpi xmlns:a14="http://schemas.microsoft.com/office/drawing/2010/main" val="0"/>
+              </a:ext>
+            </a:extLst>
+          </a:blip>
+          <a:srcRect l="897" t="18510" b="2342"/>
+          <a:stretch/>
+        </p:blipFill>
+        <p:spPr bwMode="auto">
+          <a:xfrm>
+            <a:off x="838200" y="1628800"/>
+            <a:ext cx="5624513" cy="4817038"/>
+          </a:xfrm>
+          <a:prstGeom prst="rect">
+            <a:avLst/>
+          </a:prstGeom>
+          <a:noFill/>
+          <a:ln>
+            <a:noFill/>
+          </a:ln>
+          <a:extLst>
+            <a:ext uri="{909E8E84-426E-40DD-AFC4-6F175D3DCCD1}">
+              <a14:hiddenFill xmlns:a14="http://schemas.microsoft.com/office/drawing/2010/main">
+                <a:solidFill>
+                  <a:srgbClr val="FFFFFF"/>
+                </a:solidFill>
+              </a14:hiddenFill>
+            </a:ext>
+            <a:ext uri="{91240B29-F687-4F45-9708-019B960494DF}">
+              <a14:hiddenLine xmlns:a14="http://schemas.microsoft.com/office/drawing/2010/main" w="9525">
+                <a:solidFill>
+                  <a:srgbClr val="000000"/>
+                </a:solidFill>
+                <a:miter lim="800000"/>
+                <a:headEnd/>
+                <a:tailEnd/>
+              </a14:hiddenLine>
+            </a:ext>
+          </a:extLst>
+        </p:spPr>
+      </p:pic>
+    </p:spTree>
+    <p:extLst>
+      <p:ext uri="{BB962C8B-B14F-4D97-AF65-F5344CB8AC3E}">
+        <p14:creationId xmlns:p14="http://schemas.microsoft.com/office/powerpoint/2010/main" val="1180589104"/>
+      </p:ext>
+    </p:extLst>
+  </p:cSld>
+  <p:clrMapOvr>
+    <a:masterClrMapping/>
+  </p:clrMapOvr>
+  <mc:AlternateContent xmlns:mc="http://schemas.openxmlformats.org/markup-compatibility/2006" xmlns:p14="http://schemas.microsoft.com/office/powerpoint/2010/main">
+    <mc:Choice Requires="p14">
+      <p:transition spd="med" p14:dur="700">
+        <p:fade/>
+      </p:transition>
+    </mc:Choice>
+    <mc:Fallback xmlns="">
+      <p:transition spd="med">
+        <p:fade/>
+      </p:transition>
+    </mc:Fallback>
+  </mc:AlternateContent>
+</p:sld>
+</file>
+
+<file path=ppt/slides/slide15.xml><?xml version="1.0" encoding="utf-8"?>
+<p:sld xmlns:a="http://schemas.openxmlformats.org/drawingml/2006/main" xmlns:r="http://schemas.openxmlformats.org/officeDocument/2006/relationships" xmlns:p="http://schemas.openxmlformats.org/presentationml/2006/main">
+  <p:cSld>
+    <p:spTree>
+      <p:nvGrpSpPr>
+        <p:cNvPr id="1" name=""/>
+        <p:cNvGrpSpPr/>
+        <p:nvPr/>
+      </p:nvGrpSpPr>
+      <p:grpSpPr>
+        <a:xfrm>
+          <a:off x="0" y="0"/>
+          <a:ext cx="0" cy="0"/>
+          <a:chOff x="0" y="0"/>
+          <a:chExt cx="0" cy="0"/>
+        </a:xfrm>
+      </p:grpSpPr>
+      <p:sp>
+        <p:nvSpPr>
+          <p:cNvPr id="2" name="Заголовок 1"/>
+          <p:cNvSpPr>
+            <a:spLocks noGrp="1"/>
+          </p:cNvSpPr>
+          <p:nvPr>
+            <p:ph type="title"/>
+          </p:nvPr>
+        </p:nvSpPr>
+        <p:spPr/>
+        <p:txBody>
+          <a:bodyPr rtlCol="0"/>
+          <a:lstStyle/>
+          <a:p>
+            <a:pPr rtl="0"/>
+            <a:r>
+              <a:rPr lang="ru-RU" dirty="0" smtClean="0"/>
+              <a:t>Ввод/редактирование задачи</a:t>
+            </a:r>
+            <a:endParaRPr lang="ru-RU" dirty="0"/>
+          </a:p>
+        </p:txBody>
+      </p:sp>
+      <p:pic>
+        <p:nvPicPr>
+          <p:cNvPr id="2050" name="Рисунок 1"/>
+          <p:cNvPicPr>
+            <a:picLocks noChangeAspect="1" noChangeArrowheads="1"/>
+          </p:cNvPicPr>
+          <p:nvPr/>
+        </p:nvPicPr>
+        <p:blipFill>
+          <a:blip r:embed="rId3">
+            <a:extLst>
+              <a:ext uri="{28A0092B-C50C-407E-A947-70E740481C1C}">
+                <a14:useLocalDpi xmlns:a14="http://schemas.microsoft.com/office/drawing/2010/main" val="0"/>
+              </a:ext>
+            </a:extLst>
+          </a:blip>
+          <a:srcRect b="5449"/>
+          <a:stretch>
+            <a:fillRect/>
+          </a:stretch>
+        </p:blipFill>
+        <p:spPr bwMode="auto">
+          <a:xfrm>
+            <a:off x="7608168" y="0"/>
+            <a:ext cx="3750369" cy="6661448"/>
+          </a:xfrm>
+          <a:prstGeom prst="rect">
+            <a:avLst/>
+          </a:prstGeom>
+          <a:noFill/>
+          <a:ln>
+            <a:noFill/>
+          </a:ln>
+          <a:extLst>
+            <a:ext uri="{909E8E84-426E-40DD-AFC4-6F175D3DCCD1}">
+              <a14:hiddenFill xmlns:a14="http://schemas.microsoft.com/office/drawing/2010/main">
+                <a:solidFill>
+                  <a:srgbClr val="FFFFFF"/>
+                </a:solidFill>
+              </a14:hiddenFill>
+            </a:ext>
+            <a:ext uri="{91240B29-F687-4F45-9708-019B960494DF}">
+              <a14:hiddenLine xmlns:a14="http://schemas.microsoft.com/office/drawing/2010/main" w="9525">
+                <a:solidFill>
+                  <a:srgbClr val="000000"/>
+                </a:solidFill>
+                <a:miter lim="800000"/>
+                <a:headEnd/>
+                <a:tailEnd/>
+              </a14:hiddenLine>
+            </a:ext>
+          </a:extLst>
+        </p:spPr>
+      </p:pic>
+    </p:spTree>
+    <p:extLst>
+      <p:ext uri="{BB962C8B-B14F-4D97-AF65-F5344CB8AC3E}">
+        <p14:creationId xmlns:p14="http://schemas.microsoft.com/office/powerpoint/2010/main" val="3387061768"/>
+      </p:ext>
+    </p:extLst>
+  </p:cSld>
+  <p:clrMapOvr>
+    <a:masterClrMapping/>
+  </p:clrMapOvr>
+  <mc:AlternateContent xmlns:mc="http://schemas.openxmlformats.org/markup-compatibility/2006" xmlns:p14="http://schemas.microsoft.com/office/powerpoint/2010/main">
+    <mc:Choice Requires="p14">
+      <p:transition spd="med" p14:dur="700">
+        <p:fade/>
+      </p:transition>
+    </mc:Choice>
+    <mc:Fallback xmlns="">
+      <p:transition spd="med">
+        <p:fade/>
+      </p:transition>
+    </mc:Fallback>
+  </mc:AlternateContent>
+</p:sld>
+</file>
+
+<file path=ppt/slides/slide16.xml><?xml version="1.0" encoding="utf-8"?>
+<p:sld xmlns:a="http://schemas.openxmlformats.org/drawingml/2006/main" xmlns:r="http://schemas.openxmlformats.org/officeDocument/2006/relationships" xmlns:p="http://schemas.openxmlformats.org/presentationml/2006/main">
+  <p:cSld>
+    <p:spTree>
+      <p:nvGrpSpPr>
+        <p:cNvPr id="1" name=""/>
+        <p:cNvGrpSpPr/>
+        <p:nvPr/>
+      </p:nvGrpSpPr>
+      <p:grpSpPr>
+        <a:xfrm>
+          <a:off x="0" y="0"/>
+          <a:ext cx="0" cy="0"/>
+          <a:chOff x="0" y="0"/>
+          <a:chExt cx="0" cy="0"/>
+        </a:xfrm>
+      </p:grpSpPr>
+      <p:sp>
+        <p:nvSpPr>
+          <p:cNvPr id="2" name="Заголовок 1"/>
+          <p:cNvSpPr>
+            <a:spLocks noGrp="1"/>
+          </p:cNvSpPr>
+          <p:nvPr>
+            <p:ph type="title"/>
+          </p:nvPr>
+        </p:nvSpPr>
+        <p:spPr/>
+        <p:txBody>
+          <a:bodyPr rtlCol="0"/>
+          <a:lstStyle/>
+          <a:p>
+            <a:pPr rtl="0"/>
+            <a:r>
+              <a:rPr lang="ru-RU" dirty="0" smtClean="0"/>
+              <a:t>Список задач</a:t>
+            </a:r>
+            <a:endParaRPr lang="ru-RU" dirty="0"/>
+          </a:p>
+        </p:txBody>
+      </p:sp>
+      <p:pic>
+        <p:nvPicPr>
+          <p:cNvPr id="3074" name="Рисунок 1"/>
+          <p:cNvPicPr>
+            <a:picLocks noChangeAspect="1" noChangeArrowheads="1"/>
+          </p:cNvPicPr>
+          <p:nvPr/>
+        </p:nvPicPr>
+        <p:blipFill>
+          <a:blip r:embed="rId3">
+            <a:extLst>
+              <a:ext uri="{28A0092B-C50C-407E-A947-70E740481C1C}">
+                <a14:useLocalDpi xmlns:a14="http://schemas.microsoft.com/office/drawing/2010/main" val="0"/>
+              </a:ext>
+            </a:extLst>
+          </a:blip>
+          <a:srcRect/>
+          <a:stretch>
+            <a:fillRect/>
+          </a:stretch>
+        </p:blipFill>
+        <p:spPr bwMode="auto">
+          <a:xfrm>
+            <a:off x="263352" y="1916832"/>
+            <a:ext cx="8969796" cy="3168352"/>
+          </a:xfrm>
+          <a:prstGeom prst="rect">
+            <a:avLst/>
+          </a:prstGeom>
+          <a:noFill/>
+          <a:ln>
+            <a:noFill/>
+          </a:ln>
+          <a:extLst>
+            <a:ext uri="{909E8E84-426E-40DD-AFC4-6F175D3DCCD1}">
+              <a14:hiddenFill xmlns:a14="http://schemas.microsoft.com/office/drawing/2010/main">
+                <a:solidFill>
+                  <a:srgbClr val="FFFFFF"/>
+                </a:solidFill>
+              </a14:hiddenFill>
+            </a:ext>
+            <a:ext uri="{91240B29-F687-4F45-9708-019B960494DF}">
+              <a14:hiddenLine xmlns:a14="http://schemas.microsoft.com/office/drawing/2010/main" w="9525">
+                <a:solidFill>
+                  <a:srgbClr val="000000"/>
+                </a:solidFill>
+                <a:miter lim="800000"/>
+                <a:headEnd/>
+                <a:tailEnd/>
+              </a14:hiddenLine>
+            </a:ext>
+          </a:extLst>
+        </p:spPr>
+      </p:pic>
+    </p:spTree>
+    <p:extLst>
+      <p:ext uri="{BB962C8B-B14F-4D97-AF65-F5344CB8AC3E}">
+        <p14:creationId xmlns:p14="http://schemas.microsoft.com/office/powerpoint/2010/main" val="3440500440"/>
+      </p:ext>
+    </p:extLst>
+  </p:cSld>
+  <p:clrMapOvr>
+    <a:masterClrMapping/>
+  </p:clrMapOvr>
+  <mc:AlternateContent xmlns:mc="http://schemas.openxmlformats.org/markup-compatibility/2006" xmlns:p14="http://schemas.microsoft.com/office/powerpoint/2010/main">
+    <mc:Choice Requires="p14">
+      <p:transition spd="med" p14:dur="700">
+        <p:fade/>
+      </p:transition>
+    </mc:Choice>
+    <mc:Fallback xmlns="">
+      <p:transition spd="med">
+        <p:fade/>
+      </p:transition>
+    </mc:Fallback>
+  </mc:AlternateContent>
+</p:sld>
+</file>
+
+<file path=ppt/slides/slide2.xml><?xml version="1.0" encoding="utf-8"?>
+<p:sld xmlns:a="http://schemas.openxmlformats.org/drawingml/2006/main" xmlns:r="http://schemas.openxmlformats.org/officeDocument/2006/relationships" xmlns:p="http://schemas.openxmlformats.org/presentationml/2006/main">
+  <p:cSld>
+    <p:spTree>
+      <p:nvGrpSpPr>
+        <p:cNvPr id="1" name=""/>
+        <p:cNvGrpSpPr/>
+        <p:nvPr/>
+      </p:nvGrpSpPr>
+      <p:grpSpPr>
+        <a:xfrm>
+          <a:off x="0" y="0"/>
+          <a:ext cx="0" cy="0"/>
+          <a:chOff x="0" y="0"/>
+          <a:chExt cx="0" cy="0"/>
+        </a:xfrm>
+      </p:grpSpPr>
+      <p:sp>
+        <p:nvSpPr>
+          <p:cNvPr id="2" name="Заголовок 1"/>
+          <p:cNvSpPr>
+            <a:spLocks noGrp="1"/>
+          </p:cNvSpPr>
+          <p:nvPr>
+            <p:ph type="title"/>
+          </p:nvPr>
+        </p:nvSpPr>
+        <p:spPr/>
+        <p:txBody>
+          <a:bodyPr rtlCol="0"/>
+          <a:lstStyle/>
+          <a:p>
+            <a:pPr rtl="0"/>
+            <a:r>
+              <a:rPr lang="en-US" dirty="0" smtClean="0">
+                <a:latin typeface="Arial" panose="020B0604020202020204" pitchFamily="34" charset="0"/>
+                <a:cs typeface="Arial" panose="020B0604020202020204" pitchFamily="34" charset="0"/>
+              </a:rPr>
+              <a:t>ERP-</a:t>
+            </a:r>
+            <a:r>
+              <a:rPr lang="ru-RU" dirty="0" smtClean="0">
+                <a:latin typeface="Arial" panose="020B0604020202020204" pitchFamily="34" charset="0"/>
+                <a:cs typeface="Arial" panose="020B0604020202020204" pitchFamily="34" charset="0"/>
+              </a:rPr>
+              <a:t>система для учебного заведения</a:t>
+            </a:r>
+            <a:endParaRPr lang="ru-RU" dirty="0">
+              <a:latin typeface="Arial" panose="020B0604020202020204" pitchFamily="34" charset="0"/>
+              <a:cs typeface="Arial" panose="020B0604020202020204" pitchFamily="34" charset="0"/>
+            </a:endParaRPr>
+          </a:p>
+        </p:txBody>
+      </p:sp>
+      <p:sp>
+        <p:nvSpPr>
+          <p:cNvPr id="3" name="Объект 2"/>
+          <p:cNvSpPr>
+            <a:spLocks noGrp="1"/>
+          </p:cNvSpPr>
+          <p:nvPr>
+            <p:ph idx="1"/>
+          </p:nvPr>
+        </p:nvSpPr>
+        <p:spPr/>
+        <p:txBody>
+          <a:bodyPr rtlCol="0"/>
+          <a:lstStyle/>
+          <a:p>
+            <a:pPr rtl="0"/>
+            <a:r>
+              <a:rPr lang="ru-RU" dirty="0" smtClean="0">
+                <a:latin typeface="Arial" panose="020B0604020202020204" pitchFamily="34" charset="0"/>
+                <a:cs typeface="Arial" panose="020B0604020202020204" pitchFamily="34" charset="0"/>
+              </a:rPr>
+              <a:t>Является конкурентным преимуществом</a:t>
+            </a:r>
+            <a:endParaRPr lang="ru-RU" dirty="0" smtClean="0">
+              <a:latin typeface="Arial" panose="020B0604020202020204" pitchFamily="34" charset="0"/>
+              <a:cs typeface="Arial" panose="020B0604020202020204" pitchFamily="34" charset="0"/>
+            </a:endParaRPr>
+          </a:p>
+          <a:p>
+            <a:pPr rtl="0"/>
+            <a:r>
+              <a:rPr lang="ru-RU" dirty="0" smtClean="0">
+                <a:latin typeface="Arial" panose="020B0604020202020204" pitchFamily="34" charset="0"/>
+                <a:cs typeface="Arial" panose="020B0604020202020204" pitchFamily="34" charset="0"/>
+              </a:rPr>
+              <a:t>Улучшает информационные потоки</a:t>
+            </a:r>
+            <a:endParaRPr lang="ru-RU" dirty="0" smtClean="0">
+              <a:latin typeface="Arial" panose="020B0604020202020204" pitchFamily="34" charset="0"/>
+              <a:cs typeface="Arial" panose="020B0604020202020204" pitchFamily="34" charset="0"/>
+            </a:endParaRPr>
+          </a:p>
+          <a:p>
+            <a:r>
+              <a:rPr lang="ru-RU" dirty="0" smtClean="0">
+                <a:latin typeface="Arial" panose="020B0604020202020204" pitchFamily="34" charset="0"/>
+                <a:cs typeface="Arial" panose="020B0604020202020204" pitchFamily="34" charset="0"/>
+              </a:rPr>
+              <a:t>Улучшает качество образовательного процесса</a:t>
+            </a:r>
+            <a:endParaRPr lang="ru-RU" dirty="0" smtClean="0">
+              <a:latin typeface="Arial" panose="020B0604020202020204" pitchFamily="34" charset="0"/>
+              <a:cs typeface="Arial" panose="020B0604020202020204" pitchFamily="34" charset="0"/>
+            </a:endParaRPr>
+          </a:p>
+          <a:p>
+            <a:pPr rtl="0"/>
+            <a:r>
+              <a:rPr lang="ru-RU" dirty="0" smtClean="0">
+                <a:latin typeface="Arial" panose="020B0604020202020204" pitchFamily="34" charset="0"/>
+                <a:cs typeface="Arial" panose="020B0604020202020204" pitchFamily="34" charset="0"/>
+              </a:rPr>
+              <a:t>Создает условия для централизации информации</a:t>
+            </a:r>
+            <a:endParaRPr lang="en-US" dirty="0" smtClean="0">
+              <a:latin typeface="Arial" panose="020B0604020202020204" pitchFamily="34" charset="0"/>
+              <a:cs typeface="Arial" panose="020B0604020202020204" pitchFamily="34" charset="0"/>
+            </a:endParaRPr>
+          </a:p>
+          <a:p>
+            <a:pPr rtl="0"/>
+            <a:r>
+              <a:rPr lang="ru-RU" dirty="0" smtClean="0">
+                <a:latin typeface="Arial" panose="020B0604020202020204" pitchFamily="34" charset="0"/>
+                <a:cs typeface="Arial" panose="020B0604020202020204" pitchFamily="34" charset="0"/>
+              </a:rPr>
+              <a:t>В результате улучшения информационных потоков снижаются издержки</a:t>
+            </a:r>
+            <a:endParaRPr lang="en-US" dirty="0" smtClean="0">
+              <a:latin typeface="Arial" panose="020B0604020202020204" pitchFamily="34" charset="0"/>
+              <a:cs typeface="Arial" panose="020B0604020202020204" pitchFamily="34" charset="0"/>
+            </a:endParaRPr>
+          </a:p>
+          <a:p>
+            <a:pPr rtl="0"/>
+            <a:r>
+              <a:rPr lang="ru-RU" dirty="0" smtClean="0">
+                <a:latin typeface="Arial" panose="020B0604020202020204" pitchFamily="34" charset="0"/>
+                <a:cs typeface="Arial" panose="020B0604020202020204" pitchFamily="34" charset="0"/>
+              </a:rPr>
+              <a:t>Дает возможность четко планировать процессы и затраты</a:t>
+            </a:r>
+            <a:endParaRPr lang="ru-RU" dirty="0">
+              <a:latin typeface="Arial" panose="020B0604020202020204" pitchFamily="34" charset="0"/>
+              <a:cs typeface="Arial" panose="020B0604020202020204" pitchFamily="34" charset="0"/>
+            </a:endParaRPr>
+          </a:p>
+        </p:txBody>
+      </p:sp>
+    </p:spTree>
+    <p:extLst>
+      <p:ext uri="{BB962C8B-B14F-4D97-AF65-F5344CB8AC3E}">
+        <p14:creationId xmlns:p14="http://schemas.microsoft.com/office/powerpoint/2010/main" val="682195269"/>
+      </p:ext>
+    </p:extLst>
+  </p:cSld>
+  <p:clrMapOvr>
+    <a:masterClrMapping/>
+  </p:clrMapOvr>
+  <mc:AlternateContent xmlns:mc="http://schemas.openxmlformats.org/markup-compatibility/2006" xmlns:p14="http://schemas.microsoft.com/office/powerpoint/2010/main">
+    <mc:Choice Requires="p14">
+      <p:transition spd="med" p14:dur="700">
+        <p:fade/>
+      </p:transition>
+    </mc:Choice>
+    <mc:Fallback xmlns="">
+      <p:transition spd="med">
+        <p:fade/>
+      </p:transition>
+    </mc:Fallback>
+  </mc:AlternateContent>
+</p:sld>
+</file>
+
+<file path=ppt/slides/slide3.xml><?xml version="1.0" encoding="utf-8"?>
+<p:sld xmlns:a="http://schemas.openxmlformats.org/drawingml/2006/main" xmlns:r="http://schemas.openxmlformats.org/officeDocument/2006/relationships" xmlns:p="http://schemas.openxmlformats.org/presentationml/2006/main">
+  <p:cSld>
+    <p:spTree>
+      <p:nvGrpSpPr>
+        <p:cNvPr id="1" name=""/>
+        <p:cNvGrpSpPr/>
+        <p:nvPr/>
+      </p:nvGrpSpPr>
+      <p:grpSpPr>
+        <a:xfrm>
+          <a:off x="0" y="0"/>
+          <a:ext cx="0" cy="0"/>
+          <a:chOff x="0" y="0"/>
+          <a:chExt cx="0" cy="0"/>
+        </a:xfrm>
+      </p:grpSpPr>
+      <p:sp>
+        <p:nvSpPr>
+          <p:cNvPr id="2" name="Заголовок 1"/>
+          <p:cNvSpPr>
+            <a:spLocks noGrp="1"/>
+          </p:cNvSpPr>
+          <p:nvPr>
+            <p:ph type="title"/>
+          </p:nvPr>
+        </p:nvSpPr>
+        <p:spPr/>
+        <p:txBody>
+          <a:bodyPr rtlCol="0"/>
+          <a:lstStyle/>
+          <a:p>
+            <a:pPr rtl="0"/>
+            <a:r>
+              <a:rPr lang="ru-RU" dirty="0" smtClean="0">
+                <a:latin typeface="Arial" panose="020B0604020202020204" pitchFamily="34" charset="0"/>
+                <a:cs typeface="Arial" panose="020B0604020202020204" pitchFamily="34" charset="0"/>
+              </a:rPr>
+              <a:t>Западные решения</a:t>
+            </a:r>
+            <a:endParaRPr lang="ru-RU" dirty="0">
+              <a:latin typeface="Arial" panose="020B0604020202020204" pitchFamily="34" charset="0"/>
+              <a:cs typeface="Arial" panose="020B0604020202020204" pitchFamily="34" charset="0"/>
+            </a:endParaRPr>
+          </a:p>
+        </p:txBody>
+      </p:sp>
+      <p:sp>
+        <p:nvSpPr>
+          <p:cNvPr id="3" name="Объект 2"/>
+          <p:cNvSpPr>
+            <a:spLocks noGrp="1"/>
+          </p:cNvSpPr>
+          <p:nvPr>
+            <p:ph idx="1"/>
+          </p:nvPr>
+        </p:nvSpPr>
+        <p:spPr/>
+        <p:txBody>
+          <a:bodyPr rtlCol="0"/>
+          <a:lstStyle/>
+          <a:p>
+            <a:pPr rtl="0"/>
+            <a:endParaRPr lang="ru-RU" dirty="0" smtClean="0">
+              <a:latin typeface="Arial" panose="020B0604020202020204" pitchFamily="34" charset="0"/>
+              <a:cs typeface="Arial" panose="020B0604020202020204" pitchFamily="34" charset="0"/>
+            </a:endParaRPr>
+          </a:p>
+          <a:p>
+            <a:pPr rtl="0"/>
+            <a:r>
+              <a:rPr lang="en-US" dirty="0" smtClean="0">
+                <a:latin typeface="Arial" panose="020B0604020202020204" pitchFamily="34" charset="0"/>
+                <a:cs typeface="Arial" panose="020B0604020202020204" pitchFamily="34" charset="0"/>
+              </a:rPr>
+              <a:t>SCT</a:t>
+            </a:r>
+            <a:endParaRPr lang="ru-RU" dirty="0" smtClean="0">
+              <a:latin typeface="Arial" panose="020B0604020202020204" pitchFamily="34" charset="0"/>
+              <a:cs typeface="Arial" panose="020B0604020202020204" pitchFamily="34" charset="0"/>
+            </a:endParaRPr>
+          </a:p>
+          <a:p>
+            <a:r>
+              <a:rPr lang="en-US" dirty="0">
+                <a:latin typeface="Arial" panose="020B0604020202020204" pitchFamily="34" charset="0"/>
+                <a:cs typeface="Arial" panose="020B0604020202020204" pitchFamily="34" charset="0"/>
+              </a:rPr>
+              <a:t>Oracle</a:t>
+            </a:r>
+            <a:endParaRPr lang="ru-RU" dirty="0">
+              <a:latin typeface="Arial" panose="020B0604020202020204" pitchFamily="34" charset="0"/>
+              <a:cs typeface="Arial" panose="020B0604020202020204" pitchFamily="34" charset="0"/>
+            </a:endParaRPr>
+          </a:p>
+          <a:p>
+            <a:r>
+              <a:rPr lang="ru-RU" dirty="0" err="1">
+                <a:latin typeface="Arial" panose="020B0604020202020204" pitchFamily="34" charset="0"/>
+                <a:cs typeface="Arial" panose="020B0604020202020204" pitchFamily="34" charset="0"/>
+              </a:rPr>
+              <a:t>PeopleSoft</a:t>
+            </a:r>
+            <a:r>
+              <a:rPr lang="ru-RU" dirty="0">
+                <a:latin typeface="Arial" panose="020B0604020202020204" pitchFamily="34" charset="0"/>
+                <a:cs typeface="Arial" panose="020B0604020202020204" pitchFamily="34" charset="0"/>
+              </a:rPr>
+              <a:t> </a:t>
+            </a:r>
+            <a:endParaRPr lang="ru-RU" dirty="0">
+              <a:latin typeface="Arial" panose="020B0604020202020204" pitchFamily="34" charset="0"/>
+              <a:cs typeface="Arial" panose="020B0604020202020204" pitchFamily="34" charset="0"/>
+            </a:endParaRPr>
+          </a:p>
+          <a:p>
+            <a:r>
+              <a:rPr lang="ru-RU" dirty="0">
+                <a:latin typeface="Arial" panose="020B0604020202020204" pitchFamily="34" charset="0"/>
+                <a:cs typeface="Arial" panose="020B0604020202020204" pitchFamily="34" charset="0"/>
+              </a:rPr>
+              <a:t>SAP</a:t>
+            </a:r>
+            <a:endParaRPr lang="en-US" dirty="0">
+              <a:latin typeface="Arial" panose="020B0604020202020204" pitchFamily="34" charset="0"/>
+              <a:cs typeface="Arial" panose="020B0604020202020204" pitchFamily="34" charset="0"/>
+            </a:endParaRPr>
+          </a:p>
+          <a:p>
+            <a:r>
+              <a:rPr lang="ru-RU" dirty="0" err="1">
+                <a:latin typeface="Arial" panose="020B0604020202020204" pitchFamily="34" charset="0"/>
+                <a:cs typeface="Arial" panose="020B0604020202020204" pitchFamily="34" charset="0"/>
+              </a:rPr>
+              <a:t>Jenzabar</a:t>
+            </a:r>
+            <a:endParaRPr lang="en-US" dirty="0">
+              <a:latin typeface="Arial" panose="020B0604020202020204" pitchFamily="34" charset="0"/>
+              <a:cs typeface="Arial" panose="020B0604020202020204" pitchFamily="34" charset="0"/>
+            </a:endParaRPr>
+          </a:p>
+          <a:p>
+            <a:pPr lvl="0"/>
+            <a:r>
+              <a:rPr lang="ru-RU" dirty="0" err="1">
+                <a:latin typeface="Arial" panose="020B0604020202020204" pitchFamily="34" charset="0"/>
+                <a:cs typeface="Arial" panose="020B0604020202020204" pitchFamily="34" charset="0"/>
+              </a:rPr>
+              <a:t>Datatel</a:t>
+            </a:r>
+            <a:r>
+              <a:rPr lang="ru-RU" dirty="0">
+                <a:latin typeface="Arial" panose="020B0604020202020204" pitchFamily="34" charset="0"/>
+                <a:cs typeface="Arial" panose="020B0604020202020204" pitchFamily="34" charset="0"/>
+              </a:rPr>
+              <a:t>;</a:t>
+            </a:r>
+          </a:p>
+          <a:p>
+            <a:pPr rtl="0"/>
+            <a:endParaRPr lang="ru-RU" dirty="0">
+              <a:latin typeface="Arial" panose="020B0604020202020204" pitchFamily="34" charset="0"/>
+              <a:cs typeface="Arial" panose="020B0604020202020204" pitchFamily="34" charset="0"/>
+            </a:endParaRPr>
+          </a:p>
+        </p:txBody>
+      </p:sp>
+    </p:spTree>
+    <p:extLst>
+      <p:ext uri="{BB962C8B-B14F-4D97-AF65-F5344CB8AC3E}">
+        <p14:creationId xmlns:p14="http://schemas.microsoft.com/office/powerpoint/2010/main" val="2197453549"/>
+      </p:ext>
+    </p:extLst>
+  </p:cSld>
+  <p:clrMapOvr>
+    <a:masterClrMapping/>
+  </p:clrMapOvr>
+  <mc:AlternateContent xmlns:mc="http://schemas.openxmlformats.org/markup-compatibility/2006">
+    <mc:Choice xmlns:p14="http://schemas.microsoft.com/office/powerpoint/2010/main" Requires="p14">
+      <p:transition spd="med" p14:dur="700">
+        <p:fade/>
+      </p:transition>
+    </mc:Choice>
+    <mc:Fallback>
+      <p:transition spd="med">
+        <p:fade/>
+      </p:transition>
+    </mc:Fallback>
+  </mc:AlternateContent>
+</p:sld>
+</file>
+
+<file path=ppt/slides/slide4.xml><?xml version="1.0" encoding="utf-8"?>
+<p:sld xmlns:a="http://schemas.openxmlformats.org/drawingml/2006/main" xmlns:r="http://schemas.openxmlformats.org/officeDocument/2006/relationships" xmlns:p="http://schemas.openxmlformats.org/presentationml/2006/main">
+  <p:cSld>
+    <p:spTree>
+      <p:nvGrpSpPr>
+        <p:cNvPr id="1" name=""/>
+        <p:cNvGrpSpPr/>
+        <p:nvPr/>
+      </p:nvGrpSpPr>
+      <p:grpSpPr>
+        <a:xfrm>
+          <a:off x="0" y="0"/>
+          <a:ext cx="0" cy="0"/>
+          <a:chOff x="0" y="0"/>
+          <a:chExt cx="0" cy="0"/>
+        </a:xfrm>
+      </p:grpSpPr>
+      <p:sp>
+        <p:nvSpPr>
+          <p:cNvPr id="2" name="Заголовок 1"/>
+          <p:cNvSpPr>
+            <a:spLocks noGrp="1"/>
+          </p:cNvSpPr>
+          <p:nvPr>
+            <p:ph type="title"/>
+          </p:nvPr>
+        </p:nvSpPr>
+        <p:spPr/>
+        <p:txBody>
+          <a:bodyPr rtlCol="0"/>
+          <a:lstStyle/>
+          <a:p>
+            <a:pPr rtl="0"/>
+            <a:r>
+              <a:rPr lang="ru-RU" dirty="0" smtClean="0">
+                <a:latin typeface="Arial" panose="020B0604020202020204" pitchFamily="34" charset="0"/>
+                <a:cs typeface="Arial" panose="020B0604020202020204" pitchFamily="34" charset="0"/>
+              </a:rPr>
+              <a:t>Решения на постсоветском пространстве</a:t>
+            </a:r>
+            <a:endParaRPr lang="ru-RU" dirty="0">
+              <a:latin typeface="Arial" panose="020B0604020202020204" pitchFamily="34" charset="0"/>
+              <a:cs typeface="Arial" panose="020B0604020202020204" pitchFamily="34" charset="0"/>
+            </a:endParaRPr>
+          </a:p>
+        </p:txBody>
+      </p:sp>
+      <p:sp>
+        <p:nvSpPr>
+          <p:cNvPr id="3" name="Объект 2"/>
+          <p:cNvSpPr>
+            <a:spLocks noGrp="1"/>
+          </p:cNvSpPr>
+          <p:nvPr>
+            <p:ph idx="1"/>
+          </p:nvPr>
+        </p:nvSpPr>
+        <p:spPr/>
+        <p:txBody>
+          <a:bodyPr rtlCol="0"/>
+          <a:lstStyle/>
+          <a:p>
+            <a:pPr rtl="0"/>
+            <a:endParaRPr lang="ru-RU" dirty="0" smtClean="0">
+              <a:latin typeface="Arial" panose="020B0604020202020204" pitchFamily="34" charset="0"/>
+              <a:cs typeface="Arial" panose="020B0604020202020204" pitchFamily="34" charset="0"/>
+            </a:endParaRPr>
+          </a:p>
+          <a:p>
+            <a:r>
+              <a:rPr lang="ru-RU" dirty="0" smtClean="0">
+                <a:latin typeface="Arial" panose="020B0604020202020204" pitchFamily="34" charset="0"/>
+                <a:cs typeface="Arial" panose="020B0604020202020204" pitchFamily="34" charset="0"/>
+              </a:rPr>
+              <a:t>Галактика </a:t>
+            </a:r>
+            <a:r>
+              <a:rPr lang="ru-RU" dirty="0">
+                <a:latin typeface="Arial" panose="020B0604020202020204" pitchFamily="34" charset="0"/>
+                <a:cs typeface="Arial" panose="020B0604020202020204" pitchFamily="34" charset="0"/>
+              </a:rPr>
+              <a:t>Управление Вузом;</a:t>
+            </a:r>
+          </a:p>
+          <a:p>
+            <a:r>
+              <a:rPr lang="ru-RU" dirty="0" err="1" smtClean="0">
+                <a:latin typeface="Arial" panose="020B0604020202020204" pitchFamily="34" charset="0"/>
+                <a:cs typeface="Arial" panose="020B0604020202020204" pitchFamily="34" charset="0"/>
+              </a:rPr>
+              <a:t>Naumen</a:t>
+            </a:r>
+            <a:r>
+              <a:rPr lang="ru-RU" dirty="0" smtClean="0">
+                <a:latin typeface="Arial" panose="020B0604020202020204" pitchFamily="34" charset="0"/>
+                <a:cs typeface="Arial" panose="020B0604020202020204" pitchFamily="34" charset="0"/>
+              </a:rPr>
+              <a:t> </a:t>
+            </a:r>
+            <a:r>
+              <a:rPr lang="ru-RU" dirty="0" err="1">
+                <a:latin typeface="Arial" panose="020B0604020202020204" pitchFamily="34" charset="0"/>
+                <a:cs typeface="Arial" panose="020B0604020202020204" pitchFamily="34" charset="0"/>
+              </a:rPr>
+              <a:t>University</a:t>
+            </a:r>
+            <a:r>
+              <a:rPr lang="ru-RU" dirty="0">
+                <a:latin typeface="Arial" panose="020B0604020202020204" pitchFamily="34" charset="0"/>
+                <a:cs typeface="Arial" panose="020B0604020202020204" pitchFamily="34" charset="0"/>
+              </a:rPr>
+              <a:t>;</a:t>
+            </a:r>
+          </a:p>
+          <a:p>
+            <a:r>
+              <a:rPr lang="ru-RU" dirty="0" smtClean="0">
+                <a:latin typeface="Arial" panose="020B0604020202020204" pitchFamily="34" charset="0"/>
+                <a:cs typeface="Arial" panose="020B0604020202020204" pitchFamily="34" charset="0"/>
+              </a:rPr>
+              <a:t>1С:Университет</a:t>
+            </a:r>
+            <a:r>
+              <a:rPr lang="ru-RU" dirty="0">
+                <a:latin typeface="Arial" panose="020B0604020202020204" pitchFamily="34" charset="0"/>
+                <a:cs typeface="Arial" panose="020B0604020202020204" pitchFamily="34" charset="0"/>
+              </a:rPr>
+              <a:t>;</a:t>
+            </a:r>
+          </a:p>
+          <a:p>
+            <a:r>
+              <a:rPr lang="ru-RU" dirty="0" smtClean="0">
+                <a:latin typeface="Arial" panose="020B0604020202020204" pitchFamily="34" charset="0"/>
+                <a:cs typeface="Arial" panose="020B0604020202020204" pitchFamily="34" charset="0"/>
+              </a:rPr>
+              <a:t>GS- </a:t>
+            </a:r>
+            <a:r>
+              <a:rPr lang="ru-RU" dirty="0">
+                <a:latin typeface="Arial" panose="020B0604020202020204" pitchFamily="34" charset="0"/>
+                <a:cs typeface="Arial" panose="020B0604020202020204" pitchFamily="34" charset="0"/>
+              </a:rPr>
+              <a:t>Ведомости.</a:t>
+            </a:r>
+          </a:p>
+          <a:p>
+            <a:pPr rtl="0"/>
+            <a:endParaRPr lang="ru-RU" dirty="0">
+              <a:latin typeface="Arial" panose="020B0604020202020204" pitchFamily="34" charset="0"/>
+              <a:cs typeface="Arial" panose="020B0604020202020204" pitchFamily="34" charset="0"/>
+            </a:endParaRPr>
+          </a:p>
+        </p:txBody>
+      </p:sp>
+    </p:spTree>
+    <p:extLst>
+      <p:ext uri="{BB962C8B-B14F-4D97-AF65-F5344CB8AC3E}">
+        <p14:creationId xmlns:p14="http://schemas.microsoft.com/office/powerpoint/2010/main" val="2822567275"/>
+      </p:ext>
+    </p:extLst>
+  </p:cSld>
+  <p:clrMapOvr>
+    <a:masterClrMapping/>
+  </p:clrMapOvr>
+  <mc:AlternateContent xmlns:mc="http://schemas.openxmlformats.org/markup-compatibility/2006">
+    <mc:Choice xmlns:p14="http://schemas.microsoft.com/office/powerpoint/2010/main" Requires="p14">
+      <p:transition spd="med" p14:dur="700">
+        <p:fade/>
+      </p:transition>
+    </mc:Choice>
+    <mc:Fallback>
+      <p:transition spd="med">
+        <p:fade/>
+      </p:transition>
+    </mc:Fallback>
+  </mc:AlternateContent>
+</p:sld>
+</file>
+
+<file path=ppt/slides/slide5.xml><?xml version="1.0" encoding="utf-8"?>
+<p:sld xmlns:a="http://schemas.openxmlformats.org/drawingml/2006/main" xmlns:r="http://schemas.openxmlformats.org/officeDocument/2006/relationships" xmlns:p="http://schemas.openxmlformats.org/presentationml/2006/main">
+  <p:cSld>
+    <p:spTree>
+      <p:nvGrpSpPr>
+        <p:cNvPr id="1" name=""/>
+        <p:cNvGrpSpPr/>
+        <p:nvPr/>
+      </p:nvGrpSpPr>
+      <p:grpSpPr>
+        <a:xfrm>
+          <a:off x="0" y="0"/>
+          <a:ext cx="0" cy="0"/>
+          <a:chOff x="0" y="0"/>
+          <a:chExt cx="0" cy="0"/>
+        </a:xfrm>
+      </p:grpSpPr>
+      <p:sp>
+        <p:nvSpPr>
+          <p:cNvPr id="2" name="Заголовок 1"/>
+          <p:cNvSpPr>
+            <a:spLocks noGrp="1"/>
+          </p:cNvSpPr>
+          <p:nvPr>
+            <p:ph type="title"/>
+          </p:nvPr>
+        </p:nvSpPr>
+        <p:spPr/>
+        <p:txBody>
+          <a:bodyPr rtlCol="0"/>
+          <a:lstStyle/>
+          <a:p>
+            <a:pPr rtl="0"/>
+            <a:r>
+              <a:rPr lang="ru-RU" dirty="0" smtClean="0">
+                <a:latin typeface="Arial" panose="020B0604020202020204" pitchFamily="34" charset="0"/>
+                <a:cs typeface="Arial" panose="020B0604020202020204" pitchFamily="34" charset="0"/>
+              </a:rPr>
+              <a:t>Недостатки готовых решений</a:t>
+            </a:r>
+            <a:endParaRPr lang="ru-RU" dirty="0">
+              <a:latin typeface="Arial" panose="020B0604020202020204" pitchFamily="34" charset="0"/>
+              <a:cs typeface="Arial" panose="020B0604020202020204" pitchFamily="34" charset="0"/>
+            </a:endParaRPr>
+          </a:p>
+        </p:txBody>
+      </p:sp>
+      <p:sp>
+        <p:nvSpPr>
+          <p:cNvPr id="3" name="Объект 2"/>
+          <p:cNvSpPr>
+            <a:spLocks noGrp="1"/>
+          </p:cNvSpPr>
+          <p:nvPr>
+            <p:ph idx="1"/>
+          </p:nvPr>
+        </p:nvSpPr>
+        <p:spPr/>
+        <p:txBody>
+          <a:bodyPr rtlCol="0"/>
+          <a:lstStyle/>
+          <a:p>
+            <a:pPr rtl="0"/>
+            <a:endParaRPr lang="ru-RU" dirty="0" smtClean="0">
+              <a:latin typeface="Arial" panose="020B0604020202020204" pitchFamily="34" charset="0"/>
+              <a:cs typeface="Arial" panose="020B0604020202020204" pitchFamily="34" charset="0"/>
+            </a:endParaRPr>
+          </a:p>
+          <a:p>
+            <a:r>
+              <a:rPr lang="ru-RU" dirty="0" smtClean="0">
+                <a:latin typeface="Arial" panose="020B0604020202020204" pitchFamily="34" charset="0"/>
+                <a:cs typeface="Arial" panose="020B0604020202020204" pitchFamily="34" charset="0"/>
+              </a:rPr>
+              <a:t>Жесткость;</a:t>
+            </a:r>
+            <a:endParaRPr lang="ru-RU" dirty="0">
+              <a:latin typeface="Arial" panose="020B0604020202020204" pitchFamily="34" charset="0"/>
+              <a:cs typeface="Arial" panose="020B0604020202020204" pitchFamily="34" charset="0"/>
+            </a:endParaRPr>
+          </a:p>
+          <a:p>
+            <a:r>
+              <a:rPr lang="ru-RU" dirty="0" smtClean="0">
+                <a:latin typeface="Arial" panose="020B0604020202020204" pitchFamily="34" charset="0"/>
+                <a:cs typeface="Arial" panose="020B0604020202020204" pitchFamily="34" charset="0"/>
+              </a:rPr>
+              <a:t>Необходимость подстраивать бизнес-процессы под решение;</a:t>
+            </a:r>
+            <a:endParaRPr lang="ru-RU" dirty="0">
+              <a:latin typeface="Arial" panose="020B0604020202020204" pitchFamily="34" charset="0"/>
+              <a:cs typeface="Arial" panose="020B0604020202020204" pitchFamily="34" charset="0"/>
+            </a:endParaRPr>
+          </a:p>
+          <a:p>
+            <a:r>
+              <a:rPr lang="ru-RU" dirty="0" smtClean="0">
+                <a:latin typeface="Arial" panose="020B0604020202020204" pitchFamily="34" charset="0"/>
+                <a:cs typeface="Arial" panose="020B0604020202020204" pitchFamily="34" charset="0"/>
+              </a:rPr>
+              <a:t>Наличие спец. технологий для разработки;</a:t>
+            </a:r>
+            <a:endParaRPr lang="ru-RU" dirty="0">
+              <a:latin typeface="Arial" panose="020B0604020202020204" pitchFamily="34" charset="0"/>
+              <a:cs typeface="Arial" panose="020B0604020202020204" pitchFamily="34" charset="0"/>
+            </a:endParaRPr>
+          </a:p>
+          <a:p>
+            <a:r>
+              <a:rPr lang="ru-RU" dirty="0" smtClean="0">
+                <a:latin typeface="Arial" panose="020B0604020202020204" pitchFamily="34" charset="0"/>
+                <a:cs typeface="Arial" panose="020B0604020202020204" pitchFamily="34" charset="0"/>
+              </a:rPr>
+              <a:t>Зависимость от поставщика;</a:t>
+            </a:r>
+          </a:p>
+          <a:p>
+            <a:r>
+              <a:rPr lang="ru-RU" dirty="0" smtClean="0">
+                <a:latin typeface="Arial" panose="020B0604020202020204" pitchFamily="34" charset="0"/>
+                <a:cs typeface="Arial" panose="020B0604020202020204" pitchFamily="34" charset="0"/>
+              </a:rPr>
+              <a:t>Закрытая структура БД;</a:t>
+            </a:r>
+          </a:p>
+          <a:p>
+            <a:r>
+              <a:rPr lang="ru-RU" dirty="0" smtClean="0">
+                <a:latin typeface="Arial" panose="020B0604020202020204" pitchFamily="34" charset="0"/>
+                <a:cs typeface="Arial" panose="020B0604020202020204" pitchFamily="34" charset="0"/>
+              </a:rPr>
+              <a:t>Высокая стоимость западных решений.</a:t>
+            </a:r>
+            <a:endParaRPr lang="ru-RU" dirty="0">
+              <a:latin typeface="Arial" panose="020B0604020202020204" pitchFamily="34" charset="0"/>
+              <a:cs typeface="Arial" panose="020B0604020202020204" pitchFamily="34" charset="0"/>
+            </a:endParaRPr>
+          </a:p>
+          <a:p>
+            <a:pPr rtl="0"/>
+            <a:endParaRPr lang="ru-RU" dirty="0">
+              <a:latin typeface="Arial" panose="020B0604020202020204" pitchFamily="34" charset="0"/>
+              <a:cs typeface="Arial" panose="020B0604020202020204" pitchFamily="34" charset="0"/>
+            </a:endParaRPr>
+          </a:p>
+        </p:txBody>
+      </p:sp>
+    </p:spTree>
+    <p:extLst>
+      <p:ext uri="{BB962C8B-B14F-4D97-AF65-F5344CB8AC3E}">
+        <p14:creationId xmlns:p14="http://schemas.microsoft.com/office/powerpoint/2010/main" val="1681517802"/>
+      </p:ext>
+    </p:extLst>
+  </p:cSld>
+  <p:clrMapOvr>
+    <a:masterClrMapping/>
+  </p:clrMapOvr>
+  <mc:AlternateContent xmlns:mc="http://schemas.openxmlformats.org/markup-compatibility/2006">
+    <mc:Choice xmlns:p14="http://schemas.microsoft.com/office/powerpoint/2010/main" Requires="p14">
+      <p:transition spd="med" p14:dur="700">
+        <p:fade/>
+      </p:transition>
+    </mc:Choice>
+    <mc:Fallback>
+      <p:transition spd="med">
+        <p:fade/>
+      </p:transition>
+    </mc:Fallback>
+  </mc:AlternateContent>
+</p:sld>
+</file>
+
 <file path=ppt/slides/slide6.xml><?xml version="1.0" encoding="utf-8"?>
 <p:sld xmlns:a="http://schemas.openxmlformats.org/drawingml/2006/main" xmlns:r="http://schemas.openxmlformats.org/officeDocument/2006/relationships" xmlns:p="http://schemas.openxmlformats.org/presentationml/2006/main">
   <p:cSld>
@@ -10299,55 +7204,166 @@
           <a:p>
             <a:pPr rtl="0"/>
             <a:r>
-              <a:rPr lang="ru-RU" dirty="0" smtClean="0"/>
-              <a:t>Макет заголовка и объектов с диаграммой</a:t>
-            </a:r>
-            <a:endParaRPr lang="ru-RU" dirty="0"/>
-          </a:p>
-        </p:txBody>
-      </p:sp>
-      <p:graphicFrame>
-        <p:nvGraphicFramePr>
-          <p:cNvPr id="6" name="Объект 2" descr="Гистограмма с группировкой, где показаны значения трех рядов для четырех категорий"/>
-          <p:cNvGraphicFramePr>
-            <a:graphicFrameLocks noGrp="1"/>
-          </p:cNvGraphicFramePr>
+              <a:rPr lang="ru-RU" dirty="0" smtClean="0">
+                <a:latin typeface="Arial" panose="020B0604020202020204" pitchFamily="34" charset="0"/>
+                <a:cs typeface="Arial" panose="020B0604020202020204" pitchFamily="34" charset="0"/>
+              </a:rPr>
+              <a:t>Используемые технологии</a:t>
+            </a:r>
+            <a:endParaRPr lang="ru-RU" dirty="0">
+              <a:latin typeface="Arial" panose="020B0604020202020204" pitchFamily="34" charset="0"/>
+              <a:cs typeface="Arial" panose="020B0604020202020204" pitchFamily="34" charset="0"/>
+            </a:endParaRPr>
+          </a:p>
+        </p:txBody>
+      </p:sp>
+      <p:sp>
+        <p:nvSpPr>
+          <p:cNvPr id="3" name="Объект 2"/>
+          <p:cNvSpPr>
+            <a:spLocks noGrp="1"/>
+          </p:cNvSpPr>
           <p:nvPr>
             <p:ph idx="1"/>
-            <p:extLst>
-              <p:ext uri="{D42A27DB-BD31-4B8C-83A1-F6EECF244321}">
-                <p14:modId xmlns:p14="http://schemas.microsoft.com/office/powerpoint/2010/main" val="1231624867"/>
-              </p:ext>
-            </p:extLst>
-          </p:nvPr>
-        </p:nvGraphicFramePr>
-        <p:xfrm>
-          <a:off x="838200" y="1825625"/>
-          <a:ext cx="10515600" cy="4351338"/>
-        </p:xfrm>
-        <a:graphic>
-          <a:graphicData uri="http://schemas.openxmlformats.org/drawingml/2006/chart">
-            <c:chart xmlns:c="http://schemas.openxmlformats.org/drawingml/2006/chart" xmlns:r="http://schemas.openxmlformats.org/officeDocument/2006/relationships" r:id="rId3"/>
-          </a:graphicData>
-        </a:graphic>
-      </p:graphicFrame>
+          </p:nvPr>
+        </p:nvSpPr>
+        <p:spPr/>
+        <p:txBody>
+          <a:bodyPr rtlCol="0"/>
+          <a:lstStyle/>
+          <a:p>
+            <a:pPr rtl="0"/>
+            <a:r>
+              <a:rPr lang="en-US" dirty="0" smtClean="0">
+                <a:latin typeface="Arial" panose="020B0604020202020204" pitchFamily="34" charset="0"/>
+                <a:cs typeface="Arial" panose="020B0604020202020204" pitchFamily="34" charset="0"/>
+              </a:rPr>
+              <a:t>ASP.NET, Entity Framework, JQuery, JavaScript</a:t>
+            </a:r>
+            <a:endParaRPr lang="ru-RU" dirty="0" smtClean="0">
+              <a:latin typeface="Arial" panose="020B0604020202020204" pitchFamily="34" charset="0"/>
+              <a:cs typeface="Arial" panose="020B0604020202020204" pitchFamily="34" charset="0"/>
+            </a:endParaRPr>
+          </a:p>
+          <a:p>
+            <a:pPr rtl="0"/>
+            <a:r>
+              <a:rPr lang="ru-RU" dirty="0" smtClean="0">
+                <a:latin typeface="Arial" panose="020B0604020202020204" pitchFamily="34" charset="0"/>
+                <a:cs typeface="Arial" panose="020B0604020202020204" pitchFamily="34" charset="0"/>
+              </a:rPr>
+              <a:t>Подстановка зависимостей </a:t>
+            </a:r>
+            <a:r>
+              <a:rPr lang="en-US" dirty="0" err="1" smtClean="0">
+                <a:latin typeface="Arial" panose="020B0604020202020204" pitchFamily="34" charset="0"/>
+                <a:cs typeface="Arial" panose="020B0604020202020204" pitchFamily="34" charset="0"/>
+              </a:rPr>
+              <a:t>Ninject</a:t>
+            </a:r>
+            <a:endParaRPr lang="ru-RU" dirty="0" smtClean="0">
+              <a:latin typeface="Arial" panose="020B0604020202020204" pitchFamily="34" charset="0"/>
+              <a:cs typeface="Arial" panose="020B0604020202020204" pitchFamily="34" charset="0"/>
+            </a:endParaRPr>
+          </a:p>
+          <a:p>
+            <a:r>
+              <a:rPr lang="de-DE" dirty="0" err="1">
+                <a:latin typeface="Arial" panose="020B0604020202020204" pitchFamily="34" charset="0"/>
+                <a:cs typeface="Arial" panose="020B0604020202020204" pitchFamily="34" charset="0"/>
+              </a:rPr>
+              <a:t>FluentValidation</a:t>
+            </a:r>
+            <a:endParaRPr lang="ru-RU" dirty="0" smtClean="0">
+              <a:latin typeface="Arial" panose="020B0604020202020204" pitchFamily="34" charset="0"/>
+              <a:cs typeface="Arial" panose="020B0604020202020204" pitchFamily="34" charset="0"/>
+            </a:endParaRPr>
+          </a:p>
+          <a:p>
+            <a:pPr rtl="0"/>
+            <a:r>
+              <a:rPr lang="ru-RU" dirty="0" smtClean="0">
+                <a:latin typeface="Arial" panose="020B0604020202020204" pitchFamily="34" charset="0"/>
+                <a:cs typeface="Arial" panose="020B0604020202020204" pitchFamily="34" charset="0"/>
+              </a:rPr>
+              <a:t>СУБД </a:t>
+            </a:r>
+            <a:r>
+              <a:rPr lang="en-US" dirty="0" smtClean="0">
+                <a:latin typeface="Arial" panose="020B0604020202020204" pitchFamily="34" charset="0"/>
+                <a:cs typeface="Arial" panose="020B0604020202020204" pitchFamily="34" charset="0"/>
+              </a:rPr>
+              <a:t>Oracle</a:t>
+            </a:r>
+          </a:p>
+          <a:p>
+            <a:pPr rtl="0"/>
+            <a:r>
+              <a:rPr lang="ru-RU" dirty="0" smtClean="0">
+                <a:latin typeface="Arial" panose="020B0604020202020204" pitchFamily="34" charset="0"/>
+                <a:cs typeface="Arial" panose="020B0604020202020204" pitchFamily="34" charset="0"/>
+              </a:rPr>
+              <a:t>Система документации </a:t>
+            </a:r>
+            <a:r>
+              <a:rPr lang="en-US" dirty="0" err="1" smtClean="0">
+                <a:latin typeface="Arial" panose="020B0604020202020204" pitchFamily="34" charset="0"/>
+                <a:cs typeface="Arial" panose="020B0604020202020204" pitchFamily="34" charset="0"/>
+              </a:rPr>
+              <a:t>Doxygen</a:t>
+            </a:r>
+            <a:endParaRPr lang="en-US" dirty="0" smtClean="0">
+              <a:latin typeface="Arial" panose="020B0604020202020204" pitchFamily="34" charset="0"/>
+              <a:cs typeface="Arial" panose="020B0604020202020204" pitchFamily="34" charset="0"/>
+            </a:endParaRPr>
+          </a:p>
+          <a:p>
+            <a:pPr rtl="0"/>
+            <a:r>
+              <a:rPr lang="ru-RU" dirty="0" smtClean="0">
+                <a:latin typeface="Arial" panose="020B0604020202020204" pitchFamily="34" charset="0"/>
+                <a:cs typeface="Arial" panose="020B0604020202020204" pitchFamily="34" charset="0"/>
+              </a:rPr>
+              <a:t>Система контроля версий </a:t>
+            </a:r>
+            <a:r>
+              <a:rPr lang="en-US" dirty="0" err="1" smtClean="0">
+                <a:latin typeface="Arial" panose="020B0604020202020204" pitchFamily="34" charset="0"/>
+                <a:cs typeface="Arial" panose="020B0604020202020204" pitchFamily="34" charset="0"/>
+              </a:rPr>
+              <a:t>Git</a:t>
+            </a:r>
+            <a:r>
+              <a:rPr lang="en-US" dirty="0" smtClean="0">
+                <a:latin typeface="Arial" panose="020B0604020202020204" pitchFamily="34" charset="0"/>
+                <a:cs typeface="Arial" panose="020B0604020202020204" pitchFamily="34" charset="0"/>
+              </a:rPr>
+              <a:t> Hub</a:t>
+            </a:r>
+            <a:endParaRPr lang="ru-RU" dirty="0">
+              <a:latin typeface="Arial" panose="020B0604020202020204" pitchFamily="34" charset="0"/>
+              <a:cs typeface="Arial" panose="020B0604020202020204" pitchFamily="34" charset="0"/>
+            </a:endParaRPr>
+          </a:p>
+        </p:txBody>
+      </p:sp>
     </p:spTree>
     <p:extLst>
       <p:ext uri="{BB962C8B-B14F-4D97-AF65-F5344CB8AC3E}">
-        <p14:creationId xmlns:p14="http://schemas.microsoft.com/office/powerpoint/2010/main" val="1900486290"/>
+        <p14:creationId xmlns:p14="http://schemas.microsoft.com/office/powerpoint/2010/main" val="1567763000"/>
       </p:ext>
     </p:extLst>
   </p:cSld>
   <p:clrMapOvr>
     <a:masterClrMapping/>
   </p:clrMapOvr>
-  <mc:AlternateContent xmlns:mc="http://schemas.openxmlformats.org/markup-compatibility/2006" xmlns:p14="http://schemas.microsoft.com/office/powerpoint/2010/main">
-    <mc:Choice Requires="p14">
+  <mc:AlternateContent xmlns:mc="http://schemas.openxmlformats.org/markup-compatibility/2006">
+    <mc:Choice xmlns:p14="http://schemas.microsoft.com/office/powerpoint/2010/main" Requires="p14">
       <p:transition spd="med" p14:dur="700">
         <p:fade/>
       </p:transition>
     </mc:Choice>
-    <mc:Fallback xmlns="">
+    <mc:Fallback>
       <p:transition spd="med">
         <p:fade/>
       </p:transition>
@@ -10383,17 +7399,28 @@
             <p:ph type="title"/>
           </p:nvPr>
         </p:nvSpPr>
-        <p:spPr/>
+        <p:spPr>
+          <a:xfrm>
+            <a:off x="838200" y="365126"/>
+            <a:ext cx="10730408" cy="1145224"/>
+          </a:xfrm>
+        </p:spPr>
         <p:txBody>
           <a:bodyPr rtlCol="0"/>
           <a:lstStyle/>
           <a:p>
             <a:pPr rtl="0"/>
             <a:r>
-              <a:rPr lang="ru-RU" dirty="0" smtClean="0"/>
-              <a:t>Макет заголовка и объектов с таблицей</a:t>
-            </a:r>
-            <a:endParaRPr lang="ru-RU" dirty="0"/>
+              <a:rPr lang="ru-RU" dirty="0" smtClean="0">
+                <a:latin typeface="Arial" panose="020B0604020202020204" pitchFamily="34" charset="0"/>
+                <a:cs typeface="Arial" panose="020B0604020202020204" pitchFamily="34" charset="0"/>
+              </a:rPr>
+              <a:t>Какая должна быть система для технического ВУЗа</a:t>
+            </a:r>
+            <a:endParaRPr lang="ru-RU" dirty="0">
+              <a:latin typeface="Arial" panose="020B0604020202020204" pitchFamily="34" charset="0"/>
+              <a:cs typeface="Arial" panose="020B0604020202020204" pitchFamily="34" charset="0"/>
+            </a:endParaRPr>
           </a:p>
         </p:txBody>
       </p:sp>
@@ -10404,7 +7431,7 @@
             <a:spLocks noGrp="1"/>
           </p:cNvSpPr>
           <p:nvPr>
-            <p:ph sz="half" idx="1"/>
+            <p:ph idx="1"/>
           </p:nvPr>
         </p:nvSpPr>
         <p:spPr/>
@@ -10414,291 +7441,77 @@
           <a:p>
             <a:pPr rtl="0"/>
             <a:r>
-              <a:rPr lang="ru-RU" dirty="0" smtClean="0"/>
-              <a:t>Первый пункт списка</a:t>
-            </a:r>
-          </a:p>
-          <a:p>
-            <a:pPr rtl="0"/>
-            <a:r>
-              <a:rPr lang="ru-RU" dirty="0" smtClean="0"/>
-              <a:t>Второй пункт списка</a:t>
-            </a:r>
-          </a:p>
-          <a:p>
-            <a:pPr rtl="0"/>
-            <a:r>
-              <a:rPr lang="ru-RU" dirty="0" smtClean="0"/>
-              <a:t>Третий пункт списка</a:t>
-            </a:r>
-            <a:endParaRPr lang="ru-RU" dirty="0"/>
-          </a:p>
-        </p:txBody>
-      </p:sp>
-      <p:graphicFrame>
-        <p:nvGraphicFramePr>
-          <p:cNvPr id="5" name="Объект 3"/>
-          <p:cNvGraphicFramePr>
-            <a:graphicFrameLocks noGrp="1"/>
-          </p:cNvGraphicFramePr>
-          <p:nvPr>
-            <p:ph sz="half" idx="2"/>
-            <p:extLst>
-              <p:ext uri="{D42A27DB-BD31-4B8C-83A1-F6EECF244321}">
-                <p14:modId xmlns:p14="http://schemas.microsoft.com/office/powerpoint/2010/main" val="1546654039"/>
-              </p:ext>
-            </p:extLst>
-          </p:nvPr>
-        </p:nvGraphicFramePr>
-        <p:xfrm>
-          <a:off x="6324600" y="1825623"/>
-          <a:ext cx="5029200" cy="2289176"/>
-        </p:xfrm>
-        <a:graphic>
-          <a:graphicData uri="http://schemas.openxmlformats.org/drawingml/2006/table">
-            <a:tbl>
-              <a:tblPr firstRow="1" bandRow="1">
-                <a:tableStyleId>{3B4B98B0-60AC-42C2-AFA5-B58CD77FA1E5}</a:tableStyleId>
-              </a:tblPr>
-              <a:tblGrid>
-                <a:gridCol w="1676400">
-                  <a:extLst>
-                    <a:ext uri="{9D8B030D-6E8A-4147-A177-3AD203B41FA5}">
-                      <a16:colId xmlns:a16="http://schemas.microsoft.com/office/drawing/2014/main" xmlns="" val="20000"/>
-                    </a:ext>
-                  </a:extLst>
-                </a:gridCol>
-                <a:gridCol w="1676400">
-                  <a:extLst>
-                    <a:ext uri="{9D8B030D-6E8A-4147-A177-3AD203B41FA5}">
-                      <a16:colId xmlns:a16="http://schemas.microsoft.com/office/drawing/2014/main" xmlns="" val="20001"/>
-                    </a:ext>
-                  </a:extLst>
-                </a:gridCol>
-                <a:gridCol w="1676400">
-                  <a:extLst>
-                    <a:ext uri="{9D8B030D-6E8A-4147-A177-3AD203B41FA5}">
-                      <a16:colId xmlns:a16="http://schemas.microsoft.com/office/drawing/2014/main" xmlns="" val="20002"/>
-                    </a:ext>
-                  </a:extLst>
-                </a:gridCol>
-              </a:tblGrid>
-              <a:tr h="572294">
-                <a:tc>
-                  <a:txBody>
-                    <a:bodyPr/>
-                    <a:lstStyle/>
-                    <a:p>
-                      <a:pPr algn="ctr" rtl="0"/>
-                      <a:r>
-                        <a:rPr lang="ru-RU" dirty="0" smtClean="0"/>
-                        <a:t>Занятие</a:t>
-                      </a:r>
-                      <a:endParaRPr lang="ru-RU" dirty="0"/>
-                    </a:p>
-                  </a:txBody>
-                  <a:tcPr anchor="ctr"/>
-                </a:tc>
-                <a:tc>
-                  <a:txBody>
-                    <a:bodyPr/>
-                    <a:lstStyle/>
-                    <a:p>
-                      <a:pPr algn="ctr" rtl="0"/>
-                      <a:r>
-                        <a:rPr lang="ru-RU" dirty="0" smtClean="0"/>
-                        <a:t>Группа 1</a:t>
-                      </a:r>
-                      <a:endParaRPr lang="ru-RU" dirty="0"/>
-                    </a:p>
-                  </a:txBody>
-                  <a:tcPr anchor="ctr"/>
-                </a:tc>
-                <a:tc>
-                  <a:txBody>
-                    <a:bodyPr/>
-                    <a:lstStyle/>
-                    <a:p>
-                      <a:pPr algn="ctr" rtl="0"/>
-                      <a:r>
-                        <a:rPr lang="ru-RU" dirty="0" smtClean="0"/>
-                        <a:t>Группа 2</a:t>
-                      </a:r>
-                      <a:endParaRPr lang="ru-RU" dirty="0"/>
-                    </a:p>
-                  </a:txBody>
-                  <a:tcPr anchor="ctr"/>
-                </a:tc>
-                <a:extLst>
-                  <a:ext uri="{0D108BD9-81ED-4DB2-BD59-A6C34878D82A}">
-                    <a16:rowId xmlns:a16="http://schemas.microsoft.com/office/drawing/2014/main" xmlns="" val="10000"/>
-                  </a:ext>
-                </a:extLst>
-              </a:tr>
-              <a:tr h="572294">
-                <a:tc>
-                  <a:txBody>
-                    <a:bodyPr/>
-                    <a:lstStyle/>
-                    <a:p>
-                      <a:pPr algn="ctr" rtl="0"/>
-                      <a:r>
-                        <a:rPr lang="ru-RU" dirty="0" smtClean="0"/>
-                        <a:t>Класс 1</a:t>
-                      </a:r>
-                      <a:endParaRPr lang="ru-RU" dirty="0"/>
-                    </a:p>
-                  </a:txBody>
-                  <a:tcPr anchor="ctr"/>
-                </a:tc>
-                <a:tc>
-                  <a:txBody>
-                    <a:bodyPr/>
-                    <a:lstStyle/>
-                    <a:p>
-                      <a:pPr algn="ctr" rtl="0"/>
-                      <a:r>
-                        <a:rPr lang="ru-RU" dirty="0" smtClean="0"/>
-                        <a:t>82</a:t>
-                      </a:r>
-                      <a:endParaRPr lang="ru-RU" dirty="0"/>
-                    </a:p>
-                  </a:txBody>
-                  <a:tcPr anchor="ctr"/>
-                </a:tc>
-                <a:tc>
-                  <a:txBody>
-                    <a:bodyPr/>
-                    <a:lstStyle/>
-                    <a:p>
-                      <a:pPr algn="ctr" rtl="0"/>
-                      <a:r>
-                        <a:rPr lang="ru-RU" dirty="0" smtClean="0"/>
-                        <a:t>95</a:t>
-                      </a:r>
-                      <a:endParaRPr lang="ru-RU" dirty="0"/>
-                    </a:p>
-                  </a:txBody>
-                  <a:tcPr anchor="ctr"/>
-                </a:tc>
-                <a:extLst>
-                  <a:ext uri="{0D108BD9-81ED-4DB2-BD59-A6C34878D82A}">
-                    <a16:rowId xmlns:a16="http://schemas.microsoft.com/office/drawing/2014/main" xmlns="" val="10001"/>
-                  </a:ext>
-                </a:extLst>
-              </a:tr>
-              <a:tr h="572294">
-                <a:tc>
-                  <a:txBody>
-                    <a:bodyPr/>
-                    <a:lstStyle/>
-                    <a:p>
-                      <a:pPr algn="ctr" rtl="0"/>
-                      <a:r>
-                        <a:rPr lang="ru-RU" dirty="0" smtClean="0"/>
-                        <a:t>Класс 2</a:t>
-                      </a:r>
-                      <a:endParaRPr lang="ru-RU" dirty="0"/>
-                    </a:p>
-                  </a:txBody>
-                  <a:tcPr anchor="ctr"/>
-                </a:tc>
-                <a:tc>
-                  <a:txBody>
-                    <a:bodyPr/>
-                    <a:lstStyle/>
-                    <a:p>
-                      <a:pPr algn="ctr" rtl="0"/>
-                      <a:r>
-                        <a:rPr lang="ru-RU" dirty="0" smtClean="0"/>
-                        <a:t>76</a:t>
-                      </a:r>
-                      <a:endParaRPr lang="ru-RU" dirty="0"/>
-                    </a:p>
-                  </a:txBody>
-                  <a:tcPr anchor="ctr"/>
-                </a:tc>
-                <a:tc>
-                  <a:txBody>
-                    <a:bodyPr/>
-                    <a:lstStyle/>
-                    <a:p>
-                      <a:pPr algn="ctr" rtl="0"/>
-                      <a:r>
-                        <a:rPr lang="ru-RU" dirty="0" smtClean="0"/>
-                        <a:t>88</a:t>
-                      </a:r>
-                      <a:endParaRPr lang="ru-RU" dirty="0"/>
-                    </a:p>
-                  </a:txBody>
-                  <a:tcPr anchor="ctr"/>
-                </a:tc>
-                <a:extLst>
-                  <a:ext uri="{0D108BD9-81ED-4DB2-BD59-A6C34878D82A}">
-                    <a16:rowId xmlns:a16="http://schemas.microsoft.com/office/drawing/2014/main" xmlns="" val="10002"/>
-                  </a:ext>
-                </a:extLst>
-              </a:tr>
-              <a:tr h="572294">
-                <a:tc>
-                  <a:txBody>
-                    <a:bodyPr/>
-                    <a:lstStyle/>
-                    <a:p>
-                      <a:pPr algn="ctr" rtl="0"/>
-                      <a:r>
-                        <a:rPr lang="ru-RU" dirty="0" smtClean="0"/>
-                        <a:t>Класс 3</a:t>
-                      </a:r>
-                      <a:endParaRPr lang="ru-RU" dirty="0"/>
-                    </a:p>
-                  </a:txBody>
-                  <a:tcPr anchor="ctr"/>
-                </a:tc>
-                <a:tc>
-                  <a:txBody>
-                    <a:bodyPr/>
-                    <a:lstStyle/>
-                    <a:p>
-                      <a:pPr algn="ctr" rtl="0"/>
-                      <a:r>
-                        <a:rPr lang="ru-RU" dirty="0" smtClean="0"/>
-                        <a:t>84</a:t>
-                      </a:r>
-                      <a:endParaRPr lang="ru-RU" dirty="0"/>
-                    </a:p>
-                  </a:txBody>
-                  <a:tcPr anchor="ctr"/>
-                </a:tc>
-                <a:tc>
-                  <a:txBody>
-                    <a:bodyPr/>
-                    <a:lstStyle/>
-                    <a:p>
-                      <a:pPr algn="ctr" rtl="0"/>
-                      <a:r>
-                        <a:rPr lang="ru-RU" dirty="0" smtClean="0"/>
-                        <a:t>90</a:t>
-                      </a:r>
-                      <a:endParaRPr lang="ru-RU" dirty="0"/>
-                    </a:p>
-                  </a:txBody>
-                  <a:tcPr anchor="ctr"/>
-                </a:tc>
-                <a:extLst>
-                  <a:ext uri="{0D108BD9-81ED-4DB2-BD59-A6C34878D82A}">
-                    <a16:rowId xmlns:a16="http://schemas.microsoft.com/office/drawing/2014/main" xmlns="" val="10003"/>
-                  </a:ext>
-                </a:extLst>
-              </a:tr>
-            </a:tbl>
-          </a:graphicData>
-        </a:graphic>
-      </p:graphicFrame>
+              <a:rPr lang="ru-RU" dirty="0" smtClean="0">
+                <a:latin typeface="Arial" panose="020B0604020202020204" pitchFamily="34" charset="0"/>
+                <a:cs typeface="Arial" panose="020B0604020202020204" pitchFamily="34" charset="0"/>
+              </a:rPr>
+              <a:t>С открытым кодом</a:t>
+            </a:r>
+            <a:endParaRPr lang="ru-RU" dirty="0" smtClean="0">
+              <a:latin typeface="Arial" panose="020B0604020202020204" pitchFamily="34" charset="0"/>
+              <a:cs typeface="Arial" panose="020B0604020202020204" pitchFamily="34" charset="0"/>
+            </a:endParaRPr>
+          </a:p>
+          <a:p>
+            <a:pPr rtl="0"/>
+            <a:r>
+              <a:rPr lang="ru-RU" dirty="0" smtClean="0">
+                <a:latin typeface="Arial" panose="020B0604020202020204" pitchFamily="34" charset="0"/>
+                <a:cs typeface="Arial" panose="020B0604020202020204" pitchFamily="34" charset="0"/>
+              </a:rPr>
+              <a:t>Использовать распространенные технологии программирования</a:t>
+            </a:r>
+            <a:endParaRPr lang="en-US" dirty="0" smtClean="0">
+              <a:latin typeface="Arial" panose="020B0604020202020204" pitchFamily="34" charset="0"/>
+              <a:cs typeface="Arial" panose="020B0604020202020204" pitchFamily="34" charset="0"/>
+            </a:endParaRPr>
+          </a:p>
+          <a:p>
+            <a:r>
+              <a:rPr lang="ru-RU" dirty="0" smtClean="0">
+                <a:latin typeface="Arial" panose="020B0604020202020204" pitchFamily="34" charset="0"/>
+                <a:cs typeface="Arial" panose="020B0604020202020204" pitchFamily="34" charset="0"/>
+              </a:rPr>
+              <a:t>Иметь открытую структуру базы данных</a:t>
+            </a:r>
+          </a:p>
+          <a:p>
+            <a:r>
+              <a:rPr lang="ru-RU" dirty="0" smtClean="0">
+                <a:latin typeface="Arial" panose="020B0604020202020204" pitchFamily="34" charset="0"/>
+                <a:cs typeface="Arial" panose="020B0604020202020204" pitchFamily="34" charset="0"/>
+              </a:rPr>
+              <a:t>Иметь блочную структуру</a:t>
+            </a:r>
+          </a:p>
+          <a:p>
+            <a:r>
+              <a:rPr lang="ru-RU" dirty="0" smtClean="0">
+                <a:latin typeface="Arial" panose="020B0604020202020204" pitchFamily="34" charset="0"/>
+                <a:cs typeface="Arial" panose="020B0604020202020204" pitchFamily="34" charset="0"/>
+              </a:rPr>
+              <a:t>Иметь возможность использовать разные СУБД и платформы</a:t>
+            </a:r>
+          </a:p>
+          <a:p>
+            <a:r>
+              <a:rPr lang="ru-RU" dirty="0" smtClean="0">
+                <a:latin typeface="Arial" panose="020B0604020202020204" pitchFamily="34" charset="0"/>
+                <a:cs typeface="Arial" panose="020B0604020202020204" pitchFamily="34" charset="0"/>
+              </a:rPr>
+              <a:t>Иметь простую архитектуру, чтобы ее могли поддерживать студенты </a:t>
+            </a:r>
+            <a:endParaRPr lang="ru-RU" dirty="0" smtClean="0">
+              <a:latin typeface="Arial" panose="020B0604020202020204" pitchFamily="34" charset="0"/>
+              <a:cs typeface="Arial" panose="020B0604020202020204" pitchFamily="34" charset="0"/>
+            </a:endParaRPr>
+          </a:p>
+        </p:txBody>
+      </p:sp>
     </p:spTree>
     <p:extLst>
       <p:ext uri="{BB962C8B-B14F-4D97-AF65-F5344CB8AC3E}">
-        <p14:creationId xmlns:p14="http://schemas.microsoft.com/office/powerpoint/2010/main" val="1180589104"/>
+        <p14:creationId xmlns:p14="http://schemas.microsoft.com/office/powerpoint/2010/main" val="1315313732"/>
       </p:ext>
     </p:extLst>
   </p:cSld>
@@ -10754,97 +7567,184 @@
           <a:p>
             <a:pPr rtl="0"/>
             <a:r>
-              <a:rPr lang="ru-RU" dirty="0" smtClean="0"/>
-              <a:t>Макет двух объектов со </a:t>
-            </a:r>
-            <a:r>
-              <a:rPr lang="ru-RU" dirty="0" err="1" smtClean="0"/>
-              <a:t>SmartArt</a:t>
-            </a:r>
-            <a:endParaRPr lang="ru-RU" dirty="0"/>
-          </a:p>
-        </p:txBody>
-      </p:sp>
-      <p:sp>
-        <p:nvSpPr>
-          <p:cNvPr id="5" name="Объект 3"/>
-          <p:cNvSpPr>
-            <a:spLocks noGrp="1"/>
-          </p:cNvSpPr>
-          <p:nvPr>
-            <p:ph sz="half" idx="1"/>
-          </p:nvPr>
-        </p:nvSpPr>
-        <p:spPr/>
-        <p:txBody>
-          <a:bodyPr rtlCol="0"/>
-          <a:lstStyle/>
-          <a:p>
-            <a:pPr rtl="0"/>
-            <a:r>
-              <a:rPr lang="ru-RU" dirty="0" smtClean="0"/>
-              <a:t>Первый пункт списка</a:t>
-            </a:r>
-          </a:p>
-          <a:p>
-            <a:pPr rtl="0"/>
-            <a:r>
-              <a:rPr lang="ru-RU" dirty="0" smtClean="0"/>
-              <a:t>Второй пункт списка</a:t>
-            </a:r>
-          </a:p>
-          <a:p>
-            <a:pPr rtl="0"/>
-            <a:r>
-              <a:rPr lang="ru-RU" dirty="0" smtClean="0"/>
-              <a:t>Третий пункт списка</a:t>
-            </a:r>
-            <a:endParaRPr lang="ru-RU" dirty="0"/>
-          </a:p>
-        </p:txBody>
-      </p:sp>
-      <p:graphicFrame>
-        <p:nvGraphicFramePr>
-          <p:cNvPr id="6" name="Объект 2" descr="Сегментированный процесс с четырьмя задачами, расположенными одна под другой. Три направленные вниз стрелки указывают на переход от первой задачи ко второй, от второй к третьей и от третьей к четвертой"/>
-          <p:cNvGraphicFramePr>
-            <a:graphicFrameLocks noGrp="1"/>
-          </p:cNvGraphicFramePr>
-          <p:nvPr>
-            <p:ph sz="half" idx="2"/>
-            <p:extLst>
-              <p:ext uri="{D42A27DB-BD31-4B8C-83A1-F6EECF244321}">
-                <p14:modId xmlns:p14="http://schemas.microsoft.com/office/powerpoint/2010/main" val="3141045467"/>
-              </p:ext>
-            </p:extLst>
-          </p:nvPr>
-        </p:nvGraphicFramePr>
-        <p:xfrm>
-          <a:off x="6324600" y="1825625"/>
-          <a:ext cx="5029200" cy="4351338"/>
-        </p:xfrm>
-        <a:graphic>
-          <a:graphicData uri="http://schemas.openxmlformats.org/drawingml/2006/diagram">
-            <dgm:relIds xmlns:dgm="http://schemas.openxmlformats.org/drawingml/2006/diagram" xmlns:r="http://schemas.openxmlformats.org/officeDocument/2006/relationships" r:dm="rId3" r:lo="rId4" r:qs="rId5" r:cs="rId6"/>
-          </a:graphicData>
-        </a:graphic>
-      </p:graphicFrame>
+              <a:rPr lang="ru-RU" dirty="0" smtClean="0">
+                <a:latin typeface="Arial" panose="020B0604020202020204" pitchFamily="34" charset="0"/>
+                <a:cs typeface="Arial" panose="020B0604020202020204" pitchFamily="34" charset="0"/>
+              </a:rPr>
+              <a:t>Выбранные технологии</a:t>
+            </a:r>
+            <a:endParaRPr lang="ru-RU" dirty="0">
+              <a:latin typeface="Arial" panose="020B0604020202020204" pitchFamily="34" charset="0"/>
+              <a:cs typeface="Arial" panose="020B0604020202020204" pitchFamily="34" charset="0"/>
+            </a:endParaRPr>
+          </a:p>
+        </p:txBody>
+      </p:sp>
+      <p:sp>
+        <p:nvSpPr>
+          <p:cNvPr id="3" name="Объект 2"/>
+          <p:cNvSpPr>
+            <a:spLocks noGrp="1"/>
+          </p:cNvSpPr>
+          <p:nvPr>
+            <p:ph idx="1"/>
+          </p:nvPr>
+        </p:nvSpPr>
+        <p:spPr/>
+        <p:txBody>
+          <a:bodyPr rtlCol="0">
+            <a:normAutofit/>
+          </a:bodyPr>
+          <a:lstStyle/>
+          <a:p>
+            <a:pPr marL="0" indent="0" rtl="0">
+              <a:buNone/>
+            </a:pPr>
+            <a:r>
+              <a:rPr lang="ru-RU" dirty="0" smtClean="0">
+                <a:latin typeface="Arial" panose="020B0604020202020204" pitchFamily="34" charset="0"/>
+                <a:cs typeface="Arial" panose="020B0604020202020204" pitchFamily="34" charset="0"/>
+              </a:rPr>
+              <a:t>Для </a:t>
+            </a:r>
+            <a:r>
+              <a:rPr lang="en-US" dirty="0" smtClean="0">
+                <a:latin typeface="Arial" panose="020B0604020202020204" pitchFamily="34" charset="0"/>
+                <a:cs typeface="Arial" panose="020B0604020202020204" pitchFamily="34" charset="0"/>
+              </a:rPr>
+              <a:t>back office ASP.net  </a:t>
+            </a:r>
+            <a:r>
+              <a:rPr lang="ru-RU" dirty="0" smtClean="0">
+                <a:latin typeface="Arial" panose="020B0604020202020204" pitchFamily="34" charset="0"/>
+                <a:cs typeface="Arial" panose="020B0604020202020204" pitchFamily="34" charset="0"/>
+              </a:rPr>
+              <a:t>технология</a:t>
+            </a:r>
+            <a:endParaRPr lang="ru-RU" dirty="0" smtClean="0">
+              <a:latin typeface="Arial" panose="020B0604020202020204" pitchFamily="34" charset="0"/>
+              <a:cs typeface="Arial" panose="020B0604020202020204" pitchFamily="34" charset="0"/>
+            </a:endParaRPr>
+          </a:p>
+          <a:p>
+            <a:r>
+              <a:rPr lang="ru-RU" dirty="0" smtClean="0">
+                <a:latin typeface="Arial" panose="020B0604020202020204" pitchFamily="34" charset="0"/>
+                <a:cs typeface="Arial" panose="020B0604020202020204" pitchFamily="34" charset="0"/>
+              </a:rPr>
+              <a:t>Гибкость</a:t>
+            </a:r>
+          </a:p>
+          <a:p>
+            <a:r>
+              <a:rPr lang="ru-RU" dirty="0" smtClean="0">
+                <a:latin typeface="Arial" panose="020B0604020202020204" pitchFamily="34" charset="0"/>
+                <a:cs typeface="Arial" panose="020B0604020202020204" pitchFamily="34" charset="0"/>
+              </a:rPr>
+              <a:t>Легкость разработки</a:t>
+            </a:r>
+          </a:p>
+          <a:p>
+            <a:pPr lvl="1"/>
+            <a:endParaRPr lang="ru-RU" dirty="0">
+              <a:latin typeface="Arial" panose="020B0604020202020204" pitchFamily="34" charset="0"/>
+              <a:cs typeface="Arial" panose="020B0604020202020204" pitchFamily="34" charset="0"/>
+            </a:endParaRPr>
+          </a:p>
+          <a:p>
+            <a:pPr marL="0" indent="0">
+              <a:buNone/>
+            </a:pPr>
+            <a:r>
+              <a:rPr lang="ru-RU" dirty="0" smtClean="0">
+                <a:latin typeface="Arial" panose="020B0604020202020204" pitchFamily="34" charset="0"/>
+                <a:cs typeface="Arial" panose="020B0604020202020204" pitchFamily="34" charset="0"/>
+              </a:rPr>
+              <a:t>Поскольку </a:t>
+            </a:r>
+            <a:r>
+              <a:rPr lang="en-US" dirty="0">
+                <a:latin typeface="Arial" panose="020B0604020202020204" pitchFamily="34" charset="0"/>
+                <a:cs typeface="Arial" panose="020B0604020202020204" pitchFamily="34" charset="0"/>
+              </a:rPr>
+              <a:t>back </a:t>
+            </a:r>
+            <a:r>
+              <a:rPr lang="en-US" dirty="0" smtClean="0">
+                <a:latin typeface="Arial" panose="020B0604020202020204" pitchFamily="34" charset="0"/>
+                <a:cs typeface="Arial" panose="020B0604020202020204" pitchFamily="34" charset="0"/>
+              </a:rPr>
+              <a:t>office</a:t>
+            </a:r>
+            <a:r>
+              <a:rPr lang="ru-RU" dirty="0" smtClean="0">
+                <a:latin typeface="Arial" panose="020B0604020202020204" pitchFamily="34" charset="0"/>
+                <a:cs typeface="Arial" panose="020B0604020202020204" pitchFamily="34" charset="0"/>
+              </a:rPr>
+              <a:t> постоянно требует изменений, новых отчетов и т.д.</a:t>
+            </a:r>
+          </a:p>
+          <a:p>
+            <a:pPr marL="0" indent="0">
+              <a:buNone/>
+            </a:pPr>
+            <a:r>
+              <a:rPr lang="ru-RU" dirty="0" smtClean="0">
+                <a:latin typeface="Arial" panose="020B0604020202020204" pitchFamily="34" charset="0"/>
+                <a:cs typeface="Arial" panose="020B0604020202020204" pitchFamily="34" charset="0"/>
+              </a:rPr>
+              <a:t>Пользователи </a:t>
+            </a:r>
+            <a:r>
+              <a:rPr lang="en-US" dirty="0">
+                <a:latin typeface="Arial" panose="020B0604020202020204" pitchFamily="34" charset="0"/>
+                <a:cs typeface="Arial" panose="020B0604020202020204" pitchFamily="34" charset="0"/>
+              </a:rPr>
+              <a:t>back </a:t>
+            </a:r>
+            <a:r>
+              <a:rPr lang="en-US" dirty="0" smtClean="0">
+                <a:latin typeface="Arial" panose="020B0604020202020204" pitchFamily="34" charset="0"/>
+                <a:cs typeface="Arial" panose="020B0604020202020204" pitchFamily="34" charset="0"/>
+              </a:rPr>
+              <a:t>office</a:t>
+            </a:r>
+            <a:r>
+              <a:rPr lang="ru-RU" dirty="0" smtClean="0">
+                <a:latin typeface="Arial" panose="020B0604020202020204" pitchFamily="34" charset="0"/>
+                <a:cs typeface="Arial" panose="020B0604020202020204" pitchFamily="34" charset="0"/>
+              </a:rPr>
+              <a:t> работают за ПК и ноутбуками, с мышью и большим экраном</a:t>
+            </a:r>
+          </a:p>
+          <a:p>
+            <a:pPr marL="0" indent="0">
+              <a:buNone/>
+            </a:pPr>
+            <a:endParaRPr lang="ru-RU" dirty="0" smtClean="0">
+              <a:latin typeface="Arial" panose="020B0604020202020204" pitchFamily="34" charset="0"/>
+              <a:cs typeface="Arial" panose="020B0604020202020204" pitchFamily="34" charset="0"/>
+            </a:endParaRPr>
+          </a:p>
+        </p:txBody>
+      </p:sp>
     </p:spTree>
     <p:extLst>
       <p:ext uri="{BB962C8B-B14F-4D97-AF65-F5344CB8AC3E}">
-        <p14:creationId xmlns:p14="http://schemas.microsoft.com/office/powerpoint/2010/main" val="2426022026"/>
+        <p14:creationId xmlns:p14="http://schemas.microsoft.com/office/powerpoint/2010/main" val="1231771652"/>
       </p:ext>
     </p:extLst>
   </p:cSld>
   <p:clrMapOvr>
     <a:masterClrMapping/>
   </p:clrMapOvr>
-  <mc:AlternateContent xmlns:mc="http://schemas.openxmlformats.org/markup-compatibility/2006" xmlns:p14="http://schemas.microsoft.com/office/powerpoint/2010/main">
-    <mc:Choice Requires="p14">
+  <mc:AlternateContent xmlns:mc="http://schemas.openxmlformats.org/markup-compatibility/2006">
+    <mc:Choice xmlns:p14="http://schemas.microsoft.com/office/powerpoint/2010/main" Requires="p14">
       <p:transition spd="med" p14:dur="700">
         <p:fade/>
       </p:transition>
     </mc:Choice>
-    <mc:Fallback xmlns="">
+    <mc:Fallback>
       <p:transition spd="med">
         <p:fade/>
       </p:transition>
@@ -10887,50 +7787,207 @@
           <a:p>
             <a:pPr rtl="0"/>
             <a:r>
-              <a:rPr lang="ru-RU" dirty="0" smtClean="0"/>
-              <a:t>Добавить заголовок слайда - 1</a:t>
-            </a:r>
-            <a:endParaRPr lang="ru-RU" dirty="0"/>
-          </a:p>
-        </p:txBody>
-      </p:sp>
-      <p:sp>
-        <p:nvSpPr>
-          <p:cNvPr id="3" name="Текст 2"/>
-          <p:cNvSpPr>
-            <a:spLocks noGrp="1"/>
-          </p:cNvSpPr>
-          <p:nvPr>
-            <p:ph type="body" idx="1"/>
-          </p:nvPr>
-        </p:nvSpPr>
-        <p:spPr/>
-        <p:txBody>
-          <a:bodyPr rtlCol="0"/>
-          <a:lstStyle/>
-          <a:p>
-            <a:pPr rtl="0"/>
-            <a:endParaRPr lang="ru-RU" dirty="0"/>
+              <a:rPr lang="ru-RU" dirty="0" smtClean="0">
+                <a:latin typeface="Arial" panose="020B0604020202020204" pitchFamily="34" charset="0"/>
+                <a:cs typeface="Arial" panose="020B0604020202020204" pitchFamily="34" charset="0"/>
+              </a:rPr>
+              <a:t>Выбранные технологии</a:t>
+            </a:r>
+            <a:endParaRPr lang="ru-RU" dirty="0">
+              <a:latin typeface="Arial" panose="020B0604020202020204" pitchFamily="34" charset="0"/>
+              <a:cs typeface="Arial" panose="020B0604020202020204" pitchFamily="34" charset="0"/>
+            </a:endParaRPr>
+          </a:p>
+        </p:txBody>
+      </p:sp>
+      <p:sp>
+        <p:nvSpPr>
+          <p:cNvPr id="3" name="Объект 2"/>
+          <p:cNvSpPr>
+            <a:spLocks noGrp="1"/>
+          </p:cNvSpPr>
+          <p:nvPr>
+            <p:ph idx="1"/>
+          </p:nvPr>
+        </p:nvSpPr>
+        <p:spPr/>
+        <p:txBody>
+          <a:bodyPr rtlCol="0">
+            <a:normAutofit/>
+          </a:bodyPr>
+          <a:lstStyle/>
+          <a:p>
+            <a:pPr marL="0" indent="0" rtl="0">
+              <a:buNone/>
+            </a:pPr>
+            <a:r>
+              <a:rPr lang="ru-RU" dirty="0" smtClean="0">
+                <a:latin typeface="Arial" panose="020B0604020202020204" pitchFamily="34" charset="0"/>
+                <a:cs typeface="Arial" panose="020B0604020202020204" pitchFamily="34" charset="0"/>
+              </a:rPr>
+              <a:t>Для </a:t>
+            </a:r>
+            <a:r>
+              <a:rPr lang="en-US" dirty="0" smtClean="0">
+                <a:latin typeface="Arial" panose="020B0604020202020204" pitchFamily="34" charset="0"/>
+                <a:cs typeface="Arial" panose="020B0604020202020204" pitchFamily="34" charset="0"/>
+              </a:rPr>
+              <a:t>front office REST Service</a:t>
+            </a:r>
+            <a:r>
+              <a:rPr lang="ru-RU" dirty="0" smtClean="0">
+                <a:latin typeface="Arial" panose="020B0604020202020204" pitchFamily="34" charset="0"/>
+                <a:cs typeface="Arial" panose="020B0604020202020204" pitchFamily="34" charset="0"/>
+              </a:rPr>
+              <a:t> на </a:t>
+            </a:r>
+            <a:r>
+              <a:rPr lang="en-US" dirty="0" smtClean="0">
+                <a:latin typeface="Arial" panose="020B0604020202020204" pitchFamily="34" charset="0"/>
+                <a:cs typeface="Arial" panose="020B0604020202020204" pitchFamily="34" charset="0"/>
+              </a:rPr>
+              <a:t>Java, Glass fish, Jersey</a:t>
+            </a:r>
+            <a:endParaRPr lang="ru-RU" dirty="0" smtClean="0">
+              <a:latin typeface="Arial" panose="020B0604020202020204" pitchFamily="34" charset="0"/>
+              <a:cs typeface="Arial" panose="020B0604020202020204" pitchFamily="34" charset="0"/>
+            </a:endParaRPr>
+          </a:p>
+          <a:p>
+            <a:r>
+              <a:rPr lang="ru-RU" dirty="0" smtClean="0">
+                <a:latin typeface="Arial" panose="020B0604020202020204" pitchFamily="34" charset="0"/>
+                <a:cs typeface="Arial" panose="020B0604020202020204" pitchFamily="34" charset="0"/>
+              </a:rPr>
+              <a:t>Легко состыковать с </a:t>
+            </a:r>
+            <a:r>
+              <a:rPr lang="en-US" dirty="0" smtClean="0">
+                <a:latin typeface="Arial" panose="020B0604020202020204" pitchFamily="34" charset="0"/>
+                <a:cs typeface="Arial" panose="020B0604020202020204" pitchFamily="34" charset="0"/>
+              </a:rPr>
+              <a:t>Android </a:t>
+            </a:r>
+            <a:r>
+              <a:rPr lang="ru-RU" dirty="0" smtClean="0">
+                <a:latin typeface="Arial" panose="020B0604020202020204" pitchFamily="34" charset="0"/>
+                <a:cs typeface="Arial" panose="020B0604020202020204" pitchFamily="34" charset="0"/>
+              </a:rPr>
+              <a:t>решениями</a:t>
+            </a:r>
+            <a:endParaRPr lang="ru-RU" dirty="0" smtClean="0">
+              <a:latin typeface="Arial" panose="020B0604020202020204" pitchFamily="34" charset="0"/>
+              <a:cs typeface="Arial" panose="020B0604020202020204" pitchFamily="34" charset="0"/>
+            </a:endParaRPr>
+          </a:p>
+          <a:p>
+            <a:r>
+              <a:rPr lang="ru-RU" dirty="0" smtClean="0">
+                <a:latin typeface="Arial" panose="020B0604020202020204" pitchFamily="34" charset="0"/>
+                <a:cs typeface="Arial" panose="020B0604020202020204" pitchFamily="34" charset="0"/>
+              </a:rPr>
+              <a:t>Позволяет на клиенте сделать спец. приложение</a:t>
+            </a:r>
+          </a:p>
+          <a:p>
+            <a:pPr lvl="1"/>
+            <a:endParaRPr lang="ru-RU" dirty="0">
+              <a:latin typeface="Arial" panose="020B0604020202020204" pitchFamily="34" charset="0"/>
+              <a:cs typeface="Arial" panose="020B0604020202020204" pitchFamily="34" charset="0"/>
+            </a:endParaRPr>
+          </a:p>
+          <a:p>
+            <a:pPr marL="0" indent="0">
+              <a:buNone/>
+            </a:pPr>
+            <a:r>
+              <a:rPr lang="ru-RU" dirty="0" smtClean="0">
+                <a:latin typeface="Arial" panose="020B0604020202020204" pitchFamily="34" charset="0"/>
+                <a:cs typeface="Arial" panose="020B0604020202020204" pitchFamily="34" charset="0"/>
+              </a:rPr>
+              <a:t>Поскольку </a:t>
+            </a:r>
+            <a:r>
+              <a:rPr lang="en-US" dirty="0">
+                <a:latin typeface="Arial" panose="020B0604020202020204" pitchFamily="34" charset="0"/>
+                <a:cs typeface="Arial" panose="020B0604020202020204" pitchFamily="34" charset="0"/>
+              </a:rPr>
+              <a:t>front</a:t>
+            </a:r>
+            <a:r>
+              <a:rPr lang="en-US" dirty="0" smtClean="0">
+                <a:latin typeface="Arial" panose="020B0604020202020204" pitchFamily="34" charset="0"/>
+                <a:cs typeface="Arial" panose="020B0604020202020204" pitchFamily="34" charset="0"/>
+              </a:rPr>
+              <a:t> office</a:t>
+            </a:r>
+            <a:r>
+              <a:rPr lang="ru-RU" dirty="0" smtClean="0">
+                <a:latin typeface="Arial" panose="020B0604020202020204" pitchFamily="34" charset="0"/>
+                <a:cs typeface="Arial" panose="020B0604020202020204" pitchFamily="34" charset="0"/>
+              </a:rPr>
+              <a:t> редко требует изменений, решает типовые информационные задачи.</a:t>
+            </a:r>
+          </a:p>
+          <a:p>
+            <a:pPr marL="0" indent="0">
+              <a:buNone/>
+            </a:pPr>
+            <a:r>
+              <a:rPr lang="ru-RU" dirty="0" smtClean="0">
+                <a:latin typeface="Arial" panose="020B0604020202020204" pitchFamily="34" charset="0"/>
+                <a:cs typeface="Arial" panose="020B0604020202020204" pitchFamily="34" charset="0"/>
+              </a:rPr>
+              <a:t>Пользователи </a:t>
+            </a:r>
+            <a:r>
+              <a:rPr lang="en-US" dirty="0" smtClean="0">
+                <a:latin typeface="Arial" panose="020B0604020202020204" pitchFamily="34" charset="0"/>
+                <a:cs typeface="Arial" panose="020B0604020202020204" pitchFamily="34" charset="0"/>
+              </a:rPr>
+              <a:t>front office</a:t>
+            </a:r>
+            <a:r>
+              <a:rPr lang="ru-RU" dirty="0" smtClean="0">
+                <a:latin typeface="Arial" panose="020B0604020202020204" pitchFamily="34" charset="0"/>
+                <a:cs typeface="Arial" panose="020B0604020202020204" pitchFamily="34" charset="0"/>
+              </a:rPr>
+              <a:t> работают</a:t>
+            </a:r>
+            <a:r>
+              <a:rPr lang="en-US" dirty="0" smtClean="0">
+                <a:latin typeface="Arial" panose="020B0604020202020204" pitchFamily="34" charset="0"/>
+                <a:cs typeface="Arial" panose="020B0604020202020204" pitchFamily="34" charset="0"/>
+              </a:rPr>
+              <a:t> </a:t>
+            </a:r>
+            <a:r>
+              <a:rPr lang="ru-RU" dirty="0" smtClean="0">
+                <a:latin typeface="Arial" panose="020B0604020202020204" pitchFamily="34" charset="0"/>
+                <a:cs typeface="Arial" panose="020B0604020202020204" pitchFamily="34" charset="0"/>
+              </a:rPr>
+              <a:t>со смартфонами.</a:t>
+            </a:r>
           </a:p>
         </p:txBody>
       </p:sp>
     </p:spTree>
     <p:extLst>
       <p:ext uri="{BB962C8B-B14F-4D97-AF65-F5344CB8AC3E}">
-        <p14:creationId xmlns:p14="http://schemas.microsoft.com/office/powerpoint/2010/main" val="1783796071"/>
+        <p14:creationId xmlns:p14="http://schemas.microsoft.com/office/powerpoint/2010/main" val="3611409654"/>
       </p:ext>
     </p:extLst>
   </p:cSld>
   <p:clrMapOvr>
     <a:masterClrMapping/>
   </p:clrMapOvr>
-  <mc:AlternateContent xmlns:mc="http://schemas.openxmlformats.org/markup-compatibility/2006" xmlns:p14="http://schemas.microsoft.com/office/powerpoint/2010/main">
-    <mc:Choice Requires="p14">
+  <mc:AlternateContent xmlns:mc="http://schemas.openxmlformats.org/markup-compatibility/2006">
+    <mc:Choice xmlns:p14="http://schemas.microsoft.com/office/powerpoint/2010/main" Requires="p14">
       <p:transition spd="med" p14:dur="700">
         <p:fade/>
       </p:transition>
     </mc:Choice>
-    <mc:Fallback xmlns="">
+    <mc:Fallback>
       <p:transition spd="med">
         <p:fade/>
       </p:transition>
